--- a/1000genomes_Presentation.pptx
+++ b/1000genomes_Presentation.pptx
@@ -6,6 +6,8 @@
   </p:sldMasterIdLst>
   <p:sldIdLst>
     <p:sldId id="256" r:id="rId2"/>
+    <p:sldId id="258" r:id="rId3"/>
+    <p:sldId id="257" r:id="rId4"/>
   </p:sldIdLst>
   <p:sldSz cx="12192000" cy="6858000"/>
   <p:notesSz cx="6858000" cy="9144000"/>
@@ -104,7 +106,5140 @@
       </a:defRPr>
     </a:lvl9pPr>
   </p:defaultTextStyle>
+  <p:extLst>
+    <p:ext uri="{EFAFB233-063F-42B5-8137-9DF3F51BA10A}">
+      <p15:sldGuideLst xmlns:p15="http://schemas.microsoft.com/office/powerpoint/2012/main"/>
+    </p:ext>
+  </p:extLst>
 </p:presentation>
+</file>
+
+<file path=ppt/diagrams/colors1.xml><?xml version="1.0" encoding="utf-8"?>
+<dgm:colorsDef xmlns:dgm="http://schemas.openxmlformats.org/drawingml/2006/diagram" xmlns:a="http://schemas.openxmlformats.org/drawingml/2006/main" uniqueId="urn:microsoft.com/office/officeart/2005/8/colors/accent1_2">
+  <dgm:title val=""/>
+  <dgm:desc val=""/>
+  <dgm:catLst>
+    <dgm:cat type="accent1" pri="11200"/>
+  </dgm:catLst>
+  <dgm:styleLbl name="node0">
+    <dgm:fillClrLst meth="repeat">
+      <a:schemeClr val="accent1"/>
+    </dgm:fillClrLst>
+    <dgm:linClrLst meth="repeat">
+      <a:schemeClr val="lt1"/>
+    </dgm:linClrLst>
+    <dgm:effectClrLst/>
+    <dgm:txLinClrLst/>
+    <dgm:txFillClrLst/>
+    <dgm:txEffectClrLst/>
+  </dgm:styleLbl>
+  <dgm:styleLbl name="alignNode1">
+    <dgm:fillClrLst meth="repeat">
+      <a:schemeClr val="accent1"/>
+    </dgm:fillClrLst>
+    <dgm:linClrLst meth="repeat">
+      <a:schemeClr val="accent1"/>
+    </dgm:linClrLst>
+    <dgm:effectClrLst/>
+    <dgm:txLinClrLst/>
+    <dgm:txFillClrLst/>
+    <dgm:txEffectClrLst/>
+  </dgm:styleLbl>
+  <dgm:styleLbl name="node1">
+    <dgm:fillClrLst meth="repeat">
+      <a:schemeClr val="accent1"/>
+    </dgm:fillClrLst>
+    <dgm:linClrLst meth="repeat">
+      <a:schemeClr val="lt1"/>
+    </dgm:linClrLst>
+    <dgm:effectClrLst/>
+    <dgm:txLinClrLst/>
+    <dgm:txFillClrLst/>
+    <dgm:txEffectClrLst/>
+  </dgm:styleLbl>
+  <dgm:styleLbl name="lnNode1">
+    <dgm:fillClrLst meth="repeat">
+      <a:schemeClr val="accent1"/>
+    </dgm:fillClrLst>
+    <dgm:linClrLst meth="repeat">
+      <a:schemeClr val="lt1"/>
+    </dgm:linClrLst>
+    <dgm:effectClrLst/>
+    <dgm:txLinClrLst/>
+    <dgm:txFillClrLst/>
+    <dgm:txEffectClrLst/>
+  </dgm:styleLbl>
+  <dgm:styleLbl name="vennNode1">
+    <dgm:fillClrLst meth="repeat">
+      <a:schemeClr val="accent1">
+        <a:alpha val="50000"/>
+      </a:schemeClr>
+    </dgm:fillClrLst>
+    <dgm:linClrLst meth="repeat">
+      <a:schemeClr val="lt1"/>
+    </dgm:linClrLst>
+    <dgm:effectClrLst/>
+    <dgm:txLinClrLst/>
+    <dgm:txFillClrLst/>
+    <dgm:txEffectClrLst/>
+  </dgm:styleLbl>
+  <dgm:styleLbl name="node2">
+    <dgm:fillClrLst meth="repeat">
+      <a:schemeClr val="accent1"/>
+    </dgm:fillClrLst>
+    <dgm:linClrLst meth="repeat">
+      <a:schemeClr val="lt1"/>
+    </dgm:linClrLst>
+    <dgm:effectClrLst/>
+    <dgm:txLinClrLst/>
+    <dgm:txFillClrLst/>
+    <dgm:txEffectClrLst/>
+  </dgm:styleLbl>
+  <dgm:styleLbl name="node3">
+    <dgm:fillClrLst meth="repeat">
+      <a:schemeClr val="accent1"/>
+    </dgm:fillClrLst>
+    <dgm:linClrLst meth="repeat">
+      <a:schemeClr val="lt1"/>
+    </dgm:linClrLst>
+    <dgm:effectClrLst/>
+    <dgm:txLinClrLst/>
+    <dgm:txFillClrLst/>
+    <dgm:txEffectClrLst/>
+  </dgm:styleLbl>
+  <dgm:styleLbl name="node4">
+    <dgm:fillClrLst meth="repeat">
+      <a:schemeClr val="accent1"/>
+    </dgm:fillClrLst>
+    <dgm:linClrLst meth="repeat">
+      <a:schemeClr val="lt1"/>
+    </dgm:linClrLst>
+    <dgm:effectClrLst/>
+    <dgm:txLinClrLst/>
+    <dgm:txFillClrLst/>
+    <dgm:txEffectClrLst/>
+  </dgm:styleLbl>
+  <dgm:styleLbl name="fgImgPlace1">
+    <dgm:fillClrLst meth="repeat">
+      <a:schemeClr val="accent1">
+        <a:tint val="50000"/>
+      </a:schemeClr>
+    </dgm:fillClrLst>
+    <dgm:linClrLst meth="repeat">
+      <a:schemeClr val="lt1"/>
+    </dgm:linClrLst>
+    <dgm:effectClrLst/>
+    <dgm:txLinClrLst/>
+    <dgm:txFillClrLst meth="repeat">
+      <a:schemeClr val="lt1"/>
+    </dgm:txFillClrLst>
+    <dgm:txEffectClrLst/>
+  </dgm:styleLbl>
+  <dgm:styleLbl name="alignImgPlace1">
+    <dgm:fillClrLst meth="repeat">
+      <a:schemeClr val="accent1">
+        <a:tint val="50000"/>
+      </a:schemeClr>
+    </dgm:fillClrLst>
+    <dgm:linClrLst meth="repeat">
+      <a:schemeClr val="lt1"/>
+    </dgm:linClrLst>
+    <dgm:effectClrLst/>
+    <dgm:txLinClrLst/>
+    <dgm:txFillClrLst meth="repeat">
+      <a:schemeClr val="lt1"/>
+    </dgm:txFillClrLst>
+    <dgm:txEffectClrLst/>
+  </dgm:styleLbl>
+  <dgm:styleLbl name="bgImgPlace1">
+    <dgm:fillClrLst meth="repeat">
+      <a:schemeClr val="accent1">
+        <a:tint val="50000"/>
+      </a:schemeClr>
+    </dgm:fillClrLst>
+    <dgm:linClrLst meth="repeat">
+      <a:schemeClr val="lt1"/>
+    </dgm:linClrLst>
+    <dgm:effectClrLst/>
+    <dgm:txLinClrLst/>
+    <dgm:txFillClrLst meth="repeat">
+      <a:schemeClr val="lt1"/>
+    </dgm:txFillClrLst>
+    <dgm:txEffectClrLst/>
+  </dgm:styleLbl>
+  <dgm:styleLbl name="sibTrans2D1">
+    <dgm:fillClrLst meth="repeat">
+      <a:schemeClr val="accent1">
+        <a:tint val="60000"/>
+      </a:schemeClr>
+    </dgm:fillClrLst>
+    <dgm:linClrLst meth="repeat">
+      <a:schemeClr val="accent1">
+        <a:tint val="60000"/>
+      </a:schemeClr>
+    </dgm:linClrLst>
+    <dgm:effectClrLst/>
+    <dgm:txLinClrLst/>
+    <dgm:txFillClrLst/>
+    <dgm:txEffectClrLst/>
+  </dgm:styleLbl>
+  <dgm:styleLbl name="fgSibTrans2D1">
+    <dgm:fillClrLst meth="repeat">
+      <a:schemeClr val="accent1">
+        <a:tint val="60000"/>
+      </a:schemeClr>
+    </dgm:fillClrLst>
+    <dgm:linClrLst meth="repeat">
+      <a:schemeClr val="accent1">
+        <a:tint val="60000"/>
+      </a:schemeClr>
+    </dgm:linClrLst>
+    <dgm:effectClrLst/>
+    <dgm:txLinClrLst/>
+    <dgm:txFillClrLst/>
+    <dgm:txEffectClrLst/>
+  </dgm:styleLbl>
+  <dgm:styleLbl name="bgSibTrans2D1">
+    <dgm:fillClrLst meth="repeat">
+      <a:schemeClr val="accent1">
+        <a:tint val="60000"/>
+      </a:schemeClr>
+    </dgm:fillClrLst>
+    <dgm:linClrLst meth="repeat">
+      <a:schemeClr val="accent1">
+        <a:tint val="60000"/>
+      </a:schemeClr>
+    </dgm:linClrLst>
+    <dgm:effectClrLst/>
+    <dgm:txLinClrLst/>
+    <dgm:txFillClrLst/>
+    <dgm:txEffectClrLst/>
+  </dgm:styleLbl>
+  <dgm:styleLbl name="sibTrans1D1">
+    <dgm:fillClrLst meth="repeat">
+      <a:schemeClr val="accent1"/>
+    </dgm:fillClrLst>
+    <dgm:linClrLst meth="repeat">
+      <a:schemeClr val="accent1"/>
+    </dgm:linClrLst>
+    <dgm:effectClrLst/>
+    <dgm:txLinClrLst/>
+    <dgm:txFillClrLst meth="repeat">
+      <a:schemeClr val="tx1"/>
+    </dgm:txFillClrLst>
+    <dgm:txEffectClrLst/>
+  </dgm:styleLbl>
+  <dgm:styleLbl name="callout">
+    <dgm:fillClrLst meth="repeat">
+      <a:schemeClr val="accent1"/>
+    </dgm:fillClrLst>
+    <dgm:linClrLst meth="repeat">
+      <a:schemeClr val="accent1">
+        <a:tint val="50000"/>
+      </a:schemeClr>
+    </dgm:linClrLst>
+    <dgm:effectClrLst/>
+    <dgm:txLinClrLst/>
+    <dgm:txFillClrLst meth="repeat">
+      <a:schemeClr val="tx1"/>
+    </dgm:txFillClrLst>
+    <dgm:txEffectClrLst/>
+  </dgm:styleLbl>
+  <dgm:styleLbl name="asst0">
+    <dgm:fillClrLst meth="repeat">
+      <a:schemeClr val="accent1"/>
+    </dgm:fillClrLst>
+    <dgm:linClrLst meth="repeat">
+      <a:schemeClr val="lt1"/>
+    </dgm:linClrLst>
+    <dgm:effectClrLst/>
+    <dgm:txLinClrLst/>
+    <dgm:txFillClrLst/>
+    <dgm:txEffectClrLst/>
+  </dgm:styleLbl>
+  <dgm:styleLbl name="asst1">
+    <dgm:fillClrLst meth="repeat">
+      <a:schemeClr val="accent1"/>
+    </dgm:fillClrLst>
+    <dgm:linClrLst meth="repeat">
+      <a:schemeClr val="lt1"/>
+    </dgm:linClrLst>
+    <dgm:effectClrLst/>
+    <dgm:txLinClrLst/>
+    <dgm:txFillClrLst/>
+    <dgm:txEffectClrLst/>
+  </dgm:styleLbl>
+  <dgm:styleLbl name="asst2">
+    <dgm:fillClrLst meth="repeat">
+      <a:schemeClr val="accent1"/>
+    </dgm:fillClrLst>
+    <dgm:linClrLst meth="repeat">
+      <a:schemeClr val="lt1"/>
+    </dgm:linClrLst>
+    <dgm:effectClrLst/>
+    <dgm:txLinClrLst/>
+    <dgm:txFillClrLst/>
+    <dgm:txEffectClrLst/>
+  </dgm:styleLbl>
+  <dgm:styleLbl name="asst3">
+    <dgm:fillClrLst meth="repeat">
+      <a:schemeClr val="accent1"/>
+    </dgm:fillClrLst>
+    <dgm:linClrLst meth="repeat">
+      <a:schemeClr val="lt1"/>
+    </dgm:linClrLst>
+    <dgm:effectClrLst/>
+    <dgm:txLinClrLst/>
+    <dgm:txFillClrLst/>
+    <dgm:txEffectClrLst/>
+  </dgm:styleLbl>
+  <dgm:styleLbl name="asst4">
+    <dgm:fillClrLst meth="repeat">
+      <a:schemeClr val="accent1"/>
+    </dgm:fillClrLst>
+    <dgm:linClrLst meth="repeat">
+      <a:schemeClr val="lt1"/>
+    </dgm:linClrLst>
+    <dgm:effectClrLst/>
+    <dgm:txLinClrLst/>
+    <dgm:txFillClrLst/>
+    <dgm:txEffectClrLst/>
+  </dgm:styleLbl>
+  <dgm:styleLbl name="parChTrans2D1">
+    <dgm:fillClrLst meth="repeat">
+      <a:schemeClr val="accent1">
+        <a:tint val="60000"/>
+      </a:schemeClr>
+    </dgm:fillClrLst>
+    <dgm:linClrLst meth="repeat">
+      <a:schemeClr val="accent1">
+        <a:tint val="60000"/>
+      </a:schemeClr>
+    </dgm:linClrLst>
+    <dgm:effectClrLst/>
+    <dgm:txLinClrLst/>
+    <dgm:txFillClrLst meth="repeat">
+      <a:schemeClr val="lt1"/>
+    </dgm:txFillClrLst>
+    <dgm:txEffectClrLst/>
+  </dgm:styleLbl>
+  <dgm:styleLbl name="parChTrans2D2">
+    <dgm:fillClrLst meth="repeat">
+      <a:schemeClr val="accent1"/>
+    </dgm:fillClrLst>
+    <dgm:linClrLst meth="repeat">
+      <a:schemeClr val="accent1"/>
+    </dgm:linClrLst>
+    <dgm:effectClrLst/>
+    <dgm:txLinClrLst/>
+    <dgm:txFillClrLst meth="repeat">
+      <a:schemeClr val="lt1"/>
+    </dgm:txFillClrLst>
+    <dgm:txEffectClrLst/>
+  </dgm:styleLbl>
+  <dgm:styleLbl name="parChTrans2D3">
+    <dgm:fillClrLst meth="repeat">
+      <a:schemeClr val="accent1"/>
+    </dgm:fillClrLst>
+    <dgm:linClrLst meth="repeat">
+      <a:schemeClr val="accent1"/>
+    </dgm:linClrLst>
+    <dgm:effectClrLst/>
+    <dgm:txLinClrLst/>
+    <dgm:txFillClrLst meth="repeat">
+      <a:schemeClr val="lt1"/>
+    </dgm:txFillClrLst>
+    <dgm:txEffectClrLst/>
+  </dgm:styleLbl>
+  <dgm:styleLbl name="parChTrans2D4">
+    <dgm:fillClrLst meth="repeat">
+      <a:schemeClr val="accent1"/>
+    </dgm:fillClrLst>
+    <dgm:linClrLst meth="repeat">
+      <a:schemeClr val="accent1"/>
+    </dgm:linClrLst>
+    <dgm:effectClrLst/>
+    <dgm:txLinClrLst/>
+    <dgm:txFillClrLst meth="repeat">
+      <a:schemeClr val="lt1"/>
+    </dgm:txFillClrLst>
+    <dgm:txEffectClrLst/>
+  </dgm:styleLbl>
+  <dgm:styleLbl name="parChTrans1D1">
+    <dgm:fillClrLst meth="repeat">
+      <a:schemeClr val="accent1"/>
+    </dgm:fillClrLst>
+    <dgm:linClrLst meth="repeat">
+      <a:schemeClr val="accent1">
+        <a:shade val="60000"/>
+      </a:schemeClr>
+    </dgm:linClrLst>
+    <dgm:effectClrLst/>
+    <dgm:txLinClrLst/>
+    <dgm:txFillClrLst meth="repeat">
+      <a:schemeClr val="tx1"/>
+    </dgm:txFillClrLst>
+    <dgm:txEffectClrLst/>
+  </dgm:styleLbl>
+  <dgm:styleLbl name="parChTrans1D2">
+    <dgm:fillClrLst meth="repeat">
+      <a:schemeClr val="accent1"/>
+    </dgm:fillClrLst>
+    <dgm:linClrLst meth="repeat">
+      <a:schemeClr val="accent1">
+        <a:shade val="60000"/>
+      </a:schemeClr>
+    </dgm:linClrLst>
+    <dgm:effectClrLst/>
+    <dgm:txLinClrLst/>
+    <dgm:txFillClrLst meth="repeat">
+      <a:schemeClr val="tx1"/>
+    </dgm:txFillClrLst>
+    <dgm:txEffectClrLst/>
+  </dgm:styleLbl>
+  <dgm:styleLbl name="parChTrans1D3">
+    <dgm:fillClrLst meth="repeat">
+      <a:schemeClr val="accent1"/>
+    </dgm:fillClrLst>
+    <dgm:linClrLst meth="repeat">
+      <a:schemeClr val="accent1">
+        <a:shade val="80000"/>
+      </a:schemeClr>
+    </dgm:linClrLst>
+    <dgm:effectClrLst/>
+    <dgm:txLinClrLst/>
+    <dgm:txFillClrLst meth="repeat">
+      <a:schemeClr val="tx1"/>
+    </dgm:txFillClrLst>
+    <dgm:txEffectClrLst/>
+  </dgm:styleLbl>
+  <dgm:styleLbl name="parChTrans1D4">
+    <dgm:fillClrLst meth="repeat">
+      <a:schemeClr val="accent1"/>
+    </dgm:fillClrLst>
+    <dgm:linClrLst meth="repeat">
+      <a:schemeClr val="accent1">
+        <a:shade val="80000"/>
+      </a:schemeClr>
+    </dgm:linClrLst>
+    <dgm:effectClrLst/>
+    <dgm:txLinClrLst/>
+    <dgm:txFillClrLst meth="repeat">
+      <a:schemeClr val="tx1"/>
+    </dgm:txFillClrLst>
+    <dgm:txEffectClrLst/>
+  </dgm:styleLbl>
+  <dgm:styleLbl name="fgAcc1">
+    <dgm:fillClrLst meth="repeat">
+      <a:schemeClr val="lt1">
+        <a:alpha val="90000"/>
+      </a:schemeClr>
+    </dgm:fillClrLst>
+    <dgm:linClrLst meth="repeat">
+      <a:schemeClr val="accent1"/>
+    </dgm:linClrLst>
+    <dgm:effectClrLst/>
+    <dgm:txLinClrLst/>
+    <dgm:txFillClrLst meth="repeat">
+      <a:schemeClr val="dk1"/>
+    </dgm:txFillClrLst>
+    <dgm:txEffectClrLst/>
+  </dgm:styleLbl>
+  <dgm:styleLbl name="conFgAcc1">
+    <dgm:fillClrLst meth="repeat">
+      <a:schemeClr val="lt1">
+        <a:alpha val="90000"/>
+      </a:schemeClr>
+    </dgm:fillClrLst>
+    <dgm:linClrLst meth="repeat">
+      <a:schemeClr val="accent1"/>
+    </dgm:linClrLst>
+    <dgm:effectClrLst/>
+    <dgm:txLinClrLst/>
+    <dgm:txFillClrLst meth="repeat">
+      <a:schemeClr val="dk1"/>
+    </dgm:txFillClrLst>
+    <dgm:txEffectClrLst/>
+  </dgm:styleLbl>
+  <dgm:styleLbl name="alignAcc1">
+    <dgm:fillClrLst meth="repeat">
+      <a:schemeClr val="lt1">
+        <a:alpha val="90000"/>
+      </a:schemeClr>
+    </dgm:fillClrLst>
+    <dgm:linClrLst meth="repeat">
+      <a:schemeClr val="accent1"/>
+    </dgm:linClrLst>
+    <dgm:effectClrLst/>
+    <dgm:txLinClrLst/>
+    <dgm:txFillClrLst meth="repeat">
+      <a:schemeClr val="dk1"/>
+    </dgm:txFillClrLst>
+    <dgm:txEffectClrLst/>
+  </dgm:styleLbl>
+  <dgm:styleLbl name="trAlignAcc1">
+    <dgm:fillClrLst meth="repeat">
+      <a:schemeClr val="lt1">
+        <a:alpha val="40000"/>
+      </a:schemeClr>
+    </dgm:fillClrLst>
+    <dgm:linClrLst meth="repeat">
+      <a:schemeClr val="accent1"/>
+    </dgm:linClrLst>
+    <dgm:effectClrLst/>
+    <dgm:txLinClrLst/>
+    <dgm:txFillClrLst meth="repeat">
+      <a:schemeClr val="dk1"/>
+    </dgm:txFillClrLst>
+    <dgm:txEffectClrLst/>
+  </dgm:styleLbl>
+  <dgm:styleLbl name="bgAcc1">
+    <dgm:fillClrLst meth="repeat">
+      <a:schemeClr val="lt1">
+        <a:alpha val="90000"/>
+      </a:schemeClr>
+    </dgm:fillClrLst>
+    <dgm:linClrLst meth="repeat">
+      <a:schemeClr val="accent1"/>
+    </dgm:linClrLst>
+    <dgm:effectClrLst/>
+    <dgm:txLinClrLst/>
+    <dgm:txFillClrLst meth="repeat">
+      <a:schemeClr val="dk1"/>
+    </dgm:txFillClrLst>
+    <dgm:txEffectClrLst/>
+  </dgm:styleLbl>
+  <dgm:styleLbl name="solidFgAcc1">
+    <dgm:fillClrLst meth="repeat">
+      <a:schemeClr val="lt1"/>
+    </dgm:fillClrLst>
+    <dgm:linClrLst meth="repeat">
+      <a:schemeClr val="accent1"/>
+    </dgm:linClrLst>
+    <dgm:effectClrLst/>
+    <dgm:txLinClrLst/>
+    <dgm:txFillClrLst meth="repeat">
+      <a:schemeClr val="dk1"/>
+    </dgm:txFillClrLst>
+    <dgm:txEffectClrLst/>
+  </dgm:styleLbl>
+  <dgm:styleLbl name="solidAlignAcc1">
+    <dgm:fillClrLst meth="repeat">
+      <a:schemeClr val="lt1"/>
+    </dgm:fillClrLst>
+    <dgm:linClrLst meth="repeat">
+      <a:schemeClr val="accent1"/>
+    </dgm:linClrLst>
+    <dgm:effectClrLst/>
+    <dgm:txLinClrLst/>
+    <dgm:txFillClrLst meth="repeat">
+      <a:schemeClr val="dk1"/>
+    </dgm:txFillClrLst>
+    <dgm:txEffectClrLst/>
+  </dgm:styleLbl>
+  <dgm:styleLbl name="solidBgAcc1">
+    <dgm:fillClrLst meth="repeat">
+      <a:schemeClr val="lt1"/>
+    </dgm:fillClrLst>
+    <dgm:linClrLst meth="repeat">
+      <a:schemeClr val="accent1"/>
+    </dgm:linClrLst>
+    <dgm:effectClrLst/>
+    <dgm:txLinClrLst/>
+    <dgm:txFillClrLst meth="repeat">
+      <a:schemeClr val="dk1"/>
+    </dgm:txFillClrLst>
+    <dgm:txEffectClrLst/>
+  </dgm:styleLbl>
+  <dgm:styleLbl name="fgAccFollowNode1">
+    <dgm:fillClrLst meth="repeat">
+      <a:schemeClr val="accent1">
+        <a:alpha val="90000"/>
+        <a:tint val="40000"/>
+      </a:schemeClr>
+    </dgm:fillClrLst>
+    <dgm:linClrLst meth="repeat">
+      <a:schemeClr val="accent1">
+        <a:alpha val="90000"/>
+        <a:tint val="40000"/>
+      </a:schemeClr>
+    </dgm:linClrLst>
+    <dgm:effectClrLst/>
+    <dgm:txLinClrLst/>
+    <dgm:txFillClrLst meth="repeat">
+      <a:schemeClr val="dk1"/>
+    </dgm:txFillClrLst>
+    <dgm:txEffectClrLst/>
+  </dgm:styleLbl>
+  <dgm:styleLbl name="alignAccFollowNode1">
+    <dgm:fillClrLst meth="repeat">
+      <a:schemeClr val="accent1">
+        <a:alpha val="90000"/>
+        <a:tint val="40000"/>
+      </a:schemeClr>
+    </dgm:fillClrLst>
+    <dgm:linClrLst meth="repeat">
+      <a:schemeClr val="accent1">
+        <a:alpha val="90000"/>
+        <a:tint val="40000"/>
+      </a:schemeClr>
+    </dgm:linClrLst>
+    <dgm:effectClrLst/>
+    <dgm:txLinClrLst/>
+    <dgm:txFillClrLst meth="repeat">
+      <a:schemeClr val="dk1"/>
+    </dgm:txFillClrLst>
+    <dgm:txEffectClrLst/>
+  </dgm:styleLbl>
+  <dgm:styleLbl name="bgAccFollowNode1">
+    <dgm:fillClrLst meth="repeat">
+      <a:schemeClr val="accent1">
+        <a:alpha val="90000"/>
+        <a:tint val="40000"/>
+      </a:schemeClr>
+    </dgm:fillClrLst>
+    <dgm:linClrLst meth="repeat">
+      <a:schemeClr val="accent1">
+        <a:alpha val="90000"/>
+        <a:tint val="40000"/>
+      </a:schemeClr>
+    </dgm:linClrLst>
+    <dgm:effectClrLst/>
+    <dgm:txLinClrLst/>
+    <dgm:txFillClrLst meth="repeat">
+      <a:schemeClr val="dk1"/>
+    </dgm:txFillClrLst>
+    <dgm:txEffectClrLst/>
+  </dgm:styleLbl>
+  <dgm:styleLbl name="fgAcc0">
+    <dgm:fillClrLst meth="repeat">
+      <a:schemeClr val="lt1">
+        <a:alpha val="90000"/>
+      </a:schemeClr>
+    </dgm:fillClrLst>
+    <dgm:linClrLst meth="repeat">
+      <a:schemeClr val="accent1"/>
+    </dgm:linClrLst>
+    <dgm:effectClrLst/>
+    <dgm:txLinClrLst/>
+    <dgm:txFillClrLst meth="repeat">
+      <a:schemeClr val="dk1"/>
+    </dgm:txFillClrLst>
+    <dgm:txEffectClrLst/>
+  </dgm:styleLbl>
+  <dgm:styleLbl name="fgAcc2">
+    <dgm:fillClrLst meth="repeat">
+      <a:schemeClr val="lt1">
+        <a:alpha val="90000"/>
+      </a:schemeClr>
+    </dgm:fillClrLst>
+    <dgm:linClrLst meth="repeat">
+      <a:schemeClr val="accent1"/>
+    </dgm:linClrLst>
+    <dgm:effectClrLst/>
+    <dgm:txLinClrLst/>
+    <dgm:txFillClrLst meth="repeat">
+      <a:schemeClr val="dk1"/>
+    </dgm:txFillClrLst>
+    <dgm:txEffectClrLst/>
+  </dgm:styleLbl>
+  <dgm:styleLbl name="fgAcc3">
+    <dgm:fillClrLst meth="repeat">
+      <a:schemeClr val="lt1">
+        <a:alpha val="90000"/>
+      </a:schemeClr>
+    </dgm:fillClrLst>
+    <dgm:linClrLst meth="repeat">
+      <a:schemeClr val="accent1"/>
+    </dgm:linClrLst>
+    <dgm:effectClrLst/>
+    <dgm:txLinClrLst/>
+    <dgm:txFillClrLst meth="repeat">
+      <a:schemeClr val="dk1"/>
+    </dgm:txFillClrLst>
+    <dgm:txEffectClrLst/>
+  </dgm:styleLbl>
+  <dgm:styleLbl name="fgAcc4">
+    <dgm:fillClrLst meth="repeat">
+      <a:schemeClr val="lt1">
+        <a:alpha val="90000"/>
+      </a:schemeClr>
+    </dgm:fillClrLst>
+    <dgm:linClrLst meth="repeat">
+      <a:schemeClr val="accent1"/>
+    </dgm:linClrLst>
+    <dgm:effectClrLst/>
+    <dgm:txLinClrLst/>
+    <dgm:txFillClrLst meth="repeat">
+      <a:schemeClr val="dk1"/>
+    </dgm:txFillClrLst>
+    <dgm:txEffectClrLst/>
+  </dgm:styleLbl>
+  <dgm:styleLbl name="bgShp">
+    <dgm:fillClrLst meth="repeat">
+      <a:schemeClr val="accent1">
+        <a:tint val="40000"/>
+      </a:schemeClr>
+    </dgm:fillClrLst>
+    <dgm:linClrLst meth="repeat">
+      <a:schemeClr val="accent1"/>
+    </dgm:linClrLst>
+    <dgm:effectClrLst/>
+    <dgm:txLinClrLst/>
+    <dgm:txFillClrLst meth="repeat">
+      <a:schemeClr val="dk1"/>
+    </dgm:txFillClrLst>
+    <dgm:txEffectClrLst/>
+  </dgm:styleLbl>
+  <dgm:styleLbl name="dkBgShp">
+    <dgm:fillClrLst meth="repeat">
+      <a:schemeClr val="accent1">
+        <a:shade val="80000"/>
+      </a:schemeClr>
+    </dgm:fillClrLst>
+    <dgm:linClrLst meth="repeat">
+      <a:schemeClr val="accent1"/>
+    </dgm:linClrLst>
+    <dgm:effectClrLst/>
+    <dgm:txLinClrLst/>
+    <dgm:txFillClrLst meth="repeat">
+      <a:schemeClr val="lt1"/>
+    </dgm:txFillClrLst>
+    <dgm:txEffectClrLst/>
+  </dgm:styleLbl>
+  <dgm:styleLbl name="trBgShp">
+    <dgm:fillClrLst meth="repeat">
+      <a:schemeClr val="accent1">
+        <a:tint val="50000"/>
+        <a:alpha val="40000"/>
+      </a:schemeClr>
+    </dgm:fillClrLst>
+    <dgm:linClrLst meth="repeat">
+      <a:schemeClr val="accent1"/>
+    </dgm:linClrLst>
+    <dgm:effectClrLst/>
+    <dgm:txLinClrLst/>
+    <dgm:txFillClrLst meth="repeat">
+      <a:schemeClr val="lt1"/>
+    </dgm:txFillClrLst>
+    <dgm:txEffectClrLst/>
+  </dgm:styleLbl>
+  <dgm:styleLbl name="fgShp">
+    <dgm:fillClrLst meth="repeat">
+      <a:schemeClr val="accent1">
+        <a:tint val="60000"/>
+      </a:schemeClr>
+    </dgm:fillClrLst>
+    <dgm:linClrLst meth="repeat">
+      <a:schemeClr val="lt1"/>
+    </dgm:linClrLst>
+    <dgm:effectClrLst/>
+    <dgm:txLinClrLst/>
+    <dgm:txFillClrLst meth="repeat">
+      <a:schemeClr val="dk1"/>
+    </dgm:txFillClrLst>
+    <dgm:txEffectClrLst/>
+  </dgm:styleLbl>
+  <dgm:styleLbl name="revTx">
+    <dgm:fillClrLst meth="repeat">
+      <a:schemeClr val="lt1">
+        <a:alpha val="0"/>
+      </a:schemeClr>
+    </dgm:fillClrLst>
+    <dgm:linClrLst meth="repeat">
+      <a:schemeClr val="dk1">
+        <a:alpha val="0"/>
+      </a:schemeClr>
+    </dgm:linClrLst>
+    <dgm:effectClrLst/>
+    <dgm:txLinClrLst/>
+    <dgm:txFillClrLst meth="repeat">
+      <a:schemeClr val="tx1"/>
+    </dgm:txFillClrLst>
+    <dgm:txEffectClrLst/>
+  </dgm:styleLbl>
+</dgm:colorsDef>
+</file>
+
+<file path=ppt/diagrams/data1.xml><?xml version="1.0" encoding="utf-8"?>
+<dgm:dataModel xmlns:dgm="http://schemas.openxmlformats.org/drawingml/2006/diagram" xmlns:a="http://schemas.openxmlformats.org/drawingml/2006/main">
+  <dgm:ptLst>
+    <dgm:pt modelId="{1AF84FCC-0BFD-4661-8F28-0890349FDFF3}" type="doc">
+      <dgm:prSet loTypeId="urn:microsoft.com/office/officeart/2018/5/layout/CenteredIconLabelDescriptionList" loCatId="icon" qsTypeId="urn:microsoft.com/office/officeart/2005/8/quickstyle/simple4" qsCatId="simple" csTypeId="urn:microsoft.com/office/officeart/2005/8/colors/accent1_2" csCatId="accent1" phldr="1"/>
+      <dgm:spPr/>
+      <dgm:t>
+        <a:bodyPr/>
+        <a:lstStyle/>
+        <a:p>
+          <a:endParaRPr lang="en-AU"/>
+        </a:p>
+      </dgm:t>
+    </dgm:pt>
+    <dgm:pt modelId="{199FBA9B-AE7C-49F5-9DAE-848212BBAA0B}">
+      <dgm:prSet phldrT="[Text]"/>
+      <dgm:spPr/>
+      <dgm:t>
+        <a:bodyPr/>
+        <a:lstStyle/>
+        <a:p>
+          <a:pPr>
+            <a:lnSpc>
+              <a:spcPct val="100000"/>
+            </a:lnSpc>
+            <a:defRPr b="1"/>
+          </a:pPr>
+          <a:r>
+            <a:rPr lang="en-AU"/>
+            <a:t>Ingestion</a:t>
+          </a:r>
+        </a:p>
+      </dgm:t>
+    </dgm:pt>
+    <dgm:pt modelId="{2FE4705E-2119-4329-A885-AA3281DE0E29}" type="parTrans" cxnId="{CBDCB903-A9C7-4A8B-AD5C-8B69ADBEAEAC}">
+      <dgm:prSet/>
+      <dgm:spPr/>
+      <dgm:t>
+        <a:bodyPr/>
+        <a:lstStyle/>
+        <a:p>
+          <a:endParaRPr lang="en-AU"/>
+        </a:p>
+      </dgm:t>
+    </dgm:pt>
+    <dgm:pt modelId="{DDDE64ED-56F6-4A52-8339-2183E321E619}" type="sibTrans" cxnId="{CBDCB903-A9C7-4A8B-AD5C-8B69ADBEAEAC}">
+      <dgm:prSet/>
+      <dgm:spPr/>
+      <dgm:t>
+        <a:bodyPr/>
+        <a:lstStyle/>
+        <a:p>
+          <a:endParaRPr lang="en-AU"/>
+        </a:p>
+      </dgm:t>
+    </dgm:pt>
+    <dgm:pt modelId="{6286EB6B-8319-4CEF-BD3E-63B598F21650}">
+      <dgm:prSet phldrT="[Text]"/>
+      <dgm:spPr/>
+      <dgm:t>
+        <a:bodyPr/>
+        <a:lstStyle/>
+        <a:p>
+          <a:pPr>
+            <a:lnSpc>
+              <a:spcPct val="100000"/>
+            </a:lnSpc>
+          </a:pPr>
+          <a:r>
+            <a:rPr lang="en-AU"/>
+            <a:t>AWS S3</a:t>
+          </a:r>
+        </a:p>
+      </dgm:t>
+    </dgm:pt>
+    <dgm:pt modelId="{6D3DDCB0-72E2-41C0-B3E3-3B44D5B6D940}" type="parTrans" cxnId="{1F6233EE-613D-4BE0-8019-61CC092D4AD1}">
+      <dgm:prSet/>
+      <dgm:spPr/>
+      <dgm:t>
+        <a:bodyPr/>
+        <a:lstStyle/>
+        <a:p>
+          <a:endParaRPr lang="en-AU"/>
+        </a:p>
+      </dgm:t>
+    </dgm:pt>
+    <dgm:pt modelId="{5DCDA224-C723-4497-82BC-76A317306C60}" type="sibTrans" cxnId="{1F6233EE-613D-4BE0-8019-61CC092D4AD1}">
+      <dgm:prSet/>
+      <dgm:spPr/>
+      <dgm:t>
+        <a:bodyPr/>
+        <a:lstStyle/>
+        <a:p>
+          <a:endParaRPr lang="en-AU"/>
+        </a:p>
+      </dgm:t>
+    </dgm:pt>
+    <dgm:pt modelId="{177EDF71-F0DF-4CFD-90C2-5207AFF6B2F0}">
+      <dgm:prSet phldrT="[Text]"/>
+      <dgm:spPr/>
+      <dgm:t>
+        <a:bodyPr/>
+        <a:lstStyle/>
+        <a:p>
+          <a:pPr>
+            <a:lnSpc>
+              <a:spcPct val="100000"/>
+            </a:lnSpc>
+          </a:pPr>
+          <a:r>
+            <a:rPr lang="en-AU"/>
+            <a:t>.csv files</a:t>
+          </a:r>
+        </a:p>
+      </dgm:t>
+    </dgm:pt>
+    <dgm:pt modelId="{6F771D15-7FB4-4CB2-A07F-0E79DCA2A98D}" type="parTrans" cxnId="{F128AF61-C40E-4415-B4D9-900A76742583}">
+      <dgm:prSet/>
+      <dgm:spPr/>
+      <dgm:t>
+        <a:bodyPr/>
+        <a:lstStyle/>
+        <a:p>
+          <a:endParaRPr lang="en-AU"/>
+        </a:p>
+      </dgm:t>
+    </dgm:pt>
+    <dgm:pt modelId="{C1DAE4FF-1407-4070-ABFE-53154F78AE61}" type="sibTrans" cxnId="{F128AF61-C40E-4415-B4D9-900A76742583}">
+      <dgm:prSet/>
+      <dgm:spPr/>
+      <dgm:t>
+        <a:bodyPr/>
+        <a:lstStyle/>
+        <a:p>
+          <a:endParaRPr lang="en-AU"/>
+        </a:p>
+      </dgm:t>
+    </dgm:pt>
+    <dgm:pt modelId="{7A7DD00A-CEC1-405F-9D57-825C63649AE4}">
+      <dgm:prSet phldrT="[Text]"/>
+      <dgm:spPr/>
+      <dgm:t>
+        <a:bodyPr/>
+        <a:lstStyle/>
+        <a:p>
+          <a:pPr>
+            <a:lnSpc>
+              <a:spcPct val="100000"/>
+            </a:lnSpc>
+            <a:defRPr b="1"/>
+          </a:pPr>
+          <a:r>
+            <a:rPr lang="en-AU"/>
+            <a:t>Storage</a:t>
+          </a:r>
+        </a:p>
+      </dgm:t>
+    </dgm:pt>
+    <dgm:pt modelId="{13A41C78-62F7-4CD3-BA7F-45B28C9E4BE4}" type="parTrans" cxnId="{3F0269B3-5ADC-4A39-99FD-CCCB659253DF}">
+      <dgm:prSet/>
+      <dgm:spPr/>
+      <dgm:t>
+        <a:bodyPr/>
+        <a:lstStyle/>
+        <a:p>
+          <a:endParaRPr lang="en-AU"/>
+        </a:p>
+      </dgm:t>
+    </dgm:pt>
+    <dgm:pt modelId="{D259E911-AC7B-42CE-BA28-35413516EC20}" type="sibTrans" cxnId="{3F0269B3-5ADC-4A39-99FD-CCCB659253DF}">
+      <dgm:prSet/>
+      <dgm:spPr/>
+      <dgm:t>
+        <a:bodyPr/>
+        <a:lstStyle/>
+        <a:p>
+          <a:endParaRPr lang="en-AU"/>
+        </a:p>
+      </dgm:t>
+    </dgm:pt>
+    <dgm:pt modelId="{EFCDC946-23AD-4B53-8A26-B7AA95445B9A}">
+      <dgm:prSet phldrT="[Text]"/>
+      <dgm:spPr/>
+      <dgm:t>
+        <a:bodyPr/>
+        <a:lstStyle/>
+        <a:p>
+          <a:pPr>
+            <a:lnSpc>
+              <a:spcPct val="100000"/>
+            </a:lnSpc>
+          </a:pPr>
+          <a:r>
+            <a:rPr lang="en-AU"/>
+            <a:t>Pandas </a:t>
+          </a:r>
+        </a:p>
+      </dgm:t>
+    </dgm:pt>
+    <dgm:pt modelId="{D9F98FDC-3148-44D7-A115-7AFA8581F0C5}" type="parTrans" cxnId="{895AD68D-340B-4DBB-B3A6-5180881FCC9A}">
+      <dgm:prSet/>
+      <dgm:spPr/>
+      <dgm:t>
+        <a:bodyPr/>
+        <a:lstStyle/>
+        <a:p>
+          <a:endParaRPr lang="en-AU"/>
+        </a:p>
+      </dgm:t>
+    </dgm:pt>
+    <dgm:pt modelId="{341A5282-52C6-491B-942D-527C07A478E6}" type="sibTrans" cxnId="{895AD68D-340B-4DBB-B3A6-5180881FCC9A}">
+      <dgm:prSet/>
+      <dgm:spPr/>
+      <dgm:t>
+        <a:bodyPr/>
+        <a:lstStyle/>
+        <a:p>
+          <a:endParaRPr lang="en-AU"/>
+        </a:p>
+      </dgm:t>
+    </dgm:pt>
+    <dgm:pt modelId="{8C669D65-0A55-4E86-9580-520A1B437F69}">
+      <dgm:prSet phldrT="[Text]"/>
+      <dgm:spPr/>
+      <dgm:t>
+        <a:bodyPr/>
+        <a:lstStyle/>
+        <a:p>
+          <a:pPr>
+            <a:lnSpc>
+              <a:spcPct val="100000"/>
+            </a:lnSpc>
+            <a:defRPr b="1"/>
+          </a:pPr>
+          <a:r>
+            <a:rPr lang="en-AU"/>
+            <a:t>Preprocessing</a:t>
+          </a:r>
+        </a:p>
+      </dgm:t>
+    </dgm:pt>
+    <dgm:pt modelId="{50C2A9CB-BD66-400D-B0D0-EDEC166E500B}" type="parTrans" cxnId="{0E0BEF31-E19C-4374-91DC-B57B6CBE04EA}">
+      <dgm:prSet/>
+      <dgm:spPr/>
+      <dgm:t>
+        <a:bodyPr/>
+        <a:lstStyle/>
+        <a:p>
+          <a:endParaRPr lang="en-AU"/>
+        </a:p>
+      </dgm:t>
+    </dgm:pt>
+    <dgm:pt modelId="{D51B0718-D7C9-4FA5-B8D4-81099DF68D80}" type="sibTrans" cxnId="{0E0BEF31-E19C-4374-91DC-B57B6CBE04EA}">
+      <dgm:prSet/>
+      <dgm:spPr/>
+      <dgm:t>
+        <a:bodyPr/>
+        <a:lstStyle/>
+        <a:p>
+          <a:endParaRPr lang="en-AU"/>
+        </a:p>
+      </dgm:t>
+    </dgm:pt>
+    <dgm:pt modelId="{6CCBA381-A891-487B-8ECC-D296600813BC}">
+      <dgm:prSet phldrT="[Text]"/>
+      <dgm:spPr/>
+      <dgm:t>
+        <a:bodyPr/>
+        <a:lstStyle/>
+        <a:p>
+          <a:pPr>
+            <a:lnSpc>
+              <a:spcPct val="100000"/>
+            </a:lnSpc>
+          </a:pPr>
+          <a:r>
+            <a:rPr lang="en-AU" dirty="0"/>
+            <a:t>TensorFlow –</a:t>
+          </a:r>
+          <a:br>
+            <a:rPr lang="en-AU" dirty="0"/>
+          </a:br>
+          <a:r>
+            <a:rPr lang="en-AU" dirty="0"/>
+            <a:t>One Hot Encoding</a:t>
+          </a:r>
+        </a:p>
+      </dgm:t>
+    </dgm:pt>
+    <dgm:pt modelId="{7D4339CD-8623-421D-98D2-89F316D0DA75}" type="parTrans" cxnId="{EE8F4866-B968-49BB-9639-6948C394B571}">
+      <dgm:prSet/>
+      <dgm:spPr/>
+      <dgm:t>
+        <a:bodyPr/>
+        <a:lstStyle/>
+        <a:p>
+          <a:endParaRPr lang="en-AU"/>
+        </a:p>
+      </dgm:t>
+    </dgm:pt>
+    <dgm:pt modelId="{BA3D7D1C-9B87-4C35-9956-EB4FFA25FD97}" type="sibTrans" cxnId="{EE8F4866-B968-49BB-9639-6948C394B571}">
+      <dgm:prSet/>
+      <dgm:spPr/>
+      <dgm:t>
+        <a:bodyPr/>
+        <a:lstStyle/>
+        <a:p>
+          <a:endParaRPr lang="en-AU"/>
+        </a:p>
+      </dgm:t>
+    </dgm:pt>
+    <dgm:pt modelId="{32D66D39-0431-40FF-9EA0-1EEF345E8EC4}">
+      <dgm:prSet phldrT="[Text]"/>
+      <dgm:spPr/>
+      <dgm:t>
+        <a:bodyPr/>
+        <a:lstStyle/>
+        <a:p>
+          <a:pPr>
+            <a:lnSpc>
+              <a:spcPct val="100000"/>
+            </a:lnSpc>
+            <a:defRPr b="1"/>
+          </a:pPr>
+          <a:r>
+            <a:rPr lang="en-AU"/>
+            <a:t>Transformation</a:t>
+          </a:r>
+        </a:p>
+      </dgm:t>
+    </dgm:pt>
+    <dgm:pt modelId="{2DBF721F-BE4F-4D73-9AAD-62F3B082DA67}" type="parTrans" cxnId="{07E189F9-D30E-432E-AFD1-65F7B24ED8A4}">
+      <dgm:prSet/>
+      <dgm:spPr/>
+      <dgm:t>
+        <a:bodyPr/>
+        <a:lstStyle/>
+        <a:p>
+          <a:endParaRPr lang="en-AU"/>
+        </a:p>
+      </dgm:t>
+    </dgm:pt>
+    <dgm:pt modelId="{4047F0F6-20CD-4050-8A62-CB6AD9150A2F}" type="sibTrans" cxnId="{07E189F9-D30E-432E-AFD1-65F7B24ED8A4}">
+      <dgm:prSet/>
+      <dgm:spPr/>
+      <dgm:t>
+        <a:bodyPr/>
+        <a:lstStyle/>
+        <a:p>
+          <a:endParaRPr lang="en-AU"/>
+        </a:p>
+      </dgm:t>
+    </dgm:pt>
+    <dgm:pt modelId="{DEB0D2BB-341A-42A5-BF01-3380535ABFC0}">
+      <dgm:prSet phldrT="[Text]"/>
+      <dgm:spPr/>
+      <dgm:t>
+        <a:bodyPr/>
+        <a:lstStyle/>
+        <a:p>
+          <a:pPr>
+            <a:lnSpc>
+              <a:spcPct val="100000"/>
+            </a:lnSpc>
+          </a:pPr>
+          <a:r>
+            <a:rPr lang="en-AU"/>
+            <a:t>hv plot</a:t>
+          </a:r>
+        </a:p>
+      </dgm:t>
+    </dgm:pt>
+    <dgm:pt modelId="{AEE82EDC-FE8C-4856-8BA0-B3F74B0A7B1C}" type="parTrans" cxnId="{7C7571E5-92E0-47D2-9D7E-21C5AEAAF75B}">
+      <dgm:prSet/>
+      <dgm:spPr/>
+      <dgm:t>
+        <a:bodyPr/>
+        <a:lstStyle/>
+        <a:p>
+          <a:endParaRPr lang="en-AU"/>
+        </a:p>
+      </dgm:t>
+    </dgm:pt>
+    <dgm:pt modelId="{082D6C29-EDF9-41DF-A466-F85835EA880D}" type="sibTrans" cxnId="{7C7571E5-92E0-47D2-9D7E-21C5AEAAF75B}">
+      <dgm:prSet/>
+      <dgm:spPr/>
+      <dgm:t>
+        <a:bodyPr/>
+        <a:lstStyle/>
+        <a:p>
+          <a:endParaRPr lang="en-AU"/>
+        </a:p>
+      </dgm:t>
+    </dgm:pt>
+    <dgm:pt modelId="{A73F4F14-5100-426B-890E-6ADA1F6440ED}">
+      <dgm:prSet phldrT="[Text]"/>
+      <dgm:spPr/>
+      <dgm:t>
+        <a:bodyPr/>
+        <a:lstStyle/>
+        <a:p>
+          <a:pPr>
+            <a:lnSpc>
+              <a:spcPct val="100000"/>
+            </a:lnSpc>
+            <a:defRPr b="1"/>
+          </a:pPr>
+          <a:r>
+            <a:rPr lang="en-AU"/>
+            <a:t>Training</a:t>
+          </a:r>
+        </a:p>
+      </dgm:t>
+    </dgm:pt>
+    <dgm:pt modelId="{DC13E40C-8FE9-446A-8E87-316D5C749B59}" type="parTrans" cxnId="{A121A2F3-A95B-42AA-8791-175B58924155}">
+      <dgm:prSet/>
+      <dgm:spPr/>
+      <dgm:t>
+        <a:bodyPr/>
+        <a:lstStyle/>
+        <a:p>
+          <a:endParaRPr lang="en-AU"/>
+        </a:p>
+      </dgm:t>
+    </dgm:pt>
+    <dgm:pt modelId="{0227F8D7-9E31-49E8-ABA1-4ECE5E25E9B1}" type="sibTrans" cxnId="{A121A2F3-A95B-42AA-8791-175B58924155}">
+      <dgm:prSet/>
+      <dgm:spPr/>
+      <dgm:t>
+        <a:bodyPr/>
+        <a:lstStyle/>
+        <a:p>
+          <a:endParaRPr lang="en-AU"/>
+        </a:p>
+      </dgm:t>
+    </dgm:pt>
+    <dgm:pt modelId="{CD6ABFCA-9438-4C1C-A36F-E8732368C05B}">
+      <dgm:prSet phldrT="[Text]"/>
+      <dgm:spPr/>
+      <dgm:t>
+        <a:bodyPr/>
+        <a:lstStyle/>
+        <a:p>
+          <a:pPr>
+            <a:lnSpc>
+              <a:spcPct val="100000"/>
+            </a:lnSpc>
+          </a:pPr>
+          <a:r>
+            <a:rPr lang="en-AU" dirty="0"/>
+            <a:t>TensorFlow</a:t>
+          </a:r>
+        </a:p>
+        <a:p>
+          <a:pPr>
+            <a:lnSpc>
+              <a:spcPct val="100000"/>
+            </a:lnSpc>
+          </a:pPr>
+          <a:r>
+            <a:rPr lang="en-AU" dirty="0"/>
+            <a:t>Scikit-learn</a:t>
+          </a:r>
+        </a:p>
+        <a:p>
+          <a:pPr>
+            <a:lnSpc>
+              <a:spcPct val="100000"/>
+            </a:lnSpc>
+          </a:pPr>
+          <a:r>
+            <a:rPr lang="en-AU" dirty="0" err="1"/>
+            <a:t>Keras</a:t>
+          </a:r>
+          <a:r>
+            <a:rPr lang="en-AU" dirty="0"/>
+            <a:t>-tuner</a:t>
+          </a:r>
+        </a:p>
+      </dgm:t>
+    </dgm:pt>
+    <dgm:pt modelId="{F84B6DE2-D256-499C-BDD9-12EF06BF4B48}" type="parTrans" cxnId="{47BBB95F-A9BF-43C0-813A-EB8B0C9B29D6}">
+      <dgm:prSet/>
+      <dgm:spPr/>
+      <dgm:t>
+        <a:bodyPr/>
+        <a:lstStyle/>
+        <a:p>
+          <a:endParaRPr lang="en-AU"/>
+        </a:p>
+      </dgm:t>
+    </dgm:pt>
+    <dgm:pt modelId="{7D708455-B5EA-4B40-9A9E-2A3AD07EAB23}" type="sibTrans" cxnId="{47BBB95F-A9BF-43C0-813A-EB8B0C9B29D6}">
+      <dgm:prSet/>
+      <dgm:spPr/>
+      <dgm:t>
+        <a:bodyPr/>
+        <a:lstStyle/>
+        <a:p>
+          <a:endParaRPr lang="en-AU"/>
+        </a:p>
+      </dgm:t>
+    </dgm:pt>
+    <dgm:pt modelId="{089E3F4E-FD81-452C-80FE-CD27F6182740}">
+      <dgm:prSet phldrT="[Text]"/>
+      <dgm:spPr/>
+      <dgm:t>
+        <a:bodyPr/>
+        <a:lstStyle/>
+        <a:p>
+          <a:pPr>
+            <a:lnSpc>
+              <a:spcPct val="100000"/>
+            </a:lnSpc>
+            <a:defRPr b="1"/>
+          </a:pPr>
+          <a:r>
+            <a:rPr lang="en-AU"/>
+            <a:t>Evaluation</a:t>
+          </a:r>
+        </a:p>
+      </dgm:t>
+    </dgm:pt>
+    <dgm:pt modelId="{491D7FA8-640B-44BB-A468-75FC3C5E3315}" type="parTrans" cxnId="{82D4DF63-95D9-46C2-9500-EB00BD6B0056}">
+      <dgm:prSet/>
+      <dgm:spPr/>
+      <dgm:t>
+        <a:bodyPr/>
+        <a:lstStyle/>
+        <a:p>
+          <a:endParaRPr lang="en-AU"/>
+        </a:p>
+      </dgm:t>
+    </dgm:pt>
+    <dgm:pt modelId="{EF9B0AFE-56D6-44EE-BC22-DDD50EF9D2B2}" type="sibTrans" cxnId="{82D4DF63-95D9-46C2-9500-EB00BD6B0056}">
+      <dgm:prSet/>
+      <dgm:spPr/>
+      <dgm:t>
+        <a:bodyPr/>
+        <a:lstStyle/>
+        <a:p>
+          <a:endParaRPr lang="en-AU"/>
+        </a:p>
+      </dgm:t>
+    </dgm:pt>
+    <dgm:pt modelId="{B9D4CE33-AE7D-4CDF-9B95-C88D7CB04A0F}">
+      <dgm:prSet phldrT="[Text]"/>
+      <dgm:spPr/>
+      <dgm:t>
+        <a:bodyPr/>
+        <a:lstStyle/>
+        <a:p>
+          <a:pPr>
+            <a:lnSpc>
+              <a:spcPct val="100000"/>
+            </a:lnSpc>
+          </a:pPr>
+          <a:r>
+            <a:rPr lang="en-AU" dirty="0"/>
+            <a:t>Scikit-learn –</a:t>
+          </a:r>
+        </a:p>
+        <a:p>
+          <a:pPr>
+            <a:lnSpc>
+              <a:spcPct val="100000"/>
+            </a:lnSpc>
+          </a:pPr>
+          <a:r>
+            <a:rPr lang="en-AU" dirty="0"/>
+            <a:t>Confusion matrix</a:t>
+          </a:r>
+        </a:p>
+        <a:p>
+          <a:pPr>
+            <a:lnSpc>
+              <a:spcPct val="100000"/>
+            </a:lnSpc>
+          </a:pPr>
+          <a:r>
+            <a:rPr lang="en-AU" dirty="0"/>
+            <a:t>Classification report</a:t>
+          </a:r>
+        </a:p>
+      </dgm:t>
+    </dgm:pt>
+    <dgm:pt modelId="{CB2B4557-BCEA-4AB1-AA89-1308FA56A6EA}" type="parTrans" cxnId="{7A95F7CF-E632-4F1D-90F4-DA54796CE436}">
+      <dgm:prSet/>
+      <dgm:spPr/>
+      <dgm:t>
+        <a:bodyPr/>
+        <a:lstStyle/>
+        <a:p>
+          <a:endParaRPr lang="en-AU"/>
+        </a:p>
+      </dgm:t>
+    </dgm:pt>
+    <dgm:pt modelId="{09239881-728D-4AEE-87DE-475194602AC6}" type="sibTrans" cxnId="{7A95F7CF-E632-4F1D-90F4-DA54796CE436}">
+      <dgm:prSet/>
+      <dgm:spPr/>
+      <dgm:t>
+        <a:bodyPr/>
+        <a:lstStyle/>
+        <a:p>
+          <a:endParaRPr lang="en-AU"/>
+        </a:p>
+      </dgm:t>
+    </dgm:pt>
+    <dgm:pt modelId="{E39145E1-FE15-4933-9D0A-91B1CDB4429C}">
+      <dgm:prSet phldrT="[Text]"/>
+      <dgm:spPr/>
+      <dgm:t>
+        <a:bodyPr/>
+        <a:lstStyle/>
+        <a:p>
+          <a:pPr>
+            <a:lnSpc>
+              <a:spcPct val="100000"/>
+            </a:lnSpc>
+            <a:defRPr b="1"/>
+          </a:pPr>
+          <a:r>
+            <a:rPr lang="en-AU"/>
+            <a:t>Deployment</a:t>
+          </a:r>
+        </a:p>
+      </dgm:t>
+    </dgm:pt>
+    <dgm:pt modelId="{739FE983-91CF-4E72-886A-7E84C0C22F55}" type="parTrans" cxnId="{AB388396-0D1B-49A6-8DD1-05B070375FA6}">
+      <dgm:prSet/>
+      <dgm:spPr/>
+      <dgm:t>
+        <a:bodyPr/>
+        <a:lstStyle/>
+        <a:p>
+          <a:endParaRPr lang="en-AU"/>
+        </a:p>
+      </dgm:t>
+    </dgm:pt>
+    <dgm:pt modelId="{65BF2882-926B-45CA-B478-973DA7D02F93}" type="sibTrans" cxnId="{AB388396-0D1B-49A6-8DD1-05B070375FA6}">
+      <dgm:prSet/>
+      <dgm:spPr/>
+      <dgm:t>
+        <a:bodyPr/>
+        <a:lstStyle/>
+        <a:p>
+          <a:endParaRPr lang="en-AU"/>
+        </a:p>
+      </dgm:t>
+    </dgm:pt>
+    <dgm:pt modelId="{FB86A4B5-2843-4776-A026-3FD641C505D8}">
+      <dgm:prSet phldrT="[Text]"/>
+      <dgm:spPr/>
+      <dgm:t>
+        <a:bodyPr/>
+        <a:lstStyle/>
+        <a:p>
+          <a:pPr>
+            <a:lnSpc>
+              <a:spcPct val="100000"/>
+            </a:lnSpc>
+          </a:pPr>
+          <a:r>
+            <a:rPr lang="en-AU"/>
+            <a:t>Scikit-learn –</a:t>
+          </a:r>
+          <a:endParaRPr lang="en-AU" dirty="0"/>
+        </a:p>
+      </dgm:t>
+    </dgm:pt>
+    <dgm:pt modelId="{AA3872CA-9040-4163-B2C6-0BCEF089DF83}" type="parTrans" cxnId="{F3A11B15-1677-49A0-AE5C-8B072427D90C}">
+      <dgm:prSet/>
+      <dgm:spPr/>
+      <dgm:t>
+        <a:bodyPr/>
+        <a:lstStyle/>
+        <a:p>
+          <a:endParaRPr lang="en-AU"/>
+        </a:p>
+      </dgm:t>
+    </dgm:pt>
+    <dgm:pt modelId="{560B5AD9-B817-47B2-886F-9DA6392DF51C}" type="sibTrans" cxnId="{F3A11B15-1677-49A0-AE5C-8B072427D90C}">
+      <dgm:prSet/>
+      <dgm:spPr/>
+      <dgm:t>
+        <a:bodyPr/>
+        <a:lstStyle/>
+        <a:p>
+          <a:endParaRPr lang="en-AU"/>
+        </a:p>
+      </dgm:t>
+    </dgm:pt>
+    <dgm:pt modelId="{DCC804AC-1408-476A-B2ED-41C6CDD4073D}">
+      <dgm:prSet phldrT="[Text]"/>
+      <dgm:spPr/>
+      <dgm:t>
+        <a:bodyPr/>
+        <a:lstStyle/>
+        <a:p>
+          <a:pPr>
+            <a:lnSpc>
+              <a:spcPct val="100000"/>
+            </a:lnSpc>
+            <a:defRPr b="1"/>
+          </a:pPr>
+          <a:r>
+            <a:rPr lang="en-AU"/>
+            <a:t>Visualisation</a:t>
+          </a:r>
+        </a:p>
+      </dgm:t>
+    </dgm:pt>
+    <dgm:pt modelId="{E97C2E05-BC7B-4237-B510-56BEA1E2EB48}" type="parTrans" cxnId="{C4435BA0-FF5A-4435-A252-31B533B8CF40}">
+      <dgm:prSet/>
+      <dgm:spPr/>
+      <dgm:t>
+        <a:bodyPr/>
+        <a:lstStyle/>
+        <a:p>
+          <a:endParaRPr lang="en-AU"/>
+        </a:p>
+      </dgm:t>
+    </dgm:pt>
+    <dgm:pt modelId="{33EDC512-79D7-41C0-8EE3-6DE89E9480C9}" type="sibTrans" cxnId="{C4435BA0-FF5A-4435-A252-31B533B8CF40}">
+      <dgm:prSet/>
+      <dgm:spPr/>
+      <dgm:t>
+        <a:bodyPr/>
+        <a:lstStyle/>
+        <a:p>
+          <a:endParaRPr lang="en-AU"/>
+        </a:p>
+      </dgm:t>
+    </dgm:pt>
+    <dgm:pt modelId="{60401DF4-05F8-4200-9B11-166518D086F0}">
+      <dgm:prSet phldrT="[Text]"/>
+      <dgm:spPr/>
+      <dgm:t>
+        <a:bodyPr/>
+        <a:lstStyle/>
+        <a:p>
+          <a:pPr>
+            <a:lnSpc>
+              <a:spcPct val="100000"/>
+            </a:lnSpc>
+          </a:pPr>
+          <a:r>
+            <a:rPr lang="en-AU" dirty="0"/>
+            <a:t>Tableau</a:t>
+          </a:r>
+        </a:p>
+      </dgm:t>
+    </dgm:pt>
+    <dgm:pt modelId="{F875A416-F255-4F84-BC2C-B0D5F5FCF6BC}" type="parTrans" cxnId="{1AC9D51E-6C04-48DE-B546-EDC3ADF991C2}">
+      <dgm:prSet/>
+      <dgm:spPr/>
+      <dgm:t>
+        <a:bodyPr/>
+        <a:lstStyle/>
+        <a:p>
+          <a:endParaRPr lang="en-AU"/>
+        </a:p>
+      </dgm:t>
+    </dgm:pt>
+    <dgm:pt modelId="{D28076A9-3ACC-484B-B30D-A5EF4D70C977}" type="sibTrans" cxnId="{1AC9D51E-6C04-48DE-B546-EDC3ADF991C2}">
+      <dgm:prSet/>
+      <dgm:spPr/>
+      <dgm:t>
+        <a:bodyPr/>
+        <a:lstStyle/>
+        <a:p>
+          <a:endParaRPr lang="en-AU"/>
+        </a:p>
+      </dgm:t>
+    </dgm:pt>
+    <dgm:pt modelId="{AA25BF3C-E8DC-4A90-8D51-038E5C33D181}">
+      <dgm:prSet phldrT="[Text]"/>
+      <dgm:spPr/>
+      <dgm:t>
+        <a:bodyPr/>
+        <a:lstStyle/>
+        <a:p>
+          <a:pPr>
+            <a:lnSpc>
+              <a:spcPct val="100000"/>
+            </a:lnSpc>
+          </a:pPr>
+          <a:r>
+            <a:rPr lang="en-AU" dirty="0"/>
+            <a:t>OS Module</a:t>
+          </a:r>
+        </a:p>
+      </dgm:t>
+    </dgm:pt>
+    <dgm:pt modelId="{B6D6DAD0-D384-4C67-98B1-623A3AE998DE}" type="parTrans" cxnId="{8B160A03-91D2-475E-9B52-282D10299823}">
+      <dgm:prSet/>
+      <dgm:spPr/>
+      <dgm:t>
+        <a:bodyPr/>
+        <a:lstStyle/>
+        <a:p>
+          <a:endParaRPr lang="en-AU"/>
+        </a:p>
+      </dgm:t>
+    </dgm:pt>
+    <dgm:pt modelId="{FD04D37D-E059-44A8-894A-B0177510FDA3}" type="sibTrans" cxnId="{8B160A03-91D2-475E-9B52-282D10299823}">
+      <dgm:prSet/>
+      <dgm:spPr/>
+      <dgm:t>
+        <a:bodyPr/>
+        <a:lstStyle/>
+        <a:p>
+          <a:endParaRPr lang="en-AU"/>
+        </a:p>
+      </dgm:t>
+    </dgm:pt>
+    <dgm:pt modelId="{7C1D0CE6-2453-461C-BE17-E9927ECB3A08}">
+      <dgm:prSet phldrT="[Text]"/>
+      <dgm:spPr/>
+      <dgm:t>
+        <a:bodyPr/>
+        <a:lstStyle/>
+        <a:p>
+          <a:pPr>
+            <a:lnSpc>
+              <a:spcPct val="100000"/>
+            </a:lnSpc>
+          </a:pPr>
+          <a:endParaRPr lang="en-AU"/>
+        </a:p>
+      </dgm:t>
+    </dgm:pt>
+    <dgm:pt modelId="{DC151643-0A75-48AD-9E7E-ACD364194002}" type="parTrans" cxnId="{1B9D781D-D321-4EEF-B469-4B7FDE83E46D}">
+      <dgm:prSet/>
+      <dgm:spPr/>
+      <dgm:t>
+        <a:bodyPr/>
+        <a:lstStyle/>
+        <a:p>
+          <a:endParaRPr lang="en-AU"/>
+        </a:p>
+      </dgm:t>
+    </dgm:pt>
+    <dgm:pt modelId="{41FA2E8B-E5FE-4BAA-A097-DE15E2C414D9}" type="sibTrans" cxnId="{1B9D781D-D321-4EEF-B469-4B7FDE83E46D}">
+      <dgm:prSet/>
+      <dgm:spPr/>
+      <dgm:t>
+        <a:bodyPr/>
+        <a:lstStyle/>
+        <a:p>
+          <a:endParaRPr lang="en-AU"/>
+        </a:p>
+      </dgm:t>
+    </dgm:pt>
+    <dgm:pt modelId="{AAA4BEFD-B745-4DB2-9556-23D76B097506}">
+      <dgm:prSet phldrT="[Text]"/>
+      <dgm:spPr/>
+      <dgm:t>
+        <a:bodyPr/>
+        <a:lstStyle/>
+        <a:p>
+          <a:pPr>
+            <a:lnSpc>
+              <a:spcPct val="100000"/>
+            </a:lnSpc>
+          </a:pPr>
+          <a:r>
+            <a:rPr lang="en-AU"/>
+            <a:t>Scikit-learn</a:t>
+          </a:r>
+        </a:p>
+      </dgm:t>
+    </dgm:pt>
+    <dgm:pt modelId="{24D8ADA2-98B9-45B6-A992-1F31F59E6335}" type="parTrans" cxnId="{8CE470BD-990B-4077-AB1F-AECC60EA3BFE}">
+      <dgm:prSet/>
+      <dgm:spPr/>
+      <dgm:t>
+        <a:bodyPr/>
+        <a:lstStyle/>
+        <a:p>
+          <a:endParaRPr lang="en-AU"/>
+        </a:p>
+      </dgm:t>
+    </dgm:pt>
+    <dgm:pt modelId="{FED623C9-3B04-419B-B3F8-21DBAD1E2B3B}" type="sibTrans" cxnId="{8CE470BD-990B-4077-AB1F-AECC60EA3BFE}">
+      <dgm:prSet/>
+      <dgm:spPr/>
+      <dgm:t>
+        <a:bodyPr/>
+        <a:lstStyle/>
+        <a:p>
+          <a:endParaRPr lang="en-AU"/>
+        </a:p>
+      </dgm:t>
+    </dgm:pt>
+    <dgm:pt modelId="{86BDAB7A-ACBA-4C19-A3FB-EFC04DE7F13E}">
+      <dgm:prSet/>
+      <dgm:spPr/>
+      <dgm:t>
+        <a:bodyPr/>
+        <a:lstStyle/>
+        <a:p>
+          <a:pPr>
+            <a:lnSpc>
+              <a:spcPct val="100000"/>
+            </a:lnSpc>
+          </a:pPr>
+          <a:r>
+            <a:rPr lang="en-AU"/>
+            <a:t>Confusion matrix</a:t>
+          </a:r>
+          <a:endParaRPr lang="en-AU" dirty="0"/>
+        </a:p>
+      </dgm:t>
+    </dgm:pt>
+    <dgm:pt modelId="{3DA5BEEA-60B8-412E-87D2-B7E58C6E2FD6}" type="parTrans" cxnId="{F0749E7A-FA81-4F16-A41A-0F1CF19154EC}">
+      <dgm:prSet/>
+      <dgm:spPr/>
+      <dgm:t>
+        <a:bodyPr/>
+        <a:lstStyle/>
+        <a:p>
+          <a:endParaRPr lang="en-AU"/>
+        </a:p>
+      </dgm:t>
+    </dgm:pt>
+    <dgm:pt modelId="{B12B1CAB-F26F-4680-8F6C-960E9C5FACC1}" type="sibTrans" cxnId="{F0749E7A-FA81-4F16-A41A-0F1CF19154EC}">
+      <dgm:prSet/>
+      <dgm:spPr/>
+      <dgm:t>
+        <a:bodyPr/>
+        <a:lstStyle/>
+        <a:p>
+          <a:endParaRPr lang="en-AU"/>
+        </a:p>
+      </dgm:t>
+    </dgm:pt>
+    <dgm:pt modelId="{30E527C8-D8A7-4269-A889-AE7312DCB49C}">
+      <dgm:prSet/>
+      <dgm:spPr/>
+      <dgm:t>
+        <a:bodyPr/>
+        <a:lstStyle/>
+        <a:p>
+          <a:pPr>
+            <a:lnSpc>
+              <a:spcPct val="100000"/>
+            </a:lnSpc>
+          </a:pPr>
+          <a:r>
+            <a:rPr lang="en-AU" dirty="0"/>
+            <a:t>Classification report</a:t>
+          </a:r>
+        </a:p>
+      </dgm:t>
+    </dgm:pt>
+    <dgm:pt modelId="{D644CD3B-D604-4167-A41E-9A53AE2EA61D}" type="parTrans" cxnId="{4DB25AB5-2DE9-4092-81B3-79D247E576E6}">
+      <dgm:prSet/>
+      <dgm:spPr/>
+      <dgm:t>
+        <a:bodyPr/>
+        <a:lstStyle/>
+        <a:p>
+          <a:endParaRPr lang="en-AU"/>
+        </a:p>
+      </dgm:t>
+    </dgm:pt>
+    <dgm:pt modelId="{B8980BD5-96AF-41EC-AC2D-C97D62A3CF88}" type="sibTrans" cxnId="{4DB25AB5-2DE9-4092-81B3-79D247E576E6}">
+      <dgm:prSet/>
+      <dgm:spPr/>
+      <dgm:t>
+        <a:bodyPr/>
+        <a:lstStyle/>
+        <a:p>
+          <a:endParaRPr lang="en-AU"/>
+        </a:p>
+      </dgm:t>
+    </dgm:pt>
+    <dgm:pt modelId="{3EF5CBB8-0E6D-40B0-8954-77C9906E67D1}" type="pres">
+      <dgm:prSet presAssocID="{1AF84FCC-0BFD-4661-8F28-0890349FDFF3}" presName="root" presStyleCnt="0">
+        <dgm:presLayoutVars>
+          <dgm:dir/>
+          <dgm:resizeHandles val="exact"/>
+        </dgm:presLayoutVars>
+      </dgm:prSet>
+      <dgm:spPr/>
+    </dgm:pt>
+    <dgm:pt modelId="{515DEF1B-4CC5-4C2D-B31F-F277A0BCC1C6}" type="pres">
+      <dgm:prSet presAssocID="{199FBA9B-AE7C-49F5-9DAE-848212BBAA0B}" presName="compNode" presStyleCnt="0"/>
+      <dgm:spPr/>
+    </dgm:pt>
+    <dgm:pt modelId="{AE7891D8-584F-41BD-B356-DDB667BA5134}" type="pres">
+      <dgm:prSet presAssocID="{199FBA9B-AE7C-49F5-9DAE-848212BBAA0B}" presName="iconRect" presStyleLbl="node1" presStyleIdx="0" presStyleCnt="8"/>
+      <dgm:spPr>
+        <a:blipFill>
+          <a:blip xmlns:r="http://schemas.openxmlformats.org/officeDocument/2006/relationships" r:embed="rId1">
+            <a:extLst>
+              <a:ext uri="{28A0092B-C50C-407E-A947-70E740481C1C}">
+                <a14:useLocalDpi xmlns:a14="http://schemas.microsoft.com/office/drawing/2010/main" val="0"/>
+              </a:ext>
+              <a:ext uri="{96DAC541-7B7A-43D3-8B79-37D633B846F1}">
+                <asvg:svgBlip xmlns:asvg="http://schemas.microsoft.com/office/drawing/2016/SVG/main" r:embed="rId2"/>
+              </a:ext>
+            </a:extLst>
+          </a:blip>
+          <a:stretch>
+            <a:fillRect/>
+          </a:stretch>
+        </a:blipFill>
+      </dgm:spPr>
+      <dgm:extLst>
+        <a:ext uri="{E40237B7-FDA0-4F09-8148-C483321AD2D9}">
+          <dgm14:cNvPr xmlns:dgm14="http://schemas.microsoft.com/office/drawing/2010/diagram" id="0" name="" descr="Database"/>
+        </a:ext>
+      </dgm:extLst>
+    </dgm:pt>
+    <dgm:pt modelId="{43B084D8-9D4D-4414-92AD-C9FF7A718641}" type="pres">
+      <dgm:prSet presAssocID="{199FBA9B-AE7C-49F5-9DAE-848212BBAA0B}" presName="iconSpace" presStyleCnt="0"/>
+      <dgm:spPr/>
+    </dgm:pt>
+    <dgm:pt modelId="{CAF14AD9-C5FE-4615-8E46-2B7EB3932283}" type="pres">
+      <dgm:prSet presAssocID="{199FBA9B-AE7C-49F5-9DAE-848212BBAA0B}" presName="parTx" presStyleLbl="revTx" presStyleIdx="0" presStyleCnt="16">
+        <dgm:presLayoutVars>
+          <dgm:chMax val="0"/>
+          <dgm:chPref val="0"/>
+        </dgm:presLayoutVars>
+      </dgm:prSet>
+      <dgm:spPr/>
+    </dgm:pt>
+    <dgm:pt modelId="{36373AC9-D668-4EF0-9DA3-26B5D6CAA371}" type="pres">
+      <dgm:prSet presAssocID="{199FBA9B-AE7C-49F5-9DAE-848212BBAA0B}" presName="txSpace" presStyleCnt="0"/>
+      <dgm:spPr/>
+    </dgm:pt>
+    <dgm:pt modelId="{C2141353-AED9-40AF-9E62-BE17FE13CB1E}" type="pres">
+      <dgm:prSet presAssocID="{199FBA9B-AE7C-49F5-9DAE-848212BBAA0B}" presName="desTx" presStyleLbl="revTx" presStyleIdx="1" presStyleCnt="16">
+        <dgm:presLayoutVars/>
+      </dgm:prSet>
+      <dgm:spPr/>
+    </dgm:pt>
+    <dgm:pt modelId="{34983591-C285-4CB5-B8B1-F74BF85EB075}" type="pres">
+      <dgm:prSet presAssocID="{DDDE64ED-56F6-4A52-8339-2183E321E619}" presName="sibTrans" presStyleCnt="0"/>
+      <dgm:spPr/>
+    </dgm:pt>
+    <dgm:pt modelId="{F1F288DE-1971-454C-B418-078DC358AEE1}" type="pres">
+      <dgm:prSet presAssocID="{7A7DD00A-CEC1-405F-9D57-825C63649AE4}" presName="compNode" presStyleCnt="0"/>
+      <dgm:spPr/>
+    </dgm:pt>
+    <dgm:pt modelId="{3757E782-F99A-4CC6-AC4B-C29C8B5AEC41}" type="pres">
+      <dgm:prSet presAssocID="{7A7DD00A-CEC1-405F-9D57-825C63649AE4}" presName="iconRect" presStyleLbl="node1" presStyleIdx="1" presStyleCnt="8"/>
+      <dgm:spPr>
+        <a:blipFill>
+          <a:blip xmlns:r="http://schemas.openxmlformats.org/officeDocument/2006/relationships" r:embed="rId3">
+            <a:extLst>
+              <a:ext uri="{28A0092B-C50C-407E-A947-70E740481C1C}">
+                <a14:useLocalDpi xmlns:a14="http://schemas.microsoft.com/office/drawing/2010/main" val="0"/>
+              </a:ext>
+              <a:ext uri="{96DAC541-7B7A-43D3-8B79-37D633B846F1}">
+                <asvg:svgBlip xmlns:asvg="http://schemas.microsoft.com/office/drawing/2016/SVG/main" r:embed="rId4"/>
+              </a:ext>
+            </a:extLst>
+          </a:blip>
+          <a:stretch>
+            <a:fillRect/>
+          </a:stretch>
+        </a:blipFill>
+      </dgm:spPr>
+      <dgm:extLst>
+        <a:ext uri="{E40237B7-FDA0-4F09-8148-C483321AD2D9}">
+          <dgm14:cNvPr xmlns:dgm14="http://schemas.microsoft.com/office/drawing/2010/diagram" id="0" name="" descr="Rabbit"/>
+        </a:ext>
+      </dgm:extLst>
+    </dgm:pt>
+    <dgm:pt modelId="{4160E8F7-8DEE-477C-8CA6-D16545187183}" type="pres">
+      <dgm:prSet presAssocID="{7A7DD00A-CEC1-405F-9D57-825C63649AE4}" presName="iconSpace" presStyleCnt="0"/>
+      <dgm:spPr/>
+    </dgm:pt>
+    <dgm:pt modelId="{1C62EDC5-106F-4162-8782-CF47D721CAE3}" type="pres">
+      <dgm:prSet presAssocID="{7A7DD00A-CEC1-405F-9D57-825C63649AE4}" presName="parTx" presStyleLbl="revTx" presStyleIdx="2" presStyleCnt="16">
+        <dgm:presLayoutVars>
+          <dgm:chMax val="0"/>
+          <dgm:chPref val="0"/>
+        </dgm:presLayoutVars>
+      </dgm:prSet>
+      <dgm:spPr/>
+    </dgm:pt>
+    <dgm:pt modelId="{BFF2CD02-2024-487F-9E75-D0E633C5296C}" type="pres">
+      <dgm:prSet presAssocID="{7A7DD00A-CEC1-405F-9D57-825C63649AE4}" presName="txSpace" presStyleCnt="0"/>
+      <dgm:spPr/>
+    </dgm:pt>
+    <dgm:pt modelId="{624D021F-197F-4B8C-A452-44FE38756DC2}" type="pres">
+      <dgm:prSet presAssocID="{7A7DD00A-CEC1-405F-9D57-825C63649AE4}" presName="desTx" presStyleLbl="revTx" presStyleIdx="3" presStyleCnt="16">
+        <dgm:presLayoutVars/>
+      </dgm:prSet>
+      <dgm:spPr/>
+    </dgm:pt>
+    <dgm:pt modelId="{D54950D6-5BE6-4A81-A4FA-D5BDC81851AA}" type="pres">
+      <dgm:prSet presAssocID="{D259E911-AC7B-42CE-BA28-35413516EC20}" presName="sibTrans" presStyleCnt="0"/>
+      <dgm:spPr/>
+    </dgm:pt>
+    <dgm:pt modelId="{773DABAB-5842-40BA-895E-CE02F92E5FC5}" type="pres">
+      <dgm:prSet presAssocID="{8C669D65-0A55-4E86-9580-520A1B437F69}" presName="compNode" presStyleCnt="0"/>
+      <dgm:spPr/>
+    </dgm:pt>
+    <dgm:pt modelId="{6D50F3BB-0B60-4A27-9E8F-C2B48EC41D3B}" type="pres">
+      <dgm:prSet presAssocID="{8C669D65-0A55-4E86-9580-520A1B437F69}" presName="iconRect" presStyleLbl="node1" presStyleIdx="2" presStyleCnt="8"/>
+      <dgm:spPr>
+        <a:blipFill>
+          <a:blip xmlns:r="http://schemas.openxmlformats.org/officeDocument/2006/relationships" r:embed="rId5">
+            <a:extLst>
+              <a:ext uri="{28A0092B-C50C-407E-A947-70E740481C1C}">
+                <a14:useLocalDpi xmlns:a14="http://schemas.microsoft.com/office/drawing/2010/main" val="0"/>
+              </a:ext>
+              <a:ext uri="{96DAC541-7B7A-43D3-8B79-37D633B846F1}">
+                <asvg:svgBlip xmlns:asvg="http://schemas.microsoft.com/office/drawing/2016/SVG/main" r:embed="rId6"/>
+              </a:ext>
+            </a:extLst>
+          </a:blip>
+          <a:stretch>
+            <a:fillRect/>
+          </a:stretch>
+        </a:blipFill>
+      </dgm:spPr>
+      <dgm:extLst>
+        <a:ext uri="{E40237B7-FDA0-4F09-8148-C483321AD2D9}">
+          <dgm14:cNvPr xmlns:dgm14="http://schemas.microsoft.com/office/drawing/2010/diagram" id="0" name="" descr="Thermometer"/>
+        </a:ext>
+      </dgm:extLst>
+    </dgm:pt>
+    <dgm:pt modelId="{281C98A3-EE5C-4F42-A2E7-D60FAA29337A}" type="pres">
+      <dgm:prSet presAssocID="{8C669D65-0A55-4E86-9580-520A1B437F69}" presName="iconSpace" presStyleCnt="0"/>
+      <dgm:spPr/>
+    </dgm:pt>
+    <dgm:pt modelId="{2738B27E-79D9-497D-83DD-24FE714E6B71}" type="pres">
+      <dgm:prSet presAssocID="{8C669D65-0A55-4E86-9580-520A1B437F69}" presName="parTx" presStyleLbl="revTx" presStyleIdx="4" presStyleCnt="16">
+        <dgm:presLayoutVars>
+          <dgm:chMax val="0"/>
+          <dgm:chPref val="0"/>
+        </dgm:presLayoutVars>
+      </dgm:prSet>
+      <dgm:spPr/>
+    </dgm:pt>
+    <dgm:pt modelId="{438640D2-5F93-4F2B-8388-B3144E4483CA}" type="pres">
+      <dgm:prSet presAssocID="{8C669D65-0A55-4E86-9580-520A1B437F69}" presName="txSpace" presStyleCnt="0"/>
+      <dgm:spPr/>
+    </dgm:pt>
+    <dgm:pt modelId="{CA74B552-4C10-407D-9DA4-DC446BE25C5A}" type="pres">
+      <dgm:prSet presAssocID="{8C669D65-0A55-4E86-9580-520A1B437F69}" presName="desTx" presStyleLbl="revTx" presStyleIdx="5" presStyleCnt="16">
+        <dgm:presLayoutVars/>
+      </dgm:prSet>
+      <dgm:spPr/>
+    </dgm:pt>
+    <dgm:pt modelId="{64C2DAB5-3522-4096-B149-01A9826098AE}" type="pres">
+      <dgm:prSet presAssocID="{D51B0718-D7C9-4FA5-B8D4-81099DF68D80}" presName="sibTrans" presStyleCnt="0"/>
+      <dgm:spPr/>
+    </dgm:pt>
+    <dgm:pt modelId="{2D472E79-1CBD-41F7-BEA6-4AD387288C8C}" type="pres">
+      <dgm:prSet presAssocID="{32D66D39-0431-40FF-9EA0-1EEF345E8EC4}" presName="compNode" presStyleCnt="0"/>
+      <dgm:spPr/>
+    </dgm:pt>
+    <dgm:pt modelId="{CCFD5038-D7B3-4967-A9D2-460F1B3EE6F8}" type="pres">
+      <dgm:prSet presAssocID="{32D66D39-0431-40FF-9EA0-1EEF345E8EC4}" presName="iconRect" presStyleLbl="node1" presStyleIdx="3" presStyleCnt="8"/>
+      <dgm:spPr>
+        <a:blipFill>
+          <a:blip xmlns:r="http://schemas.openxmlformats.org/officeDocument/2006/relationships" r:embed="rId7">
+            <a:extLst>
+              <a:ext uri="{28A0092B-C50C-407E-A947-70E740481C1C}">
+                <a14:useLocalDpi xmlns:a14="http://schemas.microsoft.com/office/drawing/2010/main" val="0"/>
+              </a:ext>
+              <a:ext uri="{96DAC541-7B7A-43D3-8B79-37D633B846F1}">
+                <asvg:svgBlip xmlns:asvg="http://schemas.microsoft.com/office/drawing/2016/SVG/main" r:embed="rId8"/>
+              </a:ext>
+            </a:extLst>
+          </a:blip>
+          <a:stretch>
+            <a:fillRect/>
+          </a:stretch>
+        </a:blipFill>
+      </dgm:spPr>
+      <dgm:extLst>
+        <a:ext uri="{E40237B7-FDA0-4F09-8148-C483321AD2D9}">
+          <dgm14:cNvPr xmlns:dgm14="http://schemas.microsoft.com/office/drawing/2010/diagram" id="0" name="" descr="Tools"/>
+        </a:ext>
+      </dgm:extLst>
+    </dgm:pt>
+    <dgm:pt modelId="{72D4E4CF-A502-4C28-A42D-4C1C05477A42}" type="pres">
+      <dgm:prSet presAssocID="{32D66D39-0431-40FF-9EA0-1EEF345E8EC4}" presName="iconSpace" presStyleCnt="0"/>
+      <dgm:spPr/>
+    </dgm:pt>
+    <dgm:pt modelId="{9A791EB4-FB49-4359-AC90-58824558361C}" type="pres">
+      <dgm:prSet presAssocID="{32D66D39-0431-40FF-9EA0-1EEF345E8EC4}" presName="parTx" presStyleLbl="revTx" presStyleIdx="6" presStyleCnt="16">
+        <dgm:presLayoutVars>
+          <dgm:chMax val="0"/>
+          <dgm:chPref val="0"/>
+        </dgm:presLayoutVars>
+      </dgm:prSet>
+      <dgm:spPr/>
+    </dgm:pt>
+    <dgm:pt modelId="{502B2B94-6D64-4430-A4C3-224D02C26403}" type="pres">
+      <dgm:prSet presAssocID="{32D66D39-0431-40FF-9EA0-1EEF345E8EC4}" presName="txSpace" presStyleCnt="0"/>
+      <dgm:spPr/>
+    </dgm:pt>
+    <dgm:pt modelId="{D635B18C-E5A9-4FA1-8E3A-3A3AB3590972}" type="pres">
+      <dgm:prSet presAssocID="{32D66D39-0431-40FF-9EA0-1EEF345E8EC4}" presName="desTx" presStyleLbl="revTx" presStyleIdx="7" presStyleCnt="16">
+        <dgm:presLayoutVars/>
+      </dgm:prSet>
+      <dgm:spPr/>
+    </dgm:pt>
+    <dgm:pt modelId="{1CAA8EC3-A3DB-4FE0-8DB8-6213374C791F}" type="pres">
+      <dgm:prSet presAssocID="{4047F0F6-20CD-4050-8A62-CB6AD9150A2F}" presName="sibTrans" presStyleCnt="0"/>
+      <dgm:spPr/>
+    </dgm:pt>
+    <dgm:pt modelId="{151FBAAF-04A6-41C6-B8DC-7FC0E72066ED}" type="pres">
+      <dgm:prSet presAssocID="{A73F4F14-5100-426B-890E-6ADA1F6440ED}" presName="compNode" presStyleCnt="0"/>
+      <dgm:spPr/>
+    </dgm:pt>
+    <dgm:pt modelId="{2C534DBC-B829-430B-AA56-314832889084}" type="pres">
+      <dgm:prSet presAssocID="{A73F4F14-5100-426B-890E-6ADA1F6440ED}" presName="iconRect" presStyleLbl="node1" presStyleIdx="4" presStyleCnt="8"/>
+      <dgm:spPr>
+        <a:blipFill>
+          <a:blip xmlns:r="http://schemas.openxmlformats.org/officeDocument/2006/relationships" r:embed="rId9">
+            <a:extLst>
+              <a:ext uri="{28A0092B-C50C-407E-A947-70E740481C1C}">
+                <a14:useLocalDpi xmlns:a14="http://schemas.microsoft.com/office/drawing/2010/main" val="0"/>
+              </a:ext>
+              <a:ext uri="{96DAC541-7B7A-43D3-8B79-37D633B846F1}">
+                <asvg:svgBlip xmlns:asvg="http://schemas.microsoft.com/office/drawing/2016/SVG/main" r:embed="rId10"/>
+              </a:ext>
+            </a:extLst>
+          </a:blip>
+          <a:stretch>
+            <a:fillRect/>
+          </a:stretch>
+        </a:blipFill>
+      </dgm:spPr>
+      <dgm:extLst>
+        <a:ext uri="{E40237B7-FDA0-4F09-8148-C483321AD2D9}">
+          <dgm14:cNvPr xmlns:dgm14="http://schemas.microsoft.com/office/drawing/2010/diagram" id="0" name="" descr="Teacher"/>
+        </a:ext>
+      </dgm:extLst>
+    </dgm:pt>
+    <dgm:pt modelId="{C6FD84F9-9BC6-4398-B809-4735E9729EC0}" type="pres">
+      <dgm:prSet presAssocID="{A73F4F14-5100-426B-890E-6ADA1F6440ED}" presName="iconSpace" presStyleCnt="0"/>
+      <dgm:spPr/>
+    </dgm:pt>
+    <dgm:pt modelId="{09D4AD9E-D5DA-4A17-8DF7-0CA8997D8F91}" type="pres">
+      <dgm:prSet presAssocID="{A73F4F14-5100-426B-890E-6ADA1F6440ED}" presName="parTx" presStyleLbl="revTx" presStyleIdx="8" presStyleCnt="16">
+        <dgm:presLayoutVars>
+          <dgm:chMax val="0"/>
+          <dgm:chPref val="0"/>
+        </dgm:presLayoutVars>
+      </dgm:prSet>
+      <dgm:spPr/>
+    </dgm:pt>
+    <dgm:pt modelId="{ECCF08F8-5DFB-4020-9AC6-3EE6A0DF1A22}" type="pres">
+      <dgm:prSet presAssocID="{A73F4F14-5100-426B-890E-6ADA1F6440ED}" presName="txSpace" presStyleCnt="0"/>
+      <dgm:spPr/>
+    </dgm:pt>
+    <dgm:pt modelId="{65698291-BF23-4A1E-9AA6-3CB5AC1C3195}" type="pres">
+      <dgm:prSet presAssocID="{A73F4F14-5100-426B-890E-6ADA1F6440ED}" presName="desTx" presStyleLbl="revTx" presStyleIdx="9" presStyleCnt="16">
+        <dgm:presLayoutVars/>
+      </dgm:prSet>
+      <dgm:spPr/>
+    </dgm:pt>
+    <dgm:pt modelId="{4F14C079-41B1-4011-BD9E-A6D4F510500B}" type="pres">
+      <dgm:prSet presAssocID="{0227F8D7-9E31-49E8-ABA1-4ECE5E25E9B1}" presName="sibTrans" presStyleCnt="0"/>
+      <dgm:spPr/>
+    </dgm:pt>
+    <dgm:pt modelId="{8BDDCF8F-FC57-4C99-8FB1-9594DE86609B}" type="pres">
+      <dgm:prSet presAssocID="{089E3F4E-FD81-452C-80FE-CD27F6182740}" presName="compNode" presStyleCnt="0"/>
+      <dgm:spPr/>
+    </dgm:pt>
+    <dgm:pt modelId="{3CBBC308-BC96-43B9-AED8-95B52C10EE9A}" type="pres">
+      <dgm:prSet presAssocID="{089E3F4E-FD81-452C-80FE-CD27F6182740}" presName="iconRect" presStyleLbl="node1" presStyleIdx="5" presStyleCnt="8"/>
+      <dgm:spPr>
+        <a:blipFill>
+          <a:blip xmlns:r="http://schemas.openxmlformats.org/officeDocument/2006/relationships" r:embed="rId11">
+            <a:extLst>
+              <a:ext uri="{28A0092B-C50C-407E-A947-70E740481C1C}">
+                <a14:useLocalDpi xmlns:a14="http://schemas.microsoft.com/office/drawing/2010/main" val="0"/>
+              </a:ext>
+              <a:ext uri="{96DAC541-7B7A-43D3-8B79-37D633B846F1}">
+                <asvg:svgBlip xmlns:asvg="http://schemas.microsoft.com/office/drawing/2016/SVG/main" r:embed="rId12"/>
+              </a:ext>
+            </a:extLst>
+          </a:blip>
+          <a:stretch>
+            <a:fillRect/>
+          </a:stretch>
+        </a:blipFill>
+      </dgm:spPr>
+      <dgm:extLst>
+        <a:ext uri="{E40237B7-FDA0-4F09-8148-C483321AD2D9}">
+          <dgm14:cNvPr xmlns:dgm14="http://schemas.microsoft.com/office/drawing/2010/diagram" id="0" name="" descr="Checkmark"/>
+        </a:ext>
+      </dgm:extLst>
+    </dgm:pt>
+    <dgm:pt modelId="{EB85103F-FF6F-47F6-9ECE-145118F9A042}" type="pres">
+      <dgm:prSet presAssocID="{089E3F4E-FD81-452C-80FE-CD27F6182740}" presName="iconSpace" presStyleCnt="0"/>
+      <dgm:spPr/>
+    </dgm:pt>
+    <dgm:pt modelId="{1D37F60E-C9F7-4916-8841-97DCBF8A99E8}" type="pres">
+      <dgm:prSet presAssocID="{089E3F4E-FD81-452C-80FE-CD27F6182740}" presName="parTx" presStyleLbl="revTx" presStyleIdx="10" presStyleCnt="16">
+        <dgm:presLayoutVars>
+          <dgm:chMax val="0"/>
+          <dgm:chPref val="0"/>
+        </dgm:presLayoutVars>
+      </dgm:prSet>
+      <dgm:spPr/>
+    </dgm:pt>
+    <dgm:pt modelId="{9C17BB1F-ED29-43D3-90E8-5A905118B5ED}" type="pres">
+      <dgm:prSet presAssocID="{089E3F4E-FD81-452C-80FE-CD27F6182740}" presName="txSpace" presStyleCnt="0"/>
+      <dgm:spPr/>
+    </dgm:pt>
+    <dgm:pt modelId="{DAF5DCB6-AB69-4711-BE35-F9BDF67760F3}" type="pres">
+      <dgm:prSet presAssocID="{089E3F4E-FD81-452C-80FE-CD27F6182740}" presName="desTx" presStyleLbl="revTx" presStyleIdx="11" presStyleCnt="16">
+        <dgm:presLayoutVars/>
+      </dgm:prSet>
+      <dgm:spPr/>
+    </dgm:pt>
+    <dgm:pt modelId="{6D379E36-C775-4674-9F86-234840C2C72E}" type="pres">
+      <dgm:prSet presAssocID="{EF9B0AFE-56D6-44EE-BC22-DDD50EF9D2B2}" presName="sibTrans" presStyleCnt="0"/>
+      <dgm:spPr/>
+    </dgm:pt>
+    <dgm:pt modelId="{E20A2C21-89AD-4DD4-A25D-89DA15AA947A}" type="pres">
+      <dgm:prSet presAssocID="{E39145E1-FE15-4933-9D0A-91B1CDB4429C}" presName="compNode" presStyleCnt="0"/>
+      <dgm:spPr/>
+    </dgm:pt>
+    <dgm:pt modelId="{96AFB470-C46F-4EF8-8EC6-1D226E9D821A}" type="pres">
+      <dgm:prSet presAssocID="{E39145E1-FE15-4933-9D0A-91B1CDB4429C}" presName="iconRect" presStyleLbl="node1" presStyleIdx="6" presStyleCnt="8"/>
+      <dgm:spPr>
+        <a:blipFill>
+          <a:blip xmlns:r="http://schemas.openxmlformats.org/officeDocument/2006/relationships" r:embed="rId13">
+            <a:extLst>
+              <a:ext uri="{28A0092B-C50C-407E-A947-70E740481C1C}">
+                <a14:useLocalDpi xmlns:a14="http://schemas.microsoft.com/office/drawing/2010/main" val="0"/>
+              </a:ext>
+              <a:ext uri="{96DAC541-7B7A-43D3-8B79-37D633B846F1}">
+                <asvg:svgBlip xmlns:asvg="http://schemas.microsoft.com/office/drawing/2016/SVG/main" r:embed="rId14"/>
+              </a:ext>
+            </a:extLst>
+          </a:blip>
+          <a:stretch>
+            <a:fillRect/>
+          </a:stretch>
+        </a:blipFill>
+      </dgm:spPr>
+      <dgm:extLst>
+        <a:ext uri="{E40237B7-FDA0-4F09-8148-C483321AD2D9}">
+          <dgm14:cNvPr xmlns:dgm14="http://schemas.microsoft.com/office/drawing/2010/diagram" id="0" name="" descr="Gears"/>
+        </a:ext>
+      </dgm:extLst>
+    </dgm:pt>
+    <dgm:pt modelId="{FB47F0D7-CD69-4528-8713-1C4913A2B97A}" type="pres">
+      <dgm:prSet presAssocID="{E39145E1-FE15-4933-9D0A-91B1CDB4429C}" presName="iconSpace" presStyleCnt="0"/>
+      <dgm:spPr/>
+    </dgm:pt>
+    <dgm:pt modelId="{E1B83E84-7B60-4150-A049-82ADF9635A94}" type="pres">
+      <dgm:prSet presAssocID="{E39145E1-FE15-4933-9D0A-91B1CDB4429C}" presName="parTx" presStyleLbl="revTx" presStyleIdx="12" presStyleCnt="16">
+        <dgm:presLayoutVars>
+          <dgm:chMax val="0"/>
+          <dgm:chPref val="0"/>
+        </dgm:presLayoutVars>
+      </dgm:prSet>
+      <dgm:spPr/>
+    </dgm:pt>
+    <dgm:pt modelId="{DECBC1AE-DBBA-4E10-8034-63EC17811D9B}" type="pres">
+      <dgm:prSet presAssocID="{E39145E1-FE15-4933-9D0A-91B1CDB4429C}" presName="txSpace" presStyleCnt="0"/>
+      <dgm:spPr/>
+    </dgm:pt>
+    <dgm:pt modelId="{8095579C-782C-45C2-AD03-B564165737C9}" type="pres">
+      <dgm:prSet presAssocID="{E39145E1-FE15-4933-9D0A-91B1CDB4429C}" presName="desTx" presStyleLbl="revTx" presStyleIdx="13" presStyleCnt="16">
+        <dgm:presLayoutVars/>
+      </dgm:prSet>
+      <dgm:spPr/>
+    </dgm:pt>
+    <dgm:pt modelId="{5AA52AF4-59BC-4C71-9EFC-129FEA8CD722}" type="pres">
+      <dgm:prSet presAssocID="{65BF2882-926B-45CA-B478-973DA7D02F93}" presName="sibTrans" presStyleCnt="0"/>
+      <dgm:spPr/>
+    </dgm:pt>
+    <dgm:pt modelId="{4098C0AE-2A90-4312-A3C1-66202B0FD4CF}" type="pres">
+      <dgm:prSet presAssocID="{DCC804AC-1408-476A-B2ED-41C6CDD4073D}" presName="compNode" presStyleCnt="0"/>
+      <dgm:spPr/>
+    </dgm:pt>
+    <dgm:pt modelId="{DFC2528F-E8E1-4B0B-809E-08F06CC6DE63}" type="pres">
+      <dgm:prSet presAssocID="{DCC804AC-1408-476A-B2ED-41C6CDD4073D}" presName="iconRect" presStyleLbl="node1" presStyleIdx="7" presStyleCnt="8"/>
+      <dgm:spPr>
+        <a:blipFill>
+          <a:blip xmlns:r="http://schemas.openxmlformats.org/officeDocument/2006/relationships" r:embed="rId15">
+            <a:extLst>
+              <a:ext uri="{28A0092B-C50C-407E-A947-70E740481C1C}">
+                <a14:useLocalDpi xmlns:a14="http://schemas.microsoft.com/office/drawing/2010/main" val="0"/>
+              </a:ext>
+              <a:ext uri="{96DAC541-7B7A-43D3-8B79-37D633B846F1}">
+                <asvg:svgBlip xmlns:asvg="http://schemas.microsoft.com/office/drawing/2016/SVG/main" r:embed="rId16"/>
+              </a:ext>
+            </a:extLst>
+          </a:blip>
+          <a:stretch>
+            <a:fillRect/>
+          </a:stretch>
+        </a:blipFill>
+      </dgm:spPr>
+      <dgm:extLst>
+        <a:ext uri="{E40237B7-FDA0-4F09-8148-C483321AD2D9}">
+          <dgm14:cNvPr xmlns:dgm14="http://schemas.microsoft.com/office/drawing/2010/diagram" id="0" name="" descr="Head with Gears"/>
+        </a:ext>
+      </dgm:extLst>
+    </dgm:pt>
+    <dgm:pt modelId="{363E5F2B-AABB-473C-925C-B147805A5CBC}" type="pres">
+      <dgm:prSet presAssocID="{DCC804AC-1408-476A-B2ED-41C6CDD4073D}" presName="iconSpace" presStyleCnt="0"/>
+      <dgm:spPr/>
+    </dgm:pt>
+    <dgm:pt modelId="{61167F69-F965-4288-A115-E1DD2DF782BE}" type="pres">
+      <dgm:prSet presAssocID="{DCC804AC-1408-476A-B2ED-41C6CDD4073D}" presName="parTx" presStyleLbl="revTx" presStyleIdx="14" presStyleCnt="16">
+        <dgm:presLayoutVars>
+          <dgm:chMax val="0"/>
+          <dgm:chPref val="0"/>
+        </dgm:presLayoutVars>
+      </dgm:prSet>
+      <dgm:spPr/>
+    </dgm:pt>
+    <dgm:pt modelId="{620E0EE0-8E52-4945-BA3E-8A7996B279E6}" type="pres">
+      <dgm:prSet presAssocID="{DCC804AC-1408-476A-B2ED-41C6CDD4073D}" presName="txSpace" presStyleCnt="0"/>
+      <dgm:spPr/>
+    </dgm:pt>
+    <dgm:pt modelId="{8B41FB10-1450-44A7-8C5B-2BEA077EF5DA}" type="pres">
+      <dgm:prSet presAssocID="{DCC804AC-1408-476A-B2ED-41C6CDD4073D}" presName="desTx" presStyleLbl="revTx" presStyleIdx="15" presStyleCnt="16">
+        <dgm:presLayoutVars/>
+      </dgm:prSet>
+      <dgm:spPr/>
+    </dgm:pt>
+  </dgm:ptLst>
+  <dgm:cxnLst>
+    <dgm:cxn modelId="{34FE5B01-C708-44AB-A1F1-9FA63F347B4C}" type="presOf" srcId="{8C669D65-0A55-4E86-9580-520A1B437F69}" destId="{2738B27E-79D9-497D-83DD-24FE714E6B71}" srcOrd="0" destOrd="0" presId="urn:microsoft.com/office/officeart/2018/5/layout/CenteredIconLabelDescriptionList"/>
+    <dgm:cxn modelId="{8B160A03-91D2-475E-9B52-282D10299823}" srcId="{7A7DD00A-CEC1-405F-9D57-825C63649AE4}" destId="{AA25BF3C-E8DC-4A90-8D51-038E5C33D181}" srcOrd="1" destOrd="0" parTransId="{B6D6DAD0-D384-4C67-98B1-623A3AE998DE}" sibTransId="{FD04D37D-E059-44A8-894A-B0177510FDA3}"/>
+    <dgm:cxn modelId="{CBDCB903-A9C7-4A8B-AD5C-8B69ADBEAEAC}" srcId="{1AF84FCC-0BFD-4661-8F28-0890349FDFF3}" destId="{199FBA9B-AE7C-49F5-9DAE-848212BBAA0B}" srcOrd="0" destOrd="0" parTransId="{2FE4705E-2119-4329-A885-AA3281DE0E29}" sibTransId="{DDDE64ED-56F6-4A52-8339-2183E321E619}"/>
+    <dgm:cxn modelId="{F3A11B15-1677-49A0-AE5C-8B072427D90C}" srcId="{E39145E1-FE15-4933-9D0A-91B1CDB4429C}" destId="{FB86A4B5-2843-4776-A026-3FD641C505D8}" srcOrd="0" destOrd="0" parTransId="{AA3872CA-9040-4163-B2C6-0BCEF089DF83}" sibTransId="{560B5AD9-B817-47B2-886F-9DA6392DF51C}"/>
+    <dgm:cxn modelId="{66427F19-84EF-4EEA-8FDF-B951D7F993E2}" type="presOf" srcId="{86BDAB7A-ACBA-4C19-A3FB-EFC04DE7F13E}" destId="{8095579C-782C-45C2-AD03-B564165737C9}" srcOrd="0" destOrd="1" presId="urn:microsoft.com/office/officeart/2018/5/layout/CenteredIconLabelDescriptionList"/>
+    <dgm:cxn modelId="{1B9D781D-D321-4EEF-B469-4B7FDE83E46D}" srcId="{32D66D39-0431-40FF-9EA0-1EEF345E8EC4}" destId="{7C1D0CE6-2453-461C-BE17-E9927ECB3A08}" srcOrd="2" destOrd="0" parTransId="{DC151643-0A75-48AD-9E7E-ACD364194002}" sibTransId="{41FA2E8B-E5FE-4BAA-A097-DE15E2C414D9}"/>
+    <dgm:cxn modelId="{1AC9D51E-6C04-48DE-B546-EDC3ADF991C2}" srcId="{DCC804AC-1408-476A-B2ED-41C6CDD4073D}" destId="{60401DF4-05F8-4200-9B11-166518D086F0}" srcOrd="0" destOrd="0" parTransId="{F875A416-F255-4F84-BC2C-B0D5F5FCF6BC}" sibTransId="{D28076A9-3ACC-484B-B30D-A5EF4D70C977}"/>
+    <dgm:cxn modelId="{CBAEEE26-FDC5-49FB-B1C8-4EB7297A84EB}" type="presOf" srcId="{60401DF4-05F8-4200-9B11-166518D086F0}" destId="{8B41FB10-1450-44A7-8C5B-2BEA077EF5DA}" srcOrd="0" destOrd="0" presId="urn:microsoft.com/office/officeart/2018/5/layout/CenteredIconLabelDescriptionList"/>
+    <dgm:cxn modelId="{0E0BEF31-E19C-4374-91DC-B57B6CBE04EA}" srcId="{1AF84FCC-0BFD-4661-8F28-0890349FDFF3}" destId="{8C669D65-0A55-4E86-9580-520A1B437F69}" srcOrd="2" destOrd="0" parTransId="{50C2A9CB-BD66-400D-B0D0-EDEC166E500B}" sibTransId="{D51B0718-D7C9-4FA5-B8D4-81099DF68D80}"/>
+    <dgm:cxn modelId="{3809693F-EA59-42AF-8DC0-AC89173B3707}" type="presOf" srcId="{177EDF71-F0DF-4CFD-90C2-5207AFF6B2F0}" destId="{C2141353-AED9-40AF-9E62-BE17FE13CB1E}" srcOrd="0" destOrd="1" presId="urn:microsoft.com/office/officeart/2018/5/layout/CenteredIconLabelDescriptionList"/>
+    <dgm:cxn modelId="{0FD22C40-20C2-43F0-A1BC-F8CCAA92799D}" type="presOf" srcId="{B9D4CE33-AE7D-4CDF-9B95-C88D7CB04A0F}" destId="{DAF5DCB6-AB69-4711-BE35-F9BDF67760F3}" srcOrd="0" destOrd="0" presId="urn:microsoft.com/office/officeart/2018/5/layout/CenteredIconLabelDescriptionList"/>
+    <dgm:cxn modelId="{87DD0C5D-1CAE-43D2-A385-E151A2F2AE36}" type="presOf" srcId="{CD6ABFCA-9438-4C1C-A36F-E8732368C05B}" destId="{65698291-BF23-4A1E-9AA6-3CB5AC1C3195}" srcOrd="0" destOrd="0" presId="urn:microsoft.com/office/officeart/2018/5/layout/CenteredIconLabelDescriptionList"/>
+    <dgm:cxn modelId="{47BBB95F-A9BF-43C0-813A-EB8B0C9B29D6}" srcId="{A73F4F14-5100-426B-890E-6ADA1F6440ED}" destId="{CD6ABFCA-9438-4C1C-A36F-E8732368C05B}" srcOrd="0" destOrd="0" parTransId="{F84B6DE2-D256-499C-BDD9-12EF06BF4B48}" sibTransId="{7D708455-B5EA-4B40-9A9E-2A3AD07EAB23}"/>
+    <dgm:cxn modelId="{F128AF61-C40E-4415-B4D9-900A76742583}" srcId="{199FBA9B-AE7C-49F5-9DAE-848212BBAA0B}" destId="{177EDF71-F0DF-4CFD-90C2-5207AFF6B2F0}" srcOrd="1" destOrd="0" parTransId="{6F771D15-7FB4-4CB2-A07F-0E79DCA2A98D}" sibTransId="{C1DAE4FF-1407-4070-ABFE-53154F78AE61}"/>
+    <dgm:cxn modelId="{84A73B42-7583-486B-BBE2-D22C68719995}" type="presOf" srcId="{FB86A4B5-2843-4776-A026-3FD641C505D8}" destId="{8095579C-782C-45C2-AD03-B564165737C9}" srcOrd="0" destOrd="0" presId="urn:microsoft.com/office/officeart/2018/5/layout/CenteredIconLabelDescriptionList"/>
+    <dgm:cxn modelId="{82D4DF63-95D9-46C2-9500-EB00BD6B0056}" srcId="{1AF84FCC-0BFD-4661-8F28-0890349FDFF3}" destId="{089E3F4E-FD81-452C-80FE-CD27F6182740}" srcOrd="5" destOrd="0" parTransId="{491D7FA8-640B-44BB-A468-75FC3C5E3315}" sibTransId="{EF9B0AFE-56D6-44EE-BC22-DDD50EF9D2B2}"/>
+    <dgm:cxn modelId="{EE8F4866-B968-49BB-9639-6948C394B571}" srcId="{8C669D65-0A55-4E86-9580-520A1B437F69}" destId="{6CCBA381-A891-487B-8ECC-D296600813BC}" srcOrd="0" destOrd="0" parTransId="{7D4339CD-8623-421D-98D2-89F316D0DA75}" sibTransId="{BA3D7D1C-9B87-4C35-9956-EB4FFA25FD97}"/>
+    <dgm:cxn modelId="{A1AF926B-A085-4BF0-A971-C814376A82B8}" type="presOf" srcId="{089E3F4E-FD81-452C-80FE-CD27F6182740}" destId="{1D37F60E-C9F7-4916-8841-97DCBF8A99E8}" srcOrd="0" destOrd="0" presId="urn:microsoft.com/office/officeart/2018/5/layout/CenteredIconLabelDescriptionList"/>
+    <dgm:cxn modelId="{DD54E94B-2514-4402-838C-22B34C6DC4A1}" type="presOf" srcId="{EFCDC946-23AD-4B53-8A26-B7AA95445B9A}" destId="{624D021F-197F-4B8C-A452-44FE38756DC2}" srcOrd="0" destOrd="0" presId="urn:microsoft.com/office/officeart/2018/5/layout/CenteredIconLabelDescriptionList"/>
+    <dgm:cxn modelId="{C4AF2D70-C38D-4C11-8B1A-FEC87E53BC55}" type="presOf" srcId="{7A7DD00A-CEC1-405F-9D57-825C63649AE4}" destId="{1C62EDC5-106F-4162-8782-CF47D721CAE3}" srcOrd="0" destOrd="0" presId="urn:microsoft.com/office/officeart/2018/5/layout/CenteredIconLabelDescriptionList"/>
+    <dgm:cxn modelId="{F0749E7A-FA81-4F16-A41A-0F1CF19154EC}" srcId="{E39145E1-FE15-4933-9D0A-91B1CDB4429C}" destId="{86BDAB7A-ACBA-4C19-A3FB-EFC04DE7F13E}" srcOrd="1" destOrd="0" parTransId="{3DA5BEEA-60B8-412E-87D2-B7E58C6E2FD6}" sibTransId="{B12B1CAB-F26F-4680-8F6C-960E9C5FACC1}"/>
+    <dgm:cxn modelId="{BA33247E-EDC2-4101-90FF-00E75C78BCE3}" type="presOf" srcId="{AA25BF3C-E8DC-4A90-8D51-038E5C33D181}" destId="{624D021F-197F-4B8C-A452-44FE38756DC2}" srcOrd="0" destOrd="1" presId="urn:microsoft.com/office/officeart/2018/5/layout/CenteredIconLabelDescriptionList"/>
+    <dgm:cxn modelId="{9DE36F83-627A-46DC-8F23-75B02EEF71A9}" type="presOf" srcId="{DEB0D2BB-341A-42A5-BF01-3380535ABFC0}" destId="{D635B18C-E5A9-4FA1-8E3A-3A3AB3590972}" srcOrd="0" destOrd="0" presId="urn:microsoft.com/office/officeart/2018/5/layout/CenteredIconLabelDescriptionList"/>
+    <dgm:cxn modelId="{AF19FD83-C7CE-411C-96CA-3C9703887664}" type="presOf" srcId="{DCC804AC-1408-476A-B2ED-41C6CDD4073D}" destId="{61167F69-F965-4288-A115-E1DD2DF782BE}" srcOrd="0" destOrd="0" presId="urn:microsoft.com/office/officeart/2018/5/layout/CenteredIconLabelDescriptionList"/>
+    <dgm:cxn modelId="{E9EFF88A-60A9-4308-BEAF-E45AAE29D14A}" type="presOf" srcId="{6286EB6B-8319-4CEF-BD3E-63B598F21650}" destId="{C2141353-AED9-40AF-9E62-BE17FE13CB1E}" srcOrd="0" destOrd="0" presId="urn:microsoft.com/office/officeart/2018/5/layout/CenteredIconLabelDescriptionList"/>
+    <dgm:cxn modelId="{A2CE078D-9033-4A99-994F-CC265BB39476}" type="presOf" srcId="{7C1D0CE6-2453-461C-BE17-E9927ECB3A08}" destId="{D635B18C-E5A9-4FA1-8E3A-3A3AB3590972}" srcOrd="0" destOrd="2" presId="urn:microsoft.com/office/officeart/2018/5/layout/CenteredIconLabelDescriptionList"/>
+    <dgm:cxn modelId="{895AD68D-340B-4DBB-B3A6-5180881FCC9A}" srcId="{7A7DD00A-CEC1-405F-9D57-825C63649AE4}" destId="{EFCDC946-23AD-4B53-8A26-B7AA95445B9A}" srcOrd="0" destOrd="0" parTransId="{D9F98FDC-3148-44D7-A115-7AFA8581F0C5}" sibTransId="{341A5282-52C6-491B-942D-527C07A478E6}"/>
+    <dgm:cxn modelId="{AB388396-0D1B-49A6-8DD1-05B070375FA6}" srcId="{1AF84FCC-0BFD-4661-8F28-0890349FDFF3}" destId="{E39145E1-FE15-4933-9D0A-91B1CDB4429C}" srcOrd="6" destOrd="0" parTransId="{739FE983-91CF-4E72-886A-7E84C0C22F55}" sibTransId="{65BF2882-926B-45CA-B478-973DA7D02F93}"/>
+    <dgm:cxn modelId="{D79E029D-1AD7-48CA-8396-A93CDDA2B0F3}" type="presOf" srcId="{E39145E1-FE15-4933-9D0A-91B1CDB4429C}" destId="{E1B83E84-7B60-4150-A049-82ADF9635A94}" srcOrd="0" destOrd="0" presId="urn:microsoft.com/office/officeart/2018/5/layout/CenteredIconLabelDescriptionList"/>
+    <dgm:cxn modelId="{C4435BA0-FF5A-4435-A252-31B533B8CF40}" srcId="{1AF84FCC-0BFD-4661-8F28-0890349FDFF3}" destId="{DCC804AC-1408-476A-B2ED-41C6CDD4073D}" srcOrd="7" destOrd="0" parTransId="{E97C2E05-BC7B-4237-B510-56BEA1E2EB48}" sibTransId="{33EDC512-79D7-41C0-8EE3-6DE89E9480C9}"/>
+    <dgm:cxn modelId="{3F0269B3-5ADC-4A39-99FD-CCCB659253DF}" srcId="{1AF84FCC-0BFD-4661-8F28-0890349FDFF3}" destId="{7A7DD00A-CEC1-405F-9D57-825C63649AE4}" srcOrd="1" destOrd="0" parTransId="{13A41C78-62F7-4CD3-BA7F-45B28C9E4BE4}" sibTransId="{D259E911-AC7B-42CE-BA28-35413516EC20}"/>
+    <dgm:cxn modelId="{4DB25AB5-2DE9-4092-81B3-79D247E576E6}" srcId="{E39145E1-FE15-4933-9D0A-91B1CDB4429C}" destId="{30E527C8-D8A7-4269-A889-AE7312DCB49C}" srcOrd="2" destOrd="0" parTransId="{D644CD3B-D604-4167-A41E-9A53AE2EA61D}" sibTransId="{B8980BD5-96AF-41EC-AC2D-C97D62A3CF88}"/>
+    <dgm:cxn modelId="{8CE470BD-990B-4077-AB1F-AECC60EA3BFE}" srcId="{32D66D39-0431-40FF-9EA0-1EEF345E8EC4}" destId="{AAA4BEFD-B745-4DB2-9556-23D76B097506}" srcOrd="1" destOrd="0" parTransId="{24D8ADA2-98B9-45B6-A992-1F31F59E6335}" sibTransId="{FED623C9-3B04-419B-B3F8-21DBAD1E2B3B}"/>
+    <dgm:cxn modelId="{CF52BFC0-9F6E-46FA-BA6D-EB5C255ACBBA}" type="presOf" srcId="{1AF84FCC-0BFD-4661-8F28-0890349FDFF3}" destId="{3EF5CBB8-0E6D-40B0-8954-77C9906E67D1}" srcOrd="0" destOrd="0" presId="urn:microsoft.com/office/officeart/2018/5/layout/CenteredIconLabelDescriptionList"/>
+    <dgm:cxn modelId="{7A95F7CF-E632-4F1D-90F4-DA54796CE436}" srcId="{089E3F4E-FD81-452C-80FE-CD27F6182740}" destId="{B9D4CE33-AE7D-4CDF-9B95-C88D7CB04A0F}" srcOrd="0" destOrd="0" parTransId="{CB2B4557-BCEA-4AB1-AA89-1308FA56A6EA}" sibTransId="{09239881-728D-4AEE-87DE-475194602AC6}"/>
+    <dgm:cxn modelId="{7C7571E5-92E0-47D2-9D7E-21C5AEAAF75B}" srcId="{32D66D39-0431-40FF-9EA0-1EEF345E8EC4}" destId="{DEB0D2BB-341A-42A5-BF01-3380535ABFC0}" srcOrd="0" destOrd="0" parTransId="{AEE82EDC-FE8C-4856-8BA0-B3F74B0A7B1C}" sibTransId="{082D6C29-EDF9-41DF-A466-F85835EA880D}"/>
+    <dgm:cxn modelId="{B8D4BCE8-84D9-4FF7-88C7-AA073B86D459}" type="presOf" srcId="{AAA4BEFD-B745-4DB2-9556-23D76B097506}" destId="{D635B18C-E5A9-4FA1-8E3A-3A3AB3590972}" srcOrd="0" destOrd="1" presId="urn:microsoft.com/office/officeart/2018/5/layout/CenteredIconLabelDescriptionList"/>
+    <dgm:cxn modelId="{D3A27CE9-52AF-4512-86F7-77B09421BF9E}" type="presOf" srcId="{6CCBA381-A891-487B-8ECC-D296600813BC}" destId="{CA74B552-4C10-407D-9DA4-DC446BE25C5A}" srcOrd="0" destOrd="0" presId="urn:microsoft.com/office/officeart/2018/5/layout/CenteredIconLabelDescriptionList"/>
+    <dgm:cxn modelId="{FD4E54EB-5396-4D21-A824-A6BA718070ED}" type="presOf" srcId="{199FBA9B-AE7C-49F5-9DAE-848212BBAA0B}" destId="{CAF14AD9-C5FE-4615-8E46-2B7EB3932283}" srcOrd="0" destOrd="0" presId="urn:microsoft.com/office/officeart/2018/5/layout/CenteredIconLabelDescriptionList"/>
+    <dgm:cxn modelId="{1F6233EE-613D-4BE0-8019-61CC092D4AD1}" srcId="{199FBA9B-AE7C-49F5-9DAE-848212BBAA0B}" destId="{6286EB6B-8319-4CEF-BD3E-63B598F21650}" srcOrd="0" destOrd="0" parTransId="{6D3DDCB0-72E2-41C0-B3E3-3B44D5B6D940}" sibTransId="{5DCDA224-C723-4497-82BC-76A317306C60}"/>
+    <dgm:cxn modelId="{5F1AA6EF-364E-4C43-842A-D726EBAD382F}" type="presOf" srcId="{30E527C8-D8A7-4269-A889-AE7312DCB49C}" destId="{8095579C-782C-45C2-AD03-B564165737C9}" srcOrd="0" destOrd="2" presId="urn:microsoft.com/office/officeart/2018/5/layout/CenteredIconLabelDescriptionList"/>
+    <dgm:cxn modelId="{B05048F2-E8F1-4C74-928F-70F38AA64119}" type="presOf" srcId="{32D66D39-0431-40FF-9EA0-1EEF345E8EC4}" destId="{9A791EB4-FB49-4359-AC90-58824558361C}" srcOrd="0" destOrd="0" presId="urn:microsoft.com/office/officeart/2018/5/layout/CenteredIconLabelDescriptionList"/>
+    <dgm:cxn modelId="{A121A2F3-A95B-42AA-8791-175B58924155}" srcId="{1AF84FCC-0BFD-4661-8F28-0890349FDFF3}" destId="{A73F4F14-5100-426B-890E-6ADA1F6440ED}" srcOrd="4" destOrd="0" parTransId="{DC13E40C-8FE9-446A-8E87-316D5C749B59}" sibTransId="{0227F8D7-9E31-49E8-ABA1-4ECE5E25E9B1}"/>
+    <dgm:cxn modelId="{EFB238F4-1C13-4AD8-AABE-5EADADBB8093}" type="presOf" srcId="{A73F4F14-5100-426B-890E-6ADA1F6440ED}" destId="{09D4AD9E-D5DA-4A17-8DF7-0CA8997D8F91}" srcOrd="0" destOrd="0" presId="urn:microsoft.com/office/officeart/2018/5/layout/CenteredIconLabelDescriptionList"/>
+    <dgm:cxn modelId="{07E189F9-D30E-432E-AFD1-65F7B24ED8A4}" srcId="{1AF84FCC-0BFD-4661-8F28-0890349FDFF3}" destId="{32D66D39-0431-40FF-9EA0-1EEF345E8EC4}" srcOrd="3" destOrd="0" parTransId="{2DBF721F-BE4F-4D73-9AAD-62F3B082DA67}" sibTransId="{4047F0F6-20CD-4050-8A62-CB6AD9150A2F}"/>
+    <dgm:cxn modelId="{BECD7B9E-AAC7-4D61-9BB1-1431A3D90E49}" type="presParOf" srcId="{3EF5CBB8-0E6D-40B0-8954-77C9906E67D1}" destId="{515DEF1B-4CC5-4C2D-B31F-F277A0BCC1C6}" srcOrd="0" destOrd="0" presId="urn:microsoft.com/office/officeart/2018/5/layout/CenteredIconLabelDescriptionList"/>
+    <dgm:cxn modelId="{2E1C77E5-9EA2-4AC6-94A6-C476FE19B970}" type="presParOf" srcId="{515DEF1B-4CC5-4C2D-B31F-F277A0BCC1C6}" destId="{AE7891D8-584F-41BD-B356-DDB667BA5134}" srcOrd="0" destOrd="0" presId="urn:microsoft.com/office/officeart/2018/5/layout/CenteredIconLabelDescriptionList"/>
+    <dgm:cxn modelId="{42F9F3B9-C719-406D-952F-22CE1318FFC7}" type="presParOf" srcId="{515DEF1B-4CC5-4C2D-B31F-F277A0BCC1C6}" destId="{43B084D8-9D4D-4414-92AD-C9FF7A718641}" srcOrd="1" destOrd="0" presId="urn:microsoft.com/office/officeart/2018/5/layout/CenteredIconLabelDescriptionList"/>
+    <dgm:cxn modelId="{5A5E5A14-49A2-493A-897A-CC9850A1A096}" type="presParOf" srcId="{515DEF1B-4CC5-4C2D-B31F-F277A0BCC1C6}" destId="{CAF14AD9-C5FE-4615-8E46-2B7EB3932283}" srcOrd="2" destOrd="0" presId="urn:microsoft.com/office/officeart/2018/5/layout/CenteredIconLabelDescriptionList"/>
+    <dgm:cxn modelId="{6F485319-3459-403B-8C88-D1BA648CC593}" type="presParOf" srcId="{515DEF1B-4CC5-4C2D-B31F-F277A0BCC1C6}" destId="{36373AC9-D668-4EF0-9DA3-26B5D6CAA371}" srcOrd="3" destOrd="0" presId="urn:microsoft.com/office/officeart/2018/5/layout/CenteredIconLabelDescriptionList"/>
+    <dgm:cxn modelId="{F2D015DF-E047-433B-8C32-385763C551CC}" type="presParOf" srcId="{515DEF1B-4CC5-4C2D-B31F-F277A0BCC1C6}" destId="{C2141353-AED9-40AF-9E62-BE17FE13CB1E}" srcOrd="4" destOrd="0" presId="urn:microsoft.com/office/officeart/2018/5/layout/CenteredIconLabelDescriptionList"/>
+    <dgm:cxn modelId="{7BF20FC3-E019-4146-B1AE-863D4AE99520}" type="presParOf" srcId="{3EF5CBB8-0E6D-40B0-8954-77C9906E67D1}" destId="{34983591-C285-4CB5-B8B1-F74BF85EB075}" srcOrd="1" destOrd="0" presId="urn:microsoft.com/office/officeart/2018/5/layout/CenteredIconLabelDescriptionList"/>
+    <dgm:cxn modelId="{5E47C472-FE66-4C45-AE39-F9C7CD6823F1}" type="presParOf" srcId="{3EF5CBB8-0E6D-40B0-8954-77C9906E67D1}" destId="{F1F288DE-1971-454C-B418-078DC358AEE1}" srcOrd="2" destOrd="0" presId="urn:microsoft.com/office/officeart/2018/5/layout/CenteredIconLabelDescriptionList"/>
+    <dgm:cxn modelId="{8B49FB35-553D-46CC-AF8F-F9FB2D84119B}" type="presParOf" srcId="{F1F288DE-1971-454C-B418-078DC358AEE1}" destId="{3757E782-F99A-4CC6-AC4B-C29C8B5AEC41}" srcOrd="0" destOrd="0" presId="urn:microsoft.com/office/officeart/2018/5/layout/CenteredIconLabelDescriptionList"/>
+    <dgm:cxn modelId="{3C8892AA-C413-47A8-BF65-EDEE3D6FD955}" type="presParOf" srcId="{F1F288DE-1971-454C-B418-078DC358AEE1}" destId="{4160E8F7-8DEE-477C-8CA6-D16545187183}" srcOrd="1" destOrd="0" presId="urn:microsoft.com/office/officeart/2018/5/layout/CenteredIconLabelDescriptionList"/>
+    <dgm:cxn modelId="{43ADDF29-9F86-47BF-A2E6-691307FBCB41}" type="presParOf" srcId="{F1F288DE-1971-454C-B418-078DC358AEE1}" destId="{1C62EDC5-106F-4162-8782-CF47D721CAE3}" srcOrd="2" destOrd="0" presId="urn:microsoft.com/office/officeart/2018/5/layout/CenteredIconLabelDescriptionList"/>
+    <dgm:cxn modelId="{9C694D92-595A-435E-A0DB-58A2685DF6AA}" type="presParOf" srcId="{F1F288DE-1971-454C-B418-078DC358AEE1}" destId="{BFF2CD02-2024-487F-9E75-D0E633C5296C}" srcOrd="3" destOrd="0" presId="urn:microsoft.com/office/officeart/2018/5/layout/CenteredIconLabelDescriptionList"/>
+    <dgm:cxn modelId="{2474C7C3-DA8C-441D-9E60-F4CE58B7506D}" type="presParOf" srcId="{F1F288DE-1971-454C-B418-078DC358AEE1}" destId="{624D021F-197F-4B8C-A452-44FE38756DC2}" srcOrd="4" destOrd="0" presId="urn:microsoft.com/office/officeart/2018/5/layout/CenteredIconLabelDescriptionList"/>
+    <dgm:cxn modelId="{63D264DD-30CE-4C16-A543-C0E3D4D1FB90}" type="presParOf" srcId="{3EF5CBB8-0E6D-40B0-8954-77C9906E67D1}" destId="{D54950D6-5BE6-4A81-A4FA-D5BDC81851AA}" srcOrd="3" destOrd="0" presId="urn:microsoft.com/office/officeart/2018/5/layout/CenteredIconLabelDescriptionList"/>
+    <dgm:cxn modelId="{F44502A1-96E6-4A44-99AF-1C487301A248}" type="presParOf" srcId="{3EF5CBB8-0E6D-40B0-8954-77C9906E67D1}" destId="{773DABAB-5842-40BA-895E-CE02F92E5FC5}" srcOrd="4" destOrd="0" presId="urn:microsoft.com/office/officeart/2018/5/layout/CenteredIconLabelDescriptionList"/>
+    <dgm:cxn modelId="{19DCD684-1D00-46CA-9C3A-7F34EEA96EF9}" type="presParOf" srcId="{773DABAB-5842-40BA-895E-CE02F92E5FC5}" destId="{6D50F3BB-0B60-4A27-9E8F-C2B48EC41D3B}" srcOrd="0" destOrd="0" presId="urn:microsoft.com/office/officeart/2018/5/layout/CenteredIconLabelDescriptionList"/>
+    <dgm:cxn modelId="{85BFE4F0-DCFE-4E49-9ED2-4986C60A70C5}" type="presParOf" srcId="{773DABAB-5842-40BA-895E-CE02F92E5FC5}" destId="{281C98A3-EE5C-4F42-A2E7-D60FAA29337A}" srcOrd="1" destOrd="0" presId="urn:microsoft.com/office/officeart/2018/5/layout/CenteredIconLabelDescriptionList"/>
+    <dgm:cxn modelId="{B7840286-F548-4BBD-B671-6ECFEFDC2709}" type="presParOf" srcId="{773DABAB-5842-40BA-895E-CE02F92E5FC5}" destId="{2738B27E-79D9-497D-83DD-24FE714E6B71}" srcOrd="2" destOrd="0" presId="urn:microsoft.com/office/officeart/2018/5/layout/CenteredIconLabelDescriptionList"/>
+    <dgm:cxn modelId="{6AA1568F-8A92-47D6-9417-24BB87781051}" type="presParOf" srcId="{773DABAB-5842-40BA-895E-CE02F92E5FC5}" destId="{438640D2-5F93-4F2B-8388-B3144E4483CA}" srcOrd="3" destOrd="0" presId="urn:microsoft.com/office/officeart/2018/5/layout/CenteredIconLabelDescriptionList"/>
+    <dgm:cxn modelId="{2F09712A-DF6B-479E-AEBE-F6C255BE7A8F}" type="presParOf" srcId="{773DABAB-5842-40BA-895E-CE02F92E5FC5}" destId="{CA74B552-4C10-407D-9DA4-DC446BE25C5A}" srcOrd="4" destOrd="0" presId="urn:microsoft.com/office/officeart/2018/5/layout/CenteredIconLabelDescriptionList"/>
+    <dgm:cxn modelId="{5D10D96E-A391-4916-B379-5813ECBF9459}" type="presParOf" srcId="{3EF5CBB8-0E6D-40B0-8954-77C9906E67D1}" destId="{64C2DAB5-3522-4096-B149-01A9826098AE}" srcOrd="5" destOrd="0" presId="urn:microsoft.com/office/officeart/2018/5/layout/CenteredIconLabelDescriptionList"/>
+    <dgm:cxn modelId="{3BAEEA42-B813-4951-B4DC-21B5B847748C}" type="presParOf" srcId="{3EF5CBB8-0E6D-40B0-8954-77C9906E67D1}" destId="{2D472E79-1CBD-41F7-BEA6-4AD387288C8C}" srcOrd="6" destOrd="0" presId="urn:microsoft.com/office/officeart/2018/5/layout/CenteredIconLabelDescriptionList"/>
+    <dgm:cxn modelId="{E5E79ADF-2D6D-4F40-A00C-0AEBBF3F185A}" type="presParOf" srcId="{2D472E79-1CBD-41F7-BEA6-4AD387288C8C}" destId="{CCFD5038-D7B3-4967-A9D2-460F1B3EE6F8}" srcOrd="0" destOrd="0" presId="urn:microsoft.com/office/officeart/2018/5/layout/CenteredIconLabelDescriptionList"/>
+    <dgm:cxn modelId="{8A1D7140-6F77-472C-9779-D6C148B1744A}" type="presParOf" srcId="{2D472E79-1CBD-41F7-BEA6-4AD387288C8C}" destId="{72D4E4CF-A502-4C28-A42D-4C1C05477A42}" srcOrd="1" destOrd="0" presId="urn:microsoft.com/office/officeart/2018/5/layout/CenteredIconLabelDescriptionList"/>
+    <dgm:cxn modelId="{6F68900A-B4B1-4E8D-8604-6F2A8975BD9B}" type="presParOf" srcId="{2D472E79-1CBD-41F7-BEA6-4AD387288C8C}" destId="{9A791EB4-FB49-4359-AC90-58824558361C}" srcOrd="2" destOrd="0" presId="urn:microsoft.com/office/officeart/2018/5/layout/CenteredIconLabelDescriptionList"/>
+    <dgm:cxn modelId="{87964134-4859-4A89-B7F8-B7202FC04551}" type="presParOf" srcId="{2D472E79-1CBD-41F7-BEA6-4AD387288C8C}" destId="{502B2B94-6D64-4430-A4C3-224D02C26403}" srcOrd="3" destOrd="0" presId="urn:microsoft.com/office/officeart/2018/5/layout/CenteredIconLabelDescriptionList"/>
+    <dgm:cxn modelId="{850FC394-8050-4B01-8EC4-AF2DD3BCC98A}" type="presParOf" srcId="{2D472E79-1CBD-41F7-BEA6-4AD387288C8C}" destId="{D635B18C-E5A9-4FA1-8E3A-3A3AB3590972}" srcOrd="4" destOrd="0" presId="urn:microsoft.com/office/officeart/2018/5/layout/CenteredIconLabelDescriptionList"/>
+    <dgm:cxn modelId="{FF1D83D1-0966-466C-A37A-A1A1EA6F836D}" type="presParOf" srcId="{3EF5CBB8-0E6D-40B0-8954-77C9906E67D1}" destId="{1CAA8EC3-A3DB-4FE0-8DB8-6213374C791F}" srcOrd="7" destOrd="0" presId="urn:microsoft.com/office/officeart/2018/5/layout/CenteredIconLabelDescriptionList"/>
+    <dgm:cxn modelId="{732CA82E-D30C-4A03-8521-084341AB4E9F}" type="presParOf" srcId="{3EF5CBB8-0E6D-40B0-8954-77C9906E67D1}" destId="{151FBAAF-04A6-41C6-B8DC-7FC0E72066ED}" srcOrd="8" destOrd="0" presId="urn:microsoft.com/office/officeart/2018/5/layout/CenteredIconLabelDescriptionList"/>
+    <dgm:cxn modelId="{1DD7D2AA-1E73-4969-BCDA-8177CD35DB0A}" type="presParOf" srcId="{151FBAAF-04A6-41C6-B8DC-7FC0E72066ED}" destId="{2C534DBC-B829-430B-AA56-314832889084}" srcOrd="0" destOrd="0" presId="urn:microsoft.com/office/officeart/2018/5/layout/CenteredIconLabelDescriptionList"/>
+    <dgm:cxn modelId="{616AA41F-AC7B-492E-9712-137D60C9BD7C}" type="presParOf" srcId="{151FBAAF-04A6-41C6-B8DC-7FC0E72066ED}" destId="{C6FD84F9-9BC6-4398-B809-4735E9729EC0}" srcOrd="1" destOrd="0" presId="urn:microsoft.com/office/officeart/2018/5/layout/CenteredIconLabelDescriptionList"/>
+    <dgm:cxn modelId="{5918A765-E40C-46A9-A777-7B47E5C299FB}" type="presParOf" srcId="{151FBAAF-04A6-41C6-B8DC-7FC0E72066ED}" destId="{09D4AD9E-D5DA-4A17-8DF7-0CA8997D8F91}" srcOrd="2" destOrd="0" presId="urn:microsoft.com/office/officeart/2018/5/layout/CenteredIconLabelDescriptionList"/>
+    <dgm:cxn modelId="{18231C09-BB04-41C0-AB0A-BB1336974A42}" type="presParOf" srcId="{151FBAAF-04A6-41C6-B8DC-7FC0E72066ED}" destId="{ECCF08F8-5DFB-4020-9AC6-3EE6A0DF1A22}" srcOrd="3" destOrd="0" presId="urn:microsoft.com/office/officeart/2018/5/layout/CenteredIconLabelDescriptionList"/>
+    <dgm:cxn modelId="{590412E9-49DA-4C14-8EF1-CE694D7F96FD}" type="presParOf" srcId="{151FBAAF-04A6-41C6-B8DC-7FC0E72066ED}" destId="{65698291-BF23-4A1E-9AA6-3CB5AC1C3195}" srcOrd="4" destOrd="0" presId="urn:microsoft.com/office/officeart/2018/5/layout/CenteredIconLabelDescriptionList"/>
+    <dgm:cxn modelId="{571F3C85-32F2-4F11-9662-04A0470B01FF}" type="presParOf" srcId="{3EF5CBB8-0E6D-40B0-8954-77C9906E67D1}" destId="{4F14C079-41B1-4011-BD9E-A6D4F510500B}" srcOrd="9" destOrd="0" presId="urn:microsoft.com/office/officeart/2018/5/layout/CenteredIconLabelDescriptionList"/>
+    <dgm:cxn modelId="{188C9C18-CCCD-4C54-8C55-BD3C2B536E44}" type="presParOf" srcId="{3EF5CBB8-0E6D-40B0-8954-77C9906E67D1}" destId="{8BDDCF8F-FC57-4C99-8FB1-9594DE86609B}" srcOrd="10" destOrd="0" presId="urn:microsoft.com/office/officeart/2018/5/layout/CenteredIconLabelDescriptionList"/>
+    <dgm:cxn modelId="{E0AB35E0-456A-4AFD-9E9E-C36B3B129ACF}" type="presParOf" srcId="{8BDDCF8F-FC57-4C99-8FB1-9594DE86609B}" destId="{3CBBC308-BC96-43B9-AED8-95B52C10EE9A}" srcOrd="0" destOrd="0" presId="urn:microsoft.com/office/officeart/2018/5/layout/CenteredIconLabelDescriptionList"/>
+    <dgm:cxn modelId="{74513EEB-88FB-43B8-9FA2-667FCF7B85E7}" type="presParOf" srcId="{8BDDCF8F-FC57-4C99-8FB1-9594DE86609B}" destId="{EB85103F-FF6F-47F6-9ECE-145118F9A042}" srcOrd="1" destOrd="0" presId="urn:microsoft.com/office/officeart/2018/5/layout/CenteredIconLabelDescriptionList"/>
+    <dgm:cxn modelId="{9A414B86-85AC-43C0-8E1E-897772B0F01F}" type="presParOf" srcId="{8BDDCF8F-FC57-4C99-8FB1-9594DE86609B}" destId="{1D37F60E-C9F7-4916-8841-97DCBF8A99E8}" srcOrd="2" destOrd="0" presId="urn:microsoft.com/office/officeart/2018/5/layout/CenteredIconLabelDescriptionList"/>
+    <dgm:cxn modelId="{3A04DF0E-3FCB-4DB4-88CE-A974EAD69196}" type="presParOf" srcId="{8BDDCF8F-FC57-4C99-8FB1-9594DE86609B}" destId="{9C17BB1F-ED29-43D3-90E8-5A905118B5ED}" srcOrd="3" destOrd="0" presId="urn:microsoft.com/office/officeart/2018/5/layout/CenteredIconLabelDescriptionList"/>
+    <dgm:cxn modelId="{BE341180-3F32-4FB4-93AF-7EC775570117}" type="presParOf" srcId="{8BDDCF8F-FC57-4C99-8FB1-9594DE86609B}" destId="{DAF5DCB6-AB69-4711-BE35-F9BDF67760F3}" srcOrd="4" destOrd="0" presId="urn:microsoft.com/office/officeart/2018/5/layout/CenteredIconLabelDescriptionList"/>
+    <dgm:cxn modelId="{8BB58B05-D239-4E99-AA68-688AF4ABD68D}" type="presParOf" srcId="{3EF5CBB8-0E6D-40B0-8954-77C9906E67D1}" destId="{6D379E36-C775-4674-9F86-234840C2C72E}" srcOrd="11" destOrd="0" presId="urn:microsoft.com/office/officeart/2018/5/layout/CenteredIconLabelDescriptionList"/>
+    <dgm:cxn modelId="{585BA055-EF6D-450B-97D9-B6F1442F1A05}" type="presParOf" srcId="{3EF5CBB8-0E6D-40B0-8954-77C9906E67D1}" destId="{E20A2C21-89AD-4DD4-A25D-89DA15AA947A}" srcOrd="12" destOrd="0" presId="urn:microsoft.com/office/officeart/2018/5/layout/CenteredIconLabelDescriptionList"/>
+    <dgm:cxn modelId="{12DACE67-CAA0-452E-B939-B468C5045367}" type="presParOf" srcId="{E20A2C21-89AD-4DD4-A25D-89DA15AA947A}" destId="{96AFB470-C46F-4EF8-8EC6-1D226E9D821A}" srcOrd="0" destOrd="0" presId="urn:microsoft.com/office/officeart/2018/5/layout/CenteredIconLabelDescriptionList"/>
+    <dgm:cxn modelId="{C94E4D2C-E9AB-4C57-BD6D-D377CDE6AD77}" type="presParOf" srcId="{E20A2C21-89AD-4DD4-A25D-89DA15AA947A}" destId="{FB47F0D7-CD69-4528-8713-1C4913A2B97A}" srcOrd="1" destOrd="0" presId="urn:microsoft.com/office/officeart/2018/5/layout/CenteredIconLabelDescriptionList"/>
+    <dgm:cxn modelId="{9F2013B2-4205-46FE-BDEA-188048FFE33D}" type="presParOf" srcId="{E20A2C21-89AD-4DD4-A25D-89DA15AA947A}" destId="{E1B83E84-7B60-4150-A049-82ADF9635A94}" srcOrd="2" destOrd="0" presId="urn:microsoft.com/office/officeart/2018/5/layout/CenteredIconLabelDescriptionList"/>
+    <dgm:cxn modelId="{C013631D-5088-4003-A2CC-3D4D64A231B3}" type="presParOf" srcId="{E20A2C21-89AD-4DD4-A25D-89DA15AA947A}" destId="{DECBC1AE-DBBA-4E10-8034-63EC17811D9B}" srcOrd="3" destOrd="0" presId="urn:microsoft.com/office/officeart/2018/5/layout/CenteredIconLabelDescriptionList"/>
+    <dgm:cxn modelId="{FA59E6E8-3C41-40F3-BB57-036D7A13D529}" type="presParOf" srcId="{E20A2C21-89AD-4DD4-A25D-89DA15AA947A}" destId="{8095579C-782C-45C2-AD03-B564165737C9}" srcOrd="4" destOrd="0" presId="urn:microsoft.com/office/officeart/2018/5/layout/CenteredIconLabelDescriptionList"/>
+    <dgm:cxn modelId="{9E4C7C50-2F8F-436F-9988-A10E7445E396}" type="presParOf" srcId="{3EF5CBB8-0E6D-40B0-8954-77C9906E67D1}" destId="{5AA52AF4-59BC-4C71-9EFC-129FEA8CD722}" srcOrd="13" destOrd="0" presId="urn:microsoft.com/office/officeart/2018/5/layout/CenteredIconLabelDescriptionList"/>
+    <dgm:cxn modelId="{BF4697BE-E413-4DDC-8ED6-40E3793359BD}" type="presParOf" srcId="{3EF5CBB8-0E6D-40B0-8954-77C9906E67D1}" destId="{4098C0AE-2A90-4312-A3C1-66202B0FD4CF}" srcOrd="14" destOrd="0" presId="urn:microsoft.com/office/officeart/2018/5/layout/CenteredIconLabelDescriptionList"/>
+    <dgm:cxn modelId="{49B79608-E1B8-464F-A7E2-9AFD628FC792}" type="presParOf" srcId="{4098C0AE-2A90-4312-A3C1-66202B0FD4CF}" destId="{DFC2528F-E8E1-4B0B-809E-08F06CC6DE63}" srcOrd="0" destOrd="0" presId="urn:microsoft.com/office/officeart/2018/5/layout/CenteredIconLabelDescriptionList"/>
+    <dgm:cxn modelId="{E0DAE473-4BB9-488D-B6C0-EA6FC9BA4365}" type="presParOf" srcId="{4098C0AE-2A90-4312-A3C1-66202B0FD4CF}" destId="{363E5F2B-AABB-473C-925C-B147805A5CBC}" srcOrd="1" destOrd="0" presId="urn:microsoft.com/office/officeart/2018/5/layout/CenteredIconLabelDescriptionList"/>
+    <dgm:cxn modelId="{873297FB-4E76-478D-8764-A5A99B8D4AF9}" type="presParOf" srcId="{4098C0AE-2A90-4312-A3C1-66202B0FD4CF}" destId="{61167F69-F965-4288-A115-E1DD2DF782BE}" srcOrd="2" destOrd="0" presId="urn:microsoft.com/office/officeart/2018/5/layout/CenteredIconLabelDescriptionList"/>
+    <dgm:cxn modelId="{D5C993F6-3536-4DBD-9368-717ECAFF31C7}" type="presParOf" srcId="{4098C0AE-2A90-4312-A3C1-66202B0FD4CF}" destId="{620E0EE0-8E52-4945-BA3E-8A7996B279E6}" srcOrd="3" destOrd="0" presId="urn:microsoft.com/office/officeart/2018/5/layout/CenteredIconLabelDescriptionList"/>
+    <dgm:cxn modelId="{75482117-6E17-4F0F-A9DD-7449B0542428}" type="presParOf" srcId="{4098C0AE-2A90-4312-A3C1-66202B0FD4CF}" destId="{8B41FB10-1450-44A7-8C5B-2BEA077EF5DA}" srcOrd="4" destOrd="0" presId="urn:microsoft.com/office/officeart/2018/5/layout/CenteredIconLabelDescriptionList"/>
+  </dgm:cxnLst>
+  <dgm:bg/>
+  <dgm:whole/>
+  <dgm:extLst>
+    <a:ext uri="http://schemas.microsoft.com/office/drawing/2008/diagram">
+      <dsp:dataModelExt xmlns:dsp="http://schemas.microsoft.com/office/drawing/2008/diagram" relId="rId6" minVer="http://schemas.openxmlformats.org/drawingml/2006/diagram"/>
+    </a:ext>
+  </dgm:extLst>
+</dgm:dataModel>
+</file>
+
+<file path=ppt/diagrams/drawing1.xml><?xml version="1.0" encoding="utf-8"?>
+<dsp:drawing xmlns:dgm="http://schemas.openxmlformats.org/drawingml/2006/diagram" xmlns:dsp="http://schemas.microsoft.com/office/drawing/2008/diagram" xmlns:a="http://schemas.openxmlformats.org/drawingml/2006/main">
+  <dsp:spTree>
+    <dsp:nvGrpSpPr>
+      <dsp:cNvPr id="0" name=""/>
+      <dsp:cNvGrpSpPr/>
+    </dsp:nvGrpSpPr>
+    <dsp:grpSpPr/>
+    <dsp:sp modelId="{AE7891D8-584F-41BD-B356-DDB667BA5134}">
+      <dsp:nvSpPr>
+        <dsp:cNvPr id="0" name=""/>
+        <dsp:cNvSpPr/>
+      </dsp:nvSpPr>
+      <dsp:spPr>
+        <a:xfrm>
+          <a:off x="410711" y="817830"/>
+          <a:ext cx="427047" cy="427047"/>
+        </a:xfrm>
+        <a:prstGeom prst="rect">
+          <a:avLst/>
+        </a:prstGeom>
+        <a:blipFill>
+          <a:blip xmlns:r="http://schemas.openxmlformats.org/officeDocument/2006/relationships" r:embed="rId1">
+            <a:extLst>
+              <a:ext uri="{28A0092B-C50C-407E-A947-70E740481C1C}">
+                <a14:useLocalDpi xmlns:a14="http://schemas.microsoft.com/office/drawing/2010/main" val="0"/>
+              </a:ext>
+              <a:ext uri="{96DAC541-7B7A-43D3-8B79-37D633B846F1}">
+                <asvg:svgBlip xmlns:asvg="http://schemas.microsoft.com/office/drawing/2016/SVG/main" r:embed="rId2"/>
+              </a:ext>
+            </a:extLst>
+          </a:blip>
+          <a:stretch>
+            <a:fillRect/>
+          </a:stretch>
+        </a:blipFill>
+        <a:ln>
+          <a:noFill/>
+        </a:ln>
+        <a:effectLst>
+          <a:outerShdw blurRad="38100" dist="25400" dir="5400000" rotWithShape="0">
+            <a:srgbClr val="000000">
+              <a:alpha val="55000"/>
+            </a:srgbClr>
+          </a:outerShdw>
+        </a:effectLst>
+      </dsp:spPr>
+      <dsp:style>
+        <a:lnRef idx="0">
+          <a:scrgbClr r="0" g="0" b="0"/>
+        </a:lnRef>
+        <a:fillRef idx="3">
+          <a:scrgbClr r="0" g="0" b="0"/>
+        </a:fillRef>
+        <a:effectRef idx="2">
+          <a:scrgbClr r="0" g="0" b="0"/>
+        </a:effectRef>
+        <a:fontRef idx="minor">
+          <a:schemeClr val="lt1"/>
+        </a:fontRef>
+      </dsp:style>
+    </dsp:sp>
+    <dsp:sp modelId="{CAF14AD9-C5FE-4615-8E46-2B7EB3932283}">
+      <dsp:nvSpPr>
+        <dsp:cNvPr id="0" name=""/>
+        <dsp:cNvSpPr/>
+      </dsp:nvSpPr>
+      <dsp:spPr>
+        <a:xfrm>
+          <a:off x="14167" y="1302423"/>
+          <a:ext cx="1220135" cy="194459"/>
+        </a:xfrm>
+        <a:prstGeom prst="rect">
+          <a:avLst/>
+        </a:prstGeom>
+        <a:noFill/>
+        <a:ln>
+          <a:noFill/>
+        </a:ln>
+        <a:effectLst/>
+      </dsp:spPr>
+      <dsp:style>
+        <a:lnRef idx="0">
+          <a:scrgbClr r="0" g="0" b="0"/>
+        </a:lnRef>
+        <a:fillRef idx="0">
+          <a:scrgbClr r="0" g="0" b="0"/>
+        </a:fillRef>
+        <a:effectRef idx="0">
+          <a:scrgbClr r="0" g="0" b="0"/>
+        </a:effectRef>
+        <a:fontRef idx="minor"/>
+      </dsp:style>
+      <dsp:txBody>
+        <a:bodyPr spcFirstLastPara="0" vert="horz" wrap="square" lIns="0" tIns="0" rIns="0" bIns="0" numCol="1" spcCol="1270" anchor="t" anchorCtr="0">
+          <a:noAutofit/>
+        </a:bodyPr>
+        <a:lstStyle/>
+        <a:p>
+          <a:pPr marL="0" lvl="0" indent="0" algn="ctr" defTabSz="622300">
+            <a:lnSpc>
+              <a:spcPct val="100000"/>
+            </a:lnSpc>
+            <a:spcBef>
+              <a:spcPct val="0"/>
+            </a:spcBef>
+            <a:spcAft>
+              <a:spcPct val="35000"/>
+            </a:spcAft>
+            <a:buNone/>
+            <a:defRPr b="1"/>
+          </a:pPr>
+          <a:r>
+            <a:rPr lang="en-AU" sz="1400" kern="1200"/>
+            <a:t>Ingestion</a:t>
+          </a:r>
+        </a:p>
+      </dsp:txBody>
+      <dsp:txXfrm>
+        <a:off x="14167" y="1302423"/>
+        <a:ext cx="1220135" cy="194459"/>
+      </dsp:txXfrm>
+    </dsp:sp>
+    <dsp:sp modelId="{C2141353-AED9-40AF-9E62-BE17FE13CB1E}">
+      <dsp:nvSpPr>
+        <dsp:cNvPr id="0" name=""/>
+        <dsp:cNvSpPr/>
+      </dsp:nvSpPr>
+      <dsp:spPr>
+        <a:xfrm>
+          <a:off x="14167" y="1523647"/>
+          <a:ext cx="1220135" cy="632450"/>
+        </a:xfrm>
+        <a:prstGeom prst="rect">
+          <a:avLst/>
+        </a:prstGeom>
+        <a:noFill/>
+        <a:ln>
+          <a:noFill/>
+        </a:ln>
+        <a:effectLst/>
+      </dsp:spPr>
+      <dsp:style>
+        <a:lnRef idx="0">
+          <a:scrgbClr r="0" g="0" b="0"/>
+        </a:lnRef>
+        <a:fillRef idx="0">
+          <a:scrgbClr r="0" g="0" b="0"/>
+        </a:fillRef>
+        <a:effectRef idx="0">
+          <a:scrgbClr r="0" g="0" b="0"/>
+        </a:effectRef>
+        <a:fontRef idx="minor"/>
+      </dsp:style>
+      <dsp:txBody>
+        <a:bodyPr spcFirstLastPara="0" vert="horz" wrap="square" lIns="0" tIns="0" rIns="0" bIns="0" numCol="1" spcCol="1270" anchor="t" anchorCtr="0">
+          <a:noAutofit/>
+        </a:bodyPr>
+        <a:lstStyle/>
+        <a:p>
+          <a:pPr marL="0" lvl="0" indent="0" algn="ctr" defTabSz="488950">
+            <a:lnSpc>
+              <a:spcPct val="100000"/>
+            </a:lnSpc>
+            <a:spcBef>
+              <a:spcPct val="0"/>
+            </a:spcBef>
+            <a:spcAft>
+              <a:spcPct val="35000"/>
+            </a:spcAft>
+            <a:buNone/>
+          </a:pPr>
+          <a:r>
+            <a:rPr lang="en-AU" sz="1100" kern="1200"/>
+            <a:t>AWS S3</a:t>
+          </a:r>
+        </a:p>
+        <a:p>
+          <a:pPr marL="0" lvl="0" indent="0" algn="ctr" defTabSz="488950">
+            <a:lnSpc>
+              <a:spcPct val="100000"/>
+            </a:lnSpc>
+            <a:spcBef>
+              <a:spcPct val="0"/>
+            </a:spcBef>
+            <a:spcAft>
+              <a:spcPct val="35000"/>
+            </a:spcAft>
+            <a:buNone/>
+          </a:pPr>
+          <a:r>
+            <a:rPr lang="en-AU" sz="1100" kern="1200"/>
+            <a:t>.csv files</a:t>
+          </a:r>
+        </a:p>
+      </dsp:txBody>
+      <dsp:txXfrm>
+        <a:off x="14167" y="1523647"/>
+        <a:ext cx="1220135" cy="632450"/>
+      </dsp:txXfrm>
+    </dsp:sp>
+    <dsp:sp modelId="{3757E782-F99A-4CC6-AC4B-C29C8B5AEC41}">
+      <dsp:nvSpPr>
+        <dsp:cNvPr id="0" name=""/>
+        <dsp:cNvSpPr/>
+      </dsp:nvSpPr>
+      <dsp:spPr>
+        <a:xfrm>
+          <a:off x="1844370" y="817830"/>
+          <a:ext cx="427047" cy="427047"/>
+        </a:xfrm>
+        <a:prstGeom prst="rect">
+          <a:avLst/>
+        </a:prstGeom>
+        <a:blipFill>
+          <a:blip xmlns:r="http://schemas.openxmlformats.org/officeDocument/2006/relationships" r:embed="rId3">
+            <a:extLst>
+              <a:ext uri="{28A0092B-C50C-407E-A947-70E740481C1C}">
+                <a14:useLocalDpi xmlns:a14="http://schemas.microsoft.com/office/drawing/2010/main" val="0"/>
+              </a:ext>
+              <a:ext uri="{96DAC541-7B7A-43D3-8B79-37D633B846F1}">
+                <asvg:svgBlip xmlns:asvg="http://schemas.microsoft.com/office/drawing/2016/SVG/main" r:embed="rId4"/>
+              </a:ext>
+            </a:extLst>
+          </a:blip>
+          <a:stretch>
+            <a:fillRect/>
+          </a:stretch>
+        </a:blipFill>
+        <a:ln>
+          <a:noFill/>
+        </a:ln>
+        <a:effectLst>
+          <a:outerShdw blurRad="38100" dist="25400" dir="5400000" rotWithShape="0">
+            <a:srgbClr val="000000">
+              <a:alpha val="55000"/>
+            </a:srgbClr>
+          </a:outerShdw>
+        </a:effectLst>
+      </dsp:spPr>
+      <dsp:style>
+        <a:lnRef idx="0">
+          <a:scrgbClr r="0" g="0" b="0"/>
+        </a:lnRef>
+        <a:fillRef idx="3">
+          <a:scrgbClr r="0" g="0" b="0"/>
+        </a:fillRef>
+        <a:effectRef idx="2">
+          <a:scrgbClr r="0" g="0" b="0"/>
+        </a:effectRef>
+        <a:fontRef idx="minor">
+          <a:schemeClr val="lt1"/>
+        </a:fontRef>
+      </dsp:style>
+    </dsp:sp>
+    <dsp:sp modelId="{1C62EDC5-106F-4162-8782-CF47D721CAE3}">
+      <dsp:nvSpPr>
+        <dsp:cNvPr id="0" name=""/>
+        <dsp:cNvSpPr/>
+      </dsp:nvSpPr>
+      <dsp:spPr>
+        <a:xfrm>
+          <a:off x="1447826" y="1302423"/>
+          <a:ext cx="1220135" cy="194459"/>
+        </a:xfrm>
+        <a:prstGeom prst="rect">
+          <a:avLst/>
+        </a:prstGeom>
+        <a:noFill/>
+        <a:ln>
+          <a:noFill/>
+        </a:ln>
+        <a:effectLst/>
+      </dsp:spPr>
+      <dsp:style>
+        <a:lnRef idx="0">
+          <a:scrgbClr r="0" g="0" b="0"/>
+        </a:lnRef>
+        <a:fillRef idx="0">
+          <a:scrgbClr r="0" g="0" b="0"/>
+        </a:fillRef>
+        <a:effectRef idx="0">
+          <a:scrgbClr r="0" g="0" b="0"/>
+        </a:effectRef>
+        <a:fontRef idx="minor"/>
+      </dsp:style>
+      <dsp:txBody>
+        <a:bodyPr spcFirstLastPara="0" vert="horz" wrap="square" lIns="0" tIns="0" rIns="0" bIns="0" numCol="1" spcCol="1270" anchor="t" anchorCtr="0">
+          <a:noAutofit/>
+        </a:bodyPr>
+        <a:lstStyle/>
+        <a:p>
+          <a:pPr marL="0" lvl="0" indent="0" algn="ctr" defTabSz="622300">
+            <a:lnSpc>
+              <a:spcPct val="100000"/>
+            </a:lnSpc>
+            <a:spcBef>
+              <a:spcPct val="0"/>
+            </a:spcBef>
+            <a:spcAft>
+              <a:spcPct val="35000"/>
+            </a:spcAft>
+            <a:buNone/>
+            <a:defRPr b="1"/>
+          </a:pPr>
+          <a:r>
+            <a:rPr lang="en-AU" sz="1400" kern="1200"/>
+            <a:t>Storage</a:t>
+          </a:r>
+        </a:p>
+      </dsp:txBody>
+      <dsp:txXfrm>
+        <a:off x="1447826" y="1302423"/>
+        <a:ext cx="1220135" cy="194459"/>
+      </dsp:txXfrm>
+    </dsp:sp>
+    <dsp:sp modelId="{624D021F-197F-4B8C-A452-44FE38756DC2}">
+      <dsp:nvSpPr>
+        <dsp:cNvPr id="0" name=""/>
+        <dsp:cNvSpPr/>
+      </dsp:nvSpPr>
+      <dsp:spPr>
+        <a:xfrm>
+          <a:off x="1447826" y="1523647"/>
+          <a:ext cx="1220135" cy="632450"/>
+        </a:xfrm>
+        <a:prstGeom prst="rect">
+          <a:avLst/>
+        </a:prstGeom>
+        <a:noFill/>
+        <a:ln>
+          <a:noFill/>
+        </a:ln>
+        <a:effectLst/>
+      </dsp:spPr>
+      <dsp:style>
+        <a:lnRef idx="0">
+          <a:scrgbClr r="0" g="0" b="0"/>
+        </a:lnRef>
+        <a:fillRef idx="0">
+          <a:scrgbClr r="0" g="0" b="0"/>
+        </a:fillRef>
+        <a:effectRef idx="0">
+          <a:scrgbClr r="0" g="0" b="0"/>
+        </a:effectRef>
+        <a:fontRef idx="minor"/>
+      </dsp:style>
+      <dsp:txBody>
+        <a:bodyPr spcFirstLastPara="0" vert="horz" wrap="square" lIns="0" tIns="0" rIns="0" bIns="0" numCol="1" spcCol="1270" anchor="t" anchorCtr="0">
+          <a:noAutofit/>
+        </a:bodyPr>
+        <a:lstStyle/>
+        <a:p>
+          <a:pPr marL="0" lvl="0" indent="0" algn="ctr" defTabSz="488950">
+            <a:lnSpc>
+              <a:spcPct val="100000"/>
+            </a:lnSpc>
+            <a:spcBef>
+              <a:spcPct val="0"/>
+            </a:spcBef>
+            <a:spcAft>
+              <a:spcPct val="35000"/>
+            </a:spcAft>
+            <a:buNone/>
+          </a:pPr>
+          <a:r>
+            <a:rPr lang="en-AU" sz="1100" kern="1200"/>
+            <a:t>Pandas </a:t>
+          </a:r>
+        </a:p>
+        <a:p>
+          <a:pPr marL="0" lvl="0" indent="0" algn="ctr" defTabSz="488950">
+            <a:lnSpc>
+              <a:spcPct val="100000"/>
+            </a:lnSpc>
+            <a:spcBef>
+              <a:spcPct val="0"/>
+            </a:spcBef>
+            <a:spcAft>
+              <a:spcPct val="35000"/>
+            </a:spcAft>
+            <a:buNone/>
+          </a:pPr>
+          <a:r>
+            <a:rPr lang="en-AU" sz="1100" kern="1200" dirty="0"/>
+            <a:t>OS Module</a:t>
+          </a:r>
+        </a:p>
+      </dsp:txBody>
+      <dsp:txXfrm>
+        <a:off x="1447826" y="1523647"/>
+        <a:ext cx="1220135" cy="632450"/>
+      </dsp:txXfrm>
+    </dsp:sp>
+    <dsp:sp modelId="{6D50F3BB-0B60-4A27-9E8F-C2B48EC41D3B}">
+      <dsp:nvSpPr>
+        <dsp:cNvPr id="0" name=""/>
+        <dsp:cNvSpPr/>
+      </dsp:nvSpPr>
+      <dsp:spPr>
+        <a:xfrm>
+          <a:off x="3278030" y="817830"/>
+          <a:ext cx="427047" cy="427047"/>
+        </a:xfrm>
+        <a:prstGeom prst="rect">
+          <a:avLst/>
+        </a:prstGeom>
+        <a:blipFill>
+          <a:blip xmlns:r="http://schemas.openxmlformats.org/officeDocument/2006/relationships" r:embed="rId5">
+            <a:extLst>
+              <a:ext uri="{28A0092B-C50C-407E-A947-70E740481C1C}">
+                <a14:useLocalDpi xmlns:a14="http://schemas.microsoft.com/office/drawing/2010/main" val="0"/>
+              </a:ext>
+              <a:ext uri="{96DAC541-7B7A-43D3-8B79-37D633B846F1}">
+                <asvg:svgBlip xmlns:asvg="http://schemas.microsoft.com/office/drawing/2016/SVG/main" r:embed="rId6"/>
+              </a:ext>
+            </a:extLst>
+          </a:blip>
+          <a:stretch>
+            <a:fillRect/>
+          </a:stretch>
+        </a:blipFill>
+        <a:ln>
+          <a:noFill/>
+        </a:ln>
+        <a:effectLst>
+          <a:outerShdw blurRad="38100" dist="25400" dir="5400000" rotWithShape="0">
+            <a:srgbClr val="000000">
+              <a:alpha val="55000"/>
+            </a:srgbClr>
+          </a:outerShdw>
+        </a:effectLst>
+      </dsp:spPr>
+      <dsp:style>
+        <a:lnRef idx="0">
+          <a:scrgbClr r="0" g="0" b="0"/>
+        </a:lnRef>
+        <a:fillRef idx="3">
+          <a:scrgbClr r="0" g="0" b="0"/>
+        </a:fillRef>
+        <a:effectRef idx="2">
+          <a:scrgbClr r="0" g="0" b="0"/>
+        </a:effectRef>
+        <a:fontRef idx="minor">
+          <a:schemeClr val="lt1"/>
+        </a:fontRef>
+      </dsp:style>
+    </dsp:sp>
+    <dsp:sp modelId="{2738B27E-79D9-497D-83DD-24FE714E6B71}">
+      <dsp:nvSpPr>
+        <dsp:cNvPr id="0" name=""/>
+        <dsp:cNvSpPr/>
+      </dsp:nvSpPr>
+      <dsp:spPr>
+        <a:xfrm>
+          <a:off x="2881486" y="1302423"/>
+          <a:ext cx="1220135" cy="194459"/>
+        </a:xfrm>
+        <a:prstGeom prst="rect">
+          <a:avLst/>
+        </a:prstGeom>
+        <a:noFill/>
+        <a:ln>
+          <a:noFill/>
+        </a:ln>
+        <a:effectLst/>
+      </dsp:spPr>
+      <dsp:style>
+        <a:lnRef idx="0">
+          <a:scrgbClr r="0" g="0" b="0"/>
+        </a:lnRef>
+        <a:fillRef idx="0">
+          <a:scrgbClr r="0" g="0" b="0"/>
+        </a:fillRef>
+        <a:effectRef idx="0">
+          <a:scrgbClr r="0" g="0" b="0"/>
+        </a:effectRef>
+        <a:fontRef idx="minor"/>
+      </dsp:style>
+      <dsp:txBody>
+        <a:bodyPr spcFirstLastPara="0" vert="horz" wrap="square" lIns="0" tIns="0" rIns="0" bIns="0" numCol="1" spcCol="1270" anchor="t" anchorCtr="0">
+          <a:noAutofit/>
+        </a:bodyPr>
+        <a:lstStyle/>
+        <a:p>
+          <a:pPr marL="0" lvl="0" indent="0" algn="ctr" defTabSz="622300">
+            <a:lnSpc>
+              <a:spcPct val="100000"/>
+            </a:lnSpc>
+            <a:spcBef>
+              <a:spcPct val="0"/>
+            </a:spcBef>
+            <a:spcAft>
+              <a:spcPct val="35000"/>
+            </a:spcAft>
+            <a:buNone/>
+            <a:defRPr b="1"/>
+          </a:pPr>
+          <a:r>
+            <a:rPr lang="en-AU" sz="1400" kern="1200"/>
+            <a:t>Preprocessing</a:t>
+          </a:r>
+        </a:p>
+      </dsp:txBody>
+      <dsp:txXfrm>
+        <a:off x="2881486" y="1302423"/>
+        <a:ext cx="1220135" cy="194459"/>
+      </dsp:txXfrm>
+    </dsp:sp>
+    <dsp:sp modelId="{CA74B552-4C10-407D-9DA4-DC446BE25C5A}">
+      <dsp:nvSpPr>
+        <dsp:cNvPr id="0" name=""/>
+        <dsp:cNvSpPr/>
+      </dsp:nvSpPr>
+      <dsp:spPr>
+        <a:xfrm>
+          <a:off x="2881486" y="1523647"/>
+          <a:ext cx="1220135" cy="632450"/>
+        </a:xfrm>
+        <a:prstGeom prst="rect">
+          <a:avLst/>
+        </a:prstGeom>
+        <a:noFill/>
+        <a:ln>
+          <a:noFill/>
+        </a:ln>
+        <a:effectLst/>
+      </dsp:spPr>
+      <dsp:style>
+        <a:lnRef idx="0">
+          <a:scrgbClr r="0" g="0" b="0"/>
+        </a:lnRef>
+        <a:fillRef idx="0">
+          <a:scrgbClr r="0" g="0" b="0"/>
+        </a:fillRef>
+        <a:effectRef idx="0">
+          <a:scrgbClr r="0" g="0" b="0"/>
+        </a:effectRef>
+        <a:fontRef idx="minor"/>
+      </dsp:style>
+      <dsp:txBody>
+        <a:bodyPr spcFirstLastPara="0" vert="horz" wrap="square" lIns="0" tIns="0" rIns="0" bIns="0" numCol="1" spcCol="1270" anchor="t" anchorCtr="0">
+          <a:noAutofit/>
+        </a:bodyPr>
+        <a:lstStyle/>
+        <a:p>
+          <a:pPr marL="0" lvl="0" indent="0" algn="ctr" defTabSz="488950">
+            <a:lnSpc>
+              <a:spcPct val="100000"/>
+            </a:lnSpc>
+            <a:spcBef>
+              <a:spcPct val="0"/>
+            </a:spcBef>
+            <a:spcAft>
+              <a:spcPct val="35000"/>
+            </a:spcAft>
+            <a:buNone/>
+          </a:pPr>
+          <a:r>
+            <a:rPr lang="en-AU" sz="1100" kern="1200" dirty="0"/>
+            <a:t>TensorFlow –</a:t>
+          </a:r>
+          <a:br>
+            <a:rPr lang="en-AU" sz="1100" kern="1200" dirty="0"/>
+          </a:br>
+          <a:r>
+            <a:rPr lang="en-AU" sz="1100" kern="1200" dirty="0"/>
+            <a:t>One Hot Encoding</a:t>
+          </a:r>
+        </a:p>
+      </dsp:txBody>
+      <dsp:txXfrm>
+        <a:off x="2881486" y="1523647"/>
+        <a:ext cx="1220135" cy="632450"/>
+      </dsp:txXfrm>
+    </dsp:sp>
+    <dsp:sp modelId="{CCFD5038-D7B3-4967-A9D2-460F1B3EE6F8}">
+      <dsp:nvSpPr>
+        <dsp:cNvPr id="0" name=""/>
+        <dsp:cNvSpPr/>
+      </dsp:nvSpPr>
+      <dsp:spPr>
+        <a:xfrm>
+          <a:off x="4711689" y="817830"/>
+          <a:ext cx="427047" cy="427047"/>
+        </a:xfrm>
+        <a:prstGeom prst="rect">
+          <a:avLst/>
+        </a:prstGeom>
+        <a:blipFill>
+          <a:blip xmlns:r="http://schemas.openxmlformats.org/officeDocument/2006/relationships" r:embed="rId7">
+            <a:extLst>
+              <a:ext uri="{28A0092B-C50C-407E-A947-70E740481C1C}">
+                <a14:useLocalDpi xmlns:a14="http://schemas.microsoft.com/office/drawing/2010/main" val="0"/>
+              </a:ext>
+              <a:ext uri="{96DAC541-7B7A-43D3-8B79-37D633B846F1}">
+                <asvg:svgBlip xmlns:asvg="http://schemas.microsoft.com/office/drawing/2016/SVG/main" r:embed="rId8"/>
+              </a:ext>
+            </a:extLst>
+          </a:blip>
+          <a:stretch>
+            <a:fillRect/>
+          </a:stretch>
+        </a:blipFill>
+        <a:ln>
+          <a:noFill/>
+        </a:ln>
+        <a:effectLst>
+          <a:outerShdw blurRad="38100" dist="25400" dir="5400000" rotWithShape="0">
+            <a:srgbClr val="000000">
+              <a:alpha val="55000"/>
+            </a:srgbClr>
+          </a:outerShdw>
+        </a:effectLst>
+      </dsp:spPr>
+      <dsp:style>
+        <a:lnRef idx="0">
+          <a:scrgbClr r="0" g="0" b="0"/>
+        </a:lnRef>
+        <a:fillRef idx="3">
+          <a:scrgbClr r="0" g="0" b="0"/>
+        </a:fillRef>
+        <a:effectRef idx="2">
+          <a:scrgbClr r="0" g="0" b="0"/>
+        </a:effectRef>
+        <a:fontRef idx="minor">
+          <a:schemeClr val="lt1"/>
+        </a:fontRef>
+      </dsp:style>
+    </dsp:sp>
+    <dsp:sp modelId="{9A791EB4-FB49-4359-AC90-58824558361C}">
+      <dsp:nvSpPr>
+        <dsp:cNvPr id="0" name=""/>
+        <dsp:cNvSpPr/>
+      </dsp:nvSpPr>
+      <dsp:spPr>
+        <a:xfrm>
+          <a:off x="4315145" y="1302423"/>
+          <a:ext cx="1220135" cy="194459"/>
+        </a:xfrm>
+        <a:prstGeom prst="rect">
+          <a:avLst/>
+        </a:prstGeom>
+        <a:noFill/>
+        <a:ln>
+          <a:noFill/>
+        </a:ln>
+        <a:effectLst/>
+      </dsp:spPr>
+      <dsp:style>
+        <a:lnRef idx="0">
+          <a:scrgbClr r="0" g="0" b="0"/>
+        </a:lnRef>
+        <a:fillRef idx="0">
+          <a:scrgbClr r="0" g="0" b="0"/>
+        </a:fillRef>
+        <a:effectRef idx="0">
+          <a:scrgbClr r="0" g="0" b="0"/>
+        </a:effectRef>
+        <a:fontRef idx="minor"/>
+      </dsp:style>
+      <dsp:txBody>
+        <a:bodyPr spcFirstLastPara="0" vert="horz" wrap="square" lIns="0" tIns="0" rIns="0" bIns="0" numCol="1" spcCol="1270" anchor="t" anchorCtr="0">
+          <a:noAutofit/>
+        </a:bodyPr>
+        <a:lstStyle/>
+        <a:p>
+          <a:pPr marL="0" lvl="0" indent="0" algn="ctr" defTabSz="622300">
+            <a:lnSpc>
+              <a:spcPct val="100000"/>
+            </a:lnSpc>
+            <a:spcBef>
+              <a:spcPct val="0"/>
+            </a:spcBef>
+            <a:spcAft>
+              <a:spcPct val="35000"/>
+            </a:spcAft>
+            <a:buNone/>
+            <a:defRPr b="1"/>
+          </a:pPr>
+          <a:r>
+            <a:rPr lang="en-AU" sz="1400" kern="1200"/>
+            <a:t>Transformation</a:t>
+          </a:r>
+        </a:p>
+      </dsp:txBody>
+      <dsp:txXfrm>
+        <a:off x="4315145" y="1302423"/>
+        <a:ext cx="1220135" cy="194459"/>
+      </dsp:txXfrm>
+    </dsp:sp>
+    <dsp:sp modelId="{D635B18C-E5A9-4FA1-8E3A-3A3AB3590972}">
+      <dsp:nvSpPr>
+        <dsp:cNvPr id="0" name=""/>
+        <dsp:cNvSpPr/>
+      </dsp:nvSpPr>
+      <dsp:spPr>
+        <a:xfrm>
+          <a:off x="4315145" y="1523647"/>
+          <a:ext cx="1220135" cy="632450"/>
+        </a:xfrm>
+        <a:prstGeom prst="rect">
+          <a:avLst/>
+        </a:prstGeom>
+        <a:noFill/>
+        <a:ln>
+          <a:noFill/>
+        </a:ln>
+        <a:effectLst/>
+      </dsp:spPr>
+      <dsp:style>
+        <a:lnRef idx="0">
+          <a:scrgbClr r="0" g="0" b="0"/>
+        </a:lnRef>
+        <a:fillRef idx="0">
+          <a:scrgbClr r="0" g="0" b="0"/>
+        </a:fillRef>
+        <a:effectRef idx="0">
+          <a:scrgbClr r="0" g="0" b="0"/>
+        </a:effectRef>
+        <a:fontRef idx="minor"/>
+      </dsp:style>
+      <dsp:txBody>
+        <a:bodyPr spcFirstLastPara="0" vert="horz" wrap="square" lIns="0" tIns="0" rIns="0" bIns="0" numCol="1" spcCol="1270" anchor="t" anchorCtr="0">
+          <a:noAutofit/>
+        </a:bodyPr>
+        <a:lstStyle/>
+        <a:p>
+          <a:pPr marL="0" lvl="0" indent="0" algn="ctr" defTabSz="488950">
+            <a:lnSpc>
+              <a:spcPct val="100000"/>
+            </a:lnSpc>
+            <a:spcBef>
+              <a:spcPct val="0"/>
+            </a:spcBef>
+            <a:spcAft>
+              <a:spcPct val="35000"/>
+            </a:spcAft>
+            <a:buNone/>
+          </a:pPr>
+          <a:r>
+            <a:rPr lang="en-AU" sz="1100" kern="1200"/>
+            <a:t>hv plot</a:t>
+          </a:r>
+        </a:p>
+        <a:p>
+          <a:pPr marL="0" lvl="0" indent="0" algn="ctr" defTabSz="488950">
+            <a:lnSpc>
+              <a:spcPct val="100000"/>
+            </a:lnSpc>
+            <a:spcBef>
+              <a:spcPct val="0"/>
+            </a:spcBef>
+            <a:spcAft>
+              <a:spcPct val="35000"/>
+            </a:spcAft>
+            <a:buNone/>
+          </a:pPr>
+          <a:r>
+            <a:rPr lang="en-AU" sz="1100" kern="1200"/>
+            <a:t>Scikit-learn</a:t>
+          </a:r>
+        </a:p>
+        <a:p>
+          <a:pPr marL="0" lvl="0" indent="0" algn="ctr" defTabSz="488950">
+            <a:lnSpc>
+              <a:spcPct val="100000"/>
+            </a:lnSpc>
+            <a:spcBef>
+              <a:spcPct val="0"/>
+            </a:spcBef>
+            <a:spcAft>
+              <a:spcPct val="35000"/>
+            </a:spcAft>
+            <a:buNone/>
+          </a:pPr>
+          <a:endParaRPr lang="en-AU" sz="1100" kern="1200"/>
+        </a:p>
+      </dsp:txBody>
+      <dsp:txXfrm>
+        <a:off x="4315145" y="1523647"/>
+        <a:ext cx="1220135" cy="632450"/>
+      </dsp:txXfrm>
+    </dsp:sp>
+    <dsp:sp modelId="{2C534DBC-B829-430B-AA56-314832889084}">
+      <dsp:nvSpPr>
+        <dsp:cNvPr id="0" name=""/>
+        <dsp:cNvSpPr/>
+      </dsp:nvSpPr>
+      <dsp:spPr>
+        <a:xfrm>
+          <a:off x="6145348" y="817830"/>
+          <a:ext cx="427047" cy="427047"/>
+        </a:xfrm>
+        <a:prstGeom prst="rect">
+          <a:avLst/>
+        </a:prstGeom>
+        <a:blipFill>
+          <a:blip xmlns:r="http://schemas.openxmlformats.org/officeDocument/2006/relationships" r:embed="rId9">
+            <a:extLst>
+              <a:ext uri="{28A0092B-C50C-407E-A947-70E740481C1C}">
+                <a14:useLocalDpi xmlns:a14="http://schemas.microsoft.com/office/drawing/2010/main" val="0"/>
+              </a:ext>
+              <a:ext uri="{96DAC541-7B7A-43D3-8B79-37D633B846F1}">
+                <asvg:svgBlip xmlns:asvg="http://schemas.microsoft.com/office/drawing/2016/SVG/main" r:embed="rId10"/>
+              </a:ext>
+            </a:extLst>
+          </a:blip>
+          <a:stretch>
+            <a:fillRect/>
+          </a:stretch>
+        </a:blipFill>
+        <a:ln>
+          <a:noFill/>
+        </a:ln>
+        <a:effectLst>
+          <a:outerShdw blurRad="38100" dist="25400" dir="5400000" rotWithShape="0">
+            <a:srgbClr val="000000">
+              <a:alpha val="55000"/>
+            </a:srgbClr>
+          </a:outerShdw>
+        </a:effectLst>
+      </dsp:spPr>
+      <dsp:style>
+        <a:lnRef idx="0">
+          <a:scrgbClr r="0" g="0" b="0"/>
+        </a:lnRef>
+        <a:fillRef idx="3">
+          <a:scrgbClr r="0" g="0" b="0"/>
+        </a:fillRef>
+        <a:effectRef idx="2">
+          <a:scrgbClr r="0" g="0" b="0"/>
+        </a:effectRef>
+        <a:fontRef idx="minor">
+          <a:schemeClr val="lt1"/>
+        </a:fontRef>
+      </dsp:style>
+    </dsp:sp>
+    <dsp:sp modelId="{09D4AD9E-D5DA-4A17-8DF7-0CA8997D8F91}">
+      <dsp:nvSpPr>
+        <dsp:cNvPr id="0" name=""/>
+        <dsp:cNvSpPr/>
+      </dsp:nvSpPr>
+      <dsp:spPr>
+        <a:xfrm>
+          <a:off x="5748804" y="1302423"/>
+          <a:ext cx="1220135" cy="194459"/>
+        </a:xfrm>
+        <a:prstGeom prst="rect">
+          <a:avLst/>
+        </a:prstGeom>
+        <a:noFill/>
+        <a:ln>
+          <a:noFill/>
+        </a:ln>
+        <a:effectLst/>
+      </dsp:spPr>
+      <dsp:style>
+        <a:lnRef idx="0">
+          <a:scrgbClr r="0" g="0" b="0"/>
+        </a:lnRef>
+        <a:fillRef idx="0">
+          <a:scrgbClr r="0" g="0" b="0"/>
+        </a:fillRef>
+        <a:effectRef idx="0">
+          <a:scrgbClr r="0" g="0" b="0"/>
+        </a:effectRef>
+        <a:fontRef idx="minor"/>
+      </dsp:style>
+      <dsp:txBody>
+        <a:bodyPr spcFirstLastPara="0" vert="horz" wrap="square" lIns="0" tIns="0" rIns="0" bIns="0" numCol="1" spcCol="1270" anchor="t" anchorCtr="0">
+          <a:noAutofit/>
+        </a:bodyPr>
+        <a:lstStyle/>
+        <a:p>
+          <a:pPr marL="0" lvl="0" indent="0" algn="ctr" defTabSz="622300">
+            <a:lnSpc>
+              <a:spcPct val="100000"/>
+            </a:lnSpc>
+            <a:spcBef>
+              <a:spcPct val="0"/>
+            </a:spcBef>
+            <a:spcAft>
+              <a:spcPct val="35000"/>
+            </a:spcAft>
+            <a:buNone/>
+            <a:defRPr b="1"/>
+          </a:pPr>
+          <a:r>
+            <a:rPr lang="en-AU" sz="1400" kern="1200"/>
+            <a:t>Training</a:t>
+          </a:r>
+        </a:p>
+      </dsp:txBody>
+      <dsp:txXfrm>
+        <a:off x="5748804" y="1302423"/>
+        <a:ext cx="1220135" cy="194459"/>
+      </dsp:txXfrm>
+    </dsp:sp>
+    <dsp:sp modelId="{65698291-BF23-4A1E-9AA6-3CB5AC1C3195}">
+      <dsp:nvSpPr>
+        <dsp:cNvPr id="0" name=""/>
+        <dsp:cNvSpPr/>
+      </dsp:nvSpPr>
+      <dsp:spPr>
+        <a:xfrm>
+          <a:off x="5748804" y="1523647"/>
+          <a:ext cx="1220135" cy="632450"/>
+        </a:xfrm>
+        <a:prstGeom prst="rect">
+          <a:avLst/>
+        </a:prstGeom>
+        <a:noFill/>
+        <a:ln>
+          <a:noFill/>
+        </a:ln>
+        <a:effectLst/>
+      </dsp:spPr>
+      <dsp:style>
+        <a:lnRef idx="0">
+          <a:scrgbClr r="0" g="0" b="0"/>
+        </a:lnRef>
+        <a:fillRef idx="0">
+          <a:scrgbClr r="0" g="0" b="0"/>
+        </a:fillRef>
+        <a:effectRef idx="0">
+          <a:scrgbClr r="0" g="0" b="0"/>
+        </a:effectRef>
+        <a:fontRef idx="minor"/>
+      </dsp:style>
+      <dsp:txBody>
+        <a:bodyPr spcFirstLastPara="0" vert="horz" wrap="square" lIns="0" tIns="0" rIns="0" bIns="0" numCol="1" spcCol="1270" anchor="t" anchorCtr="0">
+          <a:noAutofit/>
+        </a:bodyPr>
+        <a:lstStyle/>
+        <a:p>
+          <a:pPr marL="0" lvl="0" indent="0" algn="ctr" defTabSz="488950">
+            <a:lnSpc>
+              <a:spcPct val="100000"/>
+            </a:lnSpc>
+            <a:spcBef>
+              <a:spcPct val="0"/>
+            </a:spcBef>
+            <a:spcAft>
+              <a:spcPct val="35000"/>
+            </a:spcAft>
+            <a:buNone/>
+          </a:pPr>
+          <a:r>
+            <a:rPr lang="en-AU" sz="1100" kern="1200" dirty="0"/>
+            <a:t>TensorFlow</a:t>
+          </a:r>
+        </a:p>
+        <a:p>
+          <a:pPr marL="0" lvl="0" indent="0" algn="ctr" defTabSz="488950">
+            <a:lnSpc>
+              <a:spcPct val="100000"/>
+            </a:lnSpc>
+            <a:spcBef>
+              <a:spcPct val="0"/>
+            </a:spcBef>
+            <a:spcAft>
+              <a:spcPct val="35000"/>
+            </a:spcAft>
+            <a:buNone/>
+          </a:pPr>
+          <a:r>
+            <a:rPr lang="en-AU" sz="1100" kern="1200" dirty="0"/>
+            <a:t>Scikit-learn</a:t>
+          </a:r>
+        </a:p>
+        <a:p>
+          <a:pPr marL="0" lvl="0" indent="0" algn="ctr" defTabSz="488950">
+            <a:lnSpc>
+              <a:spcPct val="100000"/>
+            </a:lnSpc>
+            <a:spcBef>
+              <a:spcPct val="0"/>
+            </a:spcBef>
+            <a:spcAft>
+              <a:spcPct val="35000"/>
+            </a:spcAft>
+            <a:buNone/>
+          </a:pPr>
+          <a:r>
+            <a:rPr lang="en-AU" sz="1100" kern="1200" dirty="0" err="1"/>
+            <a:t>Keras</a:t>
+          </a:r>
+          <a:r>
+            <a:rPr lang="en-AU" sz="1100" kern="1200" dirty="0"/>
+            <a:t>-tuner</a:t>
+          </a:r>
+        </a:p>
+      </dsp:txBody>
+      <dsp:txXfrm>
+        <a:off x="5748804" y="1523647"/>
+        <a:ext cx="1220135" cy="632450"/>
+      </dsp:txXfrm>
+    </dsp:sp>
+    <dsp:sp modelId="{3CBBC308-BC96-43B9-AED8-95B52C10EE9A}">
+      <dsp:nvSpPr>
+        <dsp:cNvPr id="0" name=""/>
+        <dsp:cNvSpPr/>
+      </dsp:nvSpPr>
+      <dsp:spPr>
+        <a:xfrm>
+          <a:off x="7579007" y="817830"/>
+          <a:ext cx="427047" cy="427047"/>
+        </a:xfrm>
+        <a:prstGeom prst="rect">
+          <a:avLst/>
+        </a:prstGeom>
+        <a:blipFill>
+          <a:blip xmlns:r="http://schemas.openxmlformats.org/officeDocument/2006/relationships" r:embed="rId11">
+            <a:extLst>
+              <a:ext uri="{28A0092B-C50C-407E-A947-70E740481C1C}">
+                <a14:useLocalDpi xmlns:a14="http://schemas.microsoft.com/office/drawing/2010/main" val="0"/>
+              </a:ext>
+              <a:ext uri="{96DAC541-7B7A-43D3-8B79-37D633B846F1}">
+                <asvg:svgBlip xmlns:asvg="http://schemas.microsoft.com/office/drawing/2016/SVG/main" r:embed="rId12"/>
+              </a:ext>
+            </a:extLst>
+          </a:blip>
+          <a:stretch>
+            <a:fillRect/>
+          </a:stretch>
+        </a:blipFill>
+        <a:ln>
+          <a:noFill/>
+        </a:ln>
+        <a:effectLst>
+          <a:outerShdw blurRad="38100" dist="25400" dir="5400000" rotWithShape="0">
+            <a:srgbClr val="000000">
+              <a:alpha val="55000"/>
+            </a:srgbClr>
+          </a:outerShdw>
+        </a:effectLst>
+      </dsp:spPr>
+      <dsp:style>
+        <a:lnRef idx="0">
+          <a:scrgbClr r="0" g="0" b="0"/>
+        </a:lnRef>
+        <a:fillRef idx="3">
+          <a:scrgbClr r="0" g="0" b="0"/>
+        </a:fillRef>
+        <a:effectRef idx="2">
+          <a:scrgbClr r="0" g="0" b="0"/>
+        </a:effectRef>
+        <a:fontRef idx="minor">
+          <a:schemeClr val="lt1"/>
+        </a:fontRef>
+      </dsp:style>
+    </dsp:sp>
+    <dsp:sp modelId="{1D37F60E-C9F7-4916-8841-97DCBF8A99E8}">
+      <dsp:nvSpPr>
+        <dsp:cNvPr id="0" name=""/>
+        <dsp:cNvSpPr/>
+      </dsp:nvSpPr>
+      <dsp:spPr>
+        <a:xfrm>
+          <a:off x="7182463" y="1302423"/>
+          <a:ext cx="1220135" cy="194459"/>
+        </a:xfrm>
+        <a:prstGeom prst="rect">
+          <a:avLst/>
+        </a:prstGeom>
+        <a:noFill/>
+        <a:ln>
+          <a:noFill/>
+        </a:ln>
+        <a:effectLst/>
+      </dsp:spPr>
+      <dsp:style>
+        <a:lnRef idx="0">
+          <a:scrgbClr r="0" g="0" b="0"/>
+        </a:lnRef>
+        <a:fillRef idx="0">
+          <a:scrgbClr r="0" g="0" b="0"/>
+        </a:fillRef>
+        <a:effectRef idx="0">
+          <a:scrgbClr r="0" g="0" b="0"/>
+        </a:effectRef>
+        <a:fontRef idx="minor"/>
+      </dsp:style>
+      <dsp:txBody>
+        <a:bodyPr spcFirstLastPara="0" vert="horz" wrap="square" lIns="0" tIns="0" rIns="0" bIns="0" numCol="1" spcCol="1270" anchor="t" anchorCtr="0">
+          <a:noAutofit/>
+        </a:bodyPr>
+        <a:lstStyle/>
+        <a:p>
+          <a:pPr marL="0" lvl="0" indent="0" algn="ctr" defTabSz="622300">
+            <a:lnSpc>
+              <a:spcPct val="100000"/>
+            </a:lnSpc>
+            <a:spcBef>
+              <a:spcPct val="0"/>
+            </a:spcBef>
+            <a:spcAft>
+              <a:spcPct val="35000"/>
+            </a:spcAft>
+            <a:buNone/>
+            <a:defRPr b="1"/>
+          </a:pPr>
+          <a:r>
+            <a:rPr lang="en-AU" sz="1400" kern="1200"/>
+            <a:t>Evaluation</a:t>
+          </a:r>
+        </a:p>
+      </dsp:txBody>
+      <dsp:txXfrm>
+        <a:off x="7182463" y="1302423"/>
+        <a:ext cx="1220135" cy="194459"/>
+      </dsp:txXfrm>
+    </dsp:sp>
+    <dsp:sp modelId="{DAF5DCB6-AB69-4711-BE35-F9BDF67760F3}">
+      <dsp:nvSpPr>
+        <dsp:cNvPr id="0" name=""/>
+        <dsp:cNvSpPr/>
+      </dsp:nvSpPr>
+      <dsp:spPr>
+        <a:xfrm>
+          <a:off x="7182463" y="1523647"/>
+          <a:ext cx="1220135" cy="632450"/>
+        </a:xfrm>
+        <a:prstGeom prst="rect">
+          <a:avLst/>
+        </a:prstGeom>
+        <a:noFill/>
+        <a:ln>
+          <a:noFill/>
+        </a:ln>
+        <a:effectLst/>
+      </dsp:spPr>
+      <dsp:style>
+        <a:lnRef idx="0">
+          <a:scrgbClr r="0" g="0" b="0"/>
+        </a:lnRef>
+        <a:fillRef idx="0">
+          <a:scrgbClr r="0" g="0" b="0"/>
+        </a:fillRef>
+        <a:effectRef idx="0">
+          <a:scrgbClr r="0" g="0" b="0"/>
+        </a:effectRef>
+        <a:fontRef idx="minor"/>
+      </dsp:style>
+      <dsp:txBody>
+        <a:bodyPr spcFirstLastPara="0" vert="horz" wrap="square" lIns="0" tIns="0" rIns="0" bIns="0" numCol="1" spcCol="1270" anchor="t" anchorCtr="0">
+          <a:noAutofit/>
+        </a:bodyPr>
+        <a:lstStyle/>
+        <a:p>
+          <a:pPr marL="0" lvl="0" indent="0" algn="ctr" defTabSz="488950">
+            <a:lnSpc>
+              <a:spcPct val="100000"/>
+            </a:lnSpc>
+            <a:spcBef>
+              <a:spcPct val="0"/>
+            </a:spcBef>
+            <a:spcAft>
+              <a:spcPct val="35000"/>
+            </a:spcAft>
+            <a:buNone/>
+          </a:pPr>
+          <a:r>
+            <a:rPr lang="en-AU" sz="1100" kern="1200" dirty="0"/>
+            <a:t>Scikit-learn –</a:t>
+          </a:r>
+        </a:p>
+        <a:p>
+          <a:pPr marL="0" lvl="0" indent="0" algn="ctr" defTabSz="488950">
+            <a:lnSpc>
+              <a:spcPct val="100000"/>
+            </a:lnSpc>
+            <a:spcBef>
+              <a:spcPct val="0"/>
+            </a:spcBef>
+            <a:spcAft>
+              <a:spcPct val="35000"/>
+            </a:spcAft>
+            <a:buNone/>
+          </a:pPr>
+          <a:r>
+            <a:rPr lang="en-AU" sz="1100" kern="1200" dirty="0"/>
+            <a:t>Confusion matrix</a:t>
+          </a:r>
+        </a:p>
+        <a:p>
+          <a:pPr marL="0" lvl="0" indent="0" algn="ctr" defTabSz="488950">
+            <a:lnSpc>
+              <a:spcPct val="100000"/>
+            </a:lnSpc>
+            <a:spcBef>
+              <a:spcPct val="0"/>
+            </a:spcBef>
+            <a:spcAft>
+              <a:spcPct val="35000"/>
+            </a:spcAft>
+            <a:buNone/>
+          </a:pPr>
+          <a:r>
+            <a:rPr lang="en-AU" sz="1100" kern="1200" dirty="0"/>
+            <a:t>Classification report</a:t>
+          </a:r>
+        </a:p>
+      </dsp:txBody>
+      <dsp:txXfrm>
+        <a:off x="7182463" y="1523647"/>
+        <a:ext cx="1220135" cy="632450"/>
+      </dsp:txXfrm>
+    </dsp:sp>
+    <dsp:sp modelId="{96AFB470-C46F-4EF8-8EC6-1D226E9D821A}">
+      <dsp:nvSpPr>
+        <dsp:cNvPr id="0" name=""/>
+        <dsp:cNvSpPr/>
+      </dsp:nvSpPr>
+      <dsp:spPr>
+        <a:xfrm>
+          <a:off x="9012666" y="817830"/>
+          <a:ext cx="427047" cy="427047"/>
+        </a:xfrm>
+        <a:prstGeom prst="rect">
+          <a:avLst/>
+        </a:prstGeom>
+        <a:blipFill>
+          <a:blip xmlns:r="http://schemas.openxmlformats.org/officeDocument/2006/relationships" r:embed="rId13">
+            <a:extLst>
+              <a:ext uri="{28A0092B-C50C-407E-A947-70E740481C1C}">
+                <a14:useLocalDpi xmlns:a14="http://schemas.microsoft.com/office/drawing/2010/main" val="0"/>
+              </a:ext>
+              <a:ext uri="{96DAC541-7B7A-43D3-8B79-37D633B846F1}">
+                <asvg:svgBlip xmlns:asvg="http://schemas.microsoft.com/office/drawing/2016/SVG/main" r:embed="rId14"/>
+              </a:ext>
+            </a:extLst>
+          </a:blip>
+          <a:stretch>
+            <a:fillRect/>
+          </a:stretch>
+        </a:blipFill>
+        <a:ln>
+          <a:noFill/>
+        </a:ln>
+        <a:effectLst>
+          <a:outerShdw blurRad="38100" dist="25400" dir="5400000" rotWithShape="0">
+            <a:srgbClr val="000000">
+              <a:alpha val="55000"/>
+            </a:srgbClr>
+          </a:outerShdw>
+        </a:effectLst>
+      </dsp:spPr>
+      <dsp:style>
+        <a:lnRef idx="0">
+          <a:scrgbClr r="0" g="0" b="0"/>
+        </a:lnRef>
+        <a:fillRef idx="3">
+          <a:scrgbClr r="0" g="0" b="0"/>
+        </a:fillRef>
+        <a:effectRef idx="2">
+          <a:scrgbClr r="0" g="0" b="0"/>
+        </a:effectRef>
+        <a:fontRef idx="minor">
+          <a:schemeClr val="lt1"/>
+        </a:fontRef>
+      </dsp:style>
+    </dsp:sp>
+    <dsp:sp modelId="{E1B83E84-7B60-4150-A049-82ADF9635A94}">
+      <dsp:nvSpPr>
+        <dsp:cNvPr id="0" name=""/>
+        <dsp:cNvSpPr/>
+      </dsp:nvSpPr>
+      <dsp:spPr>
+        <a:xfrm>
+          <a:off x="8616122" y="1302423"/>
+          <a:ext cx="1220135" cy="194459"/>
+        </a:xfrm>
+        <a:prstGeom prst="rect">
+          <a:avLst/>
+        </a:prstGeom>
+        <a:noFill/>
+        <a:ln>
+          <a:noFill/>
+        </a:ln>
+        <a:effectLst/>
+      </dsp:spPr>
+      <dsp:style>
+        <a:lnRef idx="0">
+          <a:scrgbClr r="0" g="0" b="0"/>
+        </a:lnRef>
+        <a:fillRef idx="0">
+          <a:scrgbClr r="0" g="0" b="0"/>
+        </a:fillRef>
+        <a:effectRef idx="0">
+          <a:scrgbClr r="0" g="0" b="0"/>
+        </a:effectRef>
+        <a:fontRef idx="minor"/>
+      </dsp:style>
+      <dsp:txBody>
+        <a:bodyPr spcFirstLastPara="0" vert="horz" wrap="square" lIns="0" tIns="0" rIns="0" bIns="0" numCol="1" spcCol="1270" anchor="t" anchorCtr="0">
+          <a:noAutofit/>
+        </a:bodyPr>
+        <a:lstStyle/>
+        <a:p>
+          <a:pPr marL="0" lvl="0" indent="0" algn="ctr" defTabSz="622300">
+            <a:lnSpc>
+              <a:spcPct val="100000"/>
+            </a:lnSpc>
+            <a:spcBef>
+              <a:spcPct val="0"/>
+            </a:spcBef>
+            <a:spcAft>
+              <a:spcPct val="35000"/>
+            </a:spcAft>
+            <a:buNone/>
+            <a:defRPr b="1"/>
+          </a:pPr>
+          <a:r>
+            <a:rPr lang="en-AU" sz="1400" kern="1200"/>
+            <a:t>Deployment</a:t>
+          </a:r>
+        </a:p>
+      </dsp:txBody>
+      <dsp:txXfrm>
+        <a:off x="8616122" y="1302423"/>
+        <a:ext cx="1220135" cy="194459"/>
+      </dsp:txXfrm>
+    </dsp:sp>
+    <dsp:sp modelId="{8095579C-782C-45C2-AD03-B564165737C9}">
+      <dsp:nvSpPr>
+        <dsp:cNvPr id="0" name=""/>
+        <dsp:cNvSpPr/>
+      </dsp:nvSpPr>
+      <dsp:spPr>
+        <a:xfrm>
+          <a:off x="8616122" y="1523647"/>
+          <a:ext cx="1220135" cy="632450"/>
+        </a:xfrm>
+        <a:prstGeom prst="rect">
+          <a:avLst/>
+        </a:prstGeom>
+        <a:noFill/>
+        <a:ln>
+          <a:noFill/>
+        </a:ln>
+        <a:effectLst/>
+      </dsp:spPr>
+      <dsp:style>
+        <a:lnRef idx="0">
+          <a:scrgbClr r="0" g="0" b="0"/>
+        </a:lnRef>
+        <a:fillRef idx="0">
+          <a:scrgbClr r="0" g="0" b="0"/>
+        </a:fillRef>
+        <a:effectRef idx="0">
+          <a:scrgbClr r="0" g="0" b="0"/>
+        </a:effectRef>
+        <a:fontRef idx="minor"/>
+      </dsp:style>
+      <dsp:txBody>
+        <a:bodyPr spcFirstLastPara="0" vert="horz" wrap="square" lIns="0" tIns="0" rIns="0" bIns="0" numCol="1" spcCol="1270" anchor="t" anchorCtr="0">
+          <a:noAutofit/>
+        </a:bodyPr>
+        <a:lstStyle/>
+        <a:p>
+          <a:pPr marL="0" lvl="0" indent="0" algn="ctr" defTabSz="488950">
+            <a:lnSpc>
+              <a:spcPct val="100000"/>
+            </a:lnSpc>
+            <a:spcBef>
+              <a:spcPct val="0"/>
+            </a:spcBef>
+            <a:spcAft>
+              <a:spcPct val="35000"/>
+            </a:spcAft>
+            <a:buNone/>
+          </a:pPr>
+          <a:r>
+            <a:rPr lang="en-AU" sz="1100" kern="1200"/>
+            <a:t>Scikit-learn –</a:t>
+          </a:r>
+          <a:endParaRPr lang="en-AU" sz="1100" kern="1200" dirty="0"/>
+        </a:p>
+        <a:p>
+          <a:pPr marL="0" lvl="0" indent="0" algn="ctr" defTabSz="488950">
+            <a:lnSpc>
+              <a:spcPct val="100000"/>
+            </a:lnSpc>
+            <a:spcBef>
+              <a:spcPct val="0"/>
+            </a:spcBef>
+            <a:spcAft>
+              <a:spcPct val="35000"/>
+            </a:spcAft>
+            <a:buNone/>
+          </a:pPr>
+          <a:r>
+            <a:rPr lang="en-AU" sz="1100" kern="1200"/>
+            <a:t>Confusion matrix</a:t>
+          </a:r>
+          <a:endParaRPr lang="en-AU" sz="1100" kern="1200" dirty="0"/>
+        </a:p>
+        <a:p>
+          <a:pPr marL="0" lvl="0" indent="0" algn="ctr" defTabSz="488950">
+            <a:lnSpc>
+              <a:spcPct val="100000"/>
+            </a:lnSpc>
+            <a:spcBef>
+              <a:spcPct val="0"/>
+            </a:spcBef>
+            <a:spcAft>
+              <a:spcPct val="35000"/>
+            </a:spcAft>
+            <a:buNone/>
+          </a:pPr>
+          <a:r>
+            <a:rPr lang="en-AU" sz="1100" kern="1200" dirty="0"/>
+            <a:t>Classification report</a:t>
+          </a:r>
+        </a:p>
+      </dsp:txBody>
+      <dsp:txXfrm>
+        <a:off x="8616122" y="1523647"/>
+        <a:ext cx="1220135" cy="632450"/>
+      </dsp:txXfrm>
+    </dsp:sp>
+    <dsp:sp modelId="{DFC2528F-E8E1-4B0B-809E-08F06CC6DE63}">
+      <dsp:nvSpPr>
+        <dsp:cNvPr id="0" name=""/>
+        <dsp:cNvSpPr/>
+      </dsp:nvSpPr>
+      <dsp:spPr>
+        <a:xfrm>
+          <a:off x="10446325" y="817830"/>
+          <a:ext cx="427047" cy="427047"/>
+        </a:xfrm>
+        <a:prstGeom prst="rect">
+          <a:avLst/>
+        </a:prstGeom>
+        <a:blipFill>
+          <a:blip xmlns:r="http://schemas.openxmlformats.org/officeDocument/2006/relationships" r:embed="rId15">
+            <a:extLst>
+              <a:ext uri="{28A0092B-C50C-407E-A947-70E740481C1C}">
+                <a14:useLocalDpi xmlns:a14="http://schemas.microsoft.com/office/drawing/2010/main" val="0"/>
+              </a:ext>
+              <a:ext uri="{96DAC541-7B7A-43D3-8B79-37D633B846F1}">
+                <asvg:svgBlip xmlns:asvg="http://schemas.microsoft.com/office/drawing/2016/SVG/main" r:embed="rId16"/>
+              </a:ext>
+            </a:extLst>
+          </a:blip>
+          <a:stretch>
+            <a:fillRect/>
+          </a:stretch>
+        </a:blipFill>
+        <a:ln>
+          <a:noFill/>
+        </a:ln>
+        <a:effectLst>
+          <a:outerShdw blurRad="38100" dist="25400" dir="5400000" rotWithShape="0">
+            <a:srgbClr val="000000">
+              <a:alpha val="55000"/>
+            </a:srgbClr>
+          </a:outerShdw>
+        </a:effectLst>
+      </dsp:spPr>
+      <dsp:style>
+        <a:lnRef idx="0">
+          <a:scrgbClr r="0" g="0" b="0"/>
+        </a:lnRef>
+        <a:fillRef idx="3">
+          <a:scrgbClr r="0" g="0" b="0"/>
+        </a:fillRef>
+        <a:effectRef idx="2">
+          <a:scrgbClr r="0" g="0" b="0"/>
+        </a:effectRef>
+        <a:fontRef idx="minor">
+          <a:schemeClr val="lt1"/>
+        </a:fontRef>
+      </dsp:style>
+    </dsp:sp>
+    <dsp:sp modelId="{61167F69-F965-4288-A115-E1DD2DF782BE}">
+      <dsp:nvSpPr>
+        <dsp:cNvPr id="0" name=""/>
+        <dsp:cNvSpPr/>
+      </dsp:nvSpPr>
+      <dsp:spPr>
+        <a:xfrm>
+          <a:off x="10049781" y="1302423"/>
+          <a:ext cx="1220135" cy="194459"/>
+        </a:xfrm>
+        <a:prstGeom prst="rect">
+          <a:avLst/>
+        </a:prstGeom>
+        <a:noFill/>
+        <a:ln>
+          <a:noFill/>
+        </a:ln>
+        <a:effectLst/>
+      </dsp:spPr>
+      <dsp:style>
+        <a:lnRef idx="0">
+          <a:scrgbClr r="0" g="0" b="0"/>
+        </a:lnRef>
+        <a:fillRef idx="0">
+          <a:scrgbClr r="0" g="0" b="0"/>
+        </a:fillRef>
+        <a:effectRef idx="0">
+          <a:scrgbClr r="0" g="0" b="0"/>
+        </a:effectRef>
+        <a:fontRef idx="minor"/>
+      </dsp:style>
+      <dsp:txBody>
+        <a:bodyPr spcFirstLastPara="0" vert="horz" wrap="square" lIns="0" tIns="0" rIns="0" bIns="0" numCol="1" spcCol="1270" anchor="t" anchorCtr="0">
+          <a:noAutofit/>
+        </a:bodyPr>
+        <a:lstStyle/>
+        <a:p>
+          <a:pPr marL="0" lvl="0" indent="0" algn="ctr" defTabSz="622300">
+            <a:lnSpc>
+              <a:spcPct val="100000"/>
+            </a:lnSpc>
+            <a:spcBef>
+              <a:spcPct val="0"/>
+            </a:spcBef>
+            <a:spcAft>
+              <a:spcPct val="35000"/>
+            </a:spcAft>
+            <a:buNone/>
+            <a:defRPr b="1"/>
+          </a:pPr>
+          <a:r>
+            <a:rPr lang="en-AU" sz="1400" kern="1200"/>
+            <a:t>Visualisation</a:t>
+          </a:r>
+        </a:p>
+      </dsp:txBody>
+      <dsp:txXfrm>
+        <a:off x="10049781" y="1302423"/>
+        <a:ext cx="1220135" cy="194459"/>
+      </dsp:txXfrm>
+    </dsp:sp>
+    <dsp:sp modelId="{8B41FB10-1450-44A7-8C5B-2BEA077EF5DA}">
+      <dsp:nvSpPr>
+        <dsp:cNvPr id="0" name=""/>
+        <dsp:cNvSpPr/>
+      </dsp:nvSpPr>
+      <dsp:spPr>
+        <a:xfrm>
+          <a:off x="10049781" y="1523647"/>
+          <a:ext cx="1220135" cy="632450"/>
+        </a:xfrm>
+        <a:prstGeom prst="rect">
+          <a:avLst/>
+        </a:prstGeom>
+        <a:noFill/>
+        <a:ln>
+          <a:noFill/>
+        </a:ln>
+        <a:effectLst/>
+      </dsp:spPr>
+      <dsp:style>
+        <a:lnRef idx="0">
+          <a:scrgbClr r="0" g="0" b="0"/>
+        </a:lnRef>
+        <a:fillRef idx="0">
+          <a:scrgbClr r="0" g="0" b="0"/>
+        </a:fillRef>
+        <a:effectRef idx="0">
+          <a:scrgbClr r="0" g="0" b="0"/>
+        </a:effectRef>
+        <a:fontRef idx="minor"/>
+      </dsp:style>
+      <dsp:txBody>
+        <a:bodyPr spcFirstLastPara="0" vert="horz" wrap="square" lIns="0" tIns="0" rIns="0" bIns="0" numCol="1" spcCol="1270" anchor="t" anchorCtr="0">
+          <a:noAutofit/>
+        </a:bodyPr>
+        <a:lstStyle/>
+        <a:p>
+          <a:pPr marL="0" lvl="0" indent="0" algn="ctr" defTabSz="488950">
+            <a:lnSpc>
+              <a:spcPct val="100000"/>
+            </a:lnSpc>
+            <a:spcBef>
+              <a:spcPct val="0"/>
+            </a:spcBef>
+            <a:spcAft>
+              <a:spcPct val="35000"/>
+            </a:spcAft>
+            <a:buNone/>
+          </a:pPr>
+          <a:r>
+            <a:rPr lang="en-AU" sz="1100" kern="1200" dirty="0"/>
+            <a:t>Tableau</a:t>
+          </a:r>
+        </a:p>
+      </dsp:txBody>
+      <dsp:txXfrm>
+        <a:off x="10049781" y="1523647"/>
+        <a:ext cx="1220135" cy="632450"/>
+      </dsp:txXfrm>
+    </dsp:sp>
+  </dsp:spTree>
+</dsp:drawing>
+</file>
+
+<file path=ppt/diagrams/layout1.xml><?xml version="1.0" encoding="utf-8"?>
+<dgm:layoutDef xmlns:dgm="http://schemas.openxmlformats.org/drawingml/2006/diagram" xmlns:a="http://schemas.openxmlformats.org/drawingml/2006/main" uniqueId="urn:microsoft.com/office/officeart/2018/5/layout/CenteredIconLabelDescriptionList">
+  <dgm:title val="Centered Icon Label Description List"/>
+  <dgm:desc val="Use to show non-sequential or grouped chunks of information. The placeholder holds an icon or small picture, and corresponding text boxes show Level 1 and Level 2 text respectively. Works well for minimal Level 1 text accompanied by lengthier Level two text."/>
+  <dgm:catLst>
+    <dgm:cat type="icon" pri="500"/>
+  </dgm:catLst>
+  <dgm:sampData useDef="1">
+    <dgm:dataModel>
+      <dgm:ptLst/>
+      <dgm:bg/>
+      <dgm:whole/>
+    </dgm:dataModel>
+  </dgm:sampData>
+  <dgm:styleData useDef="1">
+    <dgm:dataModel>
+      <dgm:ptLst/>
+      <dgm:bg/>
+      <dgm:whole/>
+    </dgm:dataModel>
+  </dgm:styleData>
+  <dgm:clrData useDef="1">
+    <dgm:dataModel>
+      <dgm:ptLst/>
+      <dgm:bg/>
+      <dgm:whole/>
+    </dgm:dataModel>
+  </dgm:clrData>
+  <dgm:layoutNode name="root">
+    <dgm:varLst>
+      <dgm:dir/>
+      <dgm:resizeHandles val="exact"/>
+    </dgm:varLst>
+    <dgm:choose name="Name0">
+      <dgm:if name="Name1" axis="self" func="var" arg="dir" op="equ" val="norm">
+        <dgm:alg type="lin"/>
+      </dgm:if>
+      <dgm:else name="Name2">
+        <dgm:alg type="lin">
+          <dgm:param type="linDir" val="fromR"/>
+        </dgm:alg>
+      </dgm:else>
+    </dgm:choose>
+    <dgm:shape xmlns:r="http://schemas.openxmlformats.org/officeDocument/2006/relationships" r:blip="">
+      <dgm:adjLst/>
+    </dgm:shape>
+    <dgm:presOf/>
+    <dgm:constrLst>
+      <dgm:constr type="h" for="ch" forName="compNode" refType="h" fact="0.45"/>
+      <dgm:constr type="w" for="ch" forName="compNode" val="120"/>
+      <dgm:constr type="w" for="ch" forName="sibTrans" refType="w" refFor="ch" refForName="compNode" fact="0.175"/>
+      <dgm:constr type="primFontSz" for="des" forName="parTx" val="36"/>
+      <dgm:constr type="primFontSz" for="des" forName="desTx" refType="primFontSz" refFor="des" refForName="parTx" op="lte" fact="0.75"/>
+      <dgm:constr type="h" for="des" forName="compNode" op="equ"/>
+      <dgm:constr type="h" for="des" forName="iconRect" op="equ"/>
+      <dgm:constr type="w" for="des" forName="iconRect" op="equ"/>
+      <dgm:constr type="h" for="des" forName="iconSpace" op="equ"/>
+      <dgm:constr type="h" for="des" forName="parTx" op="equ"/>
+      <dgm:constr type="h" for="des" forName="txSpace" op="equ"/>
+      <dgm:constr type="h" for="des" forName="desTx" op="equ"/>
+    </dgm:constrLst>
+    <dgm:ruleLst>
+      <dgm:rule type="w" for="ch" forName="compNode" val="0" fact="NaN" max="NaN"/>
+    </dgm:ruleLst>
+    <dgm:forEach name="Name3" axis="ch" ptType="node">
+      <dgm:layoutNode name="compNode">
+        <dgm:alg type="composite"/>
+        <dgm:shape xmlns:r="http://schemas.openxmlformats.org/officeDocument/2006/relationships" r:blip="">
+          <dgm:adjLst/>
+        </dgm:shape>
+        <dgm:presOf axis="self"/>
+        <dgm:constrLst>
+          <dgm:constr type="w" for="ch" forName="iconRect" refType="w" fact="0.35"/>
+          <dgm:constr type="h" for="ch" forName="iconRect" refType="w" refFor="ch" refForName="iconRect"/>
+          <dgm:constr type="ctrX" for="ch" forName="iconRect" refType="w" fact="0.5"/>
+          <dgm:constr type="t" for="ch" forName="iconRect"/>
+          <dgm:constr type="w" for="ch" forName="iconSpace" refType="w"/>
+          <dgm:constr type="h" for="ch" forName="iconSpace" refType="h" fact="0.043"/>
+          <dgm:constr type="l" for="ch" forName="iconSpace"/>
+          <dgm:constr type="t" for="ch" forName="iconSpace" refType="b" refFor="ch" refForName="iconRect"/>
+          <dgm:constr type="w" for="ch" forName="parTx" refType="w"/>
+          <dgm:constr type="h" for="ch" forName="parTx" refType="w" fact="0.15"/>
+          <dgm:constr type="l" for="ch" forName="parTx"/>
+          <dgm:constr type="t" for="ch" forName="parTx" refType="b" refFor="ch" refForName="iconSpace"/>
+          <dgm:constr type="h" for="ch" forName="txSpace" refType="h" fact="0.02"/>
+          <dgm:constr type="w" for="ch" forName="txSpace" refType="w"/>
+          <dgm:constr type="l" for="ch" forName="txSpace"/>
+          <dgm:constr type="t" for="ch" forName="txSpace" refType="b" refFor="ch" refForName="parTx"/>
+          <dgm:constr type="w" for="ch" forName="desTx" refType="w"/>
+          <dgm:constr type="l" for="ch" forName="desTx"/>
+          <dgm:constr type="t" for="ch" forName="desTx" refType="b" refFor="ch" refForName="txSpace"/>
+        </dgm:constrLst>
+        <dgm:ruleLst>
+          <dgm:rule type="h" val="INF" fact="NaN" max="NaN"/>
+        </dgm:ruleLst>
+        <dgm:layoutNode name="iconRect" styleLbl="node1">
+          <dgm:alg type="sp"/>
+          <dgm:shape xmlns:r="http://schemas.openxmlformats.org/officeDocument/2006/relationships" type="rect" r:blip="" blipPhldr="1">
+            <dgm:adjLst/>
+          </dgm:shape>
+          <dgm:presOf/>
+          <dgm:constrLst/>
+          <dgm:ruleLst/>
+        </dgm:layoutNode>
+        <dgm:layoutNode name="iconSpace">
+          <dgm:alg type="sp"/>
+          <dgm:shape xmlns:r="http://schemas.openxmlformats.org/officeDocument/2006/relationships" r:blip="">
+            <dgm:adjLst/>
+          </dgm:shape>
+          <dgm:presOf/>
+          <dgm:constrLst/>
+          <dgm:ruleLst/>
+        </dgm:layoutNode>
+        <dgm:layoutNode name="parTx" styleLbl="revTx">
+          <dgm:varLst>
+            <dgm:chMax val="0"/>
+            <dgm:chPref val="0"/>
+          </dgm:varLst>
+          <dgm:alg type="tx">
+            <dgm:param type="txAnchorVert" val="t"/>
+          </dgm:alg>
+          <dgm:shape xmlns:r="http://schemas.openxmlformats.org/officeDocument/2006/relationships" type="rect" r:blip="">
+            <dgm:adjLst/>
+          </dgm:shape>
+          <dgm:presOf axis="self" ptType="node"/>
+          <dgm:constrLst>
+            <dgm:constr type="lMarg"/>
+            <dgm:constr type="rMarg"/>
+            <dgm:constr type="tMarg"/>
+            <dgm:constr type="bMarg"/>
+          </dgm:constrLst>
+          <dgm:ruleLst>
+            <dgm:rule type="primFontSz" val="14" fact="NaN" max="NaN"/>
+            <dgm:rule type="h" val="INF" fact="NaN" max="NaN"/>
+          </dgm:ruleLst>
+        </dgm:layoutNode>
+        <dgm:layoutNode name="txSpace">
+          <dgm:alg type="sp"/>
+          <dgm:shape xmlns:r="http://schemas.openxmlformats.org/officeDocument/2006/relationships" r:blip="">
+            <dgm:adjLst/>
+          </dgm:shape>
+          <dgm:presOf/>
+          <dgm:constrLst/>
+          <dgm:ruleLst/>
+        </dgm:layoutNode>
+        <dgm:layoutNode name="desTx" styleLbl="revTx">
+          <dgm:varLst/>
+          <dgm:alg type="tx">
+            <dgm:param type="stBulletLvl" val="0"/>
+            <dgm:param type="txAnchorVert" val="t"/>
+          </dgm:alg>
+          <dgm:shape xmlns:r="http://schemas.openxmlformats.org/officeDocument/2006/relationships" type="rect" r:blip="">
+            <dgm:adjLst/>
+          </dgm:shape>
+          <dgm:presOf axis="des" ptType="node"/>
+          <dgm:constrLst>
+            <dgm:constr type="secFontSz" refType="primFontSz"/>
+            <dgm:constr type="lMarg"/>
+            <dgm:constr type="rMarg"/>
+            <dgm:constr type="tMarg"/>
+            <dgm:constr type="bMarg"/>
+          </dgm:constrLst>
+          <dgm:ruleLst>
+            <dgm:rule type="primFontSz" val="NaN" fact="NaN" max="17"/>
+            <dgm:rule type="h" val="INF" fact="NaN" max="NaN"/>
+          </dgm:ruleLst>
+        </dgm:layoutNode>
+      </dgm:layoutNode>
+      <dgm:forEach name="Name4" axis="followSib" ptType="sibTrans" cnt="1">
+        <dgm:layoutNode name="sibTrans">
+          <dgm:alg type="sp"/>
+          <dgm:shape xmlns:r="http://schemas.openxmlformats.org/officeDocument/2006/relationships" r:blip="">
+            <dgm:adjLst/>
+          </dgm:shape>
+          <dgm:presOf axis="self"/>
+          <dgm:constrLst/>
+          <dgm:ruleLst/>
+        </dgm:layoutNode>
+      </dgm:forEach>
+    </dgm:forEach>
+  </dgm:layoutNode>
+  <dgm:extLst>
+    <a:ext uri="{68A01E43-0DF5-4B5B-8FA6-DAF915123BFB}">
+      <dgm1612:lstStyle xmlns:dgm1612="http://schemas.microsoft.com/office/drawing/2016/12/diagram">
+        <a:lvl1pPr>
+          <a:lnSpc>
+            <a:spcPct val="100000"/>
+          </a:lnSpc>
+          <a:defRPr b="1"/>
+        </a:lvl1pPr>
+        <a:lvl2pPr>
+          <a:lnSpc>
+            <a:spcPct val="100000"/>
+          </a:lnSpc>
+        </a:lvl2pPr>
+      </dgm1612:lstStyle>
+    </a:ext>
+  </dgm:extLst>
+</dgm:layoutDef>
+</file>
+
+<file path=ppt/diagrams/quickStyle1.xml><?xml version="1.0" encoding="utf-8"?>
+<dgm:styleDef xmlns:dgm="http://schemas.openxmlformats.org/drawingml/2006/diagram" xmlns:a="http://schemas.openxmlformats.org/drawingml/2006/main" uniqueId="urn:microsoft.com/office/officeart/2005/8/quickstyle/simple4">
+  <dgm:title val=""/>
+  <dgm:desc val=""/>
+  <dgm:catLst>
+    <dgm:cat type="simple" pri="10400"/>
+  </dgm:catLst>
+  <dgm:scene3d>
+    <a:camera prst="orthographicFront"/>
+    <a:lightRig rig="threePt" dir="t"/>
+  </dgm:scene3d>
+  <dgm:styleLbl name="node0">
+    <dgm:scene3d>
+      <a:camera prst="orthographicFront"/>
+      <a:lightRig rig="threePt" dir="t"/>
+    </dgm:scene3d>
+    <dgm:sp3d/>
+    <dgm:txPr/>
+    <dgm:style>
+      <a:lnRef idx="0">
+        <a:scrgbClr r="0" g="0" b="0"/>
+      </a:lnRef>
+      <a:fillRef idx="3">
+        <a:scrgbClr r="0" g="0" b="0"/>
+      </a:fillRef>
+      <a:effectRef idx="2">
+        <a:scrgbClr r="0" g="0" b="0"/>
+      </a:effectRef>
+      <a:fontRef idx="minor">
+        <a:schemeClr val="lt1"/>
+      </a:fontRef>
+    </dgm:style>
+  </dgm:styleLbl>
+  <dgm:styleLbl name="lnNode1">
+    <dgm:scene3d>
+      <a:camera prst="orthographicFront"/>
+      <a:lightRig rig="threePt" dir="t"/>
+    </dgm:scene3d>
+    <dgm:sp3d/>
+    <dgm:txPr/>
+    <dgm:style>
+      <a:lnRef idx="1">
+        <a:scrgbClr r="0" g="0" b="0"/>
+      </a:lnRef>
+      <a:fillRef idx="3">
+        <a:scrgbClr r="0" g="0" b="0"/>
+      </a:fillRef>
+      <a:effectRef idx="2">
+        <a:scrgbClr r="0" g="0" b="0"/>
+      </a:effectRef>
+      <a:fontRef idx="minor">
+        <a:schemeClr val="lt1"/>
+      </a:fontRef>
+    </dgm:style>
+  </dgm:styleLbl>
+  <dgm:styleLbl name="vennNode1">
+    <dgm:scene3d>
+      <a:camera prst="orthographicFront"/>
+      <a:lightRig rig="threePt" dir="t"/>
+    </dgm:scene3d>
+    <dgm:sp3d/>
+    <dgm:txPr/>
+    <dgm:style>
+      <a:lnRef idx="0">
+        <a:scrgbClr r="0" g="0" b="0"/>
+      </a:lnRef>
+      <a:fillRef idx="3">
+        <a:scrgbClr r="0" g="0" b="0"/>
+      </a:fillRef>
+      <a:effectRef idx="0">
+        <a:scrgbClr r="0" g="0" b="0"/>
+      </a:effectRef>
+      <a:fontRef idx="minor">
+        <a:schemeClr val="tx1"/>
+      </a:fontRef>
+    </dgm:style>
+  </dgm:styleLbl>
+  <dgm:styleLbl name="alignNode1">
+    <dgm:scene3d>
+      <a:camera prst="orthographicFront"/>
+      <a:lightRig rig="threePt" dir="t"/>
+    </dgm:scene3d>
+    <dgm:sp3d/>
+    <dgm:txPr/>
+    <dgm:style>
+      <a:lnRef idx="1">
+        <a:scrgbClr r="0" g="0" b="0"/>
+      </a:lnRef>
+      <a:fillRef idx="3">
+        <a:scrgbClr r="0" g="0" b="0"/>
+      </a:fillRef>
+      <a:effectRef idx="2">
+        <a:scrgbClr r="0" g="0" b="0"/>
+      </a:effectRef>
+      <a:fontRef idx="minor">
+        <a:schemeClr val="lt1"/>
+      </a:fontRef>
+    </dgm:style>
+  </dgm:styleLbl>
+  <dgm:styleLbl name="node1">
+    <dgm:scene3d>
+      <a:camera prst="orthographicFront"/>
+      <a:lightRig rig="threePt" dir="t"/>
+    </dgm:scene3d>
+    <dgm:sp3d/>
+    <dgm:txPr/>
+    <dgm:style>
+      <a:lnRef idx="0">
+        <a:scrgbClr r="0" g="0" b="0"/>
+      </a:lnRef>
+      <a:fillRef idx="3">
+        <a:scrgbClr r="0" g="0" b="0"/>
+      </a:fillRef>
+      <a:effectRef idx="2">
+        <a:scrgbClr r="0" g="0" b="0"/>
+      </a:effectRef>
+      <a:fontRef idx="minor">
+        <a:schemeClr val="lt1"/>
+      </a:fontRef>
+    </dgm:style>
+  </dgm:styleLbl>
+  <dgm:styleLbl name="node2">
+    <dgm:scene3d>
+      <a:camera prst="orthographicFront"/>
+      <a:lightRig rig="threePt" dir="t"/>
+    </dgm:scene3d>
+    <dgm:sp3d/>
+    <dgm:txPr/>
+    <dgm:style>
+      <a:lnRef idx="0">
+        <a:scrgbClr r="0" g="0" b="0"/>
+      </a:lnRef>
+      <a:fillRef idx="3">
+        <a:scrgbClr r="0" g="0" b="0"/>
+      </a:fillRef>
+      <a:effectRef idx="2">
+        <a:scrgbClr r="0" g="0" b="0"/>
+      </a:effectRef>
+      <a:fontRef idx="minor">
+        <a:schemeClr val="lt1"/>
+      </a:fontRef>
+    </dgm:style>
+  </dgm:styleLbl>
+  <dgm:styleLbl name="node3">
+    <dgm:scene3d>
+      <a:camera prst="orthographicFront"/>
+      <a:lightRig rig="threePt" dir="t"/>
+    </dgm:scene3d>
+    <dgm:sp3d/>
+    <dgm:txPr/>
+    <dgm:style>
+      <a:lnRef idx="0">
+        <a:scrgbClr r="0" g="0" b="0"/>
+      </a:lnRef>
+      <a:fillRef idx="3">
+        <a:scrgbClr r="0" g="0" b="0"/>
+      </a:fillRef>
+      <a:effectRef idx="2">
+        <a:scrgbClr r="0" g="0" b="0"/>
+      </a:effectRef>
+      <a:fontRef idx="minor">
+        <a:schemeClr val="lt1"/>
+      </a:fontRef>
+    </dgm:style>
+  </dgm:styleLbl>
+  <dgm:styleLbl name="node4">
+    <dgm:scene3d>
+      <a:camera prst="orthographicFront"/>
+      <a:lightRig rig="threePt" dir="t"/>
+    </dgm:scene3d>
+    <dgm:sp3d/>
+    <dgm:txPr/>
+    <dgm:style>
+      <a:lnRef idx="0">
+        <a:scrgbClr r="0" g="0" b="0"/>
+      </a:lnRef>
+      <a:fillRef idx="3">
+        <a:scrgbClr r="0" g="0" b="0"/>
+      </a:fillRef>
+      <a:effectRef idx="2">
+        <a:scrgbClr r="0" g="0" b="0"/>
+      </a:effectRef>
+      <a:fontRef idx="minor">
+        <a:schemeClr val="lt1"/>
+      </a:fontRef>
+    </dgm:style>
+  </dgm:styleLbl>
+  <dgm:styleLbl name="fgImgPlace1">
+    <dgm:scene3d>
+      <a:camera prst="orthographicFront"/>
+      <a:lightRig rig="threePt" dir="t"/>
+    </dgm:scene3d>
+    <dgm:sp3d/>
+    <dgm:txPr/>
+    <dgm:style>
+      <a:lnRef idx="0">
+        <a:scrgbClr r="0" g="0" b="0"/>
+      </a:lnRef>
+      <a:fillRef idx="1">
+        <a:scrgbClr r="0" g="0" b="0"/>
+      </a:fillRef>
+      <a:effectRef idx="2">
+        <a:scrgbClr r="0" g="0" b="0"/>
+      </a:effectRef>
+      <a:fontRef idx="minor"/>
+    </dgm:style>
+  </dgm:styleLbl>
+  <dgm:styleLbl name="alignImgPlace1">
+    <dgm:scene3d>
+      <a:camera prst="orthographicFront"/>
+      <a:lightRig rig="threePt" dir="t"/>
+    </dgm:scene3d>
+    <dgm:sp3d/>
+    <dgm:txPr/>
+    <dgm:style>
+      <a:lnRef idx="0">
+        <a:scrgbClr r="0" g="0" b="0"/>
+      </a:lnRef>
+      <a:fillRef idx="1">
+        <a:scrgbClr r="0" g="0" b="0"/>
+      </a:fillRef>
+      <a:effectRef idx="2">
+        <a:scrgbClr r="0" g="0" b="0"/>
+      </a:effectRef>
+      <a:fontRef idx="minor"/>
+    </dgm:style>
+  </dgm:styleLbl>
+  <dgm:styleLbl name="bgImgPlace1">
+    <dgm:scene3d>
+      <a:camera prst="orthographicFront"/>
+      <a:lightRig rig="threePt" dir="t"/>
+    </dgm:scene3d>
+    <dgm:sp3d/>
+    <dgm:txPr/>
+    <dgm:style>
+      <a:lnRef idx="0">
+        <a:scrgbClr r="0" g="0" b="0"/>
+      </a:lnRef>
+      <a:fillRef idx="1">
+        <a:scrgbClr r="0" g="0" b="0"/>
+      </a:fillRef>
+      <a:effectRef idx="2">
+        <a:scrgbClr r="0" g="0" b="0"/>
+      </a:effectRef>
+      <a:fontRef idx="minor"/>
+    </dgm:style>
+  </dgm:styleLbl>
+  <dgm:styleLbl name="sibTrans2D1">
+    <dgm:scene3d>
+      <a:camera prst="orthographicFront"/>
+      <a:lightRig rig="threePt" dir="t"/>
+    </dgm:scene3d>
+    <dgm:sp3d/>
+    <dgm:txPr/>
+    <dgm:style>
+      <a:lnRef idx="0">
+        <a:scrgbClr r="0" g="0" b="0"/>
+      </a:lnRef>
+      <a:fillRef idx="3">
+        <a:scrgbClr r="0" g="0" b="0"/>
+      </a:fillRef>
+      <a:effectRef idx="2">
+        <a:scrgbClr r="0" g="0" b="0"/>
+      </a:effectRef>
+      <a:fontRef idx="minor">
+        <a:schemeClr val="lt1"/>
+      </a:fontRef>
+    </dgm:style>
+  </dgm:styleLbl>
+  <dgm:styleLbl name="fgSibTrans2D1">
+    <dgm:scene3d>
+      <a:camera prst="orthographicFront"/>
+      <a:lightRig rig="threePt" dir="t"/>
+    </dgm:scene3d>
+    <dgm:sp3d/>
+    <dgm:txPr/>
+    <dgm:style>
+      <a:lnRef idx="0">
+        <a:scrgbClr r="0" g="0" b="0"/>
+      </a:lnRef>
+      <a:fillRef idx="3">
+        <a:scrgbClr r="0" g="0" b="0"/>
+      </a:fillRef>
+      <a:effectRef idx="2">
+        <a:scrgbClr r="0" g="0" b="0"/>
+      </a:effectRef>
+      <a:fontRef idx="minor">
+        <a:schemeClr val="lt1"/>
+      </a:fontRef>
+    </dgm:style>
+  </dgm:styleLbl>
+  <dgm:styleLbl name="bgSibTrans2D1">
+    <dgm:scene3d>
+      <a:camera prst="orthographicFront"/>
+      <a:lightRig rig="threePt" dir="t"/>
+    </dgm:scene3d>
+    <dgm:sp3d/>
+    <dgm:txPr/>
+    <dgm:style>
+      <a:lnRef idx="0">
+        <a:scrgbClr r="0" g="0" b="0"/>
+      </a:lnRef>
+      <a:fillRef idx="3">
+        <a:scrgbClr r="0" g="0" b="0"/>
+      </a:fillRef>
+      <a:effectRef idx="2">
+        <a:scrgbClr r="0" g="0" b="0"/>
+      </a:effectRef>
+      <a:fontRef idx="minor">
+        <a:schemeClr val="lt1"/>
+      </a:fontRef>
+    </dgm:style>
+  </dgm:styleLbl>
+  <dgm:styleLbl name="sibTrans1D1">
+    <dgm:scene3d>
+      <a:camera prst="orthographicFront"/>
+      <a:lightRig rig="threePt" dir="t"/>
+    </dgm:scene3d>
+    <dgm:sp3d/>
+    <dgm:txPr/>
+    <dgm:style>
+      <a:lnRef idx="1">
+        <a:scrgbClr r="0" g="0" b="0"/>
+      </a:lnRef>
+      <a:fillRef idx="0">
+        <a:scrgbClr r="0" g="0" b="0"/>
+      </a:fillRef>
+      <a:effectRef idx="0">
+        <a:scrgbClr r="0" g="0" b="0"/>
+      </a:effectRef>
+      <a:fontRef idx="minor"/>
+    </dgm:style>
+  </dgm:styleLbl>
+  <dgm:styleLbl name="callout">
+    <dgm:scene3d>
+      <a:camera prst="orthographicFront"/>
+      <a:lightRig rig="threePt" dir="t"/>
+    </dgm:scene3d>
+    <dgm:sp3d/>
+    <dgm:txPr/>
+    <dgm:style>
+      <a:lnRef idx="2">
+        <a:scrgbClr r="0" g="0" b="0"/>
+      </a:lnRef>
+      <a:fillRef idx="1">
+        <a:scrgbClr r="0" g="0" b="0"/>
+      </a:fillRef>
+      <a:effectRef idx="1">
+        <a:scrgbClr r="0" g="0" b="0"/>
+      </a:effectRef>
+      <a:fontRef idx="minor"/>
+    </dgm:style>
+  </dgm:styleLbl>
+  <dgm:styleLbl name="asst0">
+    <dgm:scene3d>
+      <a:camera prst="orthographicFront"/>
+      <a:lightRig rig="threePt" dir="t"/>
+    </dgm:scene3d>
+    <dgm:sp3d/>
+    <dgm:txPr/>
+    <dgm:style>
+      <a:lnRef idx="0">
+        <a:scrgbClr r="0" g="0" b="0"/>
+      </a:lnRef>
+      <a:fillRef idx="3">
+        <a:scrgbClr r="0" g="0" b="0"/>
+      </a:fillRef>
+      <a:effectRef idx="2">
+        <a:scrgbClr r="0" g="0" b="0"/>
+      </a:effectRef>
+      <a:fontRef idx="minor">
+        <a:schemeClr val="lt1"/>
+      </a:fontRef>
+    </dgm:style>
+  </dgm:styleLbl>
+  <dgm:styleLbl name="asst1">
+    <dgm:scene3d>
+      <a:camera prst="orthographicFront"/>
+      <a:lightRig rig="threePt" dir="t"/>
+    </dgm:scene3d>
+    <dgm:sp3d/>
+    <dgm:txPr/>
+    <dgm:style>
+      <a:lnRef idx="0">
+        <a:scrgbClr r="0" g="0" b="0"/>
+      </a:lnRef>
+      <a:fillRef idx="3">
+        <a:scrgbClr r="0" g="0" b="0"/>
+      </a:fillRef>
+      <a:effectRef idx="2">
+        <a:scrgbClr r="0" g="0" b="0"/>
+      </a:effectRef>
+      <a:fontRef idx="minor">
+        <a:schemeClr val="lt1"/>
+      </a:fontRef>
+    </dgm:style>
+  </dgm:styleLbl>
+  <dgm:styleLbl name="asst2">
+    <dgm:scene3d>
+      <a:camera prst="orthographicFront"/>
+      <a:lightRig rig="threePt" dir="t"/>
+    </dgm:scene3d>
+    <dgm:sp3d/>
+    <dgm:txPr/>
+    <dgm:style>
+      <a:lnRef idx="0">
+        <a:scrgbClr r="0" g="0" b="0"/>
+      </a:lnRef>
+      <a:fillRef idx="3">
+        <a:scrgbClr r="0" g="0" b="0"/>
+      </a:fillRef>
+      <a:effectRef idx="2">
+        <a:scrgbClr r="0" g="0" b="0"/>
+      </a:effectRef>
+      <a:fontRef idx="minor">
+        <a:schemeClr val="lt1"/>
+      </a:fontRef>
+    </dgm:style>
+  </dgm:styleLbl>
+  <dgm:styleLbl name="asst3">
+    <dgm:scene3d>
+      <a:camera prst="orthographicFront"/>
+      <a:lightRig rig="threePt" dir="t"/>
+    </dgm:scene3d>
+    <dgm:sp3d/>
+    <dgm:txPr/>
+    <dgm:style>
+      <a:lnRef idx="0">
+        <a:scrgbClr r="0" g="0" b="0"/>
+      </a:lnRef>
+      <a:fillRef idx="3">
+        <a:scrgbClr r="0" g="0" b="0"/>
+      </a:fillRef>
+      <a:effectRef idx="2">
+        <a:scrgbClr r="0" g="0" b="0"/>
+      </a:effectRef>
+      <a:fontRef idx="minor">
+        <a:schemeClr val="lt1"/>
+      </a:fontRef>
+    </dgm:style>
+  </dgm:styleLbl>
+  <dgm:styleLbl name="asst4">
+    <dgm:scene3d>
+      <a:camera prst="orthographicFront"/>
+      <a:lightRig rig="threePt" dir="t"/>
+    </dgm:scene3d>
+    <dgm:sp3d/>
+    <dgm:txPr/>
+    <dgm:style>
+      <a:lnRef idx="0">
+        <a:scrgbClr r="0" g="0" b="0"/>
+      </a:lnRef>
+      <a:fillRef idx="3">
+        <a:scrgbClr r="0" g="0" b="0"/>
+      </a:fillRef>
+      <a:effectRef idx="2">
+        <a:scrgbClr r="0" g="0" b="0"/>
+      </a:effectRef>
+      <a:fontRef idx="minor">
+        <a:schemeClr val="lt1"/>
+      </a:fontRef>
+    </dgm:style>
+  </dgm:styleLbl>
+  <dgm:styleLbl name="parChTrans2D1">
+    <dgm:scene3d>
+      <a:camera prst="orthographicFront"/>
+      <a:lightRig rig="threePt" dir="t"/>
+    </dgm:scene3d>
+    <dgm:sp3d/>
+    <dgm:txPr/>
+    <dgm:style>
+      <a:lnRef idx="0">
+        <a:scrgbClr r="0" g="0" b="0"/>
+      </a:lnRef>
+      <a:fillRef idx="3">
+        <a:scrgbClr r="0" g="0" b="0"/>
+      </a:fillRef>
+      <a:effectRef idx="2">
+        <a:scrgbClr r="0" g="0" b="0"/>
+      </a:effectRef>
+      <a:fontRef idx="minor">
+        <a:schemeClr val="lt1"/>
+      </a:fontRef>
+    </dgm:style>
+  </dgm:styleLbl>
+  <dgm:styleLbl name="parChTrans2D2">
+    <dgm:scene3d>
+      <a:camera prst="orthographicFront"/>
+      <a:lightRig rig="threePt" dir="t"/>
+    </dgm:scene3d>
+    <dgm:sp3d/>
+    <dgm:txPr/>
+    <dgm:style>
+      <a:lnRef idx="0">
+        <a:scrgbClr r="0" g="0" b="0"/>
+      </a:lnRef>
+      <a:fillRef idx="3">
+        <a:scrgbClr r="0" g="0" b="0"/>
+      </a:fillRef>
+      <a:effectRef idx="2">
+        <a:scrgbClr r="0" g="0" b="0"/>
+      </a:effectRef>
+      <a:fontRef idx="minor">
+        <a:schemeClr val="lt1"/>
+      </a:fontRef>
+    </dgm:style>
+  </dgm:styleLbl>
+  <dgm:styleLbl name="parChTrans2D3">
+    <dgm:scene3d>
+      <a:camera prst="orthographicFront"/>
+      <a:lightRig rig="threePt" dir="t"/>
+    </dgm:scene3d>
+    <dgm:sp3d/>
+    <dgm:txPr/>
+    <dgm:style>
+      <a:lnRef idx="1">
+        <a:scrgbClr r="0" g="0" b="0"/>
+      </a:lnRef>
+      <a:fillRef idx="3">
+        <a:scrgbClr r="0" g="0" b="0"/>
+      </a:fillRef>
+      <a:effectRef idx="2">
+        <a:scrgbClr r="0" g="0" b="0"/>
+      </a:effectRef>
+      <a:fontRef idx="minor">
+        <a:schemeClr val="lt1"/>
+      </a:fontRef>
+    </dgm:style>
+  </dgm:styleLbl>
+  <dgm:styleLbl name="parChTrans2D4">
+    <dgm:scene3d>
+      <a:camera prst="orthographicFront"/>
+      <a:lightRig rig="threePt" dir="t"/>
+    </dgm:scene3d>
+    <dgm:sp3d/>
+    <dgm:txPr/>
+    <dgm:style>
+      <a:lnRef idx="1">
+        <a:scrgbClr r="0" g="0" b="0"/>
+      </a:lnRef>
+      <a:fillRef idx="3">
+        <a:scrgbClr r="0" g="0" b="0"/>
+      </a:fillRef>
+      <a:effectRef idx="2">
+        <a:scrgbClr r="0" g="0" b="0"/>
+      </a:effectRef>
+      <a:fontRef idx="minor">
+        <a:schemeClr val="lt1"/>
+      </a:fontRef>
+    </dgm:style>
+  </dgm:styleLbl>
+  <dgm:styleLbl name="parChTrans1D1">
+    <dgm:scene3d>
+      <a:camera prst="orthographicFront"/>
+      <a:lightRig rig="threePt" dir="t"/>
+    </dgm:scene3d>
+    <dgm:sp3d/>
+    <dgm:txPr/>
+    <dgm:style>
+      <a:lnRef idx="1">
+        <a:scrgbClr r="0" g="0" b="0"/>
+      </a:lnRef>
+      <a:fillRef idx="0">
+        <a:scrgbClr r="0" g="0" b="0"/>
+      </a:fillRef>
+      <a:effectRef idx="0">
+        <a:scrgbClr r="0" g="0" b="0"/>
+      </a:effectRef>
+      <a:fontRef idx="minor"/>
+    </dgm:style>
+  </dgm:styleLbl>
+  <dgm:styleLbl name="parChTrans1D2">
+    <dgm:scene3d>
+      <a:camera prst="orthographicFront"/>
+      <a:lightRig rig="threePt" dir="t"/>
+    </dgm:scene3d>
+    <dgm:sp3d/>
+    <dgm:txPr/>
+    <dgm:style>
+      <a:lnRef idx="1">
+        <a:scrgbClr r="0" g="0" b="0"/>
+      </a:lnRef>
+      <a:fillRef idx="0">
+        <a:scrgbClr r="0" g="0" b="0"/>
+      </a:fillRef>
+      <a:effectRef idx="0">
+        <a:scrgbClr r="0" g="0" b="0"/>
+      </a:effectRef>
+      <a:fontRef idx="minor"/>
+    </dgm:style>
+  </dgm:styleLbl>
+  <dgm:styleLbl name="parChTrans1D3">
+    <dgm:scene3d>
+      <a:camera prst="orthographicFront"/>
+      <a:lightRig rig="threePt" dir="t"/>
+    </dgm:scene3d>
+    <dgm:sp3d/>
+    <dgm:txPr/>
+    <dgm:style>
+      <a:lnRef idx="1">
+        <a:scrgbClr r="0" g="0" b="0"/>
+      </a:lnRef>
+      <a:fillRef idx="0">
+        <a:scrgbClr r="0" g="0" b="0"/>
+      </a:fillRef>
+      <a:effectRef idx="0">
+        <a:scrgbClr r="0" g="0" b="0"/>
+      </a:effectRef>
+      <a:fontRef idx="minor"/>
+    </dgm:style>
+  </dgm:styleLbl>
+  <dgm:styleLbl name="parChTrans1D4">
+    <dgm:scene3d>
+      <a:camera prst="orthographicFront"/>
+      <a:lightRig rig="threePt" dir="t"/>
+    </dgm:scene3d>
+    <dgm:sp3d/>
+    <dgm:txPr/>
+    <dgm:style>
+      <a:lnRef idx="1">
+        <a:scrgbClr r="0" g="0" b="0"/>
+      </a:lnRef>
+      <a:fillRef idx="0">
+        <a:scrgbClr r="0" g="0" b="0"/>
+      </a:fillRef>
+      <a:effectRef idx="0">
+        <a:scrgbClr r="0" g="0" b="0"/>
+      </a:effectRef>
+      <a:fontRef idx="minor"/>
+    </dgm:style>
+  </dgm:styleLbl>
+  <dgm:styleLbl name="fgAcc1">
+    <dgm:scene3d>
+      <a:camera prst="orthographicFront"/>
+      <a:lightRig rig="threePt" dir="t"/>
+    </dgm:scene3d>
+    <dgm:sp3d/>
+    <dgm:txPr/>
+    <dgm:style>
+      <a:lnRef idx="1">
+        <a:scrgbClr r="0" g="0" b="0"/>
+      </a:lnRef>
+      <a:fillRef idx="1">
+        <a:scrgbClr r="0" g="0" b="0"/>
+      </a:fillRef>
+      <a:effectRef idx="0">
+        <a:scrgbClr r="0" g="0" b="0"/>
+      </a:effectRef>
+      <a:fontRef idx="minor"/>
+    </dgm:style>
+  </dgm:styleLbl>
+  <dgm:styleLbl name="conFgAcc1">
+    <dgm:scene3d>
+      <a:camera prst="orthographicFront"/>
+      <a:lightRig rig="threePt" dir="t"/>
+    </dgm:scene3d>
+    <dgm:sp3d/>
+    <dgm:txPr/>
+    <dgm:style>
+      <a:lnRef idx="1">
+        <a:scrgbClr r="0" g="0" b="0"/>
+      </a:lnRef>
+      <a:fillRef idx="1">
+        <a:scrgbClr r="0" g="0" b="0"/>
+      </a:fillRef>
+      <a:effectRef idx="0">
+        <a:scrgbClr r="0" g="0" b="0"/>
+      </a:effectRef>
+      <a:fontRef idx="minor"/>
+    </dgm:style>
+  </dgm:styleLbl>
+  <dgm:styleLbl name="alignAcc1">
+    <dgm:scene3d>
+      <a:camera prst="orthographicFront"/>
+      <a:lightRig rig="threePt" dir="t"/>
+    </dgm:scene3d>
+    <dgm:sp3d/>
+    <dgm:txPr/>
+    <dgm:style>
+      <a:lnRef idx="1">
+        <a:scrgbClr r="0" g="0" b="0"/>
+      </a:lnRef>
+      <a:fillRef idx="1">
+        <a:scrgbClr r="0" g="0" b="0"/>
+      </a:fillRef>
+      <a:effectRef idx="0">
+        <a:scrgbClr r="0" g="0" b="0"/>
+      </a:effectRef>
+      <a:fontRef idx="minor"/>
+    </dgm:style>
+  </dgm:styleLbl>
+  <dgm:styleLbl name="trAlignAcc1">
+    <dgm:scene3d>
+      <a:camera prst="orthographicFront"/>
+      <a:lightRig rig="threePt" dir="t"/>
+    </dgm:scene3d>
+    <dgm:sp3d/>
+    <dgm:txPr/>
+    <dgm:style>
+      <a:lnRef idx="1">
+        <a:scrgbClr r="0" g="0" b="0"/>
+      </a:lnRef>
+      <a:fillRef idx="1">
+        <a:scrgbClr r="0" g="0" b="0"/>
+      </a:fillRef>
+      <a:effectRef idx="0">
+        <a:scrgbClr r="0" g="0" b="0"/>
+      </a:effectRef>
+      <a:fontRef idx="minor"/>
+    </dgm:style>
+  </dgm:styleLbl>
+  <dgm:styleLbl name="bgAcc1">
+    <dgm:scene3d>
+      <a:camera prst="orthographicFront"/>
+      <a:lightRig rig="threePt" dir="t"/>
+    </dgm:scene3d>
+    <dgm:sp3d/>
+    <dgm:txPr/>
+    <dgm:style>
+      <a:lnRef idx="1">
+        <a:scrgbClr r="0" g="0" b="0"/>
+      </a:lnRef>
+      <a:fillRef idx="1">
+        <a:scrgbClr r="0" g="0" b="0"/>
+      </a:fillRef>
+      <a:effectRef idx="0">
+        <a:scrgbClr r="0" g="0" b="0"/>
+      </a:effectRef>
+      <a:fontRef idx="minor"/>
+    </dgm:style>
+  </dgm:styleLbl>
+  <dgm:styleLbl name="solidFgAcc1">
+    <dgm:scene3d>
+      <a:camera prst="orthographicFront"/>
+      <a:lightRig rig="threePt" dir="t"/>
+    </dgm:scene3d>
+    <dgm:sp3d/>
+    <dgm:txPr/>
+    <dgm:style>
+      <a:lnRef idx="1">
+        <a:scrgbClr r="0" g="0" b="0"/>
+      </a:lnRef>
+      <a:fillRef idx="1">
+        <a:scrgbClr r="0" g="0" b="0"/>
+      </a:fillRef>
+      <a:effectRef idx="0">
+        <a:scrgbClr r="0" g="0" b="0"/>
+      </a:effectRef>
+      <a:fontRef idx="minor"/>
+    </dgm:style>
+  </dgm:styleLbl>
+  <dgm:styleLbl name="solidAlignAcc1">
+    <dgm:scene3d>
+      <a:camera prst="orthographicFront"/>
+      <a:lightRig rig="threePt" dir="t"/>
+    </dgm:scene3d>
+    <dgm:sp3d/>
+    <dgm:txPr/>
+    <dgm:style>
+      <a:lnRef idx="1">
+        <a:scrgbClr r="0" g="0" b="0"/>
+      </a:lnRef>
+      <a:fillRef idx="1">
+        <a:scrgbClr r="0" g="0" b="0"/>
+      </a:fillRef>
+      <a:effectRef idx="0">
+        <a:scrgbClr r="0" g="0" b="0"/>
+      </a:effectRef>
+      <a:fontRef idx="minor"/>
+    </dgm:style>
+  </dgm:styleLbl>
+  <dgm:styleLbl name="solidBgAcc1">
+    <dgm:scene3d>
+      <a:camera prst="orthographicFront"/>
+      <a:lightRig rig="threePt" dir="t"/>
+    </dgm:scene3d>
+    <dgm:sp3d/>
+    <dgm:txPr/>
+    <dgm:style>
+      <a:lnRef idx="1">
+        <a:scrgbClr r="0" g="0" b="0"/>
+      </a:lnRef>
+      <a:fillRef idx="1">
+        <a:scrgbClr r="0" g="0" b="0"/>
+      </a:fillRef>
+      <a:effectRef idx="0">
+        <a:scrgbClr r="0" g="0" b="0"/>
+      </a:effectRef>
+      <a:fontRef idx="minor"/>
+    </dgm:style>
+  </dgm:styleLbl>
+  <dgm:styleLbl name="fgAccFollowNode1">
+    <dgm:scene3d>
+      <a:camera prst="orthographicFront"/>
+      <a:lightRig rig="threePt" dir="t"/>
+    </dgm:scene3d>
+    <dgm:sp3d/>
+    <dgm:txPr/>
+    <dgm:style>
+      <a:lnRef idx="1">
+        <a:scrgbClr r="0" g="0" b="0"/>
+      </a:lnRef>
+      <a:fillRef idx="1">
+        <a:scrgbClr r="0" g="0" b="0"/>
+      </a:fillRef>
+      <a:effectRef idx="0">
+        <a:scrgbClr r="0" g="0" b="0"/>
+      </a:effectRef>
+      <a:fontRef idx="minor"/>
+    </dgm:style>
+  </dgm:styleLbl>
+  <dgm:styleLbl name="alignAccFollowNode1">
+    <dgm:scene3d>
+      <a:camera prst="orthographicFront"/>
+      <a:lightRig rig="threePt" dir="t"/>
+    </dgm:scene3d>
+    <dgm:sp3d/>
+    <dgm:txPr/>
+    <dgm:style>
+      <a:lnRef idx="1">
+        <a:scrgbClr r="0" g="0" b="0"/>
+      </a:lnRef>
+      <a:fillRef idx="1">
+        <a:scrgbClr r="0" g="0" b="0"/>
+      </a:fillRef>
+      <a:effectRef idx="0">
+        <a:scrgbClr r="0" g="0" b="0"/>
+      </a:effectRef>
+      <a:fontRef idx="minor"/>
+    </dgm:style>
+  </dgm:styleLbl>
+  <dgm:styleLbl name="bgAccFollowNode1">
+    <dgm:scene3d>
+      <a:camera prst="orthographicFront"/>
+      <a:lightRig rig="threePt" dir="t"/>
+    </dgm:scene3d>
+    <dgm:sp3d/>
+    <dgm:txPr/>
+    <dgm:style>
+      <a:lnRef idx="1">
+        <a:scrgbClr r="0" g="0" b="0"/>
+      </a:lnRef>
+      <a:fillRef idx="1">
+        <a:scrgbClr r="0" g="0" b="0"/>
+      </a:fillRef>
+      <a:effectRef idx="0">
+        <a:scrgbClr r="0" g="0" b="0"/>
+      </a:effectRef>
+      <a:fontRef idx="minor"/>
+    </dgm:style>
+  </dgm:styleLbl>
+  <dgm:styleLbl name="fgAcc0">
+    <dgm:scene3d>
+      <a:camera prst="orthographicFront"/>
+      <a:lightRig rig="threePt" dir="t"/>
+    </dgm:scene3d>
+    <dgm:sp3d/>
+    <dgm:txPr/>
+    <dgm:style>
+      <a:lnRef idx="1">
+        <a:scrgbClr r="0" g="0" b="0"/>
+      </a:lnRef>
+      <a:fillRef idx="1">
+        <a:scrgbClr r="0" g="0" b="0"/>
+      </a:fillRef>
+      <a:effectRef idx="0">
+        <a:scrgbClr r="0" g="0" b="0"/>
+      </a:effectRef>
+      <a:fontRef idx="minor"/>
+    </dgm:style>
+  </dgm:styleLbl>
+  <dgm:styleLbl name="fgAcc2">
+    <dgm:scene3d>
+      <a:camera prst="orthographicFront"/>
+      <a:lightRig rig="threePt" dir="t"/>
+    </dgm:scene3d>
+    <dgm:sp3d/>
+    <dgm:txPr/>
+    <dgm:style>
+      <a:lnRef idx="1">
+        <a:scrgbClr r="0" g="0" b="0"/>
+      </a:lnRef>
+      <a:fillRef idx="1">
+        <a:scrgbClr r="0" g="0" b="0"/>
+      </a:fillRef>
+      <a:effectRef idx="0">
+        <a:scrgbClr r="0" g="0" b="0"/>
+      </a:effectRef>
+      <a:fontRef idx="minor"/>
+    </dgm:style>
+  </dgm:styleLbl>
+  <dgm:styleLbl name="fgAcc3">
+    <dgm:scene3d>
+      <a:camera prst="orthographicFront"/>
+      <a:lightRig rig="threePt" dir="t"/>
+    </dgm:scene3d>
+    <dgm:sp3d/>
+    <dgm:txPr/>
+    <dgm:style>
+      <a:lnRef idx="1">
+        <a:scrgbClr r="0" g="0" b="0"/>
+      </a:lnRef>
+      <a:fillRef idx="1">
+        <a:scrgbClr r="0" g="0" b="0"/>
+      </a:fillRef>
+      <a:effectRef idx="0">
+        <a:scrgbClr r="0" g="0" b="0"/>
+      </a:effectRef>
+      <a:fontRef idx="minor"/>
+    </dgm:style>
+  </dgm:styleLbl>
+  <dgm:styleLbl name="fgAcc4">
+    <dgm:scene3d>
+      <a:camera prst="orthographicFront"/>
+      <a:lightRig rig="threePt" dir="t"/>
+    </dgm:scene3d>
+    <dgm:sp3d/>
+    <dgm:txPr/>
+    <dgm:style>
+      <a:lnRef idx="1">
+        <a:scrgbClr r="0" g="0" b="0"/>
+      </a:lnRef>
+      <a:fillRef idx="1">
+        <a:scrgbClr r="0" g="0" b="0"/>
+      </a:fillRef>
+      <a:effectRef idx="0">
+        <a:scrgbClr r="0" g="0" b="0"/>
+      </a:effectRef>
+      <a:fontRef idx="minor"/>
+    </dgm:style>
+  </dgm:styleLbl>
+  <dgm:styleLbl name="bgShp">
+    <dgm:scene3d>
+      <a:camera prst="orthographicFront"/>
+      <a:lightRig rig="threePt" dir="t"/>
+    </dgm:scene3d>
+    <dgm:sp3d/>
+    <dgm:txPr/>
+    <dgm:style>
+      <a:lnRef idx="0">
+        <a:scrgbClr r="0" g="0" b="0"/>
+      </a:lnRef>
+      <a:fillRef idx="1">
+        <a:scrgbClr r="0" g="0" b="0"/>
+      </a:fillRef>
+      <a:effectRef idx="2">
+        <a:scrgbClr r="0" g="0" b="0"/>
+      </a:effectRef>
+      <a:fontRef idx="minor"/>
+    </dgm:style>
+  </dgm:styleLbl>
+  <dgm:styleLbl name="dkBgShp">
+    <dgm:scene3d>
+      <a:camera prst="orthographicFront"/>
+      <a:lightRig rig="threePt" dir="t"/>
+    </dgm:scene3d>
+    <dgm:sp3d/>
+    <dgm:txPr/>
+    <dgm:style>
+      <a:lnRef idx="0">
+        <a:scrgbClr r="0" g="0" b="0"/>
+      </a:lnRef>
+      <a:fillRef idx="1">
+        <a:scrgbClr r="0" g="0" b="0"/>
+      </a:fillRef>
+      <a:effectRef idx="2">
+        <a:scrgbClr r="0" g="0" b="0"/>
+      </a:effectRef>
+      <a:fontRef idx="minor"/>
+    </dgm:style>
+  </dgm:styleLbl>
+  <dgm:styleLbl name="trBgShp">
+    <dgm:scene3d>
+      <a:camera prst="orthographicFront"/>
+      <a:lightRig rig="threePt" dir="t"/>
+    </dgm:scene3d>
+    <dgm:sp3d/>
+    <dgm:txPr/>
+    <dgm:style>
+      <a:lnRef idx="0">
+        <a:scrgbClr r="0" g="0" b="0"/>
+      </a:lnRef>
+      <a:fillRef idx="1">
+        <a:scrgbClr r="0" g="0" b="0"/>
+      </a:fillRef>
+      <a:effectRef idx="0">
+        <a:scrgbClr r="0" g="0" b="0"/>
+      </a:effectRef>
+      <a:fontRef idx="minor"/>
+    </dgm:style>
+  </dgm:styleLbl>
+  <dgm:styleLbl name="fgShp">
+    <dgm:scene3d>
+      <a:camera prst="orthographicFront"/>
+      <a:lightRig rig="threePt" dir="t"/>
+    </dgm:scene3d>
+    <dgm:sp3d/>
+    <dgm:txPr/>
+    <dgm:style>
+      <a:lnRef idx="0">
+        <a:scrgbClr r="0" g="0" b="0"/>
+      </a:lnRef>
+      <a:fillRef idx="3">
+        <a:scrgbClr r="0" g="0" b="0"/>
+      </a:fillRef>
+      <a:effectRef idx="2">
+        <a:scrgbClr r="0" g="0" b="0"/>
+      </a:effectRef>
+      <a:fontRef idx="minor"/>
+    </dgm:style>
+  </dgm:styleLbl>
+  <dgm:styleLbl name="revTx">
+    <dgm:scene3d>
+      <a:camera prst="orthographicFront"/>
+      <a:lightRig rig="threePt" dir="t"/>
+    </dgm:scene3d>
+    <dgm:sp3d/>
+    <dgm:txPr/>
+    <dgm:style>
+      <a:lnRef idx="0">
+        <a:scrgbClr r="0" g="0" b="0"/>
+      </a:lnRef>
+      <a:fillRef idx="0">
+        <a:scrgbClr r="0" g="0" b="0"/>
+      </a:fillRef>
+      <a:effectRef idx="0">
+        <a:scrgbClr r="0" g="0" b="0"/>
+      </a:effectRef>
+      <a:fontRef idx="minor"/>
+    </dgm:style>
+  </dgm:styleLbl>
+</dgm:styleDef>
 </file>
 
 <file path=ppt/slideLayouts/slideLayout1.xml><?xml version="1.0" encoding="utf-8"?>
@@ -345,7 +5480,7 @@
           <a:p>
             <a:fld id="{ED291B17-9318-49DB-B28B-6E5994AE9581}" type="datetime1">
               <a:rPr lang="en-US" smtClean="0"/>
-              <a:t>7/29/2024</a:t>
+              <a:t>7/30/2024</a:t>
             </a:fld>
             <a:endParaRPr lang="en-US" dirty="0"/>
           </a:p>
@@ -548,7 +5683,7 @@
           <a:p>
             <a:fld id="{2CED4963-E985-44C4-B8C4-FDD613B7C2F8}" type="datetime1">
               <a:rPr lang="en-US" smtClean="0"/>
-              <a:t>7/29/2024</a:t>
+              <a:t>7/30/2024</a:t>
             </a:fld>
             <a:endParaRPr lang="en-US" dirty="0"/>
           </a:p>
@@ -910,7 +6045,7 @@
           <a:p>
             <a:fld id="{ED291B17-9318-49DB-B28B-6E5994AE9581}" type="datetime1">
               <a:rPr lang="en-US" smtClean="0"/>
-              <a:t>7/29/2024</a:t>
+              <a:t>7/30/2024</a:t>
             </a:fld>
             <a:endParaRPr lang="en-US" dirty="0"/>
           </a:p>
@@ -1108,7 +6243,7 @@
           <a:p>
             <a:fld id="{78DD82B9-B8EE-4375-B6FF-88FA6ABB15D9}" type="datetime1">
               <a:rPr lang="en-US" smtClean="0"/>
-              <a:t>7/29/2024</a:t>
+              <a:t>7/30/2024</a:t>
             </a:fld>
             <a:endParaRPr lang="en-US" dirty="0"/>
           </a:p>
@@ -1420,7 +6555,7 @@
           <a:p>
             <a:fld id="{B2497495-0637-405E-AE64-5CC7506D51F5}" type="datetime1">
               <a:rPr lang="en-US" smtClean="0"/>
-              <a:t>7/29/2024</a:t>
+              <a:t>7/30/2024</a:t>
             </a:fld>
             <a:endParaRPr lang="en-US" dirty="0"/>
           </a:p>
@@ -1673,7 +6808,7 @@
           <a:p>
             <a:fld id="{7BFFD690-9426-415D-8B65-26881E07B2D4}" type="datetime1">
               <a:rPr lang="en-US" smtClean="0"/>
-              <a:t>7/29/2024</a:t>
+              <a:t>7/30/2024</a:t>
             </a:fld>
             <a:endParaRPr lang="en-US" dirty="0"/>
           </a:p>
@@ -2095,7 +7230,7 @@
           <a:p>
             <a:fld id="{04C4989A-474C-40DE-95B9-011C28B71673}" type="datetime1">
               <a:rPr lang="en-US" smtClean="0"/>
-              <a:t>7/29/2024</a:t>
+              <a:t>7/30/2024</a:t>
             </a:fld>
             <a:endParaRPr lang="en-US" dirty="0"/>
           </a:p>
@@ -2218,7 +7353,7 @@
           <a:p>
             <a:fld id="{5DB4ED54-5B5E-4A04-93D3-5772E3CE3818}" type="datetime1">
               <a:rPr lang="en-US" smtClean="0"/>
-              <a:t>7/29/2024</a:t>
+              <a:t>7/30/2024</a:t>
             </a:fld>
             <a:endParaRPr lang="en-US" dirty="0"/>
           </a:p>
@@ -2313,7 +7448,7 @@
           <a:p>
             <a:fld id="{4EDE50D6-574B-40AF-946F-D52A04ADE379}" type="datetime1">
               <a:rPr lang="en-US" smtClean="0"/>
-              <a:t>7/29/2024</a:t>
+              <a:t>7/30/2024</a:t>
             </a:fld>
             <a:endParaRPr lang="en-US" dirty="0"/>
           </a:p>
@@ -2690,7 +7825,7 @@
           <a:p>
             <a:fld id="{D82884F1-FFEA-405F-9602-3DCA865EDA4E}" type="datetime1">
               <a:rPr lang="en-US" smtClean="0"/>
-              <a:t>7/29/2024</a:t>
+              <a:t>7/30/2024</a:t>
             </a:fld>
             <a:endParaRPr lang="en-US" dirty="0"/>
           </a:p>
@@ -2983,7 +8118,7 @@
           <a:p>
             <a:fld id="{7E18DB4A-8810-4A10-AD5C-D5E2C667F5B3}" type="datetime1">
               <a:rPr lang="en-US" smtClean="0"/>
-              <a:t>7/29/2024</a:t>
+              <a:t>7/30/2024</a:t>
             </a:fld>
             <a:endParaRPr lang="en-US" dirty="0"/>
           </a:p>
@@ -3198,7 +8333,7 @@
           <a:p>
             <a:fld id="{ED291B17-9318-49DB-B28B-6E5994AE9581}" type="datetime1">
               <a:rPr lang="en-US" smtClean="0"/>
-              <a:t>7/29/2024</a:t>
+              <a:t>7/30/2024</a:t>
             </a:fld>
             <a:endParaRPr lang="en-US" dirty="0"/>
           </a:p>
@@ -4195,6 +9330,792 @@
 </p:sld>
 </file>
 
+<file path=ppt/slides/slide2.xml><?xml version="1.0" encoding="utf-8"?>
+<p:sld xmlns:a="http://schemas.openxmlformats.org/drawingml/2006/main" xmlns:r="http://schemas.openxmlformats.org/officeDocument/2006/relationships" xmlns:p="http://schemas.openxmlformats.org/presentationml/2006/main">
+  <p:cSld>
+    <p:spTree>
+      <p:nvGrpSpPr>
+        <p:cNvPr id="1" name=""/>
+        <p:cNvGrpSpPr/>
+        <p:nvPr/>
+      </p:nvGrpSpPr>
+      <p:grpSpPr>
+        <a:xfrm>
+          <a:off x="0" y="0"/>
+          <a:ext cx="0" cy="0"/>
+          <a:chOff x="0" y="0"/>
+          <a:chExt cx="0" cy="0"/>
+        </a:xfrm>
+      </p:grpSpPr>
+      <p:pic>
+        <p:nvPicPr>
+          <p:cNvPr id="2056" name="Picture 8" descr="undefined">
+            <a:extLst>
+              <a:ext uri="{FF2B5EF4-FFF2-40B4-BE49-F238E27FC236}">
+                <a16:creationId xmlns:a16="http://schemas.microsoft.com/office/drawing/2014/main" id="{0A9B8337-048E-3074-A048-90960D9A9AD9}"/>
+              </a:ext>
+            </a:extLst>
+          </p:cNvPr>
+          <p:cNvPicPr>
+            <a:picLocks noChangeAspect="1" noChangeArrowheads="1"/>
+          </p:cNvPicPr>
+          <p:nvPr/>
+        </p:nvPicPr>
+        <p:blipFill>
+          <a:blip r:embed="rId2">
+            <a:extLst>
+              <a:ext uri="{28A0092B-C50C-407E-A947-70E740481C1C}">
+                <a14:useLocalDpi xmlns:a14="http://schemas.microsoft.com/office/drawing/2010/main" val="0"/>
+              </a:ext>
+            </a:extLst>
+          </a:blip>
+          <a:srcRect/>
+          <a:stretch>
+            <a:fillRect/>
+          </a:stretch>
+        </p:blipFill>
+        <p:spPr bwMode="auto">
+          <a:xfrm>
+            <a:off x="5573951" y="3021868"/>
+            <a:ext cx="6328180" cy="3806954"/>
+          </a:xfrm>
+          <a:prstGeom prst="rect">
+            <a:avLst/>
+          </a:prstGeom>
+          <a:noFill/>
+          <a:extLst>
+            <a:ext uri="{909E8E84-426E-40DD-AFC4-6F175D3DCCD1}">
+              <a14:hiddenFill xmlns:a14="http://schemas.microsoft.com/office/drawing/2010/main">
+                <a:solidFill>
+                  <a:srgbClr val="FFFFFF"/>
+                </a:solidFill>
+              </a14:hiddenFill>
+            </a:ext>
+          </a:extLst>
+        </p:spPr>
+      </p:pic>
+      <p:sp>
+        <p:nvSpPr>
+          <p:cNvPr id="2" name="Title 1">
+            <a:extLst>
+              <a:ext uri="{FF2B5EF4-FFF2-40B4-BE49-F238E27FC236}">
+                <a16:creationId xmlns:a16="http://schemas.microsoft.com/office/drawing/2014/main" id="{39634EEA-63AC-F750-98FD-FA9F2AA17503}"/>
+              </a:ext>
+            </a:extLst>
+          </p:cNvPr>
+          <p:cNvSpPr>
+            <a:spLocks noGrp="1"/>
+          </p:cNvSpPr>
+          <p:nvPr>
+            <p:ph type="title"/>
+          </p:nvPr>
+        </p:nvSpPr>
+        <p:spPr>
+          <a:xfrm>
+            <a:off x="581192" y="702156"/>
+            <a:ext cx="11029616" cy="611078"/>
+          </a:xfrm>
+        </p:spPr>
+        <p:txBody>
+          <a:bodyPr/>
+          <a:lstStyle/>
+          <a:p>
+            <a:r>
+              <a:rPr lang="en-AU" dirty="0"/>
+              <a:t>Data source: 1000 genomes project</a:t>
+            </a:r>
+          </a:p>
+        </p:txBody>
+      </p:sp>
+      <p:sp>
+        <p:nvSpPr>
+          <p:cNvPr id="3" name="Content Placeholder 2">
+            <a:extLst>
+              <a:ext uri="{FF2B5EF4-FFF2-40B4-BE49-F238E27FC236}">
+                <a16:creationId xmlns:a16="http://schemas.microsoft.com/office/drawing/2014/main" id="{375C548C-5FAE-00FA-62DE-F8EDDDAFE8C2}"/>
+              </a:ext>
+            </a:extLst>
+          </p:cNvPr>
+          <p:cNvSpPr>
+            <a:spLocks noGrp="1"/>
+          </p:cNvSpPr>
+          <p:nvPr>
+            <p:ph idx="1"/>
+          </p:nvPr>
+        </p:nvSpPr>
+        <p:spPr>
+          <a:xfrm>
+            <a:off x="581192" y="1556426"/>
+            <a:ext cx="11029615" cy="4418924"/>
+          </a:xfrm>
+        </p:spPr>
+        <p:txBody>
+          <a:bodyPr anchor="t">
+            <a:normAutofit fontScale="92500" lnSpcReduction="10000"/>
+          </a:bodyPr>
+          <a:lstStyle/>
+          <a:p>
+            <a:r>
+              <a:rPr lang="en-AU" dirty="0"/>
+              <a:t>Between 2008 and 2015, the 1000 Genomes Project Consortium brought together researchers from 8 countries worldwide (China, Italy, Japan, Kenya, Nigeria, Peru, UK, USA)</a:t>
+            </a:r>
+          </a:p>
+          <a:p>
+            <a:pPr lvl="1"/>
+            <a:r>
+              <a:rPr lang="en-AU" dirty="0"/>
+              <a:t>Create a catalogue of human genetic variations in different populations</a:t>
+            </a:r>
+          </a:p>
+          <a:p>
+            <a:pPr lvl="1"/>
+            <a:r>
+              <a:rPr lang="en-AU" dirty="0"/>
+              <a:t>Identify individual Single Nucleotide Polymorphisms (SNPs) driving these variations, inc. variations by ancestry</a:t>
+            </a:r>
+          </a:p>
+          <a:p>
+            <a:pPr marL="324000" lvl="1" indent="0">
+              <a:buNone/>
+            </a:pPr>
+            <a:endParaRPr lang="en-AU" dirty="0"/>
+          </a:p>
+          <a:p>
+            <a:r>
+              <a:rPr lang="en-AU" dirty="0"/>
+              <a:t>Data collection occurred over 4 key phases:</a:t>
+            </a:r>
+          </a:p>
+          <a:p>
+            <a:pPr lvl="1"/>
+            <a:r>
+              <a:rPr lang="en-AU" b="1" dirty="0"/>
+              <a:t>Pilot: </a:t>
+            </a:r>
+            <a:r>
+              <a:rPr lang="en-AU" dirty="0"/>
+              <a:t>697 persons from 7 populations</a:t>
+            </a:r>
+          </a:p>
+          <a:p>
+            <a:pPr lvl="1"/>
+            <a:r>
+              <a:rPr lang="en-AU" b="1" dirty="0"/>
+              <a:t>Phase 1: </a:t>
+            </a:r>
+            <a:r>
+              <a:rPr lang="en-AU" dirty="0"/>
+              <a:t>1092 persons from 14 populations</a:t>
+            </a:r>
+          </a:p>
+          <a:p>
+            <a:pPr lvl="1"/>
+            <a:r>
+              <a:rPr lang="en-AU" b="1" dirty="0"/>
+              <a:t>Phase 2: </a:t>
+            </a:r>
+            <a:r>
+              <a:rPr lang="en-AU" dirty="0"/>
+              <a:t>2504 persons from 26 populations</a:t>
+            </a:r>
+          </a:p>
+          <a:p>
+            <a:pPr lvl="1"/>
+            <a:r>
+              <a:rPr lang="en-AU" b="1" dirty="0"/>
+              <a:t>Phase 3: </a:t>
+            </a:r>
+            <a:r>
+              <a:rPr lang="en-AU" dirty="0"/>
+              <a:t>several new genes sequenced</a:t>
+            </a:r>
+            <a:endParaRPr lang="en-AU" b="1" dirty="0"/>
+          </a:p>
+          <a:p>
+            <a:pPr lvl="1"/>
+            <a:endParaRPr lang="en-AU" dirty="0"/>
+          </a:p>
+          <a:p>
+            <a:r>
+              <a:rPr lang="en-AU" b="1" dirty="0"/>
+              <a:t>Final dataset: </a:t>
+            </a:r>
+            <a:r>
+              <a:rPr lang="en-AU" dirty="0"/>
+              <a:t>2,504 persons from 26 populations</a:t>
+            </a:r>
+          </a:p>
+        </p:txBody>
+      </p:sp>
+    </p:spTree>
+    <p:extLst>
+      <p:ext uri="{BB962C8B-B14F-4D97-AF65-F5344CB8AC3E}">
+        <p14:creationId xmlns:p14="http://schemas.microsoft.com/office/powerpoint/2010/main" val="1531587060"/>
+      </p:ext>
+    </p:extLst>
+  </p:cSld>
+  <p:clrMapOvr>
+    <a:masterClrMapping/>
+  </p:clrMapOvr>
+</p:sld>
+</file>
+
+<file path=ppt/slides/slide3.xml><?xml version="1.0" encoding="utf-8"?>
+<p:sld xmlns:a="http://schemas.openxmlformats.org/drawingml/2006/main" xmlns:r="http://schemas.openxmlformats.org/officeDocument/2006/relationships" xmlns:p="http://schemas.openxmlformats.org/presentationml/2006/main">
+  <p:cSld>
+    <p:spTree>
+      <p:nvGrpSpPr>
+        <p:cNvPr id="1" name=""/>
+        <p:cNvGrpSpPr/>
+        <p:nvPr/>
+      </p:nvGrpSpPr>
+      <p:grpSpPr>
+        <a:xfrm>
+          <a:off x="0" y="0"/>
+          <a:ext cx="0" cy="0"/>
+          <a:chOff x="0" y="0"/>
+          <a:chExt cx="0" cy="0"/>
+        </a:xfrm>
+      </p:grpSpPr>
+      <p:sp>
+        <p:nvSpPr>
+          <p:cNvPr id="8" name="Arrow: Right 7">
+            <a:extLst>
+              <a:ext uri="{FF2B5EF4-FFF2-40B4-BE49-F238E27FC236}">
+                <a16:creationId xmlns:a16="http://schemas.microsoft.com/office/drawing/2014/main" id="{D47A3404-507F-78B6-35A9-90DD25AD079E}"/>
+              </a:ext>
+            </a:extLst>
+          </p:cNvPr>
+          <p:cNvSpPr/>
+          <p:nvPr/>
+        </p:nvSpPr>
+        <p:spPr>
+          <a:xfrm>
+            <a:off x="450716" y="1157597"/>
+            <a:ext cx="11419859" cy="3461891"/>
+          </a:xfrm>
+          <a:prstGeom prst="rightArrow">
+            <a:avLst/>
+          </a:prstGeom>
+        </p:spPr>
+        <p:style>
+          <a:lnRef idx="2">
+            <a:schemeClr val="accent1">
+              <a:shade val="15000"/>
+            </a:schemeClr>
+          </a:lnRef>
+          <a:fillRef idx="1001">
+            <a:schemeClr val="lt2"/>
+          </a:fillRef>
+          <a:effectRef idx="0">
+            <a:schemeClr val="accent1"/>
+          </a:effectRef>
+          <a:fontRef idx="minor">
+            <a:schemeClr val="lt1"/>
+          </a:fontRef>
+        </p:style>
+        <p:txBody>
+          <a:bodyPr rtlCol="0" anchor="ctr"/>
+          <a:lstStyle/>
+          <a:p>
+            <a:pPr algn="ctr"/>
+            <a:endParaRPr lang="en-AU"/>
+          </a:p>
+        </p:txBody>
+      </p:sp>
+      <p:graphicFrame>
+        <p:nvGraphicFramePr>
+          <p:cNvPr id="3" name="Diagram 2">
+            <a:extLst>
+              <a:ext uri="{FF2B5EF4-FFF2-40B4-BE49-F238E27FC236}">
+                <a16:creationId xmlns:a16="http://schemas.microsoft.com/office/drawing/2014/main" id="{E100CD3E-DB59-F7D4-4952-5B4B266E99F4}"/>
+              </a:ext>
+            </a:extLst>
+          </p:cNvPr>
+          <p:cNvGraphicFramePr/>
+          <p:nvPr>
+            <p:extLst>
+              <p:ext uri="{D42A27DB-BD31-4B8C-83A1-F6EECF244321}">
+                <p14:modId xmlns:p14="http://schemas.microsoft.com/office/powerpoint/2010/main" val="4081640619"/>
+              </p:ext>
+            </p:extLst>
+          </p:nvPr>
+        </p:nvGraphicFramePr>
+        <p:xfrm>
+          <a:off x="321425" y="1470456"/>
+          <a:ext cx="11284085" cy="2973929"/>
+        </p:xfrm>
+        <a:graphic>
+          <a:graphicData uri="http://schemas.openxmlformats.org/drawingml/2006/diagram">
+            <dgm:relIds xmlns:dgm="http://schemas.openxmlformats.org/drawingml/2006/diagram" xmlns:r="http://schemas.openxmlformats.org/officeDocument/2006/relationships" r:dm="rId2" r:lo="rId3" r:qs="rId4" r:cs="rId5"/>
+          </a:graphicData>
+        </a:graphic>
+      </p:graphicFrame>
+      <p:sp>
+        <p:nvSpPr>
+          <p:cNvPr id="2" name="Title 1">
+            <a:extLst>
+              <a:ext uri="{FF2B5EF4-FFF2-40B4-BE49-F238E27FC236}">
+                <a16:creationId xmlns:a16="http://schemas.microsoft.com/office/drawing/2014/main" id="{D9C3E8C6-D2F3-74CF-AAFA-6C3048A72D60}"/>
+              </a:ext>
+            </a:extLst>
+          </p:cNvPr>
+          <p:cNvSpPr>
+            <a:spLocks noGrp="1"/>
+          </p:cNvSpPr>
+          <p:nvPr>
+            <p:ph type="title"/>
+          </p:nvPr>
+        </p:nvSpPr>
+        <p:spPr>
+          <a:xfrm>
+            <a:off x="575894" y="729658"/>
+            <a:ext cx="11029616" cy="510667"/>
+          </a:xfrm>
+        </p:spPr>
+        <p:txBody>
+          <a:bodyPr>
+            <a:normAutofit fontScale="90000"/>
+          </a:bodyPr>
+          <a:lstStyle/>
+          <a:p>
+            <a:r>
+              <a:rPr lang="en-AU" dirty="0"/>
+              <a:t>Data processing pipeline:</a:t>
+            </a:r>
+          </a:p>
+        </p:txBody>
+      </p:sp>
+      <p:pic>
+        <p:nvPicPr>
+          <p:cNvPr id="1026" name="Picture 2" descr="S3 - A modern approach to hiding secrets | Sarthak Rout | Medium">
+            <a:extLst>
+              <a:ext uri="{FF2B5EF4-FFF2-40B4-BE49-F238E27FC236}">
+                <a16:creationId xmlns:a16="http://schemas.microsoft.com/office/drawing/2014/main" id="{D100510B-E1C8-E4EF-6280-FB287B69A959}"/>
+              </a:ext>
+            </a:extLst>
+          </p:cNvPr>
+          <p:cNvPicPr>
+            <a:picLocks noChangeAspect="1" noChangeArrowheads="1"/>
+          </p:cNvPicPr>
+          <p:nvPr/>
+        </p:nvPicPr>
+        <p:blipFill rotWithShape="1">
+          <a:blip r:embed="rId7">
+            <a:extLst>
+              <a:ext uri="{28A0092B-C50C-407E-A947-70E740481C1C}">
+                <a14:useLocalDpi xmlns:a14="http://schemas.microsoft.com/office/drawing/2010/main" val="0"/>
+              </a:ext>
+            </a:extLst>
+          </a:blip>
+          <a:srcRect r="10700"/>
+          <a:stretch/>
+        </p:blipFill>
+        <p:spPr bwMode="auto">
+          <a:xfrm>
+            <a:off x="450716" y="4404587"/>
+            <a:ext cx="892983" cy="749991"/>
+          </a:xfrm>
+          <a:prstGeom prst="rect">
+            <a:avLst/>
+          </a:prstGeom>
+          <a:noFill/>
+          <a:extLst>
+            <a:ext uri="{909E8E84-426E-40DD-AFC4-6F175D3DCCD1}">
+              <a14:hiddenFill xmlns:a14="http://schemas.microsoft.com/office/drawing/2010/main">
+                <a:solidFill>
+                  <a:srgbClr val="FFFFFF"/>
+                </a:solidFill>
+              </a14:hiddenFill>
+            </a:ext>
+          </a:extLst>
+        </p:spPr>
+      </p:pic>
+      <p:pic>
+        <p:nvPicPr>
+          <p:cNvPr id="1028" name="Picture 4" descr="My Experience from 3 years of Kaggle | by Vishnu U | Medium">
+            <a:extLst>
+              <a:ext uri="{FF2B5EF4-FFF2-40B4-BE49-F238E27FC236}">
+                <a16:creationId xmlns:a16="http://schemas.microsoft.com/office/drawing/2014/main" id="{F1E89038-2CCB-59E8-2E67-68D3527D8455}"/>
+              </a:ext>
+            </a:extLst>
+          </p:cNvPr>
+          <p:cNvPicPr>
+            <a:picLocks noChangeAspect="1" noChangeArrowheads="1"/>
+          </p:cNvPicPr>
+          <p:nvPr/>
+        </p:nvPicPr>
+        <p:blipFill>
+          <a:blip r:embed="rId8">
+            <a:extLst>
+              <a:ext uri="{28A0092B-C50C-407E-A947-70E740481C1C}">
+                <a14:useLocalDpi xmlns:a14="http://schemas.microsoft.com/office/drawing/2010/main" val="0"/>
+              </a:ext>
+            </a:extLst>
+          </a:blip>
+          <a:srcRect/>
+          <a:stretch>
+            <a:fillRect/>
+          </a:stretch>
+        </p:blipFill>
+        <p:spPr bwMode="auto">
+          <a:xfrm>
+            <a:off x="450716" y="5723022"/>
+            <a:ext cx="1215957" cy="810638"/>
+          </a:xfrm>
+          <a:prstGeom prst="rect">
+            <a:avLst/>
+          </a:prstGeom>
+          <a:noFill/>
+          <a:extLst>
+            <a:ext uri="{909E8E84-426E-40DD-AFC4-6F175D3DCCD1}">
+              <a14:hiddenFill xmlns:a14="http://schemas.microsoft.com/office/drawing/2010/main">
+                <a:solidFill>
+                  <a:srgbClr val="FFFFFF"/>
+                </a:solidFill>
+              </a14:hiddenFill>
+            </a:ext>
+          </a:extLst>
+        </p:spPr>
+      </p:pic>
+      <p:pic>
+        <p:nvPicPr>
+          <p:cNvPr id="1030" name="Picture 6" descr="A Deep Dive into the os Library in Python: Functions, Features, and Best  Practices | by Saeed Mohajeryami, PhD | Tech &amp; Data Hub | Medium">
+            <a:extLst>
+              <a:ext uri="{FF2B5EF4-FFF2-40B4-BE49-F238E27FC236}">
+                <a16:creationId xmlns:a16="http://schemas.microsoft.com/office/drawing/2014/main" id="{B0F76A91-BD2D-737F-58B2-7705F8C3EF68}"/>
+              </a:ext>
+            </a:extLst>
+          </p:cNvPr>
+          <p:cNvPicPr>
+            <a:picLocks noChangeAspect="1" noChangeArrowheads="1"/>
+          </p:cNvPicPr>
+          <p:nvPr/>
+        </p:nvPicPr>
+        <p:blipFill rotWithShape="1">
+          <a:blip r:embed="rId9">
+            <a:extLst>
+              <a:ext uri="{28A0092B-C50C-407E-A947-70E740481C1C}">
+                <a14:useLocalDpi xmlns:a14="http://schemas.microsoft.com/office/drawing/2010/main" val="0"/>
+              </a:ext>
+            </a:extLst>
+          </a:blip>
+          <a:srcRect l="33188" r="30267"/>
+          <a:stretch/>
+        </p:blipFill>
+        <p:spPr bwMode="auto">
+          <a:xfrm>
+            <a:off x="2003893" y="5584876"/>
+            <a:ext cx="953311" cy="1086931"/>
+          </a:xfrm>
+          <a:prstGeom prst="rect">
+            <a:avLst/>
+          </a:prstGeom>
+          <a:noFill/>
+          <a:extLst>
+            <a:ext uri="{909E8E84-426E-40DD-AFC4-6F175D3DCCD1}">
+              <a14:hiddenFill xmlns:a14="http://schemas.microsoft.com/office/drawing/2010/main">
+                <a:solidFill>
+                  <a:srgbClr val="FFFFFF"/>
+                </a:solidFill>
+              </a14:hiddenFill>
+            </a:ext>
+          </a:extLst>
+        </p:spPr>
+      </p:pic>
+      <p:pic>
+        <p:nvPicPr>
+          <p:cNvPr id="1032" name="Picture 8" descr="pandas (software) - Wikipedia">
+            <a:extLst>
+              <a:ext uri="{FF2B5EF4-FFF2-40B4-BE49-F238E27FC236}">
+                <a16:creationId xmlns:a16="http://schemas.microsoft.com/office/drawing/2014/main" id="{204BB1FF-B094-C5E7-4AB1-7CE6D202E4D0}"/>
+              </a:ext>
+            </a:extLst>
+          </p:cNvPr>
+          <p:cNvPicPr>
+            <a:picLocks noChangeAspect="1" noChangeArrowheads="1"/>
+          </p:cNvPicPr>
+          <p:nvPr/>
+        </p:nvPicPr>
+        <p:blipFill>
+          <a:blip r:embed="rId10">
+            <a:extLst>
+              <a:ext uri="{28A0092B-C50C-407E-A947-70E740481C1C}">
+                <a14:useLocalDpi xmlns:a14="http://schemas.microsoft.com/office/drawing/2010/main" val="0"/>
+              </a:ext>
+            </a:extLst>
+          </a:blip>
+          <a:srcRect/>
+          <a:stretch>
+            <a:fillRect/>
+          </a:stretch>
+        </p:blipFill>
+        <p:spPr bwMode="auto">
+          <a:xfrm>
+            <a:off x="1910291" y="4502754"/>
+            <a:ext cx="1140517" cy="462022"/>
+          </a:xfrm>
+          <a:prstGeom prst="rect">
+            <a:avLst/>
+          </a:prstGeom>
+          <a:noFill/>
+          <a:extLst>
+            <a:ext uri="{909E8E84-426E-40DD-AFC4-6F175D3DCCD1}">
+              <a14:hiddenFill xmlns:a14="http://schemas.microsoft.com/office/drawing/2010/main">
+                <a:solidFill>
+                  <a:srgbClr val="FFFFFF"/>
+                </a:solidFill>
+              </a14:hiddenFill>
+            </a:ext>
+          </a:extLst>
+        </p:spPr>
+      </p:pic>
+      <p:pic>
+        <p:nvPicPr>
+          <p:cNvPr id="1034" name="Picture 10" descr="Tensorflow logo - Social media &amp; Logos Icons">
+            <a:extLst>
+              <a:ext uri="{FF2B5EF4-FFF2-40B4-BE49-F238E27FC236}">
+                <a16:creationId xmlns:a16="http://schemas.microsoft.com/office/drawing/2014/main" id="{B0BC7DE0-0179-C683-8FCD-C60A617D34CB}"/>
+              </a:ext>
+            </a:extLst>
+          </p:cNvPr>
+          <p:cNvPicPr>
+            <a:picLocks noChangeAspect="1" noChangeArrowheads="1"/>
+          </p:cNvPicPr>
+          <p:nvPr/>
+        </p:nvPicPr>
+        <p:blipFill rotWithShape="1">
+          <a:blip r:embed="rId11">
+            <a:extLst>
+              <a:ext uri="{28A0092B-C50C-407E-A947-70E740481C1C}">
+                <a14:useLocalDpi xmlns:a14="http://schemas.microsoft.com/office/drawing/2010/main" val="0"/>
+              </a:ext>
+            </a:extLst>
+          </a:blip>
+          <a:srcRect t="17246"/>
+          <a:stretch/>
+        </p:blipFill>
+        <p:spPr bwMode="auto">
+          <a:xfrm>
+            <a:off x="3356042" y="4502754"/>
+            <a:ext cx="1351712" cy="559296"/>
+          </a:xfrm>
+          <a:prstGeom prst="rect">
+            <a:avLst/>
+          </a:prstGeom>
+          <a:noFill/>
+          <a:extLst>
+            <a:ext uri="{909E8E84-426E-40DD-AFC4-6F175D3DCCD1}">
+              <a14:hiddenFill xmlns:a14="http://schemas.microsoft.com/office/drawing/2010/main">
+                <a:solidFill>
+                  <a:srgbClr val="FFFFFF"/>
+                </a:solidFill>
+              </a14:hiddenFill>
+            </a:ext>
+          </a:extLst>
+        </p:spPr>
+      </p:pic>
+      <p:pic>
+        <p:nvPicPr>
+          <p:cNvPr id="1036" name="Picture 12" descr="A logo of a person&#10;&#10;Description automatically generated with medium confidence">
+            <a:extLst>
+              <a:ext uri="{FF2B5EF4-FFF2-40B4-BE49-F238E27FC236}">
+                <a16:creationId xmlns:a16="http://schemas.microsoft.com/office/drawing/2014/main" id="{B5F09637-D233-3FBF-A104-DDB2A50AD0BA}"/>
+              </a:ext>
+            </a:extLst>
+          </p:cNvPr>
+          <p:cNvPicPr>
+            <a:picLocks noChangeAspect="1" noChangeArrowheads="1"/>
+          </p:cNvPicPr>
+          <p:nvPr/>
+        </p:nvPicPr>
+        <p:blipFill>
+          <a:blip r:embed="rId12">
+            <a:extLst>
+              <a:ext uri="{28A0092B-C50C-407E-A947-70E740481C1C}">
+                <a14:useLocalDpi xmlns:a14="http://schemas.microsoft.com/office/drawing/2010/main" val="0"/>
+              </a:ext>
+            </a:extLst>
+          </a:blip>
+          <a:srcRect/>
+          <a:stretch>
+            <a:fillRect/>
+          </a:stretch>
+        </p:blipFill>
+        <p:spPr bwMode="auto">
+          <a:xfrm>
+            <a:off x="4805363" y="5614302"/>
+            <a:ext cx="953311" cy="514040"/>
+          </a:xfrm>
+          <a:prstGeom prst="rect">
+            <a:avLst/>
+          </a:prstGeom>
+          <a:noFill/>
+          <a:extLst>
+            <a:ext uri="{909E8E84-426E-40DD-AFC4-6F175D3DCCD1}">
+              <a14:hiddenFill xmlns:a14="http://schemas.microsoft.com/office/drawing/2010/main">
+                <a:solidFill>
+                  <a:srgbClr val="FFFFFF"/>
+                </a:solidFill>
+              </a14:hiddenFill>
+            </a:ext>
+          </a:extLst>
+        </p:spPr>
+      </p:pic>
+      <p:pic>
+        <p:nvPicPr>
+          <p:cNvPr id="1042" name="Picture 18" descr="HoloViz Blog - hvPlot Announcement">
+            <a:extLst>
+              <a:ext uri="{FF2B5EF4-FFF2-40B4-BE49-F238E27FC236}">
+                <a16:creationId xmlns:a16="http://schemas.microsoft.com/office/drawing/2014/main" id="{A8F11698-E096-2906-BFD6-7FA1AF23A41C}"/>
+              </a:ext>
+            </a:extLst>
+          </p:cNvPr>
+          <p:cNvPicPr>
+            <a:picLocks noChangeAspect="1" noChangeArrowheads="1"/>
+          </p:cNvPicPr>
+          <p:nvPr/>
+        </p:nvPicPr>
+        <p:blipFill>
+          <a:blip r:embed="rId13">
+            <a:extLst>
+              <a:ext uri="{28A0092B-C50C-407E-A947-70E740481C1C}">
+                <a14:useLocalDpi xmlns:a14="http://schemas.microsoft.com/office/drawing/2010/main" val="0"/>
+              </a:ext>
+            </a:extLst>
+          </a:blip>
+          <a:srcRect/>
+          <a:stretch>
+            <a:fillRect/>
+          </a:stretch>
+        </p:blipFill>
+        <p:spPr bwMode="auto">
+          <a:xfrm>
+            <a:off x="5012988" y="4432233"/>
+            <a:ext cx="538062" cy="694698"/>
+          </a:xfrm>
+          <a:prstGeom prst="rect">
+            <a:avLst/>
+          </a:prstGeom>
+          <a:noFill/>
+          <a:extLst>
+            <a:ext uri="{909E8E84-426E-40DD-AFC4-6F175D3DCCD1}">
+              <a14:hiddenFill xmlns:a14="http://schemas.microsoft.com/office/drawing/2010/main">
+                <a:solidFill>
+                  <a:srgbClr val="FFFFFF"/>
+                </a:solidFill>
+              </a14:hiddenFill>
+            </a:ext>
+          </a:extLst>
+        </p:spPr>
+      </p:pic>
+      <p:pic>
+        <p:nvPicPr>
+          <p:cNvPr id="1044" name="Picture 20" descr="KerasTuner">
+            <a:extLst>
+              <a:ext uri="{FF2B5EF4-FFF2-40B4-BE49-F238E27FC236}">
+                <a16:creationId xmlns:a16="http://schemas.microsoft.com/office/drawing/2014/main" id="{D8086BD3-138A-D180-06AD-88CF8B0DCDE4}"/>
+              </a:ext>
+            </a:extLst>
+          </p:cNvPr>
+          <p:cNvPicPr>
+            <a:picLocks noChangeAspect="1" noChangeArrowheads="1"/>
+          </p:cNvPicPr>
+          <p:nvPr/>
+        </p:nvPicPr>
+        <p:blipFill>
+          <a:blip r:embed="rId14">
+            <a:extLst>
+              <a:ext uri="{28A0092B-C50C-407E-A947-70E740481C1C}">
+                <a14:useLocalDpi xmlns:a14="http://schemas.microsoft.com/office/drawing/2010/main" val="0"/>
+              </a:ext>
+            </a:extLst>
+          </a:blip>
+          <a:srcRect/>
+          <a:stretch>
+            <a:fillRect/>
+          </a:stretch>
+        </p:blipFill>
+        <p:spPr bwMode="auto">
+          <a:xfrm>
+            <a:off x="6159401" y="4529895"/>
+            <a:ext cx="1173196" cy="407739"/>
+          </a:xfrm>
+          <a:prstGeom prst="rect">
+            <a:avLst/>
+          </a:prstGeom>
+          <a:noFill/>
+          <a:extLst>
+            <a:ext uri="{909E8E84-426E-40DD-AFC4-6F175D3DCCD1}">
+              <a14:hiddenFill xmlns:a14="http://schemas.microsoft.com/office/drawing/2010/main">
+                <a:solidFill>
+                  <a:srgbClr val="FFFFFF"/>
+                </a:solidFill>
+              </a14:hiddenFill>
+            </a:ext>
+          </a:extLst>
+        </p:spPr>
+      </p:pic>
+      <p:pic>
+        <p:nvPicPr>
+          <p:cNvPr id="1046" name="Picture 22" descr="Tableau Logo and symbol, meaning, history, PNG, brand">
+            <a:extLst>
+              <a:ext uri="{FF2B5EF4-FFF2-40B4-BE49-F238E27FC236}">
+                <a16:creationId xmlns:a16="http://schemas.microsoft.com/office/drawing/2014/main" id="{B66F199A-FD23-7F81-31B5-16790C6547CD}"/>
+              </a:ext>
+            </a:extLst>
+          </p:cNvPr>
+          <p:cNvPicPr>
+            <a:picLocks noChangeAspect="1" noChangeArrowheads="1"/>
+          </p:cNvPicPr>
+          <p:nvPr/>
+        </p:nvPicPr>
+        <p:blipFill>
+          <a:blip r:embed="rId15">
+            <a:extLst>
+              <a:ext uri="{28A0092B-C50C-407E-A947-70E740481C1C}">
+                <a14:useLocalDpi xmlns:a14="http://schemas.microsoft.com/office/drawing/2010/main" val="0"/>
+              </a:ext>
+            </a:extLst>
+          </a:blip>
+          <a:srcRect/>
+          <a:stretch>
+            <a:fillRect/>
+          </a:stretch>
+        </p:blipFill>
+        <p:spPr bwMode="auto">
+          <a:xfrm>
+            <a:off x="10181616" y="4362350"/>
+            <a:ext cx="1559668" cy="877313"/>
+          </a:xfrm>
+          <a:prstGeom prst="rect">
+            <a:avLst/>
+          </a:prstGeom>
+          <a:noFill/>
+          <a:extLst>
+            <a:ext uri="{909E8E84-426E-40DD-AFC4-6F175D3DCCD1}">
+              <a14:hiddenFill xmlns:a14="http://schemas.microsoft.com/office/drawing/2010/main">
+                <a:solidFill>
+                  <a:srgbClr val="FFFFFF"/>
+                </a:solidFill>
+              </a14:hiddenFill>
+            </a:ext>
+          </a:extLst>
+        </p:spPr>
+      </p:pic>
+    </p:spTree>
+    <p:extLst>
+      <p:ext uri="{BB962C8B-B14F-4D97-AF65-F5344CB8AC3E}">
+        <p14:creationId xmlns:p14="http://schemas.microsoft.com/office/powerpoint/2010/main" val="2825470655"/>
+      </p:ext>
+    </p:extLst>
+  </p:cSld>
+  <p:clrMapOvr>
+    <a:masterClrMapping/>
+  </p:clrMapOvr>
+</p:sld>
+</file>
+
 <file path=ppt/theme/theme1.xml><?xml version="1.0" encoding="utf-8"?>
 <a:theme xmlns:a="http://schemas.openxmlformats.org/drawingml/2006/main" name="DividendVTI">
   <a:themeElements>

--- a/1000genomes_Presentation.pptx
+++ b/1000genomes_Presentation.pptx
@@ -8,6 +8,7 @@
     <p:sldId id="256" r:id="rId2"/>
     <p:sldId id="258" r:id="rId3"/>
     <p:sldId id="257" r:id="rId4"/>
+    <p:sldId id="259" r:id="rId5"/>
   </p:sldIdLst>
   <p:sldSz cx="12192000" cy="6858000"/>
   <p:notesSz cx="6858000" cy="9144000"/>
@@ -10116,6 +10117,279 @@
 </p:sld>
 </file>
 
+<file path=ppt/slides/slide4.xml><?xml version="1.0" encoding="utf-8"?>
+<p:sld xmlns:a="http://schemas.openxmlformats.org/drawingml/2006/main" xmlns:r="http://schemas.openxmlformats.org/officeDocument/2006/relationships" xmlns:p="http://schemas.openxmlformats.org/presentationml/2006/main">
+  <p:cSld>
+    <p:spTree>
+      <p:nvGrpSpPr>
+        <p:cNvPr id="1" name=""/>
+        <p:cNvGrpSpPr/>
+        <p:nvPr/>
+      </p:nvGrpSpPr>
+      <p:grpSpPr>
+        <a:xfrm>
+          <a:off x="0" y="0"/>
+          <a:ext cx="0" cy="0"/>
+          <a:chOff x="0" y="0"/>
+          <a:chExt cx="0" cy="0"/>
+        </a:xfrm>
+      </p:grpSpPr>
+      <p:sp>
+        <p:nvSpPr>
+          <p:cNvPr id="2" name="Title 1">
+            <a:extLst>
+              <a:ext uri="{FF2B5EF4-FFF2-40B4-BE49-F238E27FC236}">
+                <a16:creationId xmlns:a16="http://schemas.microsoft.com/office/drawing/2014/main" id="{4E5C74DC-0BE9-D7D5-5D7D-CC2819544AD6}"/>
+              </a:ext>
+            </a:extLst>
+          </p:cNvPr>
+          <p:cNvSpPr>
+            <a:spLocks noGrp="1"/>
+          </p:cNvSpPr>
+          <p:nvPr>
+            <p:ph type="title"/>
+          </p:nvPr>
+        </p:nvSpPr>
+        <p:spPr>
+          <a:xfrm>
+            <a:off x="581192" y="702156"/>
+            <a:ext cx="11029616" cy="556373"/>
+          </a:xfrm>
+        </p:spPr>
+        <p:txBody>
+          <a:bodyPr>
+            <a:normAutofit fontScale="90000"/>
+          </a:bodyPr>
+          <a:lstStyle/>
+          <a:p>
+            <a:r>
+              <a:rPr lang="en-AU" dirty="0"/>
+              <a:t>Results: </a:t>
+            </a:r>
+            <a:r>
+              <a:rPr lang="en-AU" dirty="0" err="1"/>
+              <a:t>pca</a:t>
+            </a:r>
+            <a:endParaRPr lang="en-AU" dirty="0"/>
+          </a:p>
+        </p:txBody>
+      </p:sp>
+      <p:sp>
+        <p:nvSpPr>
+          <p:cNvPr id="3" name="Content Placeholder 2">
+            <a:extLst>
+              <a:ext uri="{FF2B5EF4-FFF2-40B4-BE49-F238E27FC236}">
+                <a16:creationId xmlns:a16="http://schemas.microsoft.com/office/drawing/2014/main" id="{C0F00A4F-A06A-5F08-FC72-400C7F2C2ED3}"/>
+              </a:ext>
+            </a:extLst>
+          </p:cNvPr>
+          <p:cNvSpPr>
+            <a:spLocks noGrp="1"/>
+          </p:cNvSpPr>
+          <p:nvPr>
+            <p:ph idx="1"/>
+          </p:nvPr>
+        </p:nvSpPr>
+        <p:spPr>
+          <a:xfrm>
+            <a:off x="581193" y="1520687"/>
+            <a:ext cx="4984720" cy="4454663"/>
+          </a:xfrm>
+        </p:spPr>
+        <p:txBody>
+          <a:bodyPr anchor="t"/>
+          <a:lstStyle/>
+          <a:p>
+            <a:r>
+              <a:rPr lang="en-AU" dirty="0"/>
+              <a:t>Two principal components clearly distinguished African and East Asian ancestry groups</a:t>
+            </a:r>
+          </a:p>
+          <a:p>
+            <a:pPr marL="0" indent="0">
+              <a:buNone/>
+            </a:pPr>
+            <a:endParaRPr lang="en-AU" dirty="0"/>
+          </a:p>
+          <a:p>
+            <a:r>
+              <a:rPr lang="en-AU" dirty="0"/>
+              <a:t>Unsurprisingly, high degree of overlap between European, American, &amp; South American ancestry groups</a:t>
+            </a:r>
+          </a:p>
+          <a:p>
+            <a:pPr lvl="1"/>
+            <a:r>
+              <a:rPr lang="en-AU" dirty="0"/>
+              <a:t>Suggests need for more complex classification methods to distinguish these</a:t>
+            </a:r>
+          </a:p>
+        </p:txBody>
+      </p:sp>
+      <p:pic>
+        <p:nvPicPr>
+          <p:cNvPr id="1026" name="Picture 2">
+            <a:extLst>
+              <a:ext uri="{FF2B5EF4-FFF2-40B4-BE49-F238E27FC236}">
+                <a16:creationId xmlns:a16="http://schemas.microsoft.com/office/drawing/2014/main" id="{E3CA938F-39B6-516B-CA87-4F723451B952}"/>
+              </a:ext>
+            </a:extLst>
+          </p:cNvPr>
+          <p:cNvPicPr>
+            <a:picLocks noChangeAspect="1" noChangeArrowheads="1"/>
+          </p:cNvPicPr>
+          <p:nvPr/>
+        </p:nvPicPr>
+        <p:blipFill>
+          <a:blip r:embed="rId2">
+            <a:extLst>
+              <a:ext uri="{28A0092B-C50C-407E-A947-70E740481C1C}">
+                <a14:useLocalDpi xmlns:a14="http://schemas.microsoft.com/office/drawing/2010/main" val="0"/>
+              </a:ext>
+            </a:extLst>
+          </a:blip>
+          <a:srcRect/>
+          <a:stretch>
+            <a:fillRect/>
+          </a:stretch>
+        </p:blipFill>
+        <p:spPr bwMode="auto">
+          <a:xfrm>
+            <a:off x="5799614" y="1520687"/>
+            <a:ext cx="6025217" cy="4454663"/>
+          </a:xfrm>
+          <a:prstGeom prst="rect">
+            <a:avLst/>
+          </a:prstGeom>
+          <a:noFill/>
+          <a:extLst>
+            <a:ext uri="{909E8E84-426E-40DD-AFC4-6F175D3DCCD1}">
+              <a14:hiddenFill xmlns:a14="http://schemas.microsoft.com/office/drawing/2010/main">
+                <a:solidFill>
+                  <a:srgbClr val="FFFFFF"/>
+                </a:solidFill>
+              </a14:hiddenFill>
+            </a:ext>
+          </a:extLst>
+        </p:spPr>
+      </p:pic>
+      <p:sp>
+        <p:nvSpPr>
+          <p:cNvPr id="4" name="Oval 3">
+            <a:extLst>
+              <a:ext uri="{FF2B5EF4-FFF2-40B4-BE49-F238E27FC236}">
+                <a16:creationId xmlns:a16="http://schemas.microsoft.com/office/drawing/2014/main" id="{75829689-C106-A5F3-3A03-ABA22F5B842C}"/>
+              </a:ext>
+            </a:extLst>
+          </p:cNvPr>
+          <p:cNvSpPr/>
+          <p:nvPr/>
+        </p:nvSpPr>
+        <p:spPr>
+          <a:xfrm>
+            <a:off x="6374530" y="2576053"/>
+            <a:ext cx="2871020" cy="1624780"/>
+          </a:xfrm>
+          <a:prstGeom prst="ellipse">
+            <a:avLst/>
+          </a:prstGeom>
+          <a:noFill/>
+          <a:ln>
+            <a:solidFill>
+              <a:srgbClr val="C00000"/>
+            </a:solidFill>
+          </a:ln>
+        </p:spPr>
+        <p:style>
+          <a:lnRef idx="2">
+            <a:schemeClr val="accent1">
+              <a:shade val="15000"/>
+            </a:schemeClr>
+          </a:lnRef>
+          <a:fillRef idx="1">
+            <a:schemeClr val="accent1"/>
+          </a:fillRef>
+          <a:effectRef idx="0">
+            <a:schemeClr val="accent1"/>
+          </a:effectRef>
+          <a:fontRef idx="minor">
+            <a:schemeClr val="lt1"/>
+          </a:fontRef>
+        </p:style>
+        <p:txBody>
+          <a:bodyPr rtlCol="0" anchor="ctr"/>
+          <a:lstStyle/>
+          <a:p>
+            <a:pPr algn="ctr"/>
+            <a:endParaRPr lang="en-AU"/>
+          </a:p>
+        </p:txBody>
+      </p:sp>
+      <p:sp>
+        <p:nvSpPr>
+          <p:cNvPr id="5" name="Oval 4">
+            <a:extLst>
+              <a:ext uri="{FF2B5EF4-FFF2-40B4-BE49-F238E27FC236}">
+                <a16:creationId xmlns:a16="http://schemas.microsoft.com/office/drawing/2014/main" id="{A71C46C3-56A8-108E-B237-6C6513A36EEC}"/>
+              </a:ext>
+            </a:extLst>
+          </p:cNvPr>
+          <p:cNvSpPr/>
+          <p:nvPr/>
+        </p:nvSpPr>
+        <p:spPr>
+          <a:xfrm>
+            <a:off x="9591261" y="3866322"/>
+            <a:ext cx="2182140" cy="1778994"/>
+          </a:xfrm>
+          <a:prstGeom prst="ellipse">
+            <a:avLst/>
+          </a:prstGeom>
+          <a:noFill/>
+          <a:ln>
+            <a:solidFill>
+              <a:srgbClr val="C00000"/>
+            </a:solidFill>
+          </a:ln>
+        </p:spPr>
+        <p:style>
+          <a:lnRef idx="2">
+            <a:schemeClr val="accent1">
+              <a:shade val="15000"/>
+            </a:schemeClr>
+          </a:lnRef>
+          <a:fillRef idx="1">
+            <a:schemeClr val="accent1"/>
+          </a:fillRef>
+          <a:effectRef idx="0">
+            <a:schemeClr val="accent1"/>
+          </a:effectRef>
+          <a:fontRef idx="minor">
+            <a:schemeClr val="lt1"/>
+          </a:fontRef>
+        </p:style>
+        <p:txBody>
+          <a:bodyPr rtlCol="0" anchor="ctr"/>
+          <a:lstStyle/>
+          <a:p>
+            <a:pPr algn="ctr"/>
+            <a:endParaRPr lang="en-AU"/>
+          </a:p>
+        </p:txBody>
+      </p:sp>
+    </p:spTree>
+    <p:extLst>
+      <p:ext uri="{BB962C8B-B14F-4D97-AF65-F5344CB8AC3E}">
+        <p14:creationId xmlns:p14="http://schemas.microsoft.com/office/powerpoint/2010/main" val="1084365285"/>
+      </p:ext>
+    </p:extLst>
+  </p:cSld>
+  <p:clrMapOvr>
+    <a:masterClrMapping/>
+  </p:clrMapOvr>
+</p:sld>
+</file>
+
 <file path=ppt/theme/theme1.xml><?xml version="1.0" encoding="utf-8"?>
 <a:theme xmlns:a="http://schemas.openxmlformats.org/drawingml/2006/main" name="DividendVTI">
   <a:themeElements>

--- a/1000genomes_Presentation.pptx
+++ b/1000genomes_Presentation.pptx
@@ -9,6 +9,7 @@
     <p:sldId id="258" r:id="rId3"/>
     <p:sldId id="257" r:id="rId4"/>
     <p:sldId id="259" r:id="rId5"/>
+    <p:sldId id="260" r:id="rId6"/>
   </p:sldIdLst>
   <p:sldSz cx="12192000" cy="6858000"/>
   <p:notesSz cx="6858000" cy="9144000"/>
@@ -10390,6 +10391,165 @@
 </p:sld>
 </file>
 
+<file path=ppt/slides/slide5.xml><?xml version="1.0" encoding="utf-8"?>
+<p:sld xmlns:a="http://schemas.openxmlformats.org/drawingml/2006/main" xmlns:r="http://schemas.openxmlformats.org/officeDocument/2006/relationships" xmlns:p="http://schemas.openxmlformats.org/presentationml/2006/main">
+  <p:cSld>
+    <p:spTree>
+      <p:nvGrpSpPr>
+        <p:cNvPr id="1" name=""/>
+        <p:cNvGrpSpPr/>
+        <p:nvPr/>
+      </p:nvGrpSpPr>
+      <p:grpSpPr>
+        <a:xfrm>
+          <a:off x="0" y="0"/>
+          <a:ext cx="0" cy="0"/>
+          <a:chOff x="0" y="0"/>
+          <a:chExt cx="0" cy="0"/>
+        </a:xfrm>
+      </p:grpSpPr>
+      <p:sp>
+        <p:nvSpPr>
+          <p:cNvPr id="2" name="Title 1">
+            <a:extLst>
+              <a:ext uri="{FF2B5EF4-FFF2-40B4-BE49-F238E27FC236}">
+                <a16:creationId xmlns:a16="http://schemas.microsoft.com/office/drawing/2014/main" id="{4E5C74DC-0BE9-D7D5-5D7D-CC2819544AD6}"/>
+              </a:ext>
+            </a:extLst>
+          </p:cNvPr>
+          <p:cNvSpPr>
+            <a:spLocks noGrp="1"/>
+          </p:cNvSpPr>
+          <p:nvPr>
+            <p:ph type="title"/>
+          </p:nvPr>
+        </p:nvSpPr>
+        <p:spPr>
+          <a:xfrm>
+            <a:off x="581192" y="702156"/>
+            <a:ext cx="11029616" cy="556373"/>
+          </a:xfrm>
+        </p:spPr>
+        <p:txBody>
+          <a:bodyPr>
+            <a:normAutofit fontScale="90000"/>
+          </a:bodyPr>
+          <a:lstStyle/>
+          <a:p>
+            <a:r>
+              <a:rPr lang="en-AU" dirty="0"/>
+              <a:t>Results: Neural network</a:t>
+            </a:r>
+          </a:p>
+        </p:txBody>
+      </p:sp>
+      <p:sp>
+        <p:nvSpPr>
+          <p:cNvPr id="3" name="Content Placeholder 2">
+            <a:extLst>
+              <a:ext uri="{FF2B5EF4-FFF2-40B4-BE49-F238E27FC236}">
+                <a16:creationId xmlns:a16="http://schemas.microsoft.com/office/drawing/2014/main" id="{C0F00A4F-A06A-5F08-FC72-400C7F2C2ED3}"/>
+              </a:ext>
+            </a:extLst>
+          </p:cNvPr>
+          <p:cNvSpPr>
+            <a:spLocks noGrp="1"/>
+          </p:cNvSpPr>
+          <p:nvPr>
+            <p:ph idx="1"/>
+          </p:nvPr>
+        </p:nvSpPr>
+        <p:spPr>
+          <a:xfrm>
+            <a:off x="581192" y="1520687"/>
+            <a:ext cx="11029615" cy="4454663"/>
+          </a:xfrm>
+        </p:spPr>
+        <p:txBody>
+          <a:bodyPr anchor="t"/>
+          <a:lstStyle/>
+          <a:p>
+            <a:r>
+              <a:rPr lang="en-AU" dirty="0"/>
+              <a:t>Target variable (i.e., ancestry superpopulation) represents a categorical outcome with 5 classes:</a:t>
+            </a:r>
+          </a:p>
+          <a:p>
+            <a:pPr lvl="1"/>
+            <a:r>
+              <a:rPr lang="en-AU" b="1" dirty="0"/>
+              <a:t>New package: </a:t>
+            </a:r>
+            <a:r>
+              <a:rPr lang="en-AU" dirty="0" err="1"/>
+              <a:t>tensorflow.keras.utils</a:t>
+            </a:r>
+            <a:r>
+              <a:rPr lang="en-AU" dirty="0"/>
+              <a:t> import </a:t>
+            </a:r>
+            <a:r>
+              <a:rPr lang="en-AU" dirty="0" err="1"/>
+              <a:t>to_categorical</a:t>
+            </a:r>
+            <a:r>
+              <a:rPr lang="en-AU" dirty="0"/>
+              <a:t>()</a:t>
+            </a:r>
+          </a:p>
+          <a:p>
+            <a:pPr lvl="1"/>
+            <a:r>
+              <a:rPr lang="en-AU" b="1" dirty="0"/>
+              <a:t>New activation function:</a:t>
+            </a:r>
+            <a:r>
+              <a:rPr lang="en-AU" dirty="0"/>
+              <a:t> ‘</a:t>
+            </a:r>
+            <a:r>
+              <a:rPr lang="en-AU" dirty="0" err="1"/>
+              <a:t>softmax</a:t>
+            </a:r>
+            <a:r>
+              <a:rPr lang="en-AU" dirty="0"/>
+              <a:t>’</a:t>
+            </a:r>
+          </a:p>
+          <a:p>
+            <a:pPr lvl="1"/>
+            <a:r>
+              <a:rPr lang="en-AU" b="1" dirty="0"/>
+              <a:t>New loss function: </a:t>
+            </a:r>
+            <a:r>
+              <a:rPr lang="en-AU" dirty="0"/>
+              <a:t>‘</a:t>
+            </a:r>
+            <a:r>
+              <a:rPr lang="en-AU" dirty="0" err="1"/>
+              <a:t>categorical_crossentropy</a:t>
+            </a:r>
+            <a:r>
+              <a:rPr lang="en-AU" dirty="0"/>
+              <a:t>’</a:t>
+            </a:r>
+          </a:p>
+        </p:txBody>
+      </p:sp>
+    </p:spTree>
+    <p:extLst>
+      <p:ext uri="{BB962C8B-B14F-4D97-AF65-F5344CB8AC3E}">
+        <p14:creationId xmlns:p14="http://schemas.microsoft.com/office/powerpoint/2010/main" val="1849935178"/>
+      </p:ext>
+    </p:extLst>
+  </p:cSld>
+  <p:clrMapOvr>
+    <a:masterClrMapping/>
+  </p:clrMapOvr>
+</p:sld>
+</file>
+
 <file path=ppt/theme/theme1.xml><?xml version="1.0" encoding="utf-8"?>
 <a:theme xmlns:a="http://schemas.openxmlformats.org/drawingml/2006/main" name="DividendVTI">
   <a:themeElements>

--- a/1000genomes_Presentation.pptx
+++ b/1000genomes_Presentation.pptx
@@ -4,12 +4,24 @@
   <p:sldMasterIdLst>
     <p:sldMasterId id="2147483712" r:id="rId1"/>
   </p:sldMasterIdLst>
+  <p:notesMasterIdLst>
+    <p:notesMasterId r:id="rId16"/>
+  </p:notesMasterIdLst>
   <p:sldIdLst>
     <p:sldId id="256" r:id="rId2"/>
     <p:sldId id="258" r:id="rId3"/>
     <p:sldId id="257" r:id="rId4"/>
-    <p:sldId id="259" r:id="rId5"/>
-    <p:sldId id="260" r:id="rId6"/>
+    <p:sldId id="263" r:id="rId5"/>
+    <p:sldId id="268" r:id="rId6"/>
+    <p:sldId id="269" r:id="rId7"/>
+    <p:sldId id="267" r:id="rId8"/>
+    <p:sldId id="264" r:id="rId9"/>
+    <p:sldId id="259" r:id="rId10"/>
+    <p:sldId id="261" r:id="rId11"/>
+    <p:sldId id="262" r:id="rId12"/>
+    <p:sldId id="266" r:id="rId13"/>
+    <p:sldId id="265" r:id="rId14"/>
+    <p:sldId id="260" r:id="rId15"/>
   </p:sldIdLst>
   <p:sldSz cx="12192000" cy="6858000"/>
   <p:notesSz cx="6858000" cy="9144000"/>
@@ -114,6 +126,14 @@
     </p:ext>
   </p:extLst>
 </p:presentation>
+</file>
+
+<file path=ppt/revisionInfo.xml><?xml version="1.0" encoding="utf-8"?>
+<p1510:revInfo xmlns:a="http://schemas.openxmlformats.org/drawingml/2006/main" xmlns:r="http://schemas.openxmlformats.org/officeDocument/2006/relationships" xmlns:p1510="http://schemas.microsoft.com/office/powerpoint/2015/10/main">
+  <p1510:revLst>
+    <p1510:client id="{221EEF0E-6CE6-48D7-917D-894765BB4573}" v="50" dt="2024-08-05T01:10:34.036"/>
+  </p1510:revLst>
+</p1510:revInfo>
 </file>
 
 <file path=ppt/diagrams/colors1.xml><?xml version="1.0" encoding="utf-8"?>
@@ -1188,8 +1208,8 @@
             <a:defRPr b="1"/>
           </a:pPr>
           <a:r>
-            <a:rPr lang="en-AU"/>
-            <a:t>Transformation</a:t>
+            <a:rPr lang="en-AU" dirty="0"/>
+            <a:t>Dimensionality Reduction</a:t>
           </a:r>
         </a:p>
       </dgm:t>
@@ -1229,8 +1249,8 @@
             </a:lnSpc>
           </a:pPr>
           <a:r>
-            <a:rPr lang="en-AU"/>
-            <a:t>hv plot</a:t>
+            <a:rPr lang="en-AU" dirty="0"/>
+            <a:t>prince</a:t>
           </a:r>
         </a:p>
       </dgm:t>
@@ -1323,17 +1343,6 @@
             </a:lnSpc>
           </a:pPr>
           <a:r>
-            <a:rPr lang="en-AU" dirty="0"/>
-            <a:t>Scikit-learn</a:t>
-          </a:r>
-        </a:p>
-        <a:p>
-          <a:pPr>
-            <a:lnSpc>
-              <a:spcPct val="100000"/>
-            </a:lnSpc>
-          </a:pPr>
-          <a:r>
             <a:rPr lang="en-AU" dirty="0" err="1"/>
             <a:t>Keras</a:t>
           </a:r>
@@ -1341,6 +1350,10 @@
             <a:rPr lang="en-AU" dirty="0"/>
             <a:t>-tuner</a:t>
           </a:r>
+          <a:br>
+            <a:rPr lang="en-AU" dirty="0"/>
+          </a:br>
+          <a:endParaRPr lang="en-AU" dirty="0"/>
         </a:p>
       </dgm:t>
     </dgm:pt>
@@ -1691,7 +1704,7 @@
               <a:spcPct val="100000"/>
             </a:lnSpc>
           </a:pPr>
-          <a:endParaRPr lang="en-AU"/>
+          <a:endParaRPr lang="en-AU" dirty="0"/>
         </a:p>
       </dgm:t>
     </dgm:pt>
@@ -1707,47 +1720,6 @@
       </dgm:t>
     </dgm:pt>
     <dgm:pt modelId="{41FA2E8B-E5FE-4BAA-A097-DE15E2C414D9}" type="sibTrans" cxnId="{1B9D781D-D321-4EEF-B469-4B7FDE83E46D}">
-      <dgm:prSet/>
-      <dgm:spPr/>
-      <dgm:t>
-        <a:bodyPr/>
-        <a:lstStyle/>
-        <a:p>
-          <a:endParaRPr lang="en-AU"/>
-        </a:p>
-      </dgm:t>
-    </dgm:pt>
-    <dgm:pt modelId="{AAA4BEFD-B745-4DB2-9556-23D76B097506}">
-      <dgm:prSet phldrT="[Text]"/>
-      <dgm:spPr/>
-      <dgm:t>
-        <a:bodyPr/>
-        <a:lstStyle/>
-        <a:p>
-          <a:pPr>
-            <a:lnSpc>
-              <a:spcPct val="100000"/>
-            </a:lnSpc>
-          </a:pPr>
-          <a:r>
-            <a:rPr lang="en-AU"/>
-            <a:t>Scikit-learn</a:t>
-          </a:r>
-        </a:p>
-      </dgm:t>
-    </dgm:pt>
-    <dgm:pt modelId="{24D8ADA2-98B9-45B6-A992-1F31F59E6335}" type="parTrans" cxnId="{8CE470BD-990B-4077-AB1F-AECC60EA3BFE}">
-      <dgm:prSet/>
-      <dgm:spPr/>
-      <dgm:t>
-        <a:bodyPr/>
-        <a:lstStyle/>
-        <a:p>
-          <a:endParaRPr lang="en-AU"/>
-        </a:p>
-      </dgm:t>
-    </dgm:pt>
-    <dgm:pt modelId="{FED623C9-3B04-419B-B3F8-21DBAD1E2B3B}" type="sibTrans" cxnId="{8CE470BD-990B-4077-AB1F-AECC60EA3BFE}">
       <dgm:prSet/>
       <dgm:spPr/>
       <dgm:t>
@@ -2301,7 +2273,7 @@
     <dgm:cxn modelId="{CBDCB903-A9C7-4A8B-AD5C-8B69ADBEAEAC}" srcId="{1AF84FCC-0BFD-4661-8F28-0890349FDFF3}" destId="{199FBA9B-AE7C-49F5-9DAE-848212BBAA0B}" srcOrd="0" destOrd="0" parTransId="{2FE4705E-2119-4329-A885-AA3281DE0E29}" sibTransId="{DDDE64ED-56F6-4A52-8339-2183E321E619}"/>
     <dgm:cxn modelId="{F3A11B15-1677-49A0-AE5C-8B072427D90C}" srcId="{E39145E1-FE15-4933-9D0A-91B1CDB4429C}" destId="{FB86A4B5-2843-4776-A026-3FD641C505D8}" srcOrd="0" destOrd="0" parTransId="{AA3872CA-9040-4163-B2C6-0BCEF089DF83}" sibTransId="{560B5AD9-B817-47B2-886F-9DA6392DF51C}"/>
     <dgm:cxn modelId="{66427F19-84EF-4EEA-8FDF-B951D7F993E2}" type="presOf" srcId="{86BDAB7A-ACBA-4C19-A3FB-EFC04DE7F13E}" destId="{8095579C-782C-45C2-AD03-B564165737C9}" srcOrd="0" destOrd="1" presId="urn:microsoft.com/office/officeart/2018/5/layout/CenteredIconLabelDescriptionList"/>
-    <dgm:cxn modelId="{1B9D781D-D321-4EEF-B469-4B7FDE83E46D}" srcId="{32D66D39-0431-40FF-9EA0-1EEF345E8EC4}" destId="{7C1D0CE6-2453-461C-BE17-E9927ECB3A08}" srcOrd="2" destOrd="0" parTransId="{DC151643-0A75-48AD-9E7E-ACD364194002}" sibTransId="{41FA2E8B-E5FE-4BAA-A097-DE15E2C414D9}"/>
+    <dgm:cxn modelId="{1B9D781D-D321-4EEF-B469-4B7FDE83E46D}" srcId="{32D66D39-0431-40FF-9EA0-1EEF345E8EC4}" destId="{7C1D0CE6-2453-461C-BE17-E9927ECB3A08}" srcOrd="1" destOrd="0" parTransId="{DC151643-0A75-48AD-9E7E-ACD364194002}" sibTransId="{41FA2E8B-E5FE-4BAA-A097-DE15E2C414D9}"/>
     <dgm:cxn modelId="{1AC9D51E-6C04-48DE-B546-EDC3ADF991C2}" srcId="{DCC804AC-1408-476A-B2ED-41C6CDD4073D}" destId="{60401DF4-05F8-4200-9B11-166518D086F0}" srcOrd="0" destOrd="0" parTransId="{F875A416-F255-4F84-BC2C-B0D5F5FCF6BC}" sibTransId="{D28076A9-3ACC-484B-B30D-A5EF4D70C977}"/>
     <dgm:cxn modelId="{CBAEEE26-FDC5-49FB-B1C8-4EB7297A84EB}" type="presOf" srcId="{60401DF4-05F8-4200-9B11-166518D086F0}" destId="{8B41FB10-1450-44A7-8C5B-2BEA077EF5DA}" srcOrd="0" destOrd="0" presId="urn:microsoft.com/office/officeart/2018/5/layout/CenteredIconLabelDescriptionList"/>
     <dgm:cxn modelId="{0E0BEF31-E19C-4374-91DC-B57B6CBE04EA}" srcId="{1AF84FCC-0BFD-4661-8F28-0890349FDFF3}" destId="{8C669D65-0A55-4E86-9580-520A1B437F69}" srcOrd="2" destOrd="0" parTransId="{50C2A9CB-BD66-400D-B0D0-EDEC166E500B}" sibTransId="{D51B0718-D7C9-4FA5-B8D4-81099DF68D80}"/>
@@ -2321,18 +2293,16 @@
     <dgm:cxn modelId="{9DE36F83-627A-46DC-8F23-75B02EEF71A9}" type="presOf" srcId="{DEB0D2BB-341A-42A5-BF01-3380535ABFC0}" destId="{D635B18C-E5A9-4FA1-8E3A-3A3AB3590972}" srcOrd="0" destOrd="0" presId="urn:microsoft.com/office/officeart/2018/5/layout/CenteredIconLabelDescriptionList"/>
     <dgm:cxn modelId="{AF19FD83-C7CE-411C-96CA-3C9703887664}" type="presOf" srcId="{DCC804AC-1408-476A-B2ED-41C6CDD4073D}" destId="{61167F69-F965-4288-A115-E1DD2DF782BE}" srcOrd="0" destOrd="0" presId="urn:microsoft.com/office/officeart/2018/5/layout/CenteredIconLabelDescriptionList"/>
     <dgm:cxn modelId="{E9EFF88A-60A9-4308-BEAF-E45AAE29D14A}" type="presOf" srcId="{6286EB6B-8319-4CEF-BD3E-63B598F21650}" destId="{C2141353-AED9-40AF-9E62-BE17FE13CB1E}" srcOrd="0" destOrd="0" presId="urn:microsoft.com/office/officeart/2018/5/layout/CenteredIconLabelDescriptionList"/>
-    <dgm:cxn modelId="{A2CE078D-9033-4A99-994F-CC265BB39476}" type="presOf" srcId="{7C1D0CE6-2453-461C-BE17-E9927ECB3A08}" destId="{D635B18C-E5A9-4FA1-8E3A-3A3AB3590972}" srcOrd="0" destOrd="2" presId="urn:microsoft.com/office/officeart/2018/5/layout/CenteredIconLabelDescriptionList"/>
+    <dgm:cxn modelId="{A2CE078D-9033-4A99-994F-CC265BB39476}" type="presOf" srcId="{7C1D0CE6-2453-461C-BE17-E9927ECB3A08}" destId="{D635B18C-E5A9-4FA1-8E3A-3A3AB3590972}" srcOrd="0" destOrd="1" presId="urn:microsoft.com/office/officeart/2018/5/layout/CenteredIconLabelDescriptionList"/>
     <dgm:cxn modelId="{895AD68D-340B-4DBB-B3A6-5180881FCC9A}" srcId="{7A7DD00A-CEC1-405F-9D57-825C63649AE4}" destId="{EFCDC946-23AD-4B53-8A26-B7AA95445B9A}" srcOrd="0" destOrd="0" parTransId="{D9F98FDC-3148-44D7-A115-7AFA8581F0C5}" sibTransId="{341A5282-52C6-491B-942D-527C07A478E6}"/>
     <dgm:cxn modelId="{AB388396-0D1B-49A6-8DD1-05B070375FA6}" srcId="{1AF84FCC-0BFD-4661-8F28-0890349FDFF3}" destId="{E39145E1-FE15-4933-9D0A-91B1CDB4429C}" srcOrd="6" destOrd="0" parTransId="{739FE983-91CF-4E72-886A-7E84C0C22F55}" sibTransId="{65BF2882-926B-45CA-B478-973DA7D02F93}"/>
     <dgm:cxn modelId="{D79E029D-1AD7-48CA-8396-A93CDDA2B0F3}" type="presOf" srcId="{E39145E1-FE15-4933-9D0A-91B1CDB4429C}" destId="{E1B83E84-7B60-4150-A049-82ADF9635A94}" srcOrd="0" destOrd="0" presId="urn:microsoft.com/office/officeart/2018/5/layout/CenteredIconLabelDescriptionList"/>
     <dgm:cxn modelId="{C4435BA0-FF5A-4435-A252-31B533B8CF40}" srcId="{1AF84FCC-0BFD-4661-8F28-0890349FDFF3}" destId="{DCC804AC-1408-476A-B2ED-41C6CDD4073D}" srcOrd="7" destOrd="0" parTransId="{E97C2E05-BC7B-4237-B510-56BEA1E2EB48}" sibTransId="{33EDC512-79D7-41C0-8EE3-6DE89E9480C9}"/>
     <dgm:cxn modelId="{3F0269B3-5ADC-4A39-99FD-CCCB659253DF}" srcId="{1AF84FCC-0BFD-4661-8F28-0890349FDFF3}" destId="{7A7DD00A-CEC1-405F-9D57-825C63649AE4}" srcOrd="1" destOrd="0" parTransId="{13A41C78-62F7-4CD3-BA7F-45B28C9E4BE4}" sibTransId="{D259E911-AC7B-42CE-BA28-35413516EC20}"/>
     <dgm:cxn modelId="{4DB25AB5-2DE9-4092-81B3-79D247E576E6}" srcId="{E39145E1-FE15-4933-9D0A-91B1CDB4429C}" destId="{30E527C8-D8A7-4269-A889-AE7312DCB49C}" srcOrd="2" destOrd="0" parTransId="{D644CD3B-D604-4167-A41E-9A53AE2EA61D}" sibTransId="{B8980BD5-96AF-41EC-AC2D-C97D62A3CF88}"/>
-    <dgm:cxn modelId="{8CE470BD-990B-4077-AB1F-AECC60EA3BFE}" srcId="{32D66D39-0431-40FF-9EA0-1EEF345E8EC4}" destId="{AAA4BEFD-B745-4DB2-9556-23D76B097506}" srcOrd="1" destOrd="0" parTransId="{24D8ADA2-98B9-45B6-A992-1F31F59E6335}" sibTransId="{FED623C9-3B04-419B-B3F8-21DBAD1E2B3B}"/>
     <dgm:cxn modelId="{CF52BFC0-9F6E-46FA-BA6D-EB5C255ACBBA}" type="presOf" srcId="{1AF84FCC-0BFD-4661-8F28-0890349FDFF3}" destId="{3EF5CBB8-0E6D-40B0-8954-77C9906E67D1}" srcOrd="0" destOrd="0" presId="urn:microsoft.com/office/officeart/2018/5/layout/CenteredIconLabelDescriptionList"/>
     <dgm:cxn modelId="{7A95F7CF-E632-4F1D-90F4-DA54796CE436}" srcId="{089E3F4E-FD81-452C-80FE-CD27F6182740}" destId="{B9D4CE33-AE7D-4CDF-9B95-C88D7CB04A0F}" srcOrd="0" destOrd="0" parTransId="{CB2B4557-BCEA-4AB1-AA89-1308FA56A6EA}" sibTransId="{09239881-728D-4AEE-87DE-475194602AC6}"/>
     <dgm:cxn modelId="{7C7571E5-92E0-47D2-9D7E-21C5AEAAF75B}" srcId="{32D66D39-0431-40FF-9EA0-1EEF345E8EC4}" destId="{DEB0D2BB-341A-42A5-BF01-3380535ABFC0}" srcOrd="0" destOrd="0" parTransId="{AEE82EDC-FE8C-4856-8BA0-B3F74B0A7B1C}" sibTransId="{082D6C29-EDF9-41DF-A466-F85835EA880D}"/>
-    <dgm:cxn modelId="{B8D4BCE8-84D9-4FF7-88C7-AA073B86D459}" type="presOf" srcId="{AAA4BEFD-B745-4DB2-9556-23D76B097506}" destId="{D635B18C-E5A9-4FA1-8E3A-3A3AB3590972}" srcOrd="0" destOrd="1" presId="urn:microsoft.com/office/officeart/2018/5/layout/CenteredIconLabelDescriptionList"/>
     <dgm:cxn modelId="{D3A27CE9-52AF-4512-86F7-77B09421BF9E}" type="presOf" srcId="{6CCBA381-A891-487B-8ECC-D296600813BC}" destId="{CA74B552-4C10-407D-9DA4-DC446BE25C5A}" srcOrd="0" destOrd="0" presId="urn:microsoft.com/office/officeart/2018/5/layout/CenteredIconLabelDescriptionList"/>
     <dgm:cxn modelId="{FD4E54EB-5396-4D21-A824-A6BA718070ED}" type="presOf" srcId="{199FBA9B-AE7C-49F5-9DAE-848212BBAA0B}" destId="{CAF14AD9-C5FE-4615-8E46-2B7EB3932283}" srcOrd="0" destOrd="0" presId="urn:microsoft.com/office/officeart/2018/5/layout/CenteredIconLabelDescriptionList"/>
     <dgm:cxn modelId="{1F6233EE-613D-4BE0-8019-61CC092D4AD1}" srcId="{199FBA9B-AE7C-49F5-9DAE-848212BBAA0B}" destId="{6286EB6B-8319-4CEF-BD3E-63B598F21650}" srcOrd="0" destOrd="0" parTransId="{6D3DDCB0-72E2-41C0-B3E3-3B44D5B6D940}" sibTransId="{5DCDA224-C723-4497-82BC-76A317306C60}"/>
@@ -2401,7 +2371,7 @@
   <dgm:whole/>
   <dgm:extLst>
     <a:ext uri="http://schemas.microsoft.com/office/drawing/2008/diagram">
-      <dsp:dataModelExt xmlns:dsp="http://schemas.microsoft.com/office/drawing/2008/diagram" relId="rId6" minVer="http://schemas.openxmlformats.org/drawingml/2006/diagram"/>
+      <dsp:dataModelExt xmlns:dsp="http://schemas.microsoft.com/office/drawing/2008/diagram" relId="rId7" minVer="http://schemas.openxmlformats.org/drawingml/2006/diagram"/>
     </a:ext>
   </dgm:extLst>
 </dgm:dataModel>
@@ -2422,7 +2392,7 @@
       </dsp:nvSpPr>
       <dsp:spPr>
         <a:xfrm>
-          <a:off x="410711" y="817830"/>
+          <a:off x="410711" y="742263"/>
           <a:ext cx="427047" cy="427047"/>
         </a:xfrm>
         <a:prstGeom prst="rect">
@@ -2476,8 +2446,8 @@
       </dsp:nvSpPr>
       <dsp:spPr>
         <a:xfrm>
-          <a:off x="14167" y="1302423"/>
-          <a:ext cx="1220135" cy="194459"/>
+          <a:off x="14167" y="1233355"/>
+          <a:ext cx="1220135" cy="389298"/>
         </a:xfrm>
         <a:prstGeom prst="rect">
           <a:avLst/>
@@ -2526,8 +2496,8 @@
         </a:p>
       </dsp:txBody>
       <dsp:txXfrm>
-        <a:off x="14167" y="1302423"/>
-        <a:ext cx="1220135" cy="194459"/>
+        <a:off x="14167" y="1233355"/>
+        <a:ext cx="1220135" cy="389298"/>
       </dsp:txXfrm>
     </dsp:sp>
     <dsp:sp modelId="{C2141353-AED9-40AF-9E62-BE17FE13CB1E}">
@@ -2537,8 +2507,8 @@
       </dsp:nvSpPr>
       <dsp:spPr>
         <a:xfrm>
-          <a:off x="14167" y="1523647"/>
-          <a:ext cx="1220135" cy="632450"/>
+          <a:off x="14167" y="1652441"/>
+          <a:ext cx="1220135" cy="579223"/>
         </a:xfrm>
         <a:prstGeom prst="rect">
           <a:avLst/>
@@ -2604,8 +2574,8 @@
         </a:p>
       </dsp:txBody>
       <dsp:txXfrm>
-        <a:off x="14167" y="1523647"/>
-        <a:ext cx="1220135" cy="632450"/>
+        <a:off x="14167" y="1652441"/>
+        <a:ext cx="1220135" cy="579223"/>
       </dsp:txXfrm>
     </dsp:sp>
     <dsp:sp modelId="{3757E782-F99A-4CC6-AC4B-C29C8B5AEC41}">
@@ -2615,7 +2585,7 @@
       </dsp:nvSpPr>
       <dsp:spPr>
         <a:xfrm>
-          <a:off x="1844370" y="817830"/>
+          <a:off x="1844370" y="742263"/>
           <a:ext cx="427047" cy="427047"/>
         </a:xfrm>
         <a:prstGeom prst="rect">
@@ -2669,8 +2639,8 @@
       </dsp:nvSpPr>
       <dsp:spPr>
         <a:xfrm>
-          <a:off x="1447826" y="1302423"/>
-          <a:ext cx="1220135" cy="194459"/>
+          <a:off x="1447826" y="1233355"/>
+          <a:ext cx="1220135" cy="389298"/>
         </a:xfrm>
         <a:prstGeom prst="rect">
           <a:avLst/>
@@ -2719,8 +2689,8 @@
         </a:p>
       </dsp:txBody>
       <dsp:txXfrm>
-        <a:off x="1447826" y="1302423"/>
-        <a:ext cx="1220135" cy="194459"/>
+        <a:off x="1447826" y="1233355"/>
+        <a:ext cx="1220135" cy="389298"/>
       </dsp:txXfrm>
     </dsp:sp>
     <dsp:sp modelId="{624D021F-197F-4B8C-A452-44FE38756DC2}">
@@ -2730,8 +2700,8 @@
       </dsp:nvSpPr>
       <dsp:spPr>
         <a:xfrm>
-          <a:off x="1447826" y="1523647"/>
-          <a:ext cx="1220135" cy="632450"/>
+          <a:off x="1447826" y="1652441"/>
+          <a:ext cx="1220135" cy="579223"/>
         </a:xfrm>
         <a:prstGeom prst="rect">
           <a:avLst/>
@@ -2797,8 +2767,8 @@
         </a:p>
       </dsp:txBody>
       <dsp:txXfrm>
-        <a:off x="1447826" y="1523647"/>
-        <a:ext cx="1220135" cy="632450"/>
+        <a:off x="1447826" y="1652441"/>
+        <a:ext cx="1220135" cy="579223"/>
       </dsp:txXfrm>
     </dsp:sp>
     <dsp:sp modelId="{6D50F3BB-0B60-4A27-9E8F-C2B48EC41D3B}">
@@ -2808,7 +2778,7 @@
       </dsp:nvSpPr>
       <dsp:spPr>
         <a:xfrm>
-          <a:off x="3278030" y="817830"/>
+          <a:off x="3278030" y="742263"/>
           <a:ext cx="427047" cy="427047"/>
         </a:xfrm>
         <a:prstGeom prst="rect">
@@ -2862,8 +2832,8 @@
       </dsp:nvSpPr>
       <dsp:spPr>
         <a:xfrm>
-          <a:off x="2881486" y="1302423"/>
-          <a:ext cx="1220135" cy="194459"/>
+          <a:off x="2881486" y="1233355"/>
+          <a:ext cx="1220135" cy="389298"/>
         </a:xfrm>
         <a:prstGeom prst="rect">
           <a:avLst/>
@@ -2912,8 +2882,8 @@
         </a:p>
       </dsp:txBody>
       <dsp:txXfrm>
-        <a:off x="2881486" y="1302423"/>
-        <a:ext cx="1220135" cy="194459"/>
+        <a:off x="2881486" y="1233355"/>
+        <a:ext cx="1220135" cy="389298"/>
       </dsp:txXfrm>
     </dsp:sp>
     <dsp:sp modelId="{CA74B552-4C10-407D-9DA4-DC446BE25C5A}">
@@ -2923,8 +2893,8 @@
       </dsp:nvSpPr>
       <dsp:spPr>
         <a:xfrm>
-          <a:off x="2881486" y="1523647"/>
-          <a:ext cx="1220135" cy="632450"/>
+          <a:off x="2881486" y="1652441"/>
+          <a:ext cx="1220135" cy="579223"/>
         </a:xfrm>
         <a:prstGeom prst="rect">
           <a:avLst/>
@@ -2979,8 +2949,8 @@
         </a:p>
       </dsp:txBody>
       <dsp:txXfrm>
-        <a:off x="2881486" y="1523647"/>
-        <a:ext cx="1220135" cy="632450"/>
+        <a:off x="2881486" y="1652441"/>
+        <a:ext cx="1220135" cy="579223"/>
       </dsp:txXfrm>
     </dsp:sp>
     <dsp:sp modelId="{CCFD5038-D7B3-4967-A9D2-460F1B3EE6F8}">
@@ -2990,7 +2960,7 @@
       </dsp:nvSpPr>
       <dsp:spPr>
         <a:xfrm>
-          <a:off x="4711689" y="817830"/>
+          <a:off x="4711689" y="742263"/>
           <a:ext cx="427047" cy="427047"/>
         </a:xfrm>
         <a:prstGeom prst="rect">
@@ -3044,8 +3014,8 @@
       </dsp:nvSpPr>
       <dsp:spPr>
         <a:xfrm>
-          <a:off x="4315145" y="1302423"/>
-          <a:ext cx="1220135" cy="194459"/>
+          <a:off x="4315145" y="1233355"/>
+          <a:ext cx="1220135" cy="389298"/>
         </a:xfrm>
         <a:prstGeom prst="rect">
           <a:avLst/>
@@ -3088,14 +3058,14 @@
             <a:defRPr b="1"/>
           </a:pPr>
           <a:r>
-            <a:rPr lang="en-AU" sz="1400" kern="1200"/>
-            <a:t>Transformation</a:t>
+            <a:rPr lang="en-AU" sz="1400" kern="1200" dirty="0"/>
+            <a:t>Dimensionality Reduction</a:t>
           </a:r>
         </a:p>
       </dsp:txBody>
       <dsp:txXfrm>
-        <a:off x="4315145" y="1302423"/>
-        <a:ext cx="1220135" cy="194459"/>
+        <a:off x="4315145" y="1233355"/>
+        <a:ext cx="1220135" cy="389298"/>
       </dsp:txXfrm>
     </dsp:sp>
     <dsp:sp modelId="{D635B18C-E5A9-4FA1-8E3A-3A3AB3590972}">
@@ -3105,8 +3075,8 @@
       </dsp:nvSpPr>
       <dsp:spPr>
         <a:xfrm>
-          <a:off x="4315145" y="1523647"/>
-          <a:ext cx="1220135" cy="632450"/>
+          <a:off x="4315145" y="1652441"/>
+          <a:ext cx="1220135" cy="579223"/>
         </a:xfrm>
         <a:prstGeom prst="rect">
           <a:avLst/>
@@ -3148,8 +3118,8 @@
             <a:buNone/>
           </a:pPr>
           <a:r>
-            <a:rPr lang="en-AU" sz="1100" kern="1200"/>
-            <a:t>hv plot</a:t>
+            <a:rPr lang="en-AU" sz="1100" kern="1200" dirty="0"/>
+            <a:t>prince</a:t>
           </a:r>
         </a:p>
         <a:p>
@@ -3165,30 +3135,12 @@
             </a:spcAft>
             <a:buNone/>
           </a:pPr>
-          <a:r>
-            <a:rPr lang="en-AU" sz="1100" kern="1200"/>
-            <a:t>Scikit-learn</a:t>
-          </a:r>
-        </a:p>
-        <a:p>
-          <a:pPr marL="0" lvl="0" indent="0" algn="ctr" defTabSz="488950">
-            <a:lnSpc>
-              <a:spcPct val="100000"/>
-            </a:lnSpc>
-            <a:spcBef>
-              <a:spcPct val="0"/>
-            </a:spcBef>
-            <a:spcAft>
-              <a:spcPct val="35000"/>
-            </a:spcAft>
-            <a:buNone/>
-          </a:pPr>
-          <a:endParaRPr lang="en-AU" sz="1100" kern="1200"/>
+          <a:endParaRPr lang="en-AU" sz="1100" kern="1200" dirty="0"/>
         </a:p>
       </dsp:txBody>
       <dsp:txXfrm>
-        <a:off x="4315145" y="1523647"/>
-        <a:ext cx="1220135" cy="632450"/>
+        <a:off x="4315145" y="1652441"/>
+        <a:ext cx="1220135" cy="579223"/>
       </dsp:txXfrm>
     </dsp:sp>
     <dsp:sp modelId="{2C534DBC-B829-430B-AA56-314832889084}">
@@ -3198,7 +3150,7 @@
       </dsp:nvSpPr>
       <dsp:spPr>
         <a:xfrm>
-          <a:off x="6145348" y="817830"/>
+          <a:off x="6145348" y="742263"/>
           <a:ext cx="427047" cy="427047"/>
         </a:xfrm>
         <a:prstGeom prst="rect">
@@ -3252,8 +3204,8 @@
       </dsp:nvSpPr>
       <dsp:spPr>
         <a:xfrm>
-          <a:off x="5748804" y="1302423"/>
-          <a:ext cx="1220135" cy="194459"/>
+          <a:off x="5748804" y="1233355"/>
+          <a:ext cx="1220135" cy="389298"/>
         </a:xfrm>
         <a:prstGeom prst="rect">
           <a:avLst/>
@@ -3302,8 +3254,8 @@
         </a:p>
       </dsp:txBody>
       <dsp:txXfrm>
-        <a:off x="5748804" y="1302423"/>
-        <a:ext cx="1220135" cy="194459"/>
+        <a:off x="5748804" y="1233355"/>
+        <a:ext cx="1220135" cy="389298"/>
       </dsp:txXfrm>
     </dsp:sp>
     <dsp:sp modelId="{65698291-BF23-4A1E-9AA6-3CB5AC1C3195}">
@@ -3313,8 +3265,8 @@
       </dsp:nvSpPr>
       <dsp:spPr>
         <a:xfrm>
-          <a:off x="5748804" y="1523647"/>
-          <a:ext cx="1220135" cy="632450"/>
+          <a:off x="5748804" y="1652441"/>
+          <a:ext cx="1220135" cy="579223"/>
         </a:xfrm>
         <a:prstGeom prst="rect">
           <a:avLst/>
@@ -3374,24 +3326,6 @@
             <a:buNone/>
           </a:pPr>
           <a:r>
-            <a:rPr lang="en-AU" sz="1100" kern="1200" dirty="0"/>
-            <a:t>Scikit-learn</a:t>
-          </a:r>
-        </a:p>
-        <a:p>
-          <a:pPr marL="0" lvl="0" indent="0" algn="ctr" defTabSz="488950">
-            <a:lnSpc>
-              <a:spcPct val="100000"/>
-            </a:lnSpc>
-            <a:spcBef>
-              <a:spcPct val="0"/>
-            </a:spcBef>
-            <a:spcAft>
-              <a:spcPct val="35000"/>
-            </a:spcAft>
-            <a:buNone/>
-          </a:pPr>
-          <a:r>
             <a:rPr lang="en-AU" sz="1100" kern="1200" dirty="0" err="1"/>
             <a:t>Keras</a:t>
           </a:r>
@@ -3399,11 +3333,15 @@
             <a:rPr lang="en-AU" sz="1100" kern="1200" dirty="0"/>
             <a:t>-tuner</a:t>
           </a:r>
+          <a:br>
+            <a:rPr lang="en-AU" sz="1100" kern="1200" dirty="0"/>
+          </a:br>
+          <a:endParaRPr lang="en-AU" sz="1100" kern="1200" dirty="0"/>
         </a:p>
       </dsp:txBody>
       <dsp:txXfrm>
-        <a:off x="5748804" y="1523647"/>
-        <a:ext cx="1220135" cy="632450"/>
+        <a:off x="5748804" y="1652441"/>
+        <a:ext cx="1220135" cy="579223"/>
       </dsp:txXfrm>
     </dsp:sp>
     <dsp:sp modelId="{3CBBC308-BC96-43B9-AED8-95B52C10EE9A}">
@@ -3413,7 +3351,7 @@
       </dsp:nvSpPr>
       <dsp:spPr>
         <a:xfrm>
-          <a:off x="7579007" y="817830"/>
+          <a:off x="7579007" y="742263"/>
           <a:ext cx="427047" cy="427047"/>
         </a:xfrm>
         <a:prstGeom prst="rect">
@@ -3467,8 +3405,8 @@
       </dsp:nvSpPr>
       <dsp:spPr>
         <a:xfrm>
-          <a:off x="7182463" y="1302423"/>
-          <a:ext cx="1220135" cy="194459"/>
+          <a:off x="7182463" y="1233355"/>
+          <a:ext cx="1220135" cy="389298"/>
         </a:xfrm>
         <a:prstGeom prst="rect">
           <a:avLst/>
@@ -3517,8 +3455,8 @@
         </a:p>
       </dsp:txBody>
       <dsp:txXfrm>
-        <a:off x="7182463" y="1302423"/>
-        <a:ext cx="1220135" cy="194459"/>
+        <a:off x="7182463" y="1233355"/>
+        <a:ext cx="1220135" cy="389298"/>
       </dsp:txXfrm>
     </dsp:sp>
     <dsp:sp modelId="{DAF5DCB6-AB69-4711-BE35-F9BDF67760F3}">
@@ -3528,8 +3466,8 @@
       </dsp:nvSpPr>
       <dsp:spPr>
         <a:xfrm>
-          <a:off x="7182463" y="1523647"/>
-          <a:ext cx="1220135" cy="632450"/>
+          <a:off x="7182463" y="1652441"/>
+          <a:ext cx="1220135" cy="579223"/>
         </a:xfrm>
         <a:prstGeom prst="rect">
           <a:avLst/>
@@ -3613,8 +3551,8 @@
         </a:p>
       </dsp:txBody>
       <dsp:txXfrm>
-        <a:off x="7182463" y="1523647"/>
-        <a:ext cx="1220135" cy="632450"/>
+        <a:off x="7182463" y="1652441"/>
+        <a:ext cx="1220135" cy="579223"/>
       </dsp:txXfrm>
     </dsp:sp>
     <dsp:sp modelId="{96AFB470-C46F-4EF8-8EC6-1D226E9D821A}">
@@ -3624,7 +3562,7 @@
       </dsp:nvSpPr>
       <dsp:spPr>
         <a:xfrm>
-          <a:off x="9012666" y="817830"/>
+          <a:off x="9012666" y="742263"/>
           <a:ext cx="427047" cy="427047"/>
         </a:xfrm>
         <a:prstGeom prst="rect">
@@ -3678,8 +3616,8 @@
       </dsp:nvSpPr>
       <dsp:spPr>
         <a:xfrm>
-          <a:off x="8616122" y="1302423"/>
-          <a:ext cx="1220135" cy="194459"/>
+          <a:off x="8616122" y="1233355"/>
+          <a:ext cx="1220135" cy="389298"/>
         </a:xfrm>
         <a:prstGeom prst="rect">
           <a:avLst/>
@@ -3728,8 +3666,8 @@
         </a:p>
       </dsp:txBody>
       <dsp:txXfrm>
-        <a:off x="8616122" y="1302423"/>
-        <a:ext cx="1220135" cy="194459"/>
+        <a:off x="8616122" y="1233355"/>
+        <a:ext cx="1220135" cy="389298"/>
       </dsp:txXfrm>
     </dsp:sp>
     <dsp:sp modelId="{8095579C-782C-45C2-AD03-B564165737C9}">
@@ -3739,8 +3677,8 @@
       </dsp:nvSpPr>
       <dsp:spPr>
         <a:xfrm>
-          <a:off x="8616122" y="1523647"/>
-          <a:ext cx="1220135" cy="632450"/>
+          <a:off x="8616122" y="1652441"/>
+          <a:ext cx="1220135" cy="579223"/>
         </a:xfrm>
         <a:prstGeom prst="rect">
           <a:avLst/>
@@ -3826,8 +3764,8 @@
         </a:p>
       </dsp:txBody>
       <dsp:txXfrm>
-        <a:off x="8616122" y="1523647"/>
-        <a:ext cx="1220135" cy="632450"/>
+        <a:off x="8616122" y="1652441"/>
+        <a:ext cx="1220135" cy="579223"/>
       </dsp:txXfrm>
     </dsp:sp>
     <dsp:sp modelId="{DFC2528F-E8E1-4B0B-809E-08F06CC6DE63}">
@@ -3837,7 +3775,7 @@
       </dsp:nvSpPr>
       <dsp:spPr>
         <a:xfrm>
-          <a:off x="10446325" y="817830"/>
+          <a:off x="10446325" y="742263"/>
           <a:ext cx="427047" cy="427047"/>
         </a:xfrm>
         <a:prstGeom prst="rect">
@@ -3891,8 +3829,8 @@
       </dsp:nvSpPr>
       <dsp:spPr>
         <a:xfrm>
-          <a:off x="10049781" y="1302423"/>
-          <a:ext cx="1220135" cy="194459"/>
+          <a:off x="10049781" y="1233355"/>
+          <a:ext cx="1220135" cy="389298"/>
         </a:xfrm>
         <a:prstGeom prst="rect">
           <a:avLst/>
@@ -3941,8 +3879,8 @@
         </a:p>
       </dsp:txBody>
       <dsp:txXfrm>
-        <a:off x="10049781" y="1302423"/>
-        <a:ext cx="1220135" cy="194459"/>
+        <a:off x="10049781" y="1233355"/>
+        <a:ext cx="1220135" cy="389298"/>
       </dsp:txXfrm>
     </dsp:sp>
     <dsp:sp modelId="{8B41FB10-1450-44A7-8C5B-2BEA077EF5DA}">
@@ -3952,8 +3890,8 @@
       </dsp:nvSpPr>
       <dsp:spPr>
         <a:xfrm>
-          <a:off x="10049781" y="1523647"/>
-          <a:ext cx="1220135" cy="632450"/>
+          <a:off x="10049781" y="1652441"/>
+          <a:ext cx="1220135" cy="579223"/>
         </a:xfrm>
         <a:prstGeom prst="rect">
           <a:avLst/>
@@ -4001,8 +3939,8 @@
         </a:p>
       </dsp:txBody>
       <dsp:txXfrm>
-        <a:off x="10049781" y="1523647"/>
-        <a:ext cx="1220135" cy="632450"/>
+        <a:off x="10049781" y="1652441"/>
+        <a:ext cx="1220135" cy="579223"/>
       </dsp:txXfrm>
     </dsp:sp>
   </dsp:spTree>
@@ -5244,6 +5182,440 @@
 </dgm:styleDef>
 </file>
 
+<file path=ppt/notesMasters/notesMaster1.xml><?xml version="1.0" encoding="utf-8"?>
+<p:notesMaster xmlns:a="http://schemas.openxmlformats.org/drawingml/2006/main" xmlns:r="http://schemas.openxmlformats.org/officeDocument/2006/relationships" xmlns:p="http://schemas.openxmlformats.org/presentationml/2006/main">
+  <p:cSld>
+    <p:bg>
+      <p:bgRef idx="1001">
+        <a:schemeClr val="bg1"/>
+      </p:bgRef>
+    </p:bg>
+    <p:spTree>
+      <p:nvGrpSpPr>
+        <p:cNvPr id="1" name=""/>
+        <p:cNvGrpSpPr/>
+        <p:nvPr/>
+      </p:nvGrpSpPr>
+      <p:grpSpPr>
+        <a:xfrm>
+          <a:off x="0" y="0"/>
+          <a:ext cx="0" cy="0"/>
+          <a:chOff x="0" y="0"/>
+          <a:chExt cx="0" cy="0"/>
+        </a:xfrm>
+      </p:grpSpPr>
+      <p:sp>
+        <p:nvSpPr>
+          <p:cNvPr id="2" name="Header Placeholder 1"/>
+          <p:cNvSpPr>
+            <a:spLocks noGrp="1"/>
+          </p:cNvSpPr>
+          <p:nvPr>
+            <p:ph type="hdr" sz="quarter"/>
+          </p:nvPr>
+        </p:nvSpPr>
+        <p:spPr>
+          <a:xfrm>
+            <a:off x="0" y="0"/>
+            <a:ext cx="2971800" cy="458788"/>
+          </a:xfrm>
+          <a:prstGeom prst="rect">
+            <a:avLst/>
+          </a:prstGeom>
+        </p:spPr>
+        <p:txBody>
+          <a:bodyPr vert="horz" lIns="91440" tIns="45720" rIns="91440" bIns="45720" rtlCol="0"/>
+          <a:lstStyle>
+            <a:lvl1pPr algn="l">
+              <a:defRPr sz="1200"/>
+            </a:lvl1pPr>
+          </a:lstStyle>
+          <a:p>
+            <a:endParaRPr lang="en-AU"/>
+          </a:p>
+        </p:txBody>
+      </p:sp>
+      <p:sp>
+        <p:nvSpPr>
+          <p:cNvPr id="3" name="Date Placeholder 2"/>
+          <p:cNvSpPr>
+            <a:spLocks noGrp="1"/>
+          </p:cNvSpPr>
+          <p:nvPr>
+            <p:ph type="dt" idx="1"/>
+          </p:nvPr>
+        </p:nvSpPr>
+        <p:spPr>
+          <a:xfrm>
+            <a:off x="3884613" y="0"/>
+            <a:ext cx="2971800" cy="458788"/>
+          </a:xfrm>
+          <a:prstGeom prst="rect">
+            <a:avLst/>
+          </a:prstGeom>
+        </p:spPr>
+        <p:txBody>
+          <a:bodyPr vert="horz" lIns="91440" tIns="45720" rIns="91440" bIns="45720" rtlCol="0"/>
+          <a:lstStyle>
+            <a:lvl1pPr algn="r">
+              <a:defRPr sz="1200"/>
+            </a:lvl1pPr>
+          </a:lstStyle>
+          <a:p>
+            <a:fld id="{986F7E7D-7DF0-4582-A97D-BA94D3F8F312}" type="datetimeFigureOut">
+              <a:rPr lang="en-AU" smtClean="0"/>
+              <a:t>5/08/2024</a:t>
+            </a:fld>
+            <a:endParaRPr lang="en-AU"/>
+          </a:p>
+        </p:txBody>
+      </p:sp>
+      <p:sp>
+        <p:nvSpPr>
+          <p:cNvPr id="4" name="Slide Image Placeholder 3"/>
+          <p:cNvSpPr>
+            <a:spLocks noGrp="1" noRot="1" noChangeAspect="1"/>
+          </p:cNvSpPr>
+          <p:nvPr>
+            <p:ph type="sldImg" idx="2"/>
+          </p:nvPr>
+        </p:nvSpPr>
+        <p:spPr>
+          <a:xfrm>
+            <a:off x="685800" y="1143000"/>
+            <a:ext cx="5486400" cy="3086100"/>
+          </a:xfrm>
+          <a:prstGeom prst="rect">
+            <a:avLst/>
+          </a:prstGeom>
+          <a:noFill/>
+          <a:ln w="12700">
+            <a:solidFill>
+              <a:prstClr val="black"/>
+            </a:solidFill>
+          </a:ln>
+        </p:spPr>
+        <p:txBody>
+          <a:bodyPr vert="horz" lIns="91440" tIns="45720" rIns="91440" bIns="45720" rtlCol="0" anchor="ctr"/>
+          <a:lstStyle/>
+          <a:p>
+            <a:endParaRPr lang="en-AU"/>
+          </a:p>
+        </p:txBody>
+      </p:sp>
+      <p:sp>
+        <p:nvSpPr>
+          <p:cNvPr id="5" name="Notes Placeholder 4"/>
+          <p:cNvSpPr>
+            <a:spLocks noGrp="1"/>
+          </p:cNvSpPr>
+          <p:nvPr>
+            <p:ph type="body" sz="quarter" idx="3"/>
+          </p:nvPr>
+        </p:nvSpPr>
+        <p:spPr>
+          <a:xfrm>
+            <a:off x="685800" y="4400550"/>
+            <a:ext cx="5486400" cy="3600450"/>
+          </a:xfrm>
+          <a:prstGeom prst="rect">
+            <a:avLst/>
+          </a:prstGeom>
+        </p:spPr>
+        <p:txBody>
+          <a:bodyPr vert="horz" lIns="91440" tIns="45720" rIns="91440" bIns="45720" rtlCol="0"/>
+          <a:lstStyle/>
+          <a:p>
+            <a:pPr lvl="0"/>
+            <a:r>
+              <a:rPr lang="en-US"/>
+              <a:t>Click to edit Master text styles</a:t>
+            </a:r>
+          </a:p>
+          <a:p>
+            <a:pPr lvl="1"/>
+            <a:r>
+              <a:rPr lang="en-US"/>
+              <a:t>Second level</a:t>
+            </a:r>
+          </a:p>
+          <a:p>
+            <a:pPr lvl="2"/>
+            <a:r>
+              <a:rPr lang="en-US"/>
+              <a:t>Third level</a:t>
+            </a:r>
+          </a:p>
+          <a:p>
+            <a:pPr lvl="3"/>
+            <a:r>
+              <a:rPr lang="en-US"/>
+              <a:t>Fourth level</a:t>
+            </a:r>
+          </a:p>
+          <a:p>
+            <a:pPr lvl="4"/>
+            <a:r>
+              <a:rPr lang="en-US"/>
+              <a:t>Fifth level</a:t>
+            </a:r>
+            <a:endParaRPr lang="en-AU"/>
+          </a:p>
+        </p:txBody>
+      </p:sp>
+      <p:sp>
+        <p:nvSpPr>
+          <p:cNvPr id="6" name="Footer Placeholder 5"/>
+          <p:cNvSpPr>
+            <a:spLocks noGrp="1"/>
+          </p:cNvSpPr>
+          <p:nvPr>
+            <p:ph type="ftr" sz="quarter" idx="4"/>
+          </p:nvPr>
+        </p:nvSpPr>
+        <p:spPr>
+          <a:xfrm>
+            <a:off x="0" y="8685213"/>
+            <a:ext cx="2971800" cy="458787"/>
+          </a:xfrm>
+          <a:prstGeom prst="rect">
+            <a:avLst/>
+          </a:prstGeom>
+        </p:spPr>
+        <p:txBody>
+          <a:bodyPr vert="horz" lIns="91440" tIns="45720" rIns="91440" bIns="45720" rtlCol="0" anchor="b"/>
+          <a:lstStyle>
+            <a:lvl1pPr algn="l">
+              <a:defRPr sz="1200"/>
+            </a:lvl1pPr>
+          </a:lstStyle>
+          <a:p>
+            <a:endParaRPr lang="en-AU"/>
+          </a:p>
+        </p:txBody>
+      </p:sp>
+      <p:sp>
+        <p:nvSpPr>
+          <p:cNvPr id="7" name="Slide Number Placeholder 6"/>
+          <p:cNvSpPr>
+            <a:spLocks noGrp="1"/>
+          </p:cNvSpPr>
+          <p:nvPr>
+            <p:ph type="sldNum" sz="quarter" idx="5"/>
+          </p:nvPr>
+        </p:nvSpPr>
+        <p:spPr>
+          <a:xfrm>
+            <a:off x="3884613" y="8685213"/>
+            <a:ext cx="2971800" cy="458787"/>
+          </a:xfrm>
+          <a:prstGeom prst="rect">
+            <a:avLst/>
+          </a:prstGeom>
+        </p:spPr>
+        <p:txBody>
+          <a:bodyPr vert="horz" lIns="91440" tIns="45720" rIns="91440" bIns="45720" rtlCol="0" anchor="b"/>
+          <a:lstStyle>
+            <a:lvl1pPr algn="r">
+              <a:defRPr sz="1200"/>
+            </a:lvl1pPr>
+          </a:lstStyle>
+          <a:p>
+            <a:fld id="{C8CD50B8-DAA4-4008-8647-04ED2F15A986}" type="slidenum">
+              <a:rPr lang="en-AU" smtClean="0"/>
+              <a:t>‹#›</a:t>
+            </a:fld>
+            <a:endParaRPr lang="en-AU"/>
+          </a:p>
+        </p:txBody>
+      </p:sp>
+    </p:spTree>
+    <p:extLst>
+      <p:ext uri="{BB962C8B-B14F-4D97-AF65-F5344CB8AC3E}">
+        <p14:creationId xmlns:p14="http://schemas.microsoft.com/office/powerpoint/2010/main" val="1038526141"/>
+      </p:ext>
+    </p:extLst>
+  </p:cSld>
+  <p:clrMap bg1="lt1" tx1="dk1" bg2="lt2" tx2="dk2" accent1="accent1" accent2="accent2" accent3="accent3" accent4="accent4" accent5="accent5" accent6="accent6" hlink="hlink" folHlink="folHlink"/>
+  <p:notesStyle>
+    <a:lvl1pPr marL="0" algn="l" defTabSz="914400" rtl="0" eaLnBrk="1" latinLnBrk="0" hangingPunct="1">
+      <a:defRPr sz="1200" kern="1200">
+        <a:solidFill>
+          <a:schemeClr val="tx1"/>
+        </a:solidFill>
+        <a:latin typeface="+mn-lt"/>
+        <a:ea typeface="+mn-ea"/>
+        <a:cs typeface="+mn-cs"/>
+      </a:defRPr>
+    </a:lvl1pPr>
+    <a:lvl2pPr marL="457200" algn="l" defTabSz="914400" rtl="0" eaLnBrk="1" latinLnBrk="0" hangingPunct="1">
+      <a:defRPr sz="1200" kern="1200">
+        <a:solidFill>
+          <a:schemeClr val="tx1"/>
+        </a:solidFill>
+        <a:latin typeface="+mn-lt"/>
+        <a:ea typeface="+mn-ea"/>
+        <a:cs typeface="+mn-cs"/>
+      </a:defRPr>
+    </a:lvl2pPr>
+    <a:lvl3pPr marL="914400" algn="l" defTabSz="914400" rtl="0" eaLnBrk="1" latinLnBrk="0" hangingPunct="1">
+      <a:defRPr sz="1200" kern="1200">
+        <a:solidFill>
+          <a:schemeClr val="tx1"/>
+        </a:solidFill>
+        <a:latin typeface="+mn-lt"/>
+        <a:ea typeface="+mn-ea"/>
+        <a:cs typeface="+mn-cs"/>
+      </a:defRPr>
+    </a:lvl3pPr>
+    <a:lvl4pPr marL="1371600" algn="l" defTabSz="914400" rtl="0" eaLnBrk="1" latinLnBrk="0" hangingPunct="1">
+      <a:defRPr sz="1200" kern="1200">
+        <a:solidFill>
+          <a:schemeClr val="tx1"/>
+        </a:solidFill>
+        <a:latin typeface="+mn-lt"/>
+        <a:ea typeface="+mn-ea"/>
+        <a:cs typeface="+mn-cs"/>
+      </a:defRPr>
+    </a:lvl4pPr>
+    <a:lvl5pPr marL="1828800" algn="l" defTabSz="914400" rtl="0" eaLnBrk="1" latinLnBrk="0" hangingPunct="1">
+      <a:defRPr sz="1200" kern="1200">
+        <a:solidFill>
+          <a:schemeClr val="tx1"/>
+        </a:solidFill>
+        <a:latin typeface="+mn-lt"/>
+        <a:ea typeface="+mn-ea"/>
+        <a:cs typeface="+mn-cs"/>
+      </a:defRPr>
+    </a:lvl5pPr>
+    <a:lvl6pPr marL="2286000" algn="l" defTabSz="914400" rtl="0" eaLnBrk="1" latinLnBrk="0" hangingPunct="1">
+      <a:defRPr sz="1200" kern="1200">
+        <a:solidFill>
+          <a:schemeClr val="tx1"/>
+        </a:solidFill>
+        <a:latin typeface="+mn-lt"/>
+        <a:ea typeface="+mn-ea"/>
+        <a:cs typeface="+mn-cs"/>
+      </a:defRPr>
+    </a:lvl6pPr>
+    <a:lvl7pPr marL="2743200" algn="l" defTabSz="914400" rtl="0" eaLnBrk="1" latinLnBrk="0" hangingPunct="1">
+      <a:defRPr sz="1200" kern="1200">
+        <a:solidFill>
+          <a:schemeClr val="tx1"/>
+        </a:solidFill>
+        <a:latin typeface="+mn-lt"/>
+        <a:ea typeface="+mn-ea"/>
+        <a:cs typeface="+mn-cs"/>
+      </a:defRPr>
+    </a:lvl7pPr>
+    <a:lvl8pPr marL="3200400" algn="l" defTabSz="914400" rtl="0" eaLnBrk="1" latinLnBrk="0" hangingPunct="1">
+      <a:defRPr sz="1200" kern="1200">
+        <a:solidFill>
+          <a:schemeClr val="tx1"/>
+        </a:solidFill>
+        <a:latin typeface="+mn-lt"/>
+        <a:ea typeface="+mn-ea"/>
+        <a:cs typeface="+mn-cs"/>
+      </a:defRPr>
+    </a:lvl8pPr>
+    <a:lvl9pPr marL="3657600" algn="l" defTabSz="914400" rtl="0" eaLnBrk="1" latinLnBrk="0" hangingPunct="1">
+      <a:defRPr sz="1200" kern="1200">
+        <a:solidFill>
+          <a:schemeClr val="tx1"/>
+        </a:solidFill>
+        <a:latin typeface="+mn-lt"/>
+        <a:ea typeface="+mn-ea"/>
+        <a:cs typeface="+mn-cs"/>
+      </a:defRPr>
+    </a:lvl9pPr>
+  </p:notesStyle>
+</p:notesMaster>
+</file>
+
+<file path=ppt/notesSlides/notesSlide1.xml><?xml version="1.0" encoding="utf-8"?>
+<p:notes xmlns:a="http://schemas.openxmlformats.org/drawingml/2006/main" xmlns:r="http://schemas.openxmlformats.org/officeDocument/2006/relationships" xmlns:p="http://schemas.openxmlformats.org/presentationml/2006/main">
+  <p:cSld>
+    <p:spTree>
+      <p:nvGrpSpPr>
+        <p:cNvPr id="1" name=""/>
+        <p:cNvGrpSpPr/>
+        <p:nvPr/>
+      </p:nvGrpSpPr>
+      <p:grpSpPr>
+        <a:xfrm>
+          <a:off x="0" y="0"/>
+          <a:ext cx="0" cy="0"/>
+          <a:chOff x="0" y="0"/>
+          <a:chExt cx="0" cy="0"/>
+        </a:xfrm>
+      </p:grpSpPr>
+      <p:sp>
+        <p:nvSpPr>
+          <p:cNvPr id="2" name="Slide Image Placeholder 1"/>
+          <p:cNvSpPr>
+            <a:spLocks noGrp="1" noRot="1" noChangeAspect="1"/>
+          </p:cNvSpPr>
+          <p:nvPr>
+            <p:ph type="sldImg"/>
+          </p:nvPr>
+        </p:nvSpPr>
+        <p:spPr/>
+      </p:sp>
+      <p:sp>
+        <p:nvSpPr>
+          <p:cNvPr id="3" name="Notes Placeholder 2"/>
+          <p:cNvSpPr>
+            <a:spLocks noGrp="1"/>
+          </p:cNvSpPr>
+          <p:nvPr>
+            <p:ph type="body" idx="1"/>
+          </p:nvPr>
+        </p:nvSpPr>
+        <p:spPr/>
+        <p:txBody>
+          <a:bodyPr/>
+          <a:lstStyle/>
+          <a:p>
+            <a:endParaRPr lang="en-AU" dirty="0"/>
+          </a:p>
+        </p:txBody>
+      </p:sp>
+      <p:sp>
+        <p:nvSpPr>
+          <p:cNvPr id="4" name="Slide Number Placeholder 3"/>
+          <p:cNvSpPr>
+            <a:spLocks noGrp="1"/>
+          </p:cNvSpPr>
+          <p:nvPr>
+            <p:ph type="sldNum" sz="quarter" idx="5"/>
+          </p:nvPr>
+        </p:nvSpPr>
+        <p:spPr/>
+        <p:txBody>
+          <a:bodyPr/>
+          <a:lstStyle/>
+          <a:p>
+            <a:fld id="{C8CD50B8-DAA4-4008-8647-04ED2F15A986}" type="slidenum">
+              <a:rPr lang="en-AU" smtClean="0"/>
+              <a:t>3</a:t>
+            </a:fld>
+            <a:endParaRPr lang="en-AU"/>
+          </a:p>
+        </p:txBody>
+      </p:sp>
+    </p:spTree>
+    <p:extLst>
+      <p:ext uri="{BB962C8B-B14F-4D97-AF65-F5344CB8AC3E}">
+        <p14:creationId xmlns:p14="http://schemas.microsoft.com/office/powerpoint/2010/main" val="882579849"/>
+      </p:ext>
+    </p:extLst>
+  </p:cSld>
+  <p:clrMapOvr>
+    <a:masterClrMapping/>
+  </p:clrMapOvr>
+</p:notes>
+</file>
+
 <file path=ppt/slideLayouts/slideLayout1.xml><?xml version="1.0" encoding="utf-8"?>
 <p:sldLayout xmlns:a="http://schemas.openxmlformats.org/drawingml/2006/main" xmlns:r="http://schemas.openxmlformats.org/officeDocument/2006/relationships" xmlns:p="http://schemas.openxmlformats.org/presentationml/2006/main" type="title" preserve="1">
   <p:cSld name="Title Slide">
@@ -5482,7 +5854,7 @@
           <a:p>
             <a:fld id="{ED291B17-9318-49DB-B28B-6E5994AE9581}" type="datetime1">
               <a:rPr lang="en-US" smtClean="0"/>
-              <a:t>7/30/2024</a:t>
+              <a:t>8/5/2024</a:t>
             </a:fld>
             <a:endParaRPr lang="en-US" dirty="0"/>
           </a:p>
@@ -5685,7 +6057,7 @@
           <a:p>
             <a:fld id="{2CED4963-E985-44C4-B8C4-FDD613B7C2F8}" type="datetime1">
               <a:rPr lang="en-US" smtClean="0"/>
-              <a:t>7/30/2024</a:t>
+              <a:t>8/5/2024</a:t>
             </a:fld>
             <a:endParaRPr lang="en-US" dirty="0"/>
           </a:p>
@@ -6047,7 +6419,7 @@
           <a:p>
             <a:fld id="{ED291B17-9318-49DB-B28B-6E5994AE9581}" type="datetime1">
               <a:rPr lang="en-US" smtClean="0"/>
-              <a:t>7/30/2024</a:t>
+              <a:t>8/5/2024</a:t>
             </a:fld>
             <a:endParaRPr lang="en-US" dirty="0"/>
           </a:p>
@@ -6245,7 +6617,7 @@
           <a:p>
             <a:fld id="{78DD82B9-B8EE-4375-B6FF-88FA6ABB15D9}" type="datetime1">
               <a:rPr lang="en-US" smtClean="0"/>
-              <a:t>7/30/2024</a:t>
+              <a:t>8/5/2024</a:t>
             </a:fld>
             <a:endParaRPr lang="en-US" dirty="0"/>
           </a:p>
@@ -6557,7 +6929,7 @@
           <a:p>
             <a:fld id="{B2497495-0637-405E-AE64-5CC7506D51F5}" type="datetime1">
               <a:rPr lang="en-US" smtClean="0"/>
-              <a:t>7/30/2024</a:t>
+              <a:t>8/5/2024</a:t>
             </a:fld>
             <a:endParaRPr lang="en-US" dirty="0"/>
           </a:p>
@@ -6810,7 +7182,7 @@
           <a:p>
             <a:fld id="{7BFFD690-9426-415D-8B65-26881E07B2D4}" type="datetime1">
               <a:rPr lang="en-US" smtClean="0"/>
-              <a:t>7/30/2024</a:t>
+              <a:t>8/5/2024</a:t>
             </a:fld>
             <a:endParaRPr lang="en-US" dirty="0"/>
           </a:p>
@@ -7232,7 +7604,7 @@
           <a:p>
             <a:fld id="{04C4989A-474C-40DE-95B9-011C28B71673}" type="datetime1">
               <a:rPr lang="en-US" smtClean="0"/>
-              <a:t>7/30/2024</a:t>
+              <a:t>8/5/2024</a:t>
             </a:fld>
             <a:endParaRPr lang="en-US" dirty="0"/>
           </a:p>
@@ -7355,7 +7727,7 @@
           <a:p>
             <a:fld id="{5DB4ED54-5B5E-4A04-93D3-5772E3CE3818}" type="datetime1">
               <a:rPr lang="en-US" smtClean="0"/>
-              <a:t>7/30/2024</a:t>
+              <a:t>8/5/2024</a:t>
             </a:fld>
             <a:endParaRPr lang="en-US" dirty="0"/>
           </a:p>
@@ -7450,7 +7822,7 @@
           <a:p>
             <a:fld id="{4EDE50D6-574B-40AF-946F-D52A04ADE379}" type="datetime1">
               <a:rPr lang="en-US" smtClean="0"/>
-              <a:t>7/30/2024</a:t>
+              <a:t>8/5/2024</a:t>
             </a:fld>
             <a:endParaRPr lang="en-US" dirty="0"/>
           </a:p>
@@ -7827,7 +8199,7 @@
           <a:p>
             <a:fld id="{D82884F1-FFEA-405F-9602-3DCA865EDA4E}" type="datetime1">
               <a:rPr lang="en-US" smtClean="0"/>
-              <a:t>7/30/2024</a:t>
+              <a:t>8/5/2024</a:t>
             </a:fld>
             <a:endParaRPr lang="en-US" dirty="0"/>
           </a:p>
@@ -8120,7 +8492,7 @@
           <a:p>
             <a:fld id="{7E18DB4A-8810-4A10-AD5C-D5E2C667F5B3}" type="datetime1">
               <a:rPr lang="en-US" smtClean="0"/>
-              <a:t>7/30/2024</a:t>
+              <a:t>8/5/2024</a:t>
             </a:fld>
             <a:endParaRPr lang="en-US" dirty="0"/>
           </a:p>
@@ -8335,7 +8707,7 @@
           <a:p>
             <a:fld id="{ED291B17-9318-49DB-B28B-6E5994AE9581}" type="datetime1">
               <a:rPr lang="en-US" smtClean="0"/>
-              <a:t>7/30/2024</a:t>
+              <a:t>8/5/2024</a:t>
             </a:fld>
             <a:endParaRPr lang="en-US" dirty="0"/>
           </a:p>
@@ -9332,6 +9704,1099 @@
 </p:sld>
 </file>
 
+<file path=ppt/slides/slide10.xml><?xml version="1.0" encoding="utf-8"?>
+<p:sld xmlns:a="http://schemas.openxmlformats.org/drawingml/2006/main" xmlns:r="http://schemas.openxmlformats.org/officeDocument/2006/relationships" xmlns:p="http://schemas.openxmlformats.org/presentationml/2006/main">
+  <p:cSld>
+    <p:spTree>
+      <p:nvGrpSpPr>
+        <p:cNvPr id="1" name=""/>
+        <p:cNvGrpSpPr/>
+        <p:nvPr/>
+      </p:nvGrpSpPr>
+      <p:grpSpPr>
+        <a:xfrm>
+          <a:off x="0" y="0"/>
+          <a:ext cx="0" cy="0"/>
+          <a:chOff x="0" y="0"/>
+          <a:chExt cx="0" cy="0"/>
+        </a:xfrm>
+      </p:grpSpPr>
+      <p:pic>
+        <p:nvPicPr>
+          <p:cNvPr id="3074" name="Picture 2">
+            <a:extLst>
+              <a:ext uri="{FF2B5EF4-FFF2-40B4-BE49-F238E27FC236}">
+                <a16:creationId xmlns:a16="http://schemas.microsoft.com/office/drawing/2014/main" id="{3B4BD5C2-F022-32EE-0D65-B02B35A5703F}"/>
+              </a:ext>
+            </a:extLst>
+          </p:cNvPr>
+          <p:cNvPicPr>
+            <a:picLocks noChangeAspect="1" noChangeArrowheads="1"/>
+          </p:cNvPicPr>
+          <p:nvPr/>
+        </p:nvPicPr>
+        <p:blipFill>
+          <a:blip r:embed="rId2">
+            <a:extLst>
+              <a:ext uri="{28A0092B-C50C-407E-A947-70E740481C1C}">
+                <a14:useLocalDpi xmlns:a14="http://schemas.microsoft.com/office/drawing/2010/main" val="0"/>
+              </a:ext>
+            </a:extLst>
+          </a:blip>
+          <a:srcRect/>
+          <a:stretch>
+            <a:fillRect/>
+          </a:stretch>
+        </p:blipFill>
+        <p:spPr bwMode="auto">
+          <a:xfrm>
+            <a:off x="581192" y="1208862"/>
+            <a:ext cx="7400608" cy="5617752"/>
+          </a:xfrm>
+          <a:prstGeom prst="rect">
+            <a:avLst/>
+          </a:prstGeom>
+          <a:noFill/>
+          <a:extLst>
+            <a:ext uri="{909E8E84-426E-40DD-AFC4-6F175D3DCCD1}">
+              <a14:hiddenFill xmlns:a14="http://schemas.microsoft.com/office/drawing/2010/main">
+                <a:solidFill>
+                  <a:srgbClr val="FFFFFF"/>
+                </a:solidFill>
+              </a14:hiddenFill>
+            </a:ext>
+          </a:extLst>
+        </p:spPr>
+      </p:pic>
+      <p:sp>
+        <p:nvSpPr>
+          <p:cNvPr id="4" name="Oval 3">
+            <a:extLst>
+              <a:ext uri="{FF2B5EF4-FFF2-40B4-BE49-F238E27FC236}">
+                <a16:creationId xmlns:a16="http://schemas.microsoft.com/office/drawing/2014/main" id="{7E5E5BFE-7DED-24B2-C5BA-E18DA99161BB}"/>
+              </a:ext>
+            </a:extLst>
+          </p:cNvPr>
+          <p:cNvSpPr/>
+          <p:nvPr/>
+        </p:nvSpPr>
+        <p:spPr>
+          <a:xfrm>
+            <a:off x="5613988" y="1477926"/>
+            <a:ext cx="287080" cy="5241853"/>
+          </a:xfrm>
+          <a:prstGeom prst="ellipse">
+            <a:avLst/>
+          </a:prstGeom>
+          <a:noFill/>
+          <a:ln>
+            <a:solidFill>
+              <a:srgbClr val="A50021"/>
+            </a:solidFill>
+          </a:ln>
+        </p:spPr>
+        <p:style>
+          <a:lnRef idx="2">
+            <a:schemeClr val="accent1">
+              <a:shade val="15000"/>
+            </a:schemeClr>
+          </a:lnRef>
+          <a:fillRef idx="1">
+            <a:schemeClr val="accent1"/>
+          </a:fillRef>
+          <a:effectRef idx="0">
+            <a:schemeClr val="accent1"/>
+          </a:effectRef>
+          <a:fontRef idx="minor">
+            <a:schemeClr val="lt1"/>
+          </a:fontRef>
+        </p:style>
+        <p:txBody>
+          <a:bodyPr rtlCol="0" anchor="ctr"/>
+          <a:lstStyle/>
+          <a:p>
+            <a:pPr algn="ctr"/>
+            <a:endParaRPr lang="en-AU"/>
+          </a:p>
+        </p:txBody>
+      </p:sp>
+      <p:sp>
+        <p:nvSpPr>
+          <p:cNvPr id="5" name="Content Placeholder 2">
+            <a:extLst>
+              <a:ext uri="{FF2B5EF4-FFF2-40B4-BE49-F238E27FC236}">
+                <a16:creationId xmlns:a16="http://schemas.microsoft.com/office/drawing/2014/main" id="{4B1279BB-C9B4-464E-ED5E-7826701DD053}"/>
+              </a:ext>
+            </a:extLst>
+          </p:cNvPr>
+          <p:cNvSpPr>
+            <a:spLocks noGrp="1"/>
+          </p:cNvSpPr>
+          <p:nvPr>
+            <p:ph idx="1"/>
+          </p:nvPr>
+        </p:nvSpPr>
+        <p:spPr>
+          <a:xfrm>
+            <a:off x="8130309" y="1435396"/>
+            <a:ext cx="3629299" cy="4454663"/>
+          </a:xfrm>
+        </p:spPr>
+        <p:txBody>
+          <a:bodyPr anchor="t">
+            <a:normAutofit fontScale="77500" lnSpcReduction="20000"/>
+          </a:bodyPr>
+          <a:lstStyle/>
+          <a:p>
+            <a:pPr marL="0" indent="0">
+              <a:buNone/>
+            </a:pPr>
+            <a:r>
+              <a:rPr lang="en-AU" b="1" dirty="0"/>
+              <a:t>Mental illness risk:</a:t>
+            </a:r>
+          </a:p>
+          <a:p>
+            <a:r>
+              <a:rPr lang="en-AU" b="1" dirty="0"/>
+              <a:t>rs798443: </a:t>
+            </a:r>
+            <a:r>
+              <a:rPr lang="en-AU" dirty="0"/>
+              <a:t>COMT gene, risk of mental illness, esp. risk of schizophrenia</a:t>
+            </a:r>
+          </a:p>
+          <a:p>
+            <a:r>
+              <a:rPr lang="en-AU" b="1" dirty="0"/>
+              <a:t>rs9511149: </a:t>
+            </a:r>
+            <a:r>
+              <a:rPr lang="en-AU" dirty="0"/>
+              <a:t>stress response</a:t>
+            </a:r>
+          </a:p>
+          <a:p>
+            <a:endParaRPr lang="en-AU" dirty="0"/>
+          </a:p>
+          <a:p>
+            <a:pPr marL="0" indent="0">
+              <a:buNone/>
+            </a:pPr>
+            <a:r>
+              <a:rPr lang="en-AU" b="1" dirty="0"/>
+              <a:t>Diabetes &amp; CVD risk:</a:t>
+            </a:r>
+          </a:p>
+          <a:p>
+            <a:r>
+              <a:rPr lang="en-AU" b="1" dirty="0"/>
+              <a:t>rs4833103: </a:t>
+            </a:r>
+            <a:r>
+              <a:rPr lang="en-AU" dirty="0"/>
+              <a:t>insulin sensitivity</a:t>
+            </a:r>
+          </a:p>
+          <a:p>
+            <a:r>
+              <a:rPr lang="en-AU" b="1" dirty="0"/>
+              <a:t>rs7657799: </a:t>
+            </a:r>
+            <a:r>
+              <a:rPr lang="en-AU" dirty="0"/>
+              <a:t>reg of blood pressure</a:t>
+            </a:r>
+          </a:p>
+          <a:p>
+            <a:r>
+              <a:rPr lang="en-AU" b="1" dirty="0"/>
+              <a:t>rs2238151: </a:t>
+            </a:r>
+            <a:r>
+              <a:rPr lang="en-AU" dirty="0"/>
+              <a:t>reg of glucose</a:t>
+            </a:r>
+          </a:p>
+          <a:p>
+            <a:r>
+              <a:rPr lang="en-AU" b="1" dirty="0"/>
+              <a:t>rs4891825: </a:t>
+            </a:r>
+            <a:r>
+              <a:rPr lang="en-AU" dirty="0"/>
+              <a:t>CVD risk</a:t>
+            </a:r>
+          </a:p>
+          <a:p>
+            <a:endParaRPr lang="en-AU" b="1" dirty="0"/>
+          </a:p>
+          <a:p>
+            <a:pPr marL="0" indent="0">
+              <a:buNone/>
+            </a:pPr>
+            <a:r>
+              <a:rPr lang="en-AU" b="1" dirty="0"/>
+              <a:t>Physical features:</a:t>
+            </a:r>
+          </a:p>
+          <a:p>
+            <a:r>
+              <a:rPr lang="en-AU" b="1" dirty="0"/>
+              <a:t>rs12913832: </a:t>
+            </a:r>
+            <a:r>
+              <a:rPr lang="en-AU" dirty="0"/>
+              <a:t>eye colour, esp. determination of brown vs. blue</a:t>
+            </a:r>
+          </a:p>
+        </p:txBody>
+      </p:sp>
+    </p:spTree>
+    <p:extLst>
+      <p:ext uri="{BB962C8B-B14F-4D97-AF65-F5344CB8AC3E}">
+        <p14:creationId xmlns:p14="http://schemas.microsoft.com/office/powerpoint/2010/main" val="2850945141"/>
+      </p:ext>
+    </p:extLst>
+  </p:cSld>
+  <p:clrMapOvr>
+    <a:masterClrMapping/>
+  </p:clrMapOvr>
+</p:sld>
+</file>
+
+<file path=ppt/slides/slide11.xml><?xml version="1.0" encoding="utf-8"?>
+<p:sld xmlns:a="http://schemas.openxmlformats.org/drawingml/2006/main" xmlns:r="http://schemas.openxmlformats.org/officeDocument/2006/relationships" xmlns:p="http://schemas.openxmlformats.org/presentationml/2006/main">
+  <p:cSld>
+    <p:spTree>
+      <p:nvGrpSpPr>
+        <p:cNvPr id="1" name=""/>
+        <p:cNvGrpSpPr/>
+        <p:nvPr/>
+      </p:nvGrpSpPr>
+      <p:grpSpPr>
+        <a:xfrm>
+          <a:off x="0" y="0"/>
+          <a:ext cx="0" cy="0"/>
+          <a:chOff x="0" y="0"/>
+          <a:chExt cx="0" cy="0"/>
+        </a:xfrm>
+      </p:grpSpPr>
+      <p:pic>
+        <p:nvPicPr>
+          <p:cNvPr id="4098" name="Picture 2">
+            <a:extLst>
+              <a:ext uri="{FF2B5EF4-FFF2-40B4-BE49-F238E27FC236}">
+                <a16:creationId xmlns:a16="http://schemas.microsoft.com/office/drawing/2014/main" id="{0ACA15AD-14DD-FD15-05E3-FD01404504FE}"/>
+              </a:ext>
+            </a:extLst>
+          </p:cNvPr>
+          <p:cNvPicPr>
+            <a:picLocks noChangeAspect="1" noChangeArrowheads="1"/>
+          </p:cNvPicPr>
+          <p:nvPr/>
+        </p:nvPicPr>
+        <p:blipFill>
+          <a:blip r:embed="rId2">
+            <a:extLst>
+              <a:ext uri="{28A0092B-C50C-407E-A947-70E740481C1C}">
+                <a14:useLocalDpi xmlns:a14="http://schemas.microsoft.com/office/drawing/2010/main" val="0"/>
+              </a:ext>
+            </a:extLst>
+          </a:blip>
+          <a:srcRect/>
+          <a:stretch>
+            <a:fillRect/>
+          </a:stretch>
+        </p:blipFill>
+        <p:spPr bwMode="auto">
+          <a:xfrm>
+            <a:off x="644533" y="1219655"/>
+            <a:ext cx="7273925" cy="5599315"/>
+          </a:xfrm>
+          <a:prstGeom prst="rect">
+            <a:avLst/>
+          </a:prstGeom>
+          <a:noFill/>
+          <a:extLst>
+            <a:ext uri="{909E8E84-426E-40DD-AFC4-6F175D3DCCD1}">
+              <a14:hiddenFill xmlns:a14="http://schemas.microsoft.com/office/drawing/2010/main">
+                <a:solidFill>
+                  <a:srgbClr val="FFFFFF"/>
+                </a:solidFill>
+              </a14:hiddenFill>
+            </a:ext>
+          </a:extLst>
+        </p:spPr>
+      </p:pic>
+      <p:sp>
+        <p:nvSpPr>
+          <p:cNvPr id="3" name="Content Placeholder 2">
+            <a:extLst>
+              <a:ext uri="{FF2B5EF4-FFF2-40B4-BE49-F238E27FC236}">
+                <a16:creationId xmlns:a16="http://schemas.microsoft.com/office/drawing/2014/main" id="{CE568E61-A07A-DC89-2BFC-474C2391628F}"/>
+              </a:ext>
+            </a:extLst>
+          </p:cNvPr>
+          <p:cNvSpPr>
+            <a:spLocks noGrp="1"/>
+          </p:cNvSpPr>
+          <p:nvPr>
+            <p:ph idx="1"/>
+          </p:nvPr>
+        </p:nvSpPr>
+        <p:spPr>
+          <a:xfrm>
+            <a:off x="8130309" y="1435396"/>
+            <a:ext cx="3629299" cy="4454663"/>
+          </a:xfrm>
+        </p:spPr>
+        <p:txBody>
+          <a:bodyPr anchor="t">
+            <a:normAutofit/>
+          </a:bodyPr>
+          <a:lstStyle/>
+          <a:p>
+            <a:pPr marL="0" indent="0">
+              <a:buNone/>
+            </a:pPr>
+            <a:r>
+              <a:rPr lang="en-AU" sz="1500" b="1" dirty="0"/>
+              <a:t>Cancer risk:</a:t>
+            </a:r>
+          </a:p>
+          <a:p>
+            <a:r>
+              <a:rPr lang="en-AU" sz="1500" b="1" dirty="0"/>
+              <a:t>rs3813159: </a:t>
+            </a:r>
+            <a:r>
+              <a:rPr lang="en-AU" sz="1500" dirty="0"/>
+              <a:t>how the body responds to inflammatory signals</a:t>
+            </a:r>
+          </a:p>
+          <a:p>
+            <a:r>
+              <a:rPr lang="en-AU" sz="1500" b="1" dirty="0"/>
+              <a:t>rs917115: </a:t>
+            </a:r>
+            <a:r>
+              <a:rPr lang="en-AU" sz="1500" dirty="0"/>
+              <a:t>cell growth in relation to hormone signalling</a:t>
+            </a:r>
+          </a:p>
+          <a:p>
+            <a:r>
+              <a:rPr lang="en-AU" sz="1500" b="1" dirty="0"/>
+              <a:t>rs17642714: </a:t>
+            </a:r>
+            <a:r>
+              <a:rPr lang="en-AU" sz="1500" dirty="0"/>
+              <a:t>cell growth regulation</a:t>
+            </a:r>
+          </a:p>
+          <a:p>
+            <a:r>
+              <a:rPr lang="en-AU" sz="1500" b="1" dirty="0"/>
+              <a:t>rs7722456: </a:t>
+            </a:r>
+            <a:r>
+              <a:rPr lang="en-AU" sz="1500" dirty="0"/>
+              <a:t>cancer metastasis</a:t>
+            </a:r>
+          </a:p>
+          <a:p>
+            <a:pPr marL="0" indent="0">
+              <a:buNone/>
+            </a:pPr>
+            <a:endParaRPr lang="en-AU" dirty="0"/>
+          </a:p>
+          <a:p>
+            <a:pPr marL="0" indent="0">
+              <a:buNone/>
+            </a:pPr>
+            <a:r>
+              <a:rPr lang="en-AU" sz="1500" b="1" dirty="0"/>
+              <a:t>Obesity:</a:t>
+            </a:r>
+          </a:p>
+          <a:p>
+            <a:r>
+              <a:rPr lang="en-AU" sz="1500" b="1" dirty="0"/>
+              <a:t>rs10644</a:t>
+            </a:r>
+            <a:r>
+              <a:rPr lang="en-AU" sz="2000" b="1" dirty="0"/>
+              <a:t>: </a:t>
+            </a:r>
+            <a:r>
+              <a:rPr lang="en-AU" sz="1500" dirty="0"/>
+              <a:t>reg of energy &amp; fat storage</a:t>
+            </a:r>
+          </a:p>
+          <a:p>
+            <a:pPr marL="0" indent="0">
+              <a:buNone/>
+            </a:pPr>
+            <a:endParaRPr lang="en-AU" b="1" dirty="0"/>
+          </a:p>
+          <a:p>
+            <a:pPr marL="0" indent="0">
+              <a:buNone/>
+            </a:pPr>
+            <a:endParaRPr lang="en-AU" dirty="0"/>
+          </a:p>
+        </p:txBody>
+      </p:sp>
+    </p:spTree>
+    <p:extLst>
+      <p:ext uri="{BB962C8B-B14F-4D97-AF65-F5344CB8AC3E}">
+        <p14:creationId xmlns:p14="http://schemas.microsoft.com/office/powerpoint/2010/main" val="250012397"/>
+      </p:ext>
+    </p:extLst>
+  </p:cSld>
+  <p:clrMapOvr>
+    <a:masterClrMapping/>
+  </p:clrMapOvr>
+</p:sld>
+</file>
+
+<file path=ppt/slides/slide12.xml><?xml version="1.0" encoding="utf-8"?>
+<p:sld xmlns:a="http://schemas.openxmlformats.org/drawingml/2006/main" xmlns:r="http://schemas.openxmlformats.org/officeDocument/2006/relationships" xmlns:p="http://schemas.openxmlformats.org/presentationml/2006/main">
+  <p:cSld>
+    <p:spTree>
+      <p:nvGrpSpPr>
+        <p:cNvPr id="1" name=""/>
+        <p:cNvGrpSpPr/>
+        <p:nvPr/>
+      </p:nvGrpSpPr>
+      <p:grpSpPr>
+        <a:xfrm>
+          <a:off x="0" y="0"/>
+          <a:ext cx="0" cy="0"/>
+          <a:chOff x="0" y="0"/>
+          <a:chExt cx="0" cy="0"/>
+        </a:xfrm>
+      </p:grpSpPr>
+      <p:sp>
+        <p:nvSpPr>
+          <p:cNvPr id="2" name="Title 1">
+            <a:extLst>
+              <a:ext uri="{FF2B5EF4-FFF2-40B4-BE49-F238E27FC236}">
+                <a16:creationId xmlns:a16="http://schemas.microsoft.com/office/drawing/2014/main" id="{39634EEA-63AC-F750-98FD-FA9F2AA17503}"/>
+              </a:ext>
+            </a:extLst>
+          </p:cNvPr>
+          <p:cNvSpPr>
+            <a:spLocks noGrp="1"/>
+          </p:cNvSpPr>
+          <p:nvPr>
+            <p:ph type="title"/>
+          </p:nvPr>
+        </p:nvSpPr>
+        <p:spPr>
+          <a:xfrm>
+            <a:off x="581192" y="702156"/>
+            <a:ext cx="11029616" cy="611078"/>
+          </a:xfrm>
+        </p:spPr>
+        <p:txBody>
+          <a:bodyPr/>
+          <a:lstStyle/>
+          <a:p>
+            <a:r>
+              <a:rPr lang="en-US" dirty="0"/>
+              <a:t>Conclusions:</a:t>
+            </a:r>
+            <a:endParaRPr lang="en-AU" dirty="0"/>
+          </a:p>
+        </p:txBody>
+      </p:sp>
+      <p:sp>
+        <p:nvSpPr>
+          <p:cNvPr id="3" name="Content Placeholder 2">
+            <a:extLst>
+              <a:ext uri="{FF2B5EF4-FFF2-40B4-BE49-F238E27FC236}">
+                <a16:creationId xmlns:a16="http://schemas.microsoft.com/office/drawing/2014/main" id="{375C548C-5FAE-00FA-62DE-F8EDDDAFE8C2}"/>
+              </a:ext>
+            </a:extLst>
+          </p:cNvPr>
+          <p:cNvSpPr>
+            <a:spLocks noGrp="1"/>
+          </p:cNvSpPr>
+          <p:nvPr>
+            <p:ph idx="1"/>
+          </p:nvPr>
+        </p:nvSpPr>
+        <p:spPr>
+          <a:xfrm>
+            <a:off x="581192" y="1556426"/>
+            <a:ext cx="11029615" cy="5198704"/>
+          </a:xfrm>
+        </p:spPr>
+        <p:txBody>
+          <a:bodyPr anchor="t">
+            <a:normAutofit fontScale="92500" lnSpcReduction="10000"/>
+          </a:bodyPr>
+          <a:lstStyle/>
+          <a:p>
+            <a:r>
+              <a:rPr lang="en-AU" sz="2100" b="1" dirty="0"/>
+              <a:t>Two components explained dimensionality:</a:t>
+            </a:r>
+          </a:p>
+          <a:p>
+            <a:pPr lvl="1"/>
+            <a:r>
+              <a:rPr lang="en-AU" b="1" dirty="0"/>
+              <a:t>Component 1: </a:t>
+            </a:r>
+            <a:r>
+              <a:rPr lang="en-AU" dirty="0"/>
+              <a:t>linked with diabetes and CVD risk</a:t>
+            </a:r>
+          </a:p>
+          <a:p>
+            <a:pPr lvl="1"/>
+            <a:r>
+              <a:rPr lang="en-AU" b="1" dirty="0"/>
+              <a:t>Component 2: </a:t>
+            </a:r>
+            <a:r>
+              <a:rPr lang="en-AU" dirty="0"/>
+              <a:t>linked with cancer risk</a:t>
+            </a:r>
+          </a:p>
+          <a:p>
+            <a:pPr lvl="1"/>
+            <a:endParaRPr lang="en-AU" dirty="0"/>
+          </a:p>
+          <a:p>
+            <a:r>
+              <a:rPr lang="en-US" sz="2100" b="1" dirty="0"/>
+              <a:t>There is some evidence these are linked with ancestry:</a:t>
+            </a:r>
+          </a:p>
+          <a:p>
+            <a:pPr lvl="1"/>
+            <a:r>
+              <a:rPr lang="en-US" b="1" dirty="0"/>
+              <a:t>Diabetes</a:t>
+            </a:r>
+            <a:r>
+              <a:rPr lang="en-US" dirty="0"/>
+              <a:t>: higher risk in South Asians and Africans compared to Europeans</a:t>
+            </a:r>
+          </a:p>
+          <a:p>
+            <a:pPr lvl="1"/>
+            <a:r>
+              <a:rPr lang="en-US" b="1" dirty="0"/>
+              <a:t>CVD: </a:t>
+            </a:r>
+            <a:r>
+              <a:rPr lang="en-US" dirty="0"/>
+              <a:t>higher risk in South Asians compared to Europeans</a:t>
+            </a:r>
+          </a:p>
+          <a:p>
+            <a:pPr lvl="1"/>
+            <a:r>
+              <a:rPr lang="en-US" b="1" dirty="0"/>
+              <a:t>Cancer: </a:t>
+            </a:r>
+          </a:p>
+          <a:p>
+            <a:pPr lvl="2"/>
+            <a:r>
+              <a:rPr lang="en-US" sz="1700" dirty="0"/>
+              <a:t>Higher risk of breast, lung, and colorectal cancers in Europeans</a:t>
+            </a:r>
+          </a:p>
+          <a:p>
+            <a:pPr lvl="2"/>
+            <a:r>
+              <a:rPr lang="en-US" sz="1700" dirty="0"/>
+              <a:t>Higher risk of prostate cancer in Africans</a:t>
+            </a:r>
+          </a:p>
+          <a:p>
+            <a:pPr lvl="2"/>
+            <a:r>
+              <a:rPr lang="en-US" sz="1700" dirty="0"/>
+              <a:t>Higher risk of oral and pharyngeal cancers in South Asians</a:t>
+            </a:r>
+          </a:p>
+          <a:p>
+            <a:pPr lvl="2"/>
+            <a:endParaRPr lang="en-US" sz="1700" dirty="0"/>
+          </a:p>
+          <a:p>
+            <a:r>
+              <a:rPr lang="en-US" sz="2100" b="1" dirty="0"/>
+              <a:t>However, these factors do not neatly distinguish individuals of different ancestries </a:t>
+            </a:r>
+          </a:p>
+          <a:p>
+            <a:pPr lvl="2"/>
+            <a:endParaRPr lang="en-US" sz="1700" dirty="0"/>
+          </a:p>
+          <a:p>
+            <a:pPr lvl="2"/>
+            <a:endParaRPr lang="en-US" sz="1700" dirty="0"/>
+          </a:p>
+          <a:p>
+            <a:pPr lvl="1"/>
+            <a:endParaRPr lang="en-US" b="1" dirty="0"/>
+          </a:p>
+          <a:p>
+            <a:pPr marL="0" indent="0">
+              <a:buNone/>
+            </a:pPr>
+            <a:endParaRPr lang="en-AU" b="1" dirty="0"/>
+          </a:p>
+        </p:txBody>
+      </p:sp>
+    </p:spTree>
+    <p:extLst>
+      <p:ext uri="{BB962C8B-B14F-4D97-AF65-F5344CB8AC3E}">
+        <p14:creationId xmlns:p14="http://schemas.microsoft.com/office/powerpoint/2010/main" val="2958815268"/>
+      </p:ext>
+    </p:extLst>
+  </p:cSld>
+  <p:clrMapOvr>
+    <a:masterClrMapping/>
+  </p:clrMapOvr>
+</p:sld>
+</file>
+
+<file path=ppt/slides/slide13.xml><?xml version="1.0" encoding="utf-8"?>
+<p:sld xmlns:a="http://schemas.openxmlformats.org/drawingml/2006/main" xmlns:r="http://schemas.openxmlformats.org/officeDocument/2006/relationships" xmlns:p="http://schemas.openxmlformats.org/presentationml/2006/main">
+  <p:cSld>
+    <p:bg>
+      <p:bgPr>
+        <a:solidFill>
+          <a:schemeClr val="bg1"/>
+        </a:solidFill>
+        <a:effectLst/>
+      </p:bgPr>
+    </p:bg>
+    <p:spTree>
+      <p:nvGrpSpPr>
+        <p:cNvPr id="1" name=""/>
+        <p:cNvGrpSpPr/>
+        <p:nvPr/>
+      </p:nvGrpSpPr>
+      <p:grpSpPr>
+        <a:xfrm>
+          <a:off x="0" y="0"/>
+          <a:ext cx="0" cy="0"/>
+          <a:chOff x="0" y="0"/>
+          <a:chExt cx="0" cy="0"/>
+        </a:xfrm>
+      </p:grpSpPr>
+      <p:sp useBgFill="1">
+        <p:nvSpPr>
+          <p:cNvPr id="30" name="Rectangle 29">
+            <a:extLst>
+              <a:ext uri="{FF2B5EF4-FFF2-40B4-BE49-F238E27FC236}">
+                <a16:creationId xmlns:a16="http://schemas.microsoft.com/office/drawing/2014/main" id="{0671A8AE-40A1-4631-A6B8-581AFF065482}"/>
+              </a:ext>
+              <a:ext uri="{C183D7F6-B498-43B3-948B-1728B52AA6E4}">
+                <adec:decorative xmlns:adec="http://schemas.microsoft.com/office/drawing/2017/decorative" val="1"/>
+              </a:ext>
+            </a:extLst>
+          </p:cNvPr>
+          <p:cNvSpPr>
+            <a:spLocks noGrp="1" noRot="1" noChangeAspect="1" noMove="1" noResize="1" noEditPoints="1" noAdjustHandles="1" noChangeArrowheads="1" noChangeShapeType="1" noTextEdit="1"/>
+          </p:cNvSpPr>
+          <p:nvPr>
+            <p:extLst>
+              <p:ext uri="{386F3935-93C4-4BCD-93E2-E3B085C9AB24}">
+                <p16:designElem xmlns:p16="http://schemas.microsoft.com/office/powerpoint/2015/main" val="1"/>
+              </p:ext>
+            </p:extLst>
+          </p:nvPr>
+        </p:nvSpPr>
+        <p:spPr>
+          <a:xfrm>
+            <a:off x="0" y="0"/>
+            <a:ext cx="12192000" cy="6858000"/>
+          </a:xfrm>
+          <a:prstGeom prst="rect">
+            <a:avLst/>
+          </a:prstGeom>
+          <a:ln>
+            <a:noFill/>
+          </a:ln>
+        </p:spPr>
+        <p:style>
+          <a:lnRef idx="2">
+            <a:schemeClr val="accent1">
+              <a:shade val="50000"/>
+            </a:schemeClr>
+          </a:lnRef>
+          <a:fillRef idx="1">
+            <a:schemeClr val="accent1"/>
+          </a:fillRef>
+          <a:effectRef idx="0">
+            <a:schemeClr val="accent1"/>
+          </a:effectRef>
+          <a:fontRef idx="minor">
+            <a:schemeClr val="lt1"/>
+          </a:fontRef>
+        </p:style>
+        <p:txBody>
+          <a:bodyPr rtlCol="0" anchor="ctr"/>
+          <a:lstStyle/>
+          <a:p>
+            <a:pPr algn="ctr"/>
+            <a:endParaRPr lang="en-US"/>
+          </a:p>
+        </p:txBody>
+      </p:sp>
+      <p:pic>
+        <p:nvPicPr>
+          <p:cNvPr id="20" name="Picture 19" descr="A green dna strand with dots and lines&#10;&#10;Description automatically generated">
+            <a:extLst>
+              <a:ext uri="{FF2B5EF4-FFF2-40B4-BE49-F238E27FC236}">
+                <a16:creationId xmlns:a16="http://schemas.microsoft.com/office/drawing/2014/main" id="{AF24C77B-6C4B-94AC-7AFA-CB5EB80885FA}"/>
+              </a:ext>
+            </a:extLst>
+          </p:cNvPr>
+          <p:cNvPicPr>
+            <a:picLocks noChangeAspect="1"/>
+          </p:cNvPicPr>
+          <p:nvPr/>
+        </p:nvPicPr>
+        <p:blipFill>
+          <a:blip r:embed="rId2">
+            <a:extLst>
+              <a:ext uri="{BEBA8EAE-BF5A-486C-A8C5-ECC9F3942E4B}">
+                <a14:imgProps xmlns:a14="http://schemas.microsoft.com/office/drawing/2010/main">
+                  <a14:imgLayer r:embed="rId3">
+                    <a14:imgEffect>
+                      <a14:saturation sat="0"/>
+                    </a14:imgEffect>
+                  </a14:imgLayer>
+                </a14:imgProps>
+              </a:ext>
+            </a:extLst>
+          </a:blip>
+          <a:srcRect t="28538" r="-2" b="15863"/>
+          <a:stretch/>
+        </p:blipFill>
+        <p:spPr>
+          <a:xfrm>
+            <a:off x="20" y="10"/>
+            <a:ext cx="12191980" cy="6857990"/>
+          </a:xfrm>
+          <a:prstGeom prst="rect">
+            <a:avLst/>
+          </a:prstGeom>
+        </p:spPr>
+      </p:pic>
+      <p:sp>
+        <p:nvSpPr>
+          <p:cNvPr id="32" name="Rectangle 31">
+            <a:extLst>
+              <a:ext uri="{FF2B5EF4-FFF2-40B4-BE49-F238E27FC236}">
+                <a16:creationId xmlns:a16="http://schemas.microsoft.com/office/drawing/2014/main" id="{A44CD100-6267-4E62-AA64-2182A3A6A1C0}"/>
+              </a:ext>
+              <a:ext uri="{C183D7F6-B498-43B3-948B-1728B52AA6E4}">
+                <adec:decorative xmlns:adec="http://schemas.microsoft.com/office/drawing/2017/decorative" val="1"/>
+              </a:ext>
+            </a:extLst>
+          </p:cNvPr>
+          <p:cNvSpPr>
+            <a:spLocks noGrp="1" noRot="1" noChangeAspect="1" noMove="1" noResize="1" noEditPoints="1" noAdjustHandles="1" noChangeArrowheads="1" noChangeShapeType="1" noTextEdit="1"/>
+          </p:cNvSpPr>
+          <p:nvPr>
+            <p:extLst>
+              <p:ext uri="{386F3935-93C4-4BCD-93E2-E3B085C9AB24}">
+                <p16:designElem xmlns:p16="http://schemas.microsoft.com/office/powerpoint/2015/main" val="1"/>
+              </p:ext>
+            </p:extLst>
+          </p:nvPr>
+        </p:nvSpPr>
+        <p:spPr>
+          <a:xfrm>
+            <a:off x="3" y="0"/>
+            <a:ext cx="9339206" cy="6858000"/>
+          </a:xfrm>
+          <a:prstGeom prst="rect">
+            <a:avLst/>
+          </a:prstGeom>
+          <a:gradFill>
+            <a:gsLst>
+              <a:gs pos="58000">
+                <a:schemeClr val="tx1">
+                  <a:alpha val="30000"/>
+                </a:schemeClr>
+              </a:gs>
+              <a:gs pos="33000">
+                <a:schemeClr val="tx1">
+                  <a:alpha val="20000"/>
+                </a:schemeClr>
+              </a:gs>
+              <a:gs pos="0">
+                <a:schemeClr val="tx1">
+                  <a:alpha val="0"/>
+                </a:schemeClr>
+              </a:gs>
+              <a:gs pos="100000">
+                <a:schemeClr val="tx1">
+                  <a:alpha val="30000"/>
+                </a:schemeClr>
+              </a:gs>
+            </a:gsLst>
+            <a:lin ang="10800000" scaled="0"/>
+          </a:gradFill>
+          <a:ln>
+            <a:noFill/>
+          </a:ln>
+        </p:spPr>
+        <p:style>
+          <a:lnRef idx="2">
+            <a:schemeClr val="accent1">
+              <a:shade val="50000"/>
+            </a:schemeClr>
+          </a:lnRef>
+          <a:fillRef idx="1">
+            <a:schemeClr val="accent1"/>
+          </a:fillRef>
+          <a:effectRef idx="0">
+            <a:schemeClr val="accent1"/>
+          </a:effectRef>
+          <a:fontRef idx="minor">
+            <a:schemeClr val="lt1"/>
+          </a:fontRef>
+        </p:style>
+        <p:txBody>
+          <a:bodyPr rtlCol="0" anchor="ctr"/>
+          <a:lstStyle/>
+          <a:p>
+            <a:pPr algn="ctr"/>
+            <a:endParaRPr lang="en-US" dirty="0"/>
+          </a:p>
+        </p:txBody>
+      </p:sp>
+      <p:sp>
+        <p:nvSpPr>
+          <p:cNvPr id="5" name="Subtitle 4">
+            <a:extLst>
+              <a:ext uri="{FF2B5EF4-FFF2-40B4-BE49-F238E27FC236}">
+                <a16:creationId xmlns:a16="http://schemas.microsoft.com/office/drawing/2014/main" id="{027B12A8-80E5-A39C-A9DD-946D3741CEA9}"/>
+              </a:ext>
+            </a:extLst>
+          </p:cNvPr>
+          <p:cNvSpPr>
+            <a:spLocks noGrp="1"/>
+          </p:cNvSpPr>
+          <p:nvPr>
+            <p:ph type="subTitle" idx="1"/>
+          </p:nvPr>
+        </p:nvSpPr>
+        <p:spPr>
+          <a:xfrm>
+            <a:off x="946954" y="2539849"/>
+            <a:ext cx="6939746" cy="590321"/>
+          </a:xfrm>
+        </p:spPr>
+        <p:txBody>
+          <a:bodyPr>
+            <a:noAutofit/>
+          </a:bodyPr>
+          <a:lstStyle/>
+          <a:p>
+            <a:r>
+              <a:rPr lang="en-US" sz="4000" b="1" dirty="0"/>
+              <a:t>Classifying ancestry:</a:t>
+            </a:r>
+          </a:p>
+          <a:p>
+            <a:r>
+              <a:rPr lang="en-US" sz="4000" b="1" dirty="0"/>
+              <a:t>Neural networks</a:t>
+            </a:r>
+          </a:p>
+          <a:p>
+            <a:endParaRPr lang="en-AU" sz="4000" b="1" dirty="0"/>
+          </a:p>
+        </p:txBody>
+      </p:sp>
+    </p:spTree>
+    <p:extLst>
+      <p:ext uri="{BB962C8B-B14F-4D97-AF65-F5344CB8AC3E}">
+        <p14:creationId xmlns:p14="http://schemas.microsoft.com/office/powerpoint/2010/main" val="776845238"/>
+      </p:ext>
+    </p:extLst>
+  </p:cSld>
+  <p:clrMapOvr>
+    <a:masterClrMapping/>
+  </p:clrMapOvr>
+</p:sld>
+</file>
+
+<file path=ppt/slides/slide14.xml><?xml version="1.0" encoding="utf-8"?>
+<p:sld xmlns:a="http://schemas.openxmlformats.org/drawingml/2006/main" xmlns:r="http://schemas.openxmlformats.org/officeDocument/2006/relationships" xmlns:p="http://schemas.openxmlformats.org/presentationml/2006/main">
+  <p:cSld>
+    <p:spTree>
+      <p:nvGrpSpPr>
+        <p:cNvPr id="1" name=""/>
+        <p:cNvGrpSpPr/>
+        <p:nvPr/>
+      </p:nvGrpSpPr>
+      <p:grpSpPr>
+        <a:xfrm>
+          <a:off x="0" y="0"/>
+          <a:ext cx="0" cy="0"/>
+          <a:chOff x="0" y="0"/>
+          <a:chExt cx="0" cy="0"/>
+        </a:xfrm>
+      </p:grpSpPr>
+      <p:sp>
+        <p:nvSpPr>
+          <p:cNvPr id="2" name="Title 1">
+            <a:extLst>
+              <a:ext uri="{FF2B5EF4-FFF2-40B4-BE49-F238E27FC236}">
+                <a16:creationId xmlns:a16="http://schemas.microsoft.com/office/drawing/2014/main" id="{4E5C74DC-0BE9-D7D5-5D7D-CC2819544AD6}"/>
+              </a:ext>
+            </a:extLst>
+          </p:cNvPr>
+          <p:cNvSpPr>
+            <a:spLocks noGrp="1"/>
+          </p:cNvSpPr>
+          <p:nvPr>
+            <p:ph type="title"/>
+          </p:nvPr>
+        </p:nvSpPr>
+        <p:spPr>
+          <a:xfrm>
+            <a:off x="581192" y="702156"/>
+            <a:ext cx="11029616" cy="556373"/>
+          </a:xfrm>
+        </p:spPr>
+        <p:txBody>
+          <a:bodyPr>
+            <a:normAutofit fontScale="90000"/>
+          </a:bodyPr>
+          <a:lstStyle/>
+          <a:p>
+            <a:r>
+              <a:rPr lang="en-AU" dirty="0"/>
+              <a:t>Results: Neural network</a:t>
+            </a:r>
+          </a:p>
+        </p:txBody>
+      </p:sp>
+      <p:sp>
+        <p:nvSpPr>
+          <p:cNvPr id="3" name="Content Placeholder 2">
+            <a:extLst>
+              <a:ext uri="{FF2B5EF4-FFF2-40B4-BE49-F238E27FC236}">
+                <a16:creationId xmlns:a16="http://schemas.microsoft.com/office/drawing/2014/main" id="{C0F00A4F-A06A-5F08-FC72-400C7F2C2ED3}"/>
+              </a:ext>
+            </a:extLst>
+          </p:cNvPr>
+          <p:cNvSpPr>
+            <a:spLocks noGrp="1"/>
+          </p:cNvSpPr>
+          <p:nvPr>
+            <p:ph idx="1"/>
+          </p:nvPr>
+        </p:nvSpPr>
+        <p:spPr>
+          <a:xfrm>
+            <a:off x="581192" y="1520687"/>
+            <a:ext cx="11029615" cy="4454663"/>
+          </a:xfrm>
+        </p:spPr>
+        <p:txBody>
+          <a:bodyPr anchor="t"/>
+          <a:lstStyle/>
+          <a:p>
+            <a:r>
+              <a:rPr lang="en-AU" dirty="0"/>
+              <a:t>Target variable (i.e., ancestry superpopulation) represents a categorical outcome with 5 classes:</a:t>
+            </a:r>
+          </a:p>
+          <a:p>
+            <a:pPr lvl="1"/>
+            <a:r>
+              <a:rPr lang="en-AU" b="1" dirty="0"/>
+              <a:t>New package: </a:t>
+            </a:r>
+            <a:r>
+              <a:rPr lang="en-AU" dirty="0" err="1"/>
+              <a:t>tensorflow.keras.utils</a:t>
+            </a:r>
+            <a:r>
+              <a:rPr lang="en-AU" dirty="0"/>
+              <a:t> import </a:t>
+            </a:r>
+            <a:r>
+              <a:rPr lang="en-AU" dirty="0" err="1"/>
+              <a:t>to_categorical</a:t>
+            </a:r>
+            <a:r>
+              <a:rPr lang="en-AU" dirty="0"/>
+              <a:t>()</a:t>
+            </a:r>
+          </a:p>
+          <a:p>
+            <a:pPr lvl="1"/>
+            <a:r>
+              <a:rPr lang="en-AU" b="1" dirty="0"/>
+              <a:t>New activation function:</a:t>
+            </a:r>
+            <a:r>
+              <a:rPr lang="en-AU" dirty="0"/>
+              <a:t> ‘</a:t>
+            </a:r>
+            <a:r>
+              <a:rPr lang="en-AU" dirty="0" err="1"/>
+              <a:t>softmax</a:t>
+            </a:r>
+            <a:r>
+              <a:rPr lang="en-AU" dirty="0"/>
+              <a:t>’</a:t>
+            </a:r>
+          </a:p>
+          <a:p>
+            <a:pPr lvl="1"/>
+            <a:r>
+              <a:rPr lang="en-AU" b="1" dirty="0"/>
+              <a:t>New loss function: </a:t>
+            </a:r>
+            <a:r>
+              <a:rPr lang="en-AU" dirty="0"/>
+              <a:t>‘</a:t>
+            </a:r>
+            <a:r>
+              <a:rPr lang="en-AU" dirty="0" err="1"/>
+              <a:t>categorical_crossentropy</a:t>
+            </a:r>
+            <a:r>
+              <a:rPr lang="en-AU" dirty="0"/>
+              <a:t>’</a:t>
+            </a:r>
+          </a:p>
+        </p:txBody>
+      </p:sp>
+    </p:spTree>
+    <p:extLst>
+      <p:ext uri="{BB962C8B-B14F-4D97-AF65-F5344CB8AC3E}">
+        <p14:creationId xmlns:p14="http://schemas.microsoft.com/office/powerpoint/2010/main" val="1849935178"/>
+      </p:ext>
+    </p:extLst>
+  </p:cSld>
+  <p:clrMapOvr>
+    <a:masterClrMapping/>
+  </p:clrMapOvr>
+</p:sld>
+</file>
+
 <file path=ppt/slides/slide2.xml><?xml version="1.0" encoding="utf-8"?>
 <p:sld xmlns:a="http://schemas.openxmlformats.org/drawingml/2006/main" xmlns:r="http://schemas.openxmlformats.org/officeDocument/2006/relationships" xmlns:p="http://schemas.openxmlformats.org/presentationml/2006/main">
   <p:cSld>
@@ -9638,7 +11103,7 @@
           <p:nvPr>
             <p:extLst>
               <p:ext uri="{D42A27DB-BD31-4B8C-83A1-F6EECF244321}">
-                <p14:modId xmlns:p14="http://schemas.microsoft.com/office/powerpoint/2010/main" val="4081640619"/>
+                <p14:modId xmlns:p14="http://schemas.microsoft.com/office/powerpoint/2010/main" val="3656140831"/>
               </p:ext>
             </p:extLst>
           </p:nvPr>
@@ -9649,7 +11114,7 @@
         </p:xfrm>
         <a:graphic>
           <a:graphicData uri="http://schemas.openxmlformats.org/drawingml/2006/diagram">
-            <dgm:relIds xmlns:dgm="http://schemas.openxmlformats.org/drawingml/2006/diagram" xmlns:r="http://schemas.openxmlformats.org/officeDocument/2006/relationships" r:dm="rId2" r:lo="rId3" r:qs="rId4" r:cs="rId5"/>
+            <dgm:relIds xmlns:dgm="http://schemas.openxmlformats.org/drawingml/2006/diagram" xmlns:r="http://schemas.openxmlformats.org/officeDocument/2006/relationships" r:dm="rId3" r:lo="rId4" r:qs="rId5" r:cs="rId6"/>
           </a:graphicData>
         </a:graphic>
       </p:graphicFrame>
@@ -9703,7 +11168,7 @@
           <p:nvPr/>
         </p:nvPicPr>
         <p:blipFill rotWithShape="1">
-          <a:blip r:embed="rId7">
+          <a:blip r:embed="rId8">
             <a:extLst>
               <a:ext uri="{28A0092B-C50C-407E-A947-70E740481C1C}">
                 <a14:useLocalDpi xmlns:a14="http://schemas.microsoft.com/office/drawing/2010/main" val="0"/>
@@ -9748,7 +11213,7 @@
           <p:nvPr/>
         </p:nvPicPr>
         <p:blipFill>
-          <a:blip r:embed="rId8">
+          <a:blip r:embed="rId9">
             <a:extLst>
               <a:ext uri="{28A0092B-C50C-407E-A947-70E740481C1C}">
                 <a14:useLocalDpi xmlns:a14="http://schemas.microsoft.com/office/drawing/2010/main" val="0"/>
@@ -9795,7 +11260,7 @@
           <p:nvPr/>
         </p:nvPicPr>
         <p:blipFill rotWithShape="1">
-          <a:blip r:embed="rId9">
+          <a:blip r:embed="rId10">
             <a:extLst>
               <a:ext uri="{28A0092B-C50C-407E-A947-70E740481C1C}">
                 <a14:useLocalDpi xmlns:a14="http://schemas.microsoft.com/office/drawing/2010/main" val="0"/>
@@ -9840,7 +11305,7 @@
           <p:nvPr/>
         </p:nvPicPr>
         <p:blipFill>
-          <a:blip r:embed="rId10">
+          <a:blip r:embed="rId11">
             <a:extLst>
               <a:ext uri="{28A0092B-C50C-407E-A947-70E740481C1C}">
                 <a14:useLocalDpi xmlns:a14="http://schemas.microsoft.com/office/drawing/2010/main" val="0"/>
@@ -9887,7 +11352,7 @@
           <p:nvPr/>
         </p:nvPicPr>
         <p:blipFill rotWithShape="1">
-          <a:blip r:embed="rId11">
+          <a:blip r:embed="rId12">
             <a:extLst>
               <a:ext uri="{28A0092B-C50C-407E-A947-70E740481C1C}">
                 <a14:useLocalDpi xmlns:a14="http://schemas.microsoft.com/office/drawing/2010/main" val="0"/>
@@ -9932,7 +11397,7 @@
           <p:nvPr/>
         </p:nvPicPr>
         <p:blipFill>
-          <a:blip r:embed="rId12">
+          <a:blip r:embed="rId13">
             <a:extLst>
               <a:ext uri="{28A0092B-C50C-407E-A947-70E740481C1C}">
                 <a14:useLocalDpi xmlns:a14="http://schemas.microsoft.com/office/drawing/2010/main" val="0"/>
@@ -9946,7 +11411,7 @@
         </p:blipFill>
         <p:spPr bwMode="auto">
           <a:xfrm>
-            <a:off x="4805363" y="5614302"/>
+            <a:off x="9000173" y="4548010"/>
             <a:ext cx="953311" cy="514040"/>
           </a:xfrm>
           <a:prstGeom prst="rect">
@@ -9979,7 +11444,7 @@
           <p:nvPr/>
         </p:nvPicPr>
         <p:blipFill>
-          <a:blip r:embed="rId13">
+          <a:blip r:embed="rId14">
             <a:extLst>
               <a:ext uri="{28A0092B-C50C-407E-A947-70E740481C1C}">
                 <a14:useLocalDpi xmlns:a14="http://schemas.microsoft.com/office/drawing/2010/main" val="0"/>
@@ -9993,7 +11458,7 @@
         </p:blipFill>
         <p:spPr bwMode="auto">
           <a:xfrm>
-            <a:off x="5012988" y="4432233"/>
+            <a:off x="10692419" y="5375673"/>
             <a:ext cx="538062" cy="694698"/>
           </a:xfrm>
           <a:prstGeom prst="rect">
@@ -10026,7 +11491,7 @@
           <p:nvPr/>
         </p:nvPicPr>
         <p:blipFill>
-          <a:blip r:embed="rId14">
+          <a:blip r:embed="rId15">
             <a:extLst>
               <a:ext uri="{28A0092B-C50C-407E-A947-70E740481C1C}">
                 <a14:useLocalDpi xmlns:a14="http://schemas.microsoft.com/office/drawing/2010/main" val="0"/>
@@ -10040,7 +11505,7 @@
         </p:blipFill>
         <p:spPr bwMode="auto">
           <a:xfrm>
-            <a:off x="6159401" y="4529895"/>
+            <a:off x="6011464" y="4444463"/>
             <a:ext cx="1173196" cy="407739"/>
           </a:xfrm>
           <a:prstGeom prst="rect">
@@ -10073,7 +11538,7 @@
           <p:nvPr/>
         </p:nvPicPr>
         <p:blipFill>
-          <a:blip r:embed="rId15">
+          <a:blip r:embed="rId16">
             <a:extLst>
               <a:ext uri="{28A0092B-C50C-407E-A947-70E740481C1C}">
                 <a14:useLocalDpi xmlns:a14="http://schemas.microsoft.com/office/drawing/2010/main" val="0"/>
@@ -10089,6 +11554,53 @@
           <a:xfrm>
             <a:off x="10181616" y="4362350"/>
             <a:ext cx="1559668" cy="877313"/>
+          </a:xfrm>
+          <a:prstGeom prst="rect">
+            <a:avLst/>
+          </a:prstGeom>
+          <a:noFill/>
+          <a:extLst>
+            <a:ext uri="{909E8E84-426E-40DD-AFC4-6F175D3DCCD1}">
+              <a14:hiddenFill xmlns:a14="http://schemas.microsoft.com/office/drawing/2010/main">
+                <a:solidFill>
+                  <a:srgbClr val="FFFFFF"/>
+                </a:solidFill>
+              </a14:hiddenFill>
+            </a:ext>
+          </a:extLst>
+        </p:spPr>
+      </p:pic>
+      <p:pic>
+        <p:nvPicPr>
+          <p:cNvPr id="4" name="Picture 2" descr="GitHub - MaxHalford/prince: :crown: Multivariate exploratory data analysis  in Python — PCA, CA, MCA, MFA, FAMD, GPA">
+            <a:extLst>
+              <a:ext uri="{FF2B5EF4-FFF2-40B4-BE49-F238E27FC236}">
+                <a16:creationId xmlns:a16="http://schemas.microsoft.com/office/drawing/2014/main" id="{89A85417-976E-6BFE-1136-1B7C06E22C51}"/>
+              </a:ext>
+            </a:extLst>
+          </p:cNvPr>
+          <p:cNvPicPr>
+            <a:picLocks noChangeAspect="1" noChangeArrowheads="1"/>
+          </p:cNvPicPr>
+          <p:nvPr/>
+        </p:nvPicPr>
+        <p:blipFill>
+          <a:blip r:embed="rId17">
+            <a:extLst>
+              <a:ext uri="{28A0092B-C50C-407E-A947-70E740481C1C}">
+                <a14:useLocalDpi xmlns:a14="http://schemas.microsoft.com/office/drawing/2010/main" val="0"/>
+              </a:ext>
+            </a:extLst>
+          </a:blip>
+          <a:srcRect/>
+          <a:stretch>
+            <a:fillRect/>
+          </a:stretch>
+        </p:blipFill>
+        <p:spPr bwMode="auto">
+          <a:xfrm>
+            <a:off x="4354518" y="4362608"/>
+            <a:ext cx="1908724" cy="645437"/>
           </a:xfrm>
           <a:prstGeom prst="rect">
             <a:avLst/>
@@ -10121,6 +11633,14 @@
 <file path=ppt/slides/slide4.xml><?xml version="1.0" encoding="utf-8"?>
 <p:sld xmlns:a="http://schemas.openxmlformats.org/drawingml/2006/main" xmlns:r="http://schemas.openxmlformats.org/officeDocument/2006/relationships" xmlns:p="http://schemas.openxmlformats.org/presentationml/2006/main">
   <p:cSld>
+    <p:bg>
+      <p:bgPr>
+        <a:solidFill>
+          <a:schemeClr val="bg1"/>
+        </a:solidFill>
+        <a:effectLst/>
+      </p:bgPr>
+    </p:bg>
     <p:spTree>
       <p:nvGrpSpPr>
         <p:cNvPr id="1" name=""/>
@@ -10135,176 +11655,45 @@
           <a:chExt cx="0" cy="0"/>
         </a:xfrm>
       </p:grpSpPr>
-      <p:sp>
+      <p:sp useBgFill="1">
         <p:nvSpPr>
-          <p:cNvPr id="2" name="Title 1">
+          <p:cNvPr id="30" name="Rectangle 29">
             <a:extLst>
               <a:ext uri="{FF2B5EF4-FFF2-40B4-BE49-F238E27FC236}">
-                <a16:creationId xmlns:a16="http://schemas.microsoft.com/office/drawing/2014/main" id="{4E5C74DC-0BE9-D7D5-5D7D-CC2819544AD6}"/>
+                <a16:creationId xmlns:a16="http://schemas.microsoft.com/office/drawing/2014/main" id="{0671A8AE-40A1-4631-A6B8-581AFF065482}"/>
+              </a:ext>
+              <a:ext uri="{C183D7F6-B498-43B3-948B-1728B52AA6E4}">
+                <adec:decorative xmlns:adec="http://schemas.microsoft.com/office/drawing/2017/decorative" val="1"/>
               </a:ext>
             </a:extLst>
           </p:cNvPr>
           <p:cNvSpPr>
-            <a:spLocks noGrp="1"/>
+            <a:spLocks noGrp="1" noRot="1" noChangeAspect="1" noMove="1" noResize="1" noEditPoints="1" noAdjustHandles="1" noChangeArrowheads="1" noChangeShapeType="1" noTextEdit="1"/>
           </p:cNvSpPr>
           <p:nvPr>
-            <p:ph type="title"/>
+            <p:extLst>
+              <p:ext uri="{386F3935-93C4-4BCD-93E2-E3B085C9AB24}">
+                <p16:designElem xmlns:p16="http://schemas.microsoft.com/office/powerpoint/2015/main" val="1"/>
+              </p:ext>
+            </p:extLst>
           </p:nvPr>
         </p:nvSpPr>
         <p:spPr>
           <a:xfrm>
-            <a:off x="581192" y="702156"/>
-            <a:ext cx="11029616" cy="556373"/>
-          </a:xfrm>
-        </p:spPr>
-        <p:txBody>
-          <a:bodyPr>
-            <a:normAutofit fontScale="90000"/>
-          </a:bodyPr>
-          <a:lstStyle/>
-          <a:p>
-            <a:r>
-              <a:rPr lang="en-AU" dirty="0"/>
-              <a:t>Results: </a:t>
-            </a:r>
-            <a:r>
-              <a:rPr lang="en-AU" dirty="0" err="1"/>
-              <a:t>pca</a:t>
-            </a:r>
-            <a:endParaRPr lang="en-AU" dirty="0"/>
-          </a:p>
-        </p:txBody>
-      </p:sp>
-      <p:sp>
-        <p:nvSpPr>
-          <p:cNvPr id="3" name="Content Placeholder 2">
-            <a:extLst>
-              <a:ext uri="{FF2B5EF4-FFF2-40B4-BE49-F238E27FC236}">
-                <a16:creationId xmlns:a16="http://schemas.microsoft.com/office/drawing/2014/main" id="{C0F00A4F-A06A-5F08-FC72-400C7F2C2ED3}"/>
-              </a:ext>
-            </a:extLst>
-          </p:cNvPr>
-          <p:cNvSpPr>
-            <a:spLocks noGrp="1"/>
-          </p:cNvSpPr>
-          <p:nvPr>
-            <p:ph idx="1"/>
-          </p:nvPr>
-        </p:nvSpPr>
-        <p:spPr>
-          <a:xfrm>
-            <a:off x="581193" y="1520687"/>
-            <a:ext cx="4984720" cy="4454663"/>
-          </a:xfrm>
-        </p:spPr>
-        <p:txBody>
-          <a:bodyPr anchor="t"/>
-          <a:lstStyle/>
-          <a:p>
-            <a:r>
-              <a:rPr lang="en-AU" dirty="0"/>
-              <a:t>Two principal components clearly distinguished African and East Asian ancestry groups</a:t>
-            </a:r>
-          </a:p>
-          <a:p>
-            <a:pPr marL="0" indent="0">
-              <a:buNone/>
-            </a:pPr>
-            <a:endParaRPr lang="en-AU" dirty="0"/>
-          </a:p>
-          <a:p>
-            <a:r>
-              <a:rPr lang="en-AU" dirty="0"/>
-              <a:t>Unsurprisingly, high degree of overlap between European, American, &amp; South American ancestry groups</a:t>
-            </a:r>
-          </a:p>
-          <a:p>
-            <a:pPr lvl="1"/>
-            <a:r>
-              <a:rPr lang="en-AU" dirty="0"/>
-              <a:t>Suggests need for more complex classification methods to distinguish these</a:t>
-            </a:r>
-          </a:p>
-        </p:txBody>
-      </p:sp>
-      <p:pic>
-        <p:nvPicPr>
-          <p:cNvPr id="1026" name="Picture 2">
-            <a:extLst>
-              <a:ext uri="{FF2B5EF4-FFF2-40B4-BE49-F238E27FC236}">
-                <a16:creationId xmlns:a16="http://schemas.microsoft.com/office/drawing/2014/main" id="{E3CA938F-39B6-516B-CA87-4F723451B952}"/>
-              </a:ext>
-            </a:extLst>
-          </p:cNvPr>
-          <p:cNvPicPr>
-            <a:picLocks noChangeAspect="1" noChangeArrowheads="1"/>
-          </p:cNvPicPr>
-          <p:nvPr/>
-        </p:nvPicPr>
-        <p:blipFill>
-          <a:blip r:embed="rId2">
-            <a:extLst>
-              <a:ext uri="{28A0092B-C50C-407E-A947-70E740481C1C}">
-                <a14:useLocalDpi xmlns:a14="http://schemas.microsoft.com/office/drawing/2010/main" val="0"/>
-              </a:ext>
-            </a:extLst>
-          </a:blip>
-          <a:srcRect/>
-          <a:stretch>
-            <a:fillRect/>
-          </a:stretch>
-        </p:blipFill>
-        <p:spPr bwMode="auto">
-          <a:xfrm>
-            <a:off x="5799614" y="1520687"/>
-            <a:ext cx="6025217" cy="4454663"/>
+            <a:off x="0" y="0"/>
+            <a:ext cx="12192000" cy="6858000"/>
           </a:xfrm>
           <a:prstGeom prst="rect">
             <a:avLst/>
           </a:prstGeom>
-          <a:noFill/>
-          <a:extLst>
-            <a:ext uri="{909E8E84-426E-40DD-AFC4-6F175D3DCCD1}">
-              <a14:hiddenFill xmlns:a14="http://schemas.microsoft.com/office/drawing/2010/main">
-                <a:solidFill>
-                  <a:srgbClr val="FFFFFF"/>
-                </a:solidFill>
-              </a14:hiddenFill>
-            </a:ext>
-          </a:extLst>
-        </p:spPr>
-      </p:pic>
-      <p:sp>
-        <p:nvSpPr>
-          <p:cNvPr id="4" name="Oval 3">
-            <a:extLst>
-              <a:ext uri="{FF2B5EF4-FFF2-40B4-BE49-F238E27FC236}">
-                <a16:creationId xmlns:a16="http://schemas.microsoft.com/office/drawing/2014/main" id="{75829689-C106-A5F3-3A03-ABA22F5B842C}"/>
-              </a:ext>
-            </a:extLst>
-          </p:cNvPr>
-          <p:cNvSpPr/>
-          <p:nvPr/>
-        </p:nvSpPr>
-        <p:spPr>
-          <a:xfrm>
-            <a:off x="6374530" y="2576053"/>
-            <a:ext cx="2871020" cy="1624780"/>
-          </a:xfrm>
-          <a:prstGeom prst="ellipse">
-            <a:avLst/>
-          </a:prstGeom>
-          <a:noFill/>
           <a:ln>
-            <a:solidFill>
-              <a:srgbClr val="C00000"/>
-            </a:solidFill>
+            <a:noFill/>
           </a:ln>
         </p:spPr>
         <p:style>
           <a:lnRef idx="2">
             <a:schemeClr val="accent1">
-              <a:shade val="15000"/>
+              <a:shade val="50000"/>
             </a:schemeClr>
           </a:lnRef>
           <a:fillRef idx="1">
@@ -10322,41 +11711,115 @@
           <a:lstStyle/>
           <a:p>
             <a:pPr algn="ctr"/>
-            <a:endParaRPr lang="en-AU"/>
+            <a:endParaRPr lang="en-US"/>
           </a:p>
         </p:txBody>
       </p:sp>
-      <p:sp>
-        <p:nvSpPr>
-          <p:cNvPr id="5" name="Oval 4">
+      <p:pic>
+        <p:nvPicPr>
+          <p:cNvPr id="20" name="Picture 19" descr="A green dna strand with dots and lines&#10;&#10;Description automatically generated">
             <a:extLst>
               <a:ext uri="{FF2B5EF4-FFF2-40B4-BE49-F238E27FC236}">
-                <a16:creationId xmlns:a16="http://schemas.microsoft.com/office/drawing/2014/main" id="{A71C46C3-56A8-108E-B237-6C6513A36EEC}"/>
+                <a16:creationId xmlns:a16="http://schemas.microsoft.com/office/drawing/2014/main" id="{AF24C77B-6C4B-94AC-7AFA-CB5EB80885FA}"/>
               </a:ext>
             </a:extLst>
           </p:cNvPr>
-          <p:cNvSpPr/>
+          <p:cNvPicPr>
+            <a:picLocks noChangeAspect="1"/>
+          </p:cNvPicPr>
           <p:nvPr/>
+        </p:nvPicPr>
+        <p:blipFill>
+          <a:blip r:embed="rId2">
+            <a:extLst>
+              <a:ext uri="{BEBA8EAE-BF5A-486C-A8C5-ECC9F3942E4B}">
+                <a14:imgProps xmlns:a14="http://schemas.microsoft.com/office/drawing/2010/main">
+                  <a14:imgLayer r:embed="rId3">
+                    <a14:imgEffect>
+                      <a14:saturation sat="0"/>
+                    </a14:imgEffect>
+                  </a14:imgLayer>
+                </a14:imgProps>
+              </a:ext>
+            </a:extLst>
+          </a:blip>
+          <a:srcRect t="28538" r="-2" b="15863"/>
+          <a:stretch/>
+        </p:blipFill>
+        <p:spPr>
+          <a:xfrm>
+            <a:off x="20" y="10"/>
+            <a:ext cx="12191980" cy="6857990"/>
+          </a:xfrm>
+          <a:prstGeom prst="rect">
+            <a:avLst/>
+          </a:prstGeom>
+        </p:spPr>
+      </p:pic>
+      <p:sp>
+        <p:nvSpPr>
+          <p:cNvPr id="32" name="Rectangle 31">
+            <a:extLst>
+              <a:ext uri="{FF2B5EF4-FFF2-40B4-BE49-F238E27FC236}">
+                <a16:creationId xmlns:a16="http://schemas.microsoft.com/office/drawing/2014/main" id="{A44CD100-6267-4E62-AA64-2182A3A6A1C0}"/>
+              </a:ext>
+              <a:ext uri="{C183D7F6-B498-43B3-948B-1728B52AA6E4}">
+                <adec:decorative xmlns:adec="http://schemas.microsoft.com/office/drawing/2017/decorative" val="1"/>
+              </a:ext>
+            </a:extLst>
+          </p:cNvPr>
+          <p:cNvSpPr>
+            <a:spLocks noGrp="1" noRot="1" noChangeAspect="1" noMove="1" noResize="1" noEditPoints="1" noAdjustHandles="1" noChangeArrowheads="1" noChangeShapeType="1" noTextEdit="1"/>
+          </p:cNvSpPr>
+          <p:nvPr>
+            <p:extLst>
+              <p:ext uri="{386F3935-93C4-4BCD-93E2-E3B085C9AB24}">
+                <p16:designElem xmlns:p16="http://schemas.microsoft.com/office/powerpoint/2015/main" val="1"/>
+              </p:ext>
+            </p:extLst>
+          </p:nvPr>
         </p:nvSpPr>
         <p:spPr>
           <a:xfrm>
-            <a:off x="9591261" y="3866322"/>
-            <a:ext cx="2182140" cy="1778994"/>
+            <a:off x="3" y="0"/>
+            <a:ext cx="9339206" cy="6858000"/>
           </a:xfrm>
-          <a:prstGeom prst="ellipse">
+          <a:prstGeom prst="rect">
             <a:avLst/>
           </a:prstGeom>
-          <a:noFill/>
+          <a:gradFill>
+            <a:gsLst>
+              <a:gs pos="58000">
+                <a:schemeClr val="tx1">
+                  <a:alpha val="30000"/>
+                </a:schemeClr>
+              </a:gs>
+              <a:gs pos="33000">
+                <a:schemeClr val="tx1">
+                  <a:alpha val="20000"/>
+                </a:schemeClr>
+              </a:gs>
+              <a:gs pos="0">
+                <a:schemeClr val="tx1">
+                  <a:alpha val="0"/>
+                </a:schemeClr>
+              </a:gs>
+              <a:gs pos="100000">
+                <a:schemeClr val="tx1">
+                  <a:alpha val="30000"/>
+                </a:schemeClr>
+              </a:gs>
+            </a:gsLst>
+            <a:lin ang="10800000" scaled="0"/>
+          </a:gradFill>
           <a:ln>
-            <a:solidFill>
-              <a:srgbClr val="C00000"/>
-            </a:solidFill>
+            <a:noFill/>
           </a:ln>
         </p:spPr>
         <p:style>
           <a:lnRef idx="2">
             <a:schemeClr val="accent1">
-              <a:shade val="15000"/>
+              <a:shade val="50000"/>
             </a:schemeClr>
           </a:lnRef>
           <a:fillRef idx="1">
@@ -10374,14 +11837,66 @@
           <a:lstStyle/>
           <a:p>
             <a:pPr algn="ctr"/>
-            <a:endParaRPr lang="en-AU"/>
+            <a:endParaRPr lang="en-US" dirty="0"/>
+          </a:p>
+        </p:txBody>
+      </p:sp>
+      <p:sp>
+        <p:nvSpPr>
+          <p:cNvPr id="5" name="Subtitle 4">
+            <a:extLst>
+              <a:ext uri="{FF2B5EF4-FFF2-40B4-BE49-F238E27FC236}">
+                <a16:creationId xmlns:a16="http://schemas.microsoft.com/office/drawing/2014/main" id="{027B12A8-80E5-A39C-A9DD-946D3741CEA9}"/>
+              </a:ext>
+            </a:extLst>
+          </p:cNvPr>
+          <p:cNvSpPr>
+            <a:spLocks noGrp="1"/>
+          </p:cNvSpPr>
+          <p:nvPr>
+            <p:ph type="subTitle" idx="1"/>
+          </p:nvPr>
+        </p:nvSpPr>
+        <p:spPr>
+          <a:xfrm>
+            <a:off x="912664" y="2288389"/>
+            <a:ext cx="6939746" cy="590321"/>
+          </a:xfrm>
+        </p:spPr>
+        <p:txBody>
+          <a:bodyPr>
+            <a:noAutofit/>
+          </a:bodyPr>
+          <a:lstStyle/>
+          <a:p>
+            <a:r>
+              <a:rPr lang="en-US" sz="4000" b="1" dirty="0"/>
+              <a:t>Preprocessing:</a:t>
+            </a:r>
+          </a:p>
+          <a:p>
+            <a:r>
+              <a:rPr lang="en-US" sz="4000" b="1" dirty="0"/>
+              <a:t>Problems with </a:t>
+            </a:r>
+            <a:r>
+              <a:rPr lang="en-US" sz="4000" b="1" dirty="0" err="1"/>
+              <a:t>pca</a:t>
+            </a:r>
+            <a:r>
+              <a:rPr lang="en-US" sz="4000" b="1" dirty="0"/>
+              <a:t> (Principal Component Analysis)</a:t>
+            </a:r>
+          </a:p>
+          <a:p>
+            <a:endParaRPr lang="en-AU" sz="4000" b="1" dirty="0"/>
           </a:p>
         </p:txBody>
       </p:sp>
     </p:spTree>
     <p:extLst>
       <p:ext uri="{BB962C8B-B14F-4D97-AF65-F5344CB8AC3E}">
-        <p14:creationId xmlns:p14="http://schemas.microsoft.com/office/powerpoint/2010/main" val="1084365285"/>
+        <p14:creationId xmlns:p14="http://schemas.microsoft.com/office/powerpoint/2010/main" val="957222148"/>
       </p:ext>
     </p:extLst>
   </p:cSld>
@@ -10438,7 +11953,7 @@
           <a:p>
             <a:r>
               <a:rPr lang="en-AU" dirty="0"/>
-              <a:t>Results: Neural network</a:t>
+              <a:t>Results: PCA</a:t>
             </a:r>
           </a:p>
         </p:txBody>
@@ -10461,86 +11976,964 @@
         </p:nvSpPr>
         <p:spPr>
           <a:xfrm>
-            <a:off x="581192" y="1520687"/>
-            <a:ext cx="11029615" cy="4454663"/>
+            <a:off x="581193" y="1520687"/>
+            <a:ext cx="4984720" cy="4454663"/>
           </a:xfrm>
         </p:spPr>
         <p:txBody>
-          <a:bodyPr anchor="t"/>
+          <a:bodyPr anchor="t">
+            <a:normAutofit/>
+          </a:bodyPr>
           <a:lstStyle/>
           <a:p>
+            <a:endParaRPr lang="en-AU" b="1" dirty="0"/>
+          </a:p>
+          <a:p>
+            <a:r>
+              <a:rPr lang="en-AU" b="1" dirty="0"/>
+              <a:t>SNPs one-hot encoded</a:t>
+            </a:r>
+          </a:p>
+          <a:p>
+            <a:pPr marL="0" indent="0">
+              <a:buNone/>
+            </a:pPr>
+            <a:endParaRPr lang="en-AU" dirty="0"/>
+          </a:p>
+          <a:p>
+            <a:r>
+              <a:rPr lang="en-AU" b="1" dirty="0"/>
+              <a:t>Matrix converted to sparse</a:t>
+            </a:r>
+          </a:p>
+          <a:p>
+            <a:endParaRPr lang="en-AU" dirty="0"/>
+          </a:p>
+          <a:p>
+            <a:r>
+              <a:rPr lang="en-AU" b="1" dirty="0"/>
+              <a:t>Explained variance:</a:t>
+            </a:r>
+          </a:p>
+          <a:p>
+            <a:pPr lvl="1"/>
+            <a:r>
+              <a:rPr lang="en-AU" b="1" dirty="0"/>
+              <a:t>Component 1: </a:t>
+            </a:r>
             <a:r>
               <a:rPr lang="en-AU" dirty="0"/>
-              <a:t>Target variable (i.e., ancestry superpopulation) represents a categorical outcome with 5 classes:</a:t>
+              <a:t>0.1483</a:t>
             </a:r>
           </a:p>
           <a:p>
             <a:pPr lvl="1"/>
             <a:r>
               <a:rPr lang="en-AU" b="1" dirty="0"/>
-              <a:t>New package: </a:t>
-            </a:r>
-            <a:r>
-              <a:rPr lang="en-AU" dirty="0" err="1"/>
-              <a:t>tensorflow.keras.utils</a:t>
+              <a:t>Component 2: </a:t>
             </a:r>
             <a:r>
               <a:rPr lang="en-AU" dirty="0"/>
-              <a:t> import </a:t>
-            </a:r>
-            <a:r>
-              <a:rPr lang="en-AU" dirty="0" err="1"/>
-              <a:t>to_categorical</a:t>
-            </a:r>
+              <a:t>0.879</a:t>
+            </a:r>
+          </a:p>
+          <a:p>
+            <a:pPr marL="0" indent="0">
+              <a:buNone/>
+            </a:pPr>
+            <a:endParaRPr lang="en-AU" dirty="0"/>
+          </a:p>
+        </p:txBody>
+      </p:sp>
+      <p:pic>
+        <p:nvPicPr>
+          <p:cNvPr id="5" name="Picture 4" descr="A diagram of different colored dots&#10;&#10;Description automatically generated">
+            <a:extLst>
+              <a:ext uri="{FF2B5EF4-FFF2-40B4-BE49-F238E27FC236}">
+                <a16:creationId xmlns:a16="http://schemas.microsoft.com/office/drawing/2014/main" id="{0CF0743E-B8D9-BE77-6444-AD4D8D7BE9FC}"/>
+              </a:ext>
+            </a:extLst>
+          </p:cNvPr>
+          <p:cNvPicPr>
+            <a:picLocks noChangeAspect="1"/>
+          </p:cNvPicPr>
+          <p:nvPr/>
+        </p:nvPicPr>
+        <p:blipFill>
+          <a:blip r:embed="rId2">
+            <a:extLst>
+              <a:ext uri="{28A0092B-C50C-407E-A947-70E740481C1C}">
+                <a14:useLocalDpi xmlns:a14="http://schemas.microsoft.com/office/drawing/2010/main" val="0"/>
+              </a:ext>
+            </a:extLst>
+          </a:blip>
+          <a:stretch>
+            <a:fillRect/>
+          </a:stretch>
+        </p:blipFill>
+        <p:spPr>
+          <a:xfrm>
+            <a:off x="5057233" y="1258530"/>
+            <a:ext cx="6379802" cy="4716820"/>
+          </a:xfrm>
+          <a:prstGeom prst="rect">
+            <a:avLst/>
+          </a:prstGeom>
+        </p:spPr>
+      </p:pic>
+    </p:spTree>
+    <p:extLst>
+      <p:ext uri="{BB962C8B-B14F-4D97-AF65-F5344CB8AC3E}">
+        <p14:creationId xmlns:p14="http://schemas.microsoft.com/office/powerpoint/2010/main" val="2698412700"/>
+      </p:ext>
+    </p:extLst>
+  </p:cSld>
+  <p:clrMapOvr>
+    <a:masterClrMapping/>
+  </p:clrMapOvr>
+</p:sld>
+</file>
+
+<file path=ppt/slides/slide6.xml><?xml version="1.0" encoding="utf-8"?>
+<p:sld xmlns:a="http://schemas.openxmlformats.org/drawingml/2006/main" xmlns:r="http://schemas.openxmlformats.org/officeDocument/2006/relationships" xmlns:p="http://schemas.openxmlformats.org/presentationml/2006/main">
+  <p:cSld>
+    <p:spTree>
+      <p:nvGrpSpPr>
+        <p:cNvPr id="1" name=""/>
+        <p:cNvGrpSpPr/>
+        <p:nvPr/>
+      </p:nvGrpSpPr>
+      <p:grpSpPr>
+        <a:xfrm>
+          <a:off x="0" y="0"/>
+          <a:ext cx="0" cy="0"/>
+          <a:chOff x="0" y="0"/>
+          <a:chExt cx="0" cy="0"/>
+        </a:xfrm>
+      </p:grpSpPr>
+      <p:sp>
+        <p:nvSpPr>
+          <p:cNvPr id="2" name="Title 1">
+            <a:extLst>
+              <a:ext uri="{FF2B5EF4-FFF2-40B4-BE49-F238E27FC236}">
+                <a16:creationId xmlns:a16="http://schemas.microsoft.com/office/drawing/2014/main" id="{4E5C74DC-0BE9-D7D5-5D7D-CC2819544AD6}"/>
+              </a:ext>
+            </a:extLst>
+          </p:cNvPr>
+          <p:cNvSpPr>
+            <a:spLocks noGrp="1"/>
+          </p:cNvSpPr>
+          <p:nvPr>
+            <p:ph type="title"/>
+          </p:nvPr>
+        </p:nvSpPr>
+        <p:spPr>
+          <a:xfrm>
+            <a:off x="581192" y="702156"/>
+            <a:ext cx="11029616" cy="556373"/>
+          </a:xfrm>
+        </p:spPr>
+        <p:txBody>
+          <a:bodyPr>
+            <a:normAutofit fontScale="90000"/>
+          </a:bodyPr>
+          <a:lstStyle/>
+          <a:p>
             <a:r>
               <a:rPr lang="en-AU" dirty="0"/>
-              <a:t>()</a:t>
+              <a:t>F1-Score</a:t>
+            </a:r>
+          </a:p>
+        </p:txBody>
+      </p:sp>
+      <p:sp>
+        <p:nvSpPr>
+          <p:cNvPr id="3" name="Content Placeholder 2">
+            <a:extLst>
+              <a:ext uri="{FF2B5EF4-FFF2-40B4-BE49-F238E27FC236}">
+                <a16:creationId xmlns:a16="http://schemas.microsoft.com/office/drawing/2014/main" id="{C0F00A4F-A06A-5F08-FC72-400C7F2C2ED3}"/>
+              </a:ext>
+            </a:extLst>
+          </p:cNvPr>
+          <p:cNvSpPr>
+            <a:spLocks noGrp="1"/>
+          </p:cNvSpPr>
+          <p:nvPr>
+            <p:ph idx="1"/>
+          </p:nvPr>
+        </p:nvSpPr>
+        <p:spPr>
+          <a:xfrm>
+            <a:off x="581193" y="1520687"/>
+            <a:ext cx="4984720" cy="4454663"/>
+          </a:xfrm>
+        </p:spPr>
+        <p:txBody>
+          <a:bodyPr anchor="t">
+            <a:normAutofit/>
+          </a:bodyPr>
+          <a:lstStyle/>
+          <a:p>
+            <a:endParaRPr lang="en-AU" b="1" dirty="0"/>
+          </a:p>
+          <a:p>
+            <a:r>
+              <a:rPr lang="en-AU" b="1" dirty="0"/>
+              <a:t>Train test split</a:t>
+            </a:r>
+          </a:p>
+          <a:p>
+            <a:pPr marL="0" indent="0">
+              <a:buNone/>
+            </a:pPr>
+            <a:endParaRPr lang="en-AU" dirty="0"/>
+          </a:p>
+          <a:p>
+            <a:r>
+              <a:rPr lang="en-AU" b="1" dirty="0"/>
+              <a:t>Random Forest Classifier</a:t>
+            </a:r>
+          </a:p>
+          <a:p>
+            <a:endParaRPr lang="en-AU" dirty="0"/>
+          </a:p>
+          <a:p>
+            <a:r>
+              <a:rPr lang="en-AU" b="1" dirty="0"/>
+              <a:t>Confusion Matrix</a:t>
             </a:r>
           </a:p>
           <a:p>
             <a:pPr lvl="1"/>
             <a:r>
               <a:rPr lang="en-AU" b="1" dirty="0"/>
-              <a:t>New activation function:</a:t>
-            </a:r>
-            <a:r>
-              <a:rPr lang="en-AU" dirty="0"/>
-              <a:t> ‘</a:t>
-            </a:r>
-            <a:r>
-              <a:rPr lang="en-AU" dirty="0" err="1"/>
-              <a:t>softmax</a:t>
-            </a:r>
-            <a:r>
-              <a:rPr lang="en-AU" dirty="0"/>
-              <a:t>’</a:t>
+              <a:t>Precision</a:t>
             </a:r>
           </a:p>
           <a:p>
             <a:pPr lvl="1"/>
             <a:r>
               <a:rPr lang="en-AU" b="1" dirty="0"/>
-              <a:t>New loss function: </a:t>
-            </a:r>
-            <a:r>
-              <a:rPr lang="en-AU" dirty="0"/>
-              <a:t>‘</a:t>
-            </a:r>
-            <a:r>
-              <a:rPr lang="en-AU" dirty="0" err="1"/>
-              <a:t>categorical_crossentropy</a:t>
-            </a:r>
-            <a:r>
-              <a:rPr lang="en-AU" dirty="0"/>
-              <a:t>’</a:t>
-            </a:r>
+              <a:t>Recall</a:t>
+            </a:r>
+            <a:endParaRPr lang="en-AU" dirty="0"/>
+          </a:p>
+          <a:p>
+            <a:pPr marL="0" indent="0">
+              <a:buNone/>
+            </a:pPr>
+            <a:endParaRPr lang="en-AU" dirty="0"/>
+          </a:p>
+        </p:txBody>
+      </p:sp>
+      <p:pic>
+        <p:nvPicPr>
+          <p:cNvPr id="6" name="Picture 5" descr="A graph with a line&#10;&#10;Description automatically generated">
+            <a:extLst>
+              <a:ext uri="{FF2B5EF4-FFF2-40B4-BE49-F238E27FC236}">
+                <a16:creationId xmlns:a16="http://schemas.microsoft.com/office/drawing/2014/main" id="{F8575E3E-0DE0-D0BF-5C87-346108575516}"/>
+              </a:ext>
+            </a:extLst>
+          </p:cNvPr>
+          <p:cNvPicPr>
+            <a:picLocks noChangeAspect="1"/>
+          </p:cNvPicPr>
+          <p:nvPr/>
+        </p:nvPicPr>
+        <p:blipFill>
+          <a:blip r:embed="rId2">
+            <a:extLst>
+              <a:ext uri="{28A0092B-C50C-407E-A947-70E740481C1C}">
+                <a14:useLocalDpi xmlns:a14="http://schemas.microsoft.com/office/drawing/2010/main" val="0"/>
+              </a:ext>
+            </a:extLst>
+          </a:blip>
+          <a:stretch>
+            <a:fillRect/>
+          </a:stretch>
+        </p:blipFill>
+        <p:spPr>
+          <a:xfrm>
+            <a:off x="4318782" y="1490661"/>
+            <a:ext cx="6982536" cy="4514713"/>
+          </a:xfrm>
+          <a:prstGeom prst="rect">
+            <a:avLst/>
+          </a:prstGeom>
+        </p:spPr>
+      </p:pic>
+    </p:spTree>
+    <p:extLst>
+      <p:ext uri="{BB962C8B-B14F-4D97-AF65-F5344CB8AC3E}">
+        <p14:creationId xmlns:p14="http://schemas.microsoft.com/office/powerpoint/2010/main" val="1538305421"/>
+      </p:ext>
+    </p:extLst>
+  </p:cSld>
+  <p:clrMapOvr>
+    <a:masterClrMapping/>
+  </p:clrMapOvr>
+</p:sld>
+</file>
+
+<file path=ppt/slides/slide7.xml><?xml version="1.0" encoding="utf-8"?>
+<p:sld xmlns:a="http://schemas.openxmlformats.org/drawingml/2006/main" xmlns:r="http://schemas.openxmlformats.org/officeDocument/2006/relationships" xmlns:p="http://schemas.openxmlformats.org/presentationml/2006/main">
+  <p:cSld>
+    <p:bg>
+      <p:bgPr>
+        <a:solidFill>
+          <a:schemeClr val="bg1"/>
+        </a:solidFill>
+        <a:effectLst/>
+      </p:bgPr>
+    </p:bg>
+    <p:spTree>
+      <p:nvGrpSpPr>
+        <p:cNvPr id="1" name=""/>
+        <p:cNvGrpSpPr/>
+        <p:nvPr/>
+      </p:nvGrpSpPr>
+      <p:grpSpPr>
+        <a:xfrm>
+          <a:off x="0" y="0"/>
+          <a:ext cx="0" cy="0"/>
+          <a:chOff x="0" y="0"/>
+          <a:chExt cx="0" cy="0"/>
+        </a:xfrm>
+      </p:grpSpPr>
+      <p:sp useBgFill="1">
+        <p:nvSpPr>
+          <p:cNvPr id="30" name="Rectangle 29">
+            <a:extLst>
+              <a:ext uri="{FF2B5EF4-FFF2-40B4-BE49-F238E27FC236}">
+                <a16:creationId xmlns:a16="http://schemas.microsoft.com/office/drawing/2014/main" id="{0671A8AE-40A1-4631-A6B8-581AFF065482}"/>
+              </a:ext>
+              <a:ext uri="{C183D7F6-B498-43B3-948B-1728B52AA6E4}">
+                <adec:decorative xmlns:adec="http://schemas.microsoft.com/office/drawing/2017/decorative" val="1"/>
+              </a:ext>
+            </a:extLst>
+          </p:cNvPr>
+          <p:cNvSpPr>
+            <a:spLocks noGrp="1" noRot="1" noChangeAspect="1" noMove="1" noResize="1" noEditPoints="1" noAdjustHandles="1" noChangeArrowheads="1" noChangeShapeType="1" noTextEdit="1"/>
+          </p:cNvSpPr>
+          <p:nvPr>
+            <p:extLst>
+              <p:ext uri="{386F3935-93C4-4BCD-93E2-E3B085C9AB24}">
+                <p16:designElem xmlns:p16="http://schemas.microsoft.com/office/powerpoint/2015/main" val="1"/>
+              </p:ext>
+            </p:extLst>
+          </p:nvPr>
+        </p:nvSpPr>
+        <p:spPr>
+          <a:xfrm>
+            <a:off x="0" y="0"/>
+            <a:ext cx="12192000" cy="6858000"/>
+          </a:xfrm>
+          <a:prstGeom prst="rect">
+            <a:avLst/>
+          </a:prstGeom>
+          <a:ln>
+            <a:noFill/>
+          </a:ln>
+        </p:spPr>
+        <p:style>
+          <a:lnRef idx="2">
+            <a:schemeClr val="accent1">
+              <a:shade val="50000"/>
+            </a:schemeClr>
+          </a:lnRef>
+          <a:fillRef idx="1">
+            <a:schemeClr val="accent1"/>
+          </a:fillRef>
+          <a:effectRef idx="0">
+            <a:schemeClr val="accent1"/>
+          </a:effectRef>
+          <a:fontRef idx="minor">
+            <a:schemeClr val="lt1"/>
+          </a:fontRef>
+        </p:style>
+        <p:txBody>
+          <a:bodyPr rtlCol="0" anchor="ctr"/>
+          <a:lstStyle/>
+          <a:p>
+            <a:pPr algn="ctr"/>
+            <a:endParaRPr lang="en-US"/>
+          </a:p>
+        </p:txBody>
+      </p:sp>
+      <p:pic>
+        <p:nvPicPr>
+          <p:cNvPr id="20" name="Picture 19" descr="A green dna strand with dots and lines&#10;&#10;Description automatically generated">
+            <a:extLst>
+              <a:ext uri="{FF2B5EF4-FFF2-40B4-BE49-F238E27FC236}">
+                <a16:creationId xmlns:a16="http://schemas.microsoft.com/office/drawing/2014/main" id="{AF24C77B-6C4B-94AC-7AFA-CB5EB80885FA}"/>
+              </a:ext>
+            </a:extLst>
+          </p:cNvPr>
+          <p:cNvPicPr>
+            <a:picLocks noChangeAspect="1"/>
+          </p:cNvPicPr>
+          <p:nvPr/>
+        </p:nvPicPr>
+        <p:blipFill>
+          <a:blip r:embed="rId2">
+            <a:extLst>
+              <a:ext uri="{BEBA8EAE-BF5A-486C-A8C5-ECC9F3942E4B}">
+                <a14:imgProps xmlns:a14="http://schemas.microsoft.com/office/drawing/2010/main">
+                  <a14:imgLayer r:embed="rId3">
+                    <a14:imgEffect>
+                      <a14:saturation sat="0"/>
+                    </a14:imgEffect>
+                  </a14:imgLayer>
+                </a14:imgProps>
+              </a:ext>
+            </a:extLst>
+          </a:blip>
+          <a:srcRect t="28538" r="-2" b="15863"/>
+          <a:stretch/>
+        </p:blipFill>
+        <p:spPr>
+          <a:xfrm>
+            <a:off x="20" y="10"/>
+            <a:ext cx="12191980" cy="6857990"/>
+          </a:xfrm>
+          <a:prstGeom prst="rect">
+            <a:avLst/>
+          </a:prstGeom>
+        </p:spPr>
+      </p:pic>
+      <p:sp>
+        <p:nvSpPr>
+          <p:cNvPr id="32" name="Rectangle 31">
+            <a:extLst>
+              <a:ext uri="{FF2B5EF4-FFF2-40B4-BE49-F238E27FC236}">
+                <a16:creationId xmlns:a16="http://schemas.microsoft.com/office/drawing/2014/main" id="{A44CD100-6267-4E62-AA64-2182A3A6A1C0}"/>
+              </a:ext>
+              <a:ext uri="{C183D7F6-B498-43B3-948B-1728B52AA6E4}">
+                <adec:decorative xmlns:adec="http://schemas.microsoft.com/office/drawing/2017/decorative" val="1"/>
+              </a:ext>
+            </a:extLst>
+          </p:cNvPr>
+          <p:cNvSpPr>
+            <a:spLocks noGrp="1" noRot="1" noChangeAspect="1" noMove="1" noResize="1" noEditPoints="1" noAdjustHandles="1" noChangeArrowheads="1" noChangeShapeType="1" noTextEdit="1"/>
+          </p:cNvSpPr>
+          <p:nvPr>
+            <p:extLst>
+              <p:ext uri="{386F3935-93C4-4BCD-93E2-E3B085C9AB24}">
+                <p16:designElem xmlns:p16="http://schemas.microsoft.com/office/powerpoint/2015/main" val="1"/>
+              </p:ext>
+            </p:extLst>
+          </p:nvPr>
+        </p:nvSpPr>
+        <p:spPr>
+          <a:xfrm>
+            <a:off x="3" y="0"/>
+            <a:ext cx="9339206" cy="6858000"/>
+          </a:xfrm>
+          <a:prstGeom prst="rect">
+            <a:avLst/>
+          </a:prstGeom>
+          <a:gradFill>
+            <a:gsLst>
+              <a:gs pos="58000">
+                <a:schemeClr val="tx1">
+                  <a:alpha val="30000"/>
+                </a:schemeClr>
+              </a:gs>
+              <a:gs pos="33000">
+                <a:schemeClr val="tx1">
+                  <a:alpha val="20000"/>
+                </a:schemeClr>
+              </a:gs>
+              <a:gs pos="0">
+                <a:schemeClr val="tx1">
+                  <a:alpha val="0"/>
+                </a:schemeClr>
+              </a:gs>
+              <a:gs pos="100000">
+                <a:schemeClr val="tx1">
+                  <a:alpha val="30000"/>
+                </a:schemeClr>
+              </a:gs>
+            </a:gsLst>
+            <a:lin ang="10800000" scaled="0"/>
+          </a:gradFill>
+          <a:ln>
+            <a:noFill/>
+          </a:ln>
+        </p:spPr>
+        <p:style>
+          <a:lnRef idx="2">
+            <a:schemeClr val="accent1">
+              <a:shade val="50000"/>
+            </a:schemeClr>
+          </a:lnRef>
+          <a:fillRef idx="1">
+            <a:schemeClr val="accent1"/>
+          </a:fillRef>
+          <a:effectRef idx="0">
+            <a:schemeClr val="accent1"/>
+          </a:effectRef>
+          <a:fontRef idx="minor">
+            <a:schemeClr val="lt1"/>
+          </a:fontRef>
+        </p:style>
+        <p:txBody>
+          <a:bodyPr rtlCol="0" anchor="ctr"/>
+          <a:lstStyle/>
+          <a:p>
+            <a:pPr algn="ctr"/>
+            <a:endParaRPr lang="en-US" dirty="0"/>
+          </a:p>
+        </p:txBody>
+      </p:sp>
+      <p:sp>
+        <p:nvSpPr>
+          <p:cNvPr id="5" name="Subtitle 4">
+            <a:extLst>
+              <a:ext uri="{FF2B5EF4-FFF2-40B4-BE49-F238E27FC236}">
+                <a16:creationId xmlns:a16="http://schemas.microsoft.com/office/drawing/2014/main" id="{027B12A8-80E5-A39C-A9DD-946D3741CEA9}"/>
+              </a:ext>
+            </a:extLst>
+          </p:cNvPr>
+          <p:cNvSpPr>
+            <a:spLocks noGrp="1"/>
+          </p:cNvSpPr>
+          <p:nvPr>
+            <p:ph type="subTitle" idx="1"/>
+          </p:nvPr>
+        </p:nvSpPr>
+        <p:spPr>
+          <a:xfrm>
+            <a:off x="912664" y="2288389"/>
+            <a:ext cx="6939746" cy="590321"/>
+          </a:xfrm>
+        </p:spPr>
+        <p:txBody>
+          <a:bodyPr>
+            <a:noAutofit/>
+          </a:bodyPr>
+          <a:lstStyle/>
+          <a:p>
+            <a:r>
+              <a:rPr lang="en-US" sz="4000" b="1" dirty="0"/>
+              <a:t>Dimensionality Reduction:</a:t>
+            </a:r>
+          </a:p>
+          <a:p>
+            <a:r>
+              <a:rPr lang="en-US" sz="4000" b="1" dirty="0"/>
+              <a:t>Multiple correspondence analysis (MCA)</a:t>
+            </a:r>
+          </a:p>
+          <a:p>
+            <a:endParaRPr lang="en-AU" sz="4000" b="1" dirty="0"/>
           </a:p>
         </p:txBody>
       </p:sp>
     </p:spTree>
     <p:extLst>
       <p:ext uri="{BB962C8B-B14F-4D97-AF65-F5344CB8AC3E}">
-        <p14:creationId xmlns:p14="http://schemas.microsoft.com/office/powerpoint/2010/main" val="1849935178"/>
+        <p14:creationId xmlns:p14="http://schemas.microsoft.com/office/powerpoint/2010/main" val="3189730893"/>
+      </p:ext>
+    </p:extLst>
+  </p:cSld>
+  <p:clrMapOvr>
+    <a:masterClrMapping/>
+  </p:clrMapOvr>
+</p:sld>
+</file>
+
+<file path=ppt/slides/slide8.xml><?xml version="1.0" encoding="utf-8"?>
+<p:sld xmlns:a="http://schemas.openxmlformats.org/drawingml/2006/main" xmlns:r="http://schemas.openxmlformats.org/officeDocument/2006/relationships" xmlns:p="http://schemas.openxmlformats.org/presentationml/2006/main">
+  <p:cSld>
+    <p:spTree>
+      <p:nvGrpSpPr>
+        <p:cNvPr id="1" name=""/>
+        <p:cNvGrpSpPr/>
+        <p:nvPr/>
+      </p:nvGrpSpPr>
+      <p:grpSpPr>
+        <a:xfrm>
+          <a:off x="0" y="0"/>
+          <a:ext cx="0" cy="0"/>
+          <a:chOff x="0" y="0"/>
+          <a:chExt cx="0" cy="0"/>
+        </a:xfrm>
+      </p:grpSpPr>
+      <p:sp>
+        <p:nvSpPr>
+          <p:cNvPr id="2" name="Title 1">
+            <a:extLst>
+              <a:ext uri="{FF2B5EF4-FFF2-40B4-BE49-F238E27FC236}">
+                <a16:creationId xmlns:a16="http://schemas.microsoft.com/office/drawing/2014/main" id="{39634EEA-63AC-F750-98FD-FA9F2AA17503}"/>
+              </a:ext>
+            </a:extLst>
+          </p:cNvPr>
+          <p:cNvSpPr>
+            <a:spLocks noGrp="1"/>
+          </p:cNvSpPr>
+          <p:nvPr>
+            <p:ph type="title"/>
+          </p:nvPr>
+        </p:nvSpPr>
+        <p:spPr>
+          <a:xfrm>
+            <a:off x="581192" y="702156"/>
+            <a:ext cx="11029616" cy="611078"/>
+          </a:xfrm>
+        </p:spPr>
+        <p:txBody>
+          <a:bodyPr/>
+          <a:lstStyle/>
+          <a:p>
+            <a:endParaRPr lang="en-AU" dirty="0"/>
+          </a:p>
+        </p:txBody>
+      </p:sp>
+      <p:sp>
+        <p:nvSpPr>
+          <p:cNvPr id="3" name="Content Placeholder 2">
+            <a:extLst>
+              <a:ext uri="{FF2B5EF4-FFF2-40B4-BE49-F238E27FC236}">
+                <a16:creationId xmlns:a16="http://schemas.microsoft.com/office/drawing/2014/main" id="{375C548C-5FAE-00FA-62DE-F8EDDDAFE8C2}"/>
+              </a:ext>
+            </a:extLst>
+          </p:cNvPr>
+          <p:cNvSpPr>
+            <a:spLocks noGrp="1"/>
+          </p:cNvSpPr>
+          <p:nvPr>
+            <p:ph idx="1"/>
+          </p:nvPr>
+        </p:nvSpPr>
+        <p:spPr>
+          <a:xfrm>
+            <a:off x="581192" y="1556426"/>
+            <a:ext cx="11029615" cy="4418924"/>
+          </a:xfrm>
+        </p:spPr>
+        <p:txBody>
+          <a:bodyPr anchor="t">
+            <a:normAutofit/>
+          </a:bodyPr>
+          <a:lstStyle/>
+          <a:p>
+            <a:r>
+              <a:rPr lang="en-US" b="1" dirty="0"/>
+              <a:t>There is debate as to how many AISNPs are sufficient to determine an individual's ancestry:</a:t>
+            </a:r>
+          </a:p>
+          <a:p>
+            <a:pPr lvl="1"/>
+            <a:r>
+              <a:rPr lang="en-US" b="1" dirty="0"/>
+              <a:t>Kidd et al (2014): </a:t>
+            </a:r>
+            <a:r>
+              <a:rPr lang="en-US" dirty="0"/>
+              <a:t>55</a:t>
+            </a:r>
+          </a:p>
+          <a:p>
+            <a:pPr lvl="1"/>
+            <a:r>
+              <a:rPr lang="en-US" b="1" dirty="0"/>
+              <a:t>Seldin et al (2011): </a:t>
+            </a:r>
+            <a:r>
+              <a:rPr lang="en-US" dirty="0"/>
+              <a:t>128</a:t>
+            </a:r>
+            <a:endParaRPr lang="en-AU" dirty="0"/>
+          </a:p>
+          <a:p>
+            <a:endParaRPr lang="en-AU" dirty="0"/>
+          </a:p>
+          <a:p>
+            <a:r>
+              <a:rPr lang="en-AU" b="1" dirty="0"/>
+              <a:t>Is it possible to reduce this dimensionality further?</a:t>
+            </a:r>
+          </a:p>
+          <a:p>
+            <a:endParaRPr lang="en-AU" b="1" dirty="0"/>
+          </a:p>
+          <a:p>
+            <a:r>
+              <a:rPr lang="en-AU" b="1" dirty="0"/>
+              <a:t>Multiple Correspondence Analysis (MCA):</a:t>
+            </a:r>
+          </a:p>
+          <a:p>
+            <a:pPr lvl="1"/>
+            <a:r>
+              <a:rPr lang="en-US" dirty="0"/>
+              <a:t>Explore and </a:t>
+            </a:r>
+            <a:r>
+              <a:rPr lang="en-US" dirty="0" err="1"/>
+              <a:t>visualise</a:t>
+            </a:r>
+            <a:r>
+              <a:rPr lang="en-US" dirty="0"/>
+              <a:t> relationships between multiple nominal or original categorical variables in a dataset </a:t>
+            </a:r>
+          </a:p>
+          <a:p>
+            <a:pPr lvl="2"/>
+            <a:r>
+              <a:rPr lang="en-US" sz="1700" dirty="0"/>
+              <a:t>As opposed to PCA for continuous data</a:t>
+            </a:r>
+          </a:p>
+          <a:p>
+            <a:pPr lvl="1"/>
+            <a:r>
+              <a:rPr lang="en-US" dirty="0"/>
+              <a:t>Creates a set of new variables (dimensions) that represent the original categorical variables in a reduced form</a:t>
+            </a:r>
+            <a:endParaRPr lang="en-AU" b="1" dirty="0"/>
+          </a:p>
+        </p:txBody>
+      </p:sp>
+    </p:spTree>
+    <p:extLst>
+      <p:ext uri="{BB962C8B-B14F-4D97-AF65-F5344CB8AC3E}">
+        <p14:creationId xmlns:p14="http://schemas.microsoft.com/office/powerpoint/2010/main" val="3088927530"/>
+      </p:ext>
+    </p:extLst>
+  </p:cSld>
+  <p:clrMapOvr>
+    <a:masterClrMapping/>
+  </p:clrMapOvr>
+</p:sld>
+</file>
+
+<file path=ppt/slides/slide9.xml><?xml version="1.0" encoding="utf-8"?>
+<p:sld xmlns:a="http://schemas.openxmlformats.org/drawingml/2006/main" xmlns:r="http://schemas.openxmlformats.org/officeDocument/2006/relationships" xmlns:p="http://schemas.openxmlformats.org/presentationml/2006/main">
+  <p:cSld>
+    <p:spTree>
+      <p:nvGrpSpPr>
+        <p:cNvPr id="1" name=""/>
+        <p:cNvGrpSpPr/>
+        <p:nvPr/>
+      </p:nvGrpSpPr>
+      <p:grpSpPr>
+        <a:xfrm>
+          <a:off x="0" y="0"/>
+          <a:ext cx="0" cy="0"/>
+          <a:chOff x="0" y="0"/>
+          <a:chExt cx="0" cy="0"/>
+        </a:xfrm>
+      </p:grpSpPr>
+      <p:sp>
+        <p:nvSpPr>
+          <p:cNvPr id="2" name="Title 1">
+            <a:extLst>
+              <a:ext uri="{FF2B5EF4-FFF2-40B4-BE49-F238E27FC236}">
+                <a16:creationId xmlns:a16="http://schemas.microsoft.com/office/drawing/2014/main" id="{4E5C74DC-0BE9-D7D5-5D7D-CC2819544AD6}"/>
+              </a:ext>
+            </a:extLst>
+          </p:cNvPr>
+          <p:cNvSpPr>
+            <a:spLocks noGrp="1"/>
+          </p:cNvSpPr>
+          <p:nvPr>
+            <p:ph type="title"/>
+          </p:nvPr>
+        </p:nvSpPr>
+        <p:spPr>
+          <a:xfrm>
+            <a:off x="581192" y="702156"/>
+            <a:ext cx="11029616" cy="556373"/>
+          </a:xfrm>
+        </p:spPr>
+        <p:txBody>
+          <a:bodyPr>
+            <a:normAutofit fontScale="90000"/>
+          </a:bodyPr>
+          <a:lstStyle/>
+          <a:p>
+            <a:r>
+              <a:rPr lang="en-AU" dirty="0"/>
+              <a:t>Results:</a:t>
+            </a:r>
+          </a:p>
+        </p:txBody>
+      </p:sp>
+      <p:sp>
+        <p:nvSpPr>
+          <p:cNvPr id="3" name="Content Placeholder 2">
+            <a:extLst>
+              <a:ext uri="{FF2B5EF4-FFF2-40B4-BE49-F238E27FC236}">
+                <a16:creationId xmlns:a16="http://schemas.microsoft.com/office/drawing/2014/main" id="{C0F00A4F-A06A-5F08-FC72-400C7F2C2ED3}"/>
+              </a:ext>
+            </a:extLst>
+          </p:cNvPr>
+          <p:cNvSpPr>
+            <a:spLocks noGrp="1"/>
+          </p:cNvSpPr>
+          <p:nvPr>
+            <p:ph idx="1"/>
+          </p:nvPr>
+        </p:nvSpPr>
+        <p:spPr>
+          <a:xfrm>
+            <a:off x="581193" y="1520687"/>
+            <a:ext cx="4984720" cy="4454663"/>
+          </a:xfrm>
+        </p:spPr>
+        <p:txBody>
+          <a:bodyPr anchor="t">
+            <a:normAutofit lnSpcReduction="10000"/>
+          </a:bodyPr>
+          <a:lstStyle/>
+          <a:p>
+            <a:r>
+              <a:rPr lang="en-AU" b="1" dirty="0"/>
+              <a:t>SNIPs categorised according to standard mapping (from </a:t>
+            </a:r>
+            <a:r>
+              <a:rPr lang="en-AU" b="1" dirty="0" err="1"/>
+              <a:t>dbSNP</a:t>
+            </a:r>
+            <a:r>
+              <a:rPr lang="en-AU" b="1" dirty="0"/>
+              <a:t>):</a:t>
+            </a:r>
+          </a:p>
+          <a:p>
+            <a:pPr lvl="1"/>
+            <a:r>
+              <a:rPr lang="en-AU" b="1" dirty="0"/>
+              <a:t>AA or CC: </a:t>
+            </a:r>
+            <a:r>
+              <a:rPr lang="en-AU" dirty="0"/>
+              <a:t>reference/reference</a:t>
+            </a:r>
+          </a:p>
+          <a:p>
+            <a:pPr lvl="1"/>
+            <a:r>
+              <a:rPr lang="en-AU" b="1" dirty="0"/>
+              <a:t>AT or CG: </a:t>
+            </a:r>
+            <a:r>
+              <a:rPr lang="en-AU" dirty="0"/>
+              <a:t>reference/alternate</a:t>
+            </a:r>
+          </a:p>
+          <a:p>
+            <a:pPr lvl="1"/>
+            <a:r>
+              <a:rPr lang="en-AU" b="1" dirty="0"/>
+              <a:t>TT or GG: </a:t>
+            </a:r>
+            <a:r>
+              <a:rPr lang="en-AU" dirty="0"/>
+              <a:t>alternate/alternate</a:t>
+            </a:r>
+          </a:p>
+          <a:p>
+            <a:endParaRPr lang="en-AU" dirty="0"/>
+          </a:p>
+          <a:p>
+            <a:r>
+              <a:rPr lang="en-AU" b="1" dirty="0"/>
+              <a:t>MCA implemented using prince package</a:t>
+            </a:r>
+          </a:p>
+          <a:p>
+            <a:endParaRPr lang="en-AU" dirty="0"/>
+          </a:p>
+          <a:p>
+            <a:r>
+              <a:rPr lang="en-AU" b="1" dirty="0"/>
+              <a:t>Cumulative explained variance:</a:t>
+            </a:r>
+          </a:p>
+          <a:p>
+            <a:pPr lvl="1"/>
+            <a:r>
+              <a:rPr lang="en-AU" b="1" dirty="0"/>
+              <a:t>Component 1: </a:t>
+            </a:r>
+            <a:r>
+              <a:rPr lang="en-AU" dirty="0"/>
+              <a:t>0.61</a:t>
+            </a:r>
+          </a:p>
+          <a:p>
+            <a:pPr lvl="1"/>
+            <a:r>
+              <a:rPr lang="en-AU" b="1" dirty="0"/>
+              <a:t>Component 2: </a:t>
+            </a:r>
+            <a:r>
+              <a:rPr lang="en-AU" dirty="0"/>
+              <a:t>1.00</a:t>
+            </a:r>
+          </a:p>
+          <a:p>
+            <a:pPr marL="0" indent="0">
+              <a:buNone/>
+            </a:pPr>
+            <a:endParaRPr lang="en-AU" dirty="0"/>
+          </a:p>
+        </p:txBody>
+      </p:sp>
+      <p:pic>
+        <p:nvPicPr>
+          <p:cNvPr id="2050" name="Picture 2">
+            <a:extLst>
+              <a:ext uri="{FF2B5EF4-FFF2-40B4-BE49-F238E27FC236}">
+                <a16:creationId xmlns:a16="http://schemas.microsoft.com/office/drawing/2014/main" id="{12AE5C19-1913-7644-4604-717D9382E50A}"/>
+              </a:ext>
+            </a:extLst>
+          </p:cNvPr>
+          <p:cNvPicPr>
+            <a:picLocks noChangeAspect="1" noChangeArrowheads="1"/>
+          </p:cNvPicPr>
+          <p:nvPr/>
+        </p:nvPicPr>
+        <p:blipFill>
+          <a:blip r:embed="rId2">
+            <a:extLst>
+              <a:ext uri="{28A0092B-C50C-407E-A947-70E740481C1C}">
+                <a14:useLocalDpi xmlns:a14="http://schemas.microsoft.com/office/drawing/2010/main" val="0"/>
+              </a:ext>
+            </a:extLst>
+          </a:blip>
+          <a:srcRect/>
+          <a:stretch>
+            <a:fillRect/>
+          </a:stretch>
+        </p:blipFill>
+        <p:spPr bwMode="auto">
+          <a:xfrm>
+            <a:off x="5374399" y="1762606"/>
+            <a:ext cx="6236408" cy="3975254"/>
+          </a:xfrm>
+          <a:prstGeom prst="rect">
+            <a:avLst/>
+          </a:prstGeom>
+          <a:noFill/>
+          <a:extLst>
+            <a:ext uri="{909E8E84-426E-40DD-AFC4-6F175D3DCCD1}">
+              <a14:hiddenFill xmlns:a14="http://schemas.microsoft.com/office/drawing/2010/main">
+                <a:solidFill>
+                  <a:srgbClr val="FFFFFF"/>
+                </a:solidFill>
+              </a14:hiddenFill>
+            </a:ext>
+          </a:extLst>
+        </p:spPr>
+      </p:pic>
+    </p:spTree>
+    <p:extLst>
+      <p:ext uri="{BB962C8B-B14F-4D97-AF65-F5344CB8AC3E}">
+        <p14:creationId xmlns:p14="http://schemas.microsoft.com/office/powerpoint/2010/main" val="1084365285"/>
       </p:ext>
     </p:extLst>
   </p:cSld>
@@ -10817,4 +13210,319 @@
     </a:ext>
   </a:extLst>
 </a:theme>
+</file>
+
+<file path=ppt/theme/theme2.xml><?xml version="1.0" encoding="utf-8"?>
+<a:theme xmlns:a="http://schemas.openxmlformats.org/drawingml/2006/main" name="Office Theme">
+  <a:themeElements>
+    <a:clrScheme name="Office">
+      <a:dk1>
+        <a:sysClr val="windowText" lastClr="000000"/>
+      </a:dk1>
+      <a:lt1>
+        <a:sysClr val="window" lastClr="FFFFFF"/>
+      </a:lt1>
+      <a:dk2>
+        <a:srgbClr val="0E2841"/>
+      </a:dk2>
+      <a:lt2>
+        <a:srgbClr val="E8E8E8"/>
+      </a:lt2>
+      <a:accent1>
+        <a:srgbClr val="156082"/>
+      </a:accent1>
+      <a:accent2>
+        <a:srgbClr val="E97132"/>
+      </a:accent2>
+      <a:accent3>
+        <a:srgbClr val="196B24"/>
+      </a:accent3>
+      <a:accent4>
+        <a:srgbClr val="0F9ED5"/>
+      </a:accent4>
+      <a:accent5>
+        <a:srgbClr val="A02B93"/>
+      </a:accent5>
+      <a:accent6>
+        <a:srgbClr val="4EA72E"/>
+      </a:accent6>
+      <a:hlink>
+        <a:srgbClr val="467886"/>
+      </a:hlink>
+      <a:folHlink>
+        <a:srgbClr val="96607D"/>
+      </a:folHlink>
+    </a:clrScheme>
+    <a:fontScheme name="Office">
+      <a:majorFont>
+        <a:latin typeface="Aptos Display" panose="02110004020202020204"/>
+        <a:ea typeface=""/>
+        <a:cs typeface=""/>
+        <a:font script="Jpan" typeface="游ゴシック Light"/>
+        <a:font script="Hang" typeface="맑은 고딕"/>
+        <a:font script="Hans" typeface="等线 Light"/>
+        <a:font script="Hant" typeface="新細明體"/>
+        <a:font script="Arab" typeface="Times New Roman"/>
+        <a:font script="Hebr" typeface="Times New Roman"/>
+        <a:font script="Thai" typeface="Angsana New"/>
+        <a:font script="Ethi" typeface="Nyala"/>
+        <a:font script="Beng" typeface="Vrinda"/>
+        <a:font script="Gujr" typeface="Shruti"/>
+        <a:font script="Khmr" typeface="MoolBoran"/>
+        <a:font script="Knda" typeface="Tunga"/>
+        <a:font script="Guru" typeface="Raavi"/>
+        <a:font script="Cans" typeface="Euphemia"/>
+        <a:font script="Cher" typeface="Plantagenet Cherokee"/>
+        <a:font script="Yiii" typeface="Microsoft Yi Baiti"/>
+        <a:font script="Tibt" typeface="Microsoft Himalaya"/>
+        <a:font script="Thaa" typeface="MV Boli"/>
+        <a:font script="Deva" typeface="Mangal"/>
+        <a:font script="Telu" typeface="Gautami"/>
+        <a:font script="Taml" typeface="Latha"/>
+        <a:font script="Syrc" typeface="Estrangelo Edessa"/>
+        <a:font script="Orya" typeface="Kalinga"/>
+        <a:font script="Mlym" typeface="Kartika"/>
+        <a:font script="Laoo" typeface="DokChampa"/>
+        <a:font script="Sinh" typeface="Iskoola Pota"/>
+        <a:font script="Mong" typeface="Mongolian Baiti"/>
+        <a:font script="Viet" typeface="Times New Roman"/>
+        <a:font script="Uigh" typeface="Microsoft Uighur"/>
+        <a:font script="Geor" typeface="Sylfaen"/>
+        <a:font script="Armn" typeface="Arial"/>
+        <a:font script="Bugi" typeface="Leelawadee UI"/>
+        <a:font script="Bopo" typeface="Microsoft JhengHei"/>
+        <a:font script="Java" typeface="Javanese Text"/>
+        <a:font script="Lisu" typeface="Segoe UI"/>
+        <a:font script="Mymr" typeface="Myanmar Text"/>
+        <a:font script="Nkoo" typeface="Ebrima"/>
+        <a:font script="Olck" typeface="Nirmala UI"/>
+        <a:font script="Osma" typeface="Ebrima"/>
+        <a:font script="Phag" typeface="Phagspa"/>
+        <a:font script="Syrn" typeface="Estrangelo Edessa"/>
+        <a:font script="Syrj" typeface="Estrangelo Edessa"/>
+        <a:font script="Syre" typeface="Estrangelo Edessa"/>
+        <a:font script="Sora" typeface="Nirmala UI"/>
+        <a:font script="Tale" typeface="Microsoft Tai Le"/>
+        <a:font script="Talu" typeface="Microsoft New Tai Lue"/>
+        <a:font script="Tfng" typeface="Ebrima"/>
+      </a:majorFont>
+      <a:minorFont>
+        <a:latin typeface="Aptos" panose="02110004020202020204"/>
+        <a:ea typeface=""/>
+        <a:cs typeface=""/>
+        <a:font script="Jpan" typeface="游ゴシック"/>
+        <a:font script="Hang" typeface="맑은 고딕"/>
+        <a:font script="Hans" typeface="等线"/>
+        <a:font script="Hant" typeface="新細明體"/>
+        <a:font script="Arab" typeface="Arial"/>
+        <a:font script="Hebr" typeface="Arial"/>
+        <a:font script="Thai" typeface="Cordia New"/>
+        <a:font script="Ethi" typeface="Nyala"/>
+        <a:font script="Beng" typeface="Vrinda"/>
+        <a:font script="Gujr" typeface="Shruti"/>
+        <a:font script="Khmr" typeface="DaunPenh"/>
+        <a:font script="Knda" typeface="Tunga"/>
+        <a:font script="Guru" typeface="Raavi"/>
+        <a:font script="Cans" typeface="Euphemia"/>
+        <a:font script="Cher" typeface="Plantagenet Cherokee"/>
+        <a:font script="Yiii" typeface="Microsoft Yi Baiti"/>
+        <a:font script="Tibt" typeface="Microsoft Himalaya"/>
+        <a:font script="Thaa" typeface="MV Boli"/>
+        <a:font script="Deva" typeface="Mangal"/>
+        <a:font script="Telu" typeface="Gautami"/>
+        <a:font script="Taml" typeface="Latha"/>
+        <a:font script="Syrc" typeface="Estrangelo Edessa"/>
+        <a:font script="Orya" typeface="Kalinga"/>
+        <a:font script="Mlym" typeface="Kartika"/>
+        <a:font script="Laoo" typeface="DokChampa"/>
+        <a:font script="Sinh" typeface="Iskoola Pota"/>
+        <a:font script="Mong" typeface="Mongolian Baiti"/>
+        <a:font script="Viet" typeface="Arial"/>
+        <a:font script="Uigh" typeface="Microsoft Uighur"/>
+        <a:font script="Geor" typeface="Sylfaen"/>
+        <a:font script="Armn" typeface="Arial"/>
+        <a:font script="Bugi" typeface="Leelawadee UI"/>
+        <a:font script="Bopo" typeface="Microsoft JhengHei"/>
+        <a:font script="Java" typeface="Javanese Text"/>
+        <a:font script="Lisu" typeface="Segoe UI"/>
+        <a:font script="Mymr" typeface="Myanmar Text"/>
+        <a:font script="Nkoo" typeface="Ebrima"/>
+        <a:font script="Olck" typeface="Nirmala UI"/>
+        <a:font script="Osma" typeface="Ebrima"/>
+        <a:font script="Phag" typeface="Phagspa"/>
+        <a:font script="Syrn" typeface="Estrangelo Edessa"/>
+        <a:font script="Syrj" typeface="Estrangelo Edessa"/>
+        <a:font script="Syre" typeface="Estrangelo Edessa"/>
+        <a:font script="Sora" typeface="Nirmala UI"/>
+        <a:font script="Tale" typeface="Microsoft Tai Le"/>
+        <a:font script="Talu" typeface="Microsoft New Tai Lue"/>
+        <a:font script="Tfng" typeface="Ebrima"/>
+      </a:minorFont>
+    </a:fontScheme>
+    <a:fmtScheme name="Office">
+      <a:fillStyleLst>
+        <a:solidFill>
+          <a:schemeClr val="phClr"/>
+        </a:solidFill>
+        <a:gradFill rotWithShape="1">
+          <a:gsLst>
+            <a:gs pos="0">
+              <a:schemeClr val="phClr">
+                <a:lumMod val="110000"/>
+                <a:satMod val="105000"/>
+                <a:tint val="67000"/>
+              </a:schemeClr>
+            </a:gs>
+            <a:gs pos="50000">
+              <a:schemeClr val="phClr">
+                <a:lumMod val="105000"/>
+                <a:satMod val="103000"/>
+                <a:tint val="73000"/>
+              </a:schemeClr>
+            </a:gs>
+            <a:gs pos="100000">
+              <a:schemeClr val="phClr">
+                <a:lumMod val="105000"/>
+                <a:satMod val="109000"/>
+                <a:tint val="81000"/>
+              </a:schemeClr>
+            </a:gs>
+          </a:gsLst>
+          <a:lin ang="5400000" scaled="0"/>
+        </a:gradFill>
+        <a:gradFill rotWithShape="1">
+          <a:gsLst>
+            <a:gs pos="0">
+              <a:schemeClr val="phClr">
+                <a:satMod val="103000"/>
+                <a:lumMod val="102000"/>
+                <a:tint val="94000"/>
+              </a:schemeClr>
+            </a:gs>
+            <a:gs pos="50000">
+              <a:schemeClr val="phClr">
+                <a:satMod val="110000"/>
+                <a:lumMod val="100000"/>
+                <a:shade val="100000"/>
+              </a:schemeClr>
+            </a:gs>
+            <a:gs pos="100000">
+              <a:schemeClr val="phClr">
+                <a:lumMod val="99000"/>
+                <a:satMod val="120000"/>
+                <a:shade val="78000"/>
+              </a:schemeClr>
+            </a:gs>
+          </a:gsLst>
+          <a:lin ang="5400000" scaled="0"/>
+        </a:gradFill>
+      </a:fillStyleLst>
+      <a:lnStyleLst>
+        <a:ln w="12700" cap="flat" cmpd="sng" algn="ctr">
+          <a:solidFill>
+            <a:schemeClr val="phClr"/>
+          </a:solidFill>
+          <a:prstDash val="solid"/>
+          <a:miter lim="800000"/>
+        </a:ln>
+        <a:ln w="19050" cap="flat" cmpd="sng" algn="ctr">
+          <a:solidFill>
+            <a:schemeClr val="phClr"/>
+          </a:solidFill>
+          <a:prstDash val="solid"/>
+          <a:miter lim="800000"/>
+        </a:ln>
+        <a:ln w="25400" cap="flat" cmpd="sng" algn="ctr">
+          <a:solidFill>
+            <a:schemeClr val="phClr"/>
+          </a:solidFill>
+          <a:prstDash val="solid"/>
+          <a:miter lim="800000"/>
+        </a:ln>
+      </a:lnStyleLst>
+      <a:effectStyleLst>
+        <a:effectStyle>
+          <a:effectLst/>
+        </a:effectStyle>
+        <a:effectStyle>
+          <a:effectLst/>
+        </a:effectStyle>
+        <a:effectStyle>
+          <a:effectLst>
+            <a:outerShdw blurRad="57150" dist="19050" dir="5400000" algn="ctr" rotWithShape="0">
+              <a:srgbClr val="000000">
+                <a:alpha val="63000"/>
+              </a:srgbClr>
+            </a:outerShdw>
+          </a:effectLst>
+        </a:effectStyle>
+      </a:effectStyleLst>
+      <a:bgFillStyleLst>
+        <a:solidFill>
+          <a:schemeClr val="phClr"/>
+        </a:solidFill>
+        <a:solidFill>
+          <a:schemeClr val="phClr">
+            <a:tint val="95000"/>
+            <a:satMod val="170000"/>
+          </a:schemeClr>
+        </a:solidFill>
+        <a:gradFill rotWithShape="1">
+          <a:gsLst>
+            <a:gs pos="0">
+              <a:schemeClr val="phClr">
+                <a:tint val="93000"/>
+                <a:satMod val="150000"/>
+                <a:shade val="98000"/>
+                <a:lumMod val="102000"/>
+              </a:schemeClr>
+            </a:gs>
+            <a:gs pos="50000">
+              <a:schemeClr val="phClr">
+                <a:tint val="98000"/>
+                <a:satMod val="130000"/>
+                <a:shade val="90000"/>
+                <a:lumMod val="103000"/>
+              </a:schemeClr>
+            </a:gs>
+            <a:gs pos="100000">
+              <a:schemeClr val="phClr">
+                <a:shade val="63000"/>
+                <a:satMod val="120000"/>
+              </a:schemeClr>
+            </a:gs>
+          </a:gsLst>
+          <a:lin ang="5400000" scaled="0"/>
+        </a:gradFill>
+      </a:bgFillStyleLst>
+    </a:fmtScheme>
+  </a:themeElements>
+  <a:objectDefaults>
+    <a:lnDef>
+      <a:spPr/>
+      <a:bodyPr/>
+      <a:lstStyle/>
+      <a:style>
+        <a:lnRef idx="2">
+          <a:schemeClr val="accent1"/>
+        </a:lnRef>
+        <a:fillRef idx="0">
+          <a:schemeClr val="accent1"/>
+        </a:fillRef>
+        <a:effectRef idx="1">
+          <a:schemeClr val="accent1"/>
+        </a:effectRef>
+        <a:fontRef idx="minor">
+          <a:schemeClr val="tx1"/>
+        </a:fontRef>
+      </a:style>
+    </a:lnDef>
+  </a:objectDefaults>
+  <a:extraClrSchemeLst/>
+  <a:extLst>
+    <a:ext uri="{05A4C25C-085E-4340-85A3-A5531E510DB2}">
+      <thm15:themeFamily xmlns:thm15="http://schemas.microsoft.com/office/thememl/2012/main" name="Office Theme" id="{2E142A2C-CD16-42D6-873A-C26D2A0506FA}" vid="{1BDDFF52-6CD6-40A5-AB3C-68EB2F1E4D0A}"/>
+    </a:ext>
+  </a:extLst>
+</a:theme>
 </file>
--- a/1000genomes_Presentation.pptx
+++ b/1000genomes_Presentation.pptx
@@ -5,7 +5,7 @@
     <p:sldMasterId id="2147483712" r:id="rId1"/>
   </p:sldMasterIdLst>
   <p:notesMasterIdLst>
-    <p:notesMasterId r:id="rId13"/>
+    <p:notesMasterId r:id="rId18"/>
   </p:notesMasterIdLst>
   <p:sldIdLst>
     <p:sldId id="256" r:id="rId2"/>
@@ -19,6 +19,11 @@
     <p:sldId id="266" r:id="rId10"/>
     <p:sldId id="265" r:id="rId11"/>
     <p:sldId id="260" r:id="rId12"/>
+    <p:sldId id="267" r:id="rId13"/>
+    <p:sldId id="268" r:id="rId14"/>
+    <p:sldId id="269" r:id="rId15"/>
+    <p:sldId id="270" r:id="rId16"/>
+    <p:sldId id="271" r:id="rId17"/>
   </p:sldIdLst>
   <p:sldSz cx="12192000" cy="6858000"/>
   <p:notesSz cx="6858000" cy="9144000"/>
@@ -10430,6 +10435,997 @@
 </p:sld>
 </file>
 
+<file path=ppt/slides/slide12.xml><?xml version="1.0" encoding="utf-8"?>
+<p:sld xmlns:a="http://schemas.openxmlformats.org/drawingml/2006/main" xmlns:r="http://schemas.openxmlformats.org/officeDocument/2006/relationships" xmlns:p="http://schemas.openxmlformats.org/presentationml/2006/main">
+  <p:cSld>
+    <p:bg>
+      <p:bgPr>
+        <a:solidFill>
+          <a:schemeClr val="bg1"/>
+        </a:solidFill>
+        <a:effectLst/>
+      </p:bgPr>
+    </p:bg>
+    <p:spTree>
+      <p:nvGrpSpPr>
+        <p:cNvPr id="1" name=""/>
+        <p:cNvGrpSpPr/>
+        <p:nvPr/>
+      </p:nvGrpSpPr>
+      <p:grpSpPr>
+        <a:xfrm>
+          <a:off x="0" y="0"/>
+          <a:ext cx="0" cy="0"/>
+          <a:chOff x="0" y="0"/>
+          <a:chExt cx="0" cy="0"/>
+        </a:xfrm>
+      </p:grpSpPr>
+      <p:sp useBgFill="1">
+        <p:nvSpPr>
+          <p:cNvPr id="30" name="Rectangle 29">
+            <a:extLst>
+              <a:ext uri="{FF2B5EF4-FFF2-40B4-BE49-F238E27FC236}">
+                <a16:creationId xmlns:a16="http://schemas.microsoft.com/office/drawing/2014/main" id="{0671A8AE-40A1-4631-A6B8-581AFF065482}"/>
+              </a:ext>
+              <a:ext uri="{C183D7F6-B498-43B3-948B-1728B52AA6E4}">
+                <adec:decorative xmlns:adec="http://schemas.microsoft.com/office/drawing/2017/decorative" val="1"/>
+              </a:ext>
+            </a:extLst>
+          </p:cNvPr>
+          <p:cNvSpPr>
+            <a:spLocks noGrp="1" noRot="1" noChangeAspect="1" noMove="1" noResize="1" noEditPoints="1" noAdjustHandles="1" noChangeArrowheads="1" noChangeShapeType="1" noTextEdit="1"/>
+          </p:cNvSpPr>
+          <p:nvPr>
+            <p:extLst>
+              <p:ext uri="{386F3935-93C4-4BCD-93E2-E3B085C9AB24}">
+                <p16:designElem xmlns:p16="http://schemas.microsoft.com/office/powerpoint/2015/main" val="1"/>
+              </p:ext>
+            </p:extLst>
+          </p:nvPr>
+        </p:nvSpPr>
+        <p:spPr>
+          <a:xfrm>
+            <a:off x="0" y="0"/>
+            <a:ext cx="12192000" cy="6858000"/>
+          </a:xfrm>
+          <a:prstGeom prst="rect">
+            <a:avLst/>
+          </a:prstGeom>
+          <a:ln>
+            <a:noFill/>
+          </a:ln>
+        </p:spPr>
+        <p:style>
+          <a:lnRef idx="2">
+            <a:schemeClr val="accent1">
+              <a:shade val="50000"/>
+            </a:schemeClr>
+          </a:lnRef>
+          <a:fillRef idx="1">
+            <a:schemeClr val="accent1"/>
+          </a:fillRef>
+          <a:effectRef idx="0">
+            <a:schemeClr val="accent1"/>
+          </a:effectRef>
+          <a:fontRef idx="minor">
+            <a:schemeClr val="lt1"/>
+          </a:fontRef>
+        </p:style>
+        <p:txBody>
+          <a:bodyPr rtlCol="0" anchor="ctr"/>
+          <a:lstStyle/>
+          <a:p>
+            <a:pPr algn="ctr"/>
+            <a:endParaRPr lang="en-US"/>
+          </a:p>
+        </p:txBody>
+      </p:sp>
+      <p:pic>
+        <p:nvPicPr>
+          <p:cNvPr id="20" name="Picture 19" descr="A green dna strand with dots and lines&#10;&#10;Description automatically generated">
+            <a:extLst>
+              <a:ext uri="{FF2B5EF4-FFF2-40B4-BE49-F238E27FC236}">
+                <a16:creationId xmlns:a16="http://schemas.microsoft.com/office/drawing/2014/main" id="{AF24C77B-6C4B-94AC-7AFA-CB5EB80885FA}"/>
+              </a:ext>
+            </a:extLst>
+          </p:cNvPr>
+          <p:cNvPicPr>
+            <a:picLocks noChangeAspect="1"/>
+          </p:cNvPicPr>
+          <p:nvPr/>
+        </p:nvPicPr>
+        <p:blipFill>
+          <a:blip r:embed="rId2">
+            <a:extLst>
+              <a:ext uri="{BEBA8EAE-BF5A-486C-A8C5-ECC9F3942E4B}">
+                <a14:imgProps xmlns:a14="http://schemas.microsoft.com/office/drawing/2010/main">
+                  <a14:imgLayer r:embed="rId3">
+                    <a14:imgEffect>
+                      <a14:saturation sat="0"/>
+                    </a14:imgEffect>
+                  </a14:imgLayer>
+                </a14:imgProps>
+              </a:ext>
+            </a:extLst>
+          </a:blip>
+          <a:srcRect t="28538" r="-2" b="15863"/>
+          <a:stretch/>
+        </p:blipFill>
+        <p:spPr>
+          <a:xfrm>
+            <a:off x="20" y="10"/>
+            <a:ext cx="12191980" cy="6857990"/>
+          </a:xfrm>
+          <a:prstGeom prst="rect">
+            <a:avLst/>
+          </a:prstGeom>
+        </p:spPr>
+      </p:pic>
+      <p:sp>
+        <p:nvSpPr>
+          <p:cNvPr id="32" name="Rectangle 31">
+            <a:extLst>
+              <a:ext uri="{FF2B5EF4-FFF2-40B4-BE49-F238E27FC236}">
+                <a16:creationId xmlns:a16="http://schemas.microsoft.com/office/drawing/2014/main" id="{A44CD100-6267-4E62-AA64-2182A3A6A1C0}"/>
+              </a:ext>
+              <a:ext uri="{C183D7F6-B498-43B3-948B-1728B52AA6E4}">
+                <adec:decorative xmlns:adec="http://schemas.microsoft.com/office/drawing/2017/decorative" val="1"/>
+              </a:ext>
+            </a:extLst>
+          </p:cNvPr>
+          <p:cNvSpPr>
+            <a:spLocks noGrp="1" noRot="1" noChangeAspect="1" noMove="1" noResize="1" noEditPoints="1" noAdjustHandles="1" noChangeArrowheads="1" noChangeShapeType="1" noTextEdit="1"/>
+          </p:cNvSpPr>
+          <p:nvPr>
+            <p:extLst>
+              <p:ext uri="{386F3935-93C4-4BCD-93E2-E3B085C9AB24}">
+                <p16:designElem xmlns:p16="http://schemas.microsoft.com/office/powerpoint/2015/main" val="1"/>
+              </p:ext>
+            </p:extLst>
+          </p:nvPr>
+        </p:nvSpPr>
+        <p:spPr>
+          <a:xfrm>
+            <a:off x="3" y="0"/>
+            <a:ext cx="9339206" cy="6858000"/>
+          </a:xfrm>
+          <a:prstGeom prst="rect">
+            <a:avLst/>
+          </a:prstGeom>
+          <a:gradFill>
+            <a:gsLst>
+              <a:gs pos="58000">
+                <a:schemeClr val="tx1">
+                  <a:alpha val="30000"/>
+                </a:schemeClr>
+              </a:gs>
+              <a:gs pos="33000">
+                <a:schemeClr val="tx1">
+                  <a:alpha val="20000"/>
+                </a:schemeClr>
+              </a:gs>
+              <a:gs pos="0">
+                <a:schemeClr val="tx1">
+                  <a:alpha val="0"/>
+                </a:schemeClr>
+              </a:gs>
+              <a:gs pos="100000">
+                <a:schemeClr val="tx1">
+                  <a:alpha val="30000"/>
+                </a:schemeClr>
+              </a:gs>
+            </a:gsLst>
+            <a:lin ang="10800000" scaled="0"/>
+          </a:gradFill>
+          <a:ln>
+            <a:noFill/>
+          </a:ln>
+        </p:spPr>
+        <p:style>
+          <a:lnRef idx="2">
+            <a:schemeClr val="accent1">
+              <a:shade val="50000"/>
+            </a:schemeClr>
+          </a:lnRef>
+          <a:fillRef idx="1">
+            <a:schemeClr val="accent1"/>
+          </a:fillRef>
+          <a:effectRef idx="0">
+            <a:schemeClr val="accent1"/>
+          </a:effectRef>
+          <a:fontRef idx="minor">
+            <a:schemeClr val="lt1"/>
+          </a:fontRef>
+        </p:style>
+        <p:txBody>
+          <a:bodyPr rtlCol="0" anchor="ctr"/>
+          <a:lstStyle/>
+          <a:p>
+            <a:pPr algn="ctr"/>
+            <a:endParaRPr lang="en-US" dirty="0"/>
+          </a:p>
+        </p:txBody>
+      </p:sp>
+      <p:sp>
+        <p:nvSpPr>
+          <p:cNvPr id="5" name="Subtitle 4">
+            <a:extLst>
+              <a:ext uri="{FF2B5EF4-FFF2-40B4-BE49-F238E27FC236}">
+                <a16:creationId xmlns:a16="http://schemas.microsoft.com/office/drawing/2014/main" id="{027B12A8-80E5-A39C-A9DD-946D3741CEA9}"/>
+              </a:ext>
+            </a:extLst>
+          </p:cNvPr>
+          <p:cNvSpPr>
+            <a:spLocks noGrp="1"/>
+          </p:cNvSpPr>
+          <p:nvPr>
+            <p:ph type="subTitle" idx="1"/>
+          </p:nvPr>
+        </p:nvSpPr>
+        <p:spPr>
+          <a:xfrm>
+            <a:off x="946954" y="2539849"/>
+            <a:ext cx="6939746" cy="590321"/>
+          </a:xfrm>
+        </p:spPr>
+        <p:txBody>
+          <a:bodyPr>
+            <a:noAutofit/>
+          </a:bodyPr>
+          <a:lstStyle/>
+          <a:p>
+            <a:r>
+              <a:rPr lang="en-US" sz="4000" b="1" dirty="0"/>
+              <a:t>Interpreting the Results:</a:t>
+            </a:r>
+          </a:p>
+          <a:p>
+            <a:r>
+              <a:rPr lang="en-US" sz="4000" b="1" dirty="0" err="1"/>
+              <a:t>Visualisation</a:t>
+            </a:r>
+            <a:r>
+              <a:rPr lang="en-US" sz="4000" b="1" dirty="0"/>
+              <a:t> through Tableau</a:t>
+            </a:r>
+          </a:p>
+          <a:p>
+            <a:endParaRPr lang="en-AU" sz="4000" b="1" dirty="0"/>
+          </a:p>
+        </p:txBody>
+      </p:sp>
+    </p:spTree>
+    <p:extLst>
+      <p:ext uri="{BB962C8B-B14F-4D97-AF65-F5344CB8AC3E}">
+        <p14:creationId xmlns:p14="http://schemas.microsoft.com/office/powerpoint/2010/main" val="1003577359"/>
+      </p:ext>
+    </p:extLst>
+  </p:cSld>
+  <p:clrMapOvr>
+    <a:masterClrMapping/>
+  </p:clrMapOvr>
+</p:sld>
+</file>
+
+<file path=ppt/slides/slide13.xml><?xml version="1.0" encoding="utf-8"?>
+<p:sld xmlns:a="http://schemas.openxmlformats.org/drawingml/2006/main" xmlns:r="http://schemas.openxmlformats.org/officeDocument/2006/relationships" xmlns:p="http://schemas.openxmlformats.org/presentationml/2006/main">
+  <p:cSld>
+    <p:spTree>
+      <p:nvGrpSpPr>
+        <p:cNvPr id="1" name=""/>
+        <p:cNvGrpSpPr/>
+        <p:nvPr/>
+      </p:nvGrpSpPr>
+      <p:grpSpPr>
+        <a:xfrm>
+          <a:off x="0" y="0"/>
+          <a:ext cx="0" cy="0"/>
+          <a:chOff x="0" y="0"/>
+          <a:chExt cx="0" cy="0"/>
+        </a:xfrm>
+      </p:grpSpPr>
+      <p:sp>
+        <p:nvSpPr>
+          <p:cNvPr id="2" name="Title 1">
+            <a:extLst>
+              <a:ext uri="{FF2B5EF4-FFF2-40B4-BE49-F238E27FC236}">
+                <a16:creationId xmlns:a16="http://schemas.microsoft.com/office/drawing/2014/main" id="{1AD2EA7D-617A-97E1-6E8D-7FC343A8A6A1}"/>
+              </a:ext>
+            </a:extLst>
+          </p:cNvPr>
+          <p:cNvSpPr>
+            <a:spLocks noGrp="1"/>
+          </p:cNvSpPr>
+          <p:nvPr>
+            <p:ph type="title"/>
+          </p:nvPr>
+        </p:nvSpPr>
+        <p:spPr/>
+        <p:txBody>
+          <a:bodyPr/>
+          <a:lstStyle/>
+          <a:p>
+            <a:r>
+              <a:rPr lang="en-AU" dirty="0"/>
+              <a:t>Preparing the Data</a:t>
+            </a:r>
+          </a:p>
+        </p:txBody>
+      </p:sp>
+      <p:sp>
+        <p:nvSpPr>
+          <p:cNvPr id="3" name="Content Placeholder 2">
+            <a:extLst>
+              <a:ext uri="{FF2B5EF4-FFF2-40B4-BE49-F238E27FC236}">
+                <a16:creationId xmlns:a16="http://schemas.microsoft.com/office/drawing/2014/main" id="{3B163B8F-E019-BABB-462E-2F9153C2851C}"/>
+              </a:ext>
+            </a:extLst>
+          </p:cNvPr>
+          <p:cNvSpPr>
+            <a:spLocks noGrp="1"/>
+          </p:cNvSpPr>
+          <p:nvPr>
+            <p:ph idx="1"/>
+          </p:nvPr>
+        </p:nvSpPr>
+        <p:spPr/>
+        <p:txBody>
+          <a:bodyPr anchor="t"/>
+          <a:lstStyle/>
+          <a:p>
+            <a:r>
+              <a:rPr lang="en-AU" dirty="0"/>
+              <a:t>Wanted a map which shows relations between two regions</a:t>
+            </a:r>
+          </a:p>
+          <a:p>
+            <a:r>
+              <a:rPr lang="en-AU" dirty="0"/>
+              <a:t>Tableau has a built-in path maker, but the formatting must be very specific</a:t>
+            </a:r>
+          </a:p>
+          <a:p>
+            <a:endParaRPr lang="en-AU" dirty="0"/>
+          </a:p>
+        </p:txBody>
+      </p:sp>
+      <p:pic>
+        <p:nvPicPr>
+          <p:cNvPr id="6" name="Picture 5">
+            <a:extLst>
+              <a:ext uri="{FF2B5EF4-FFF2-40B4-BE49-F238E27FC236}">
+                <a16:creationId xmlns:a16="http://schemas.microsoft.com/office/drawing/2014/main" id="{11AE5D49-C808-8E58-89B5-12134DBD6A3F}"/>
+              </a:ext>
+            </a:extLst>
+          </p:cNvPr>
+          <p:cNvPicPr>
+            <a:picLocks noChangeAspect="1"/>
+          </p:cNvPicPr>
+          <p:nvPr/>
+        </p:nvPicPr>
+        <p:blipFill>
+          <a:blip r:embed="rId2"/>
+          <a:stretch>
+            <a:fillRect/>
+          </a:stretch>
+        </p:blipFill>
+        <p:spPr>
+          <a:xfrm>
+            <a:off x="969425" y="3317179"/>
+            <a:ext cx="4102964" cy="1402202"/>
+          </a:xfrm>
+          <a:prstGeom prst="rect">
+            <a:avLst/>
+          </a:prstGeom>
+        </p:spPr>
+      </p:pic>
+    </p:spTree>
+    <p:extLst>
+      <p:ext uri="{BB962C8B-B14F-4D97-AF65-F5344CB8AC3E}">
+        <p14:creationId xmlns:p14="http://schemas.microsoft.com/office/powerpoint/2010/main" val="1464365254"/>
+      </p:ext>
+    </p:extLst>
+  </p:cSld>
+  <p:clrMapOvr>
+    <a:masterClrMapping/>
+  </p:clrMapOvr>
+</p:sld>
+</file>
+
+<file path=ppt/slides/slide14.xml><?xml version="1.0" encoding="utf-8"?>
+<p:sld xmlns:a="http://schemas.openxmlformats.org/drawingml/2006/main" xmlns:r="http://schemas.openxmlformats.org/officeDocument/2006/relationships" xmlns:p="http://schemas.openxmlformats.org/presentationml/2006/main">
+  <p:cSld>
+    <p:spTree>
+      <p:nvGrpSpPr>
+        <p:cNvPr id="1" name=""/>
+        <p:cNvGrpSpPr/>
+        <p:nvPr/>
+      </p:nvGrpSpPr>
+      <p:grpSpPr>
+        <a:xfrm>
+          <a:off x="0" y="0"/>
+          <a:ext cx="0" cy="0"/>
+          <a:chOff x="0" y="0"/>
+          <a:chExt cx="0" cy="0"/>
+        </a:xfrm>
+      </p:grpSpPr>
+      <p:sp>
+        <p:nvSpPr>
+          <p:cNvPr id="2" name="Title 1">
+            <a:extLst>
+              <a:ext uri="{FF2B5EF4-FFF2-40B4-BE49-F238E27FC236}">
+                <a16:creationId xmlns:a16="http://schemas.microsoft.com/office/drawing/2014/main" id="{28BFEF8C-C22F-2A4E-1232-B86F2F5BC62E}"/>
+              </a:ext>
+            </a:extLst>
+          </p:cNvPr>
+          <p:cNvSpPr>
+            <a:spLocks noGrp="1"/>
+          </p:cNvSpPr>
+          <p:nvPr>
+            <p:ph type="title"/>
+          </p:nvPr>
+        </p:nvSpPr>
+        <p:spPr/>
+        <p:txBody>
+          <a:bodyPr/>
+          <a:lstStyle/>
+          <a:p>
+            <a:r>
+              <a:rPr lang="en-AU" dirty="0"/>
+              <a:t>Preparing the Data</a:t>
+            </a:r>
+          </a:p>
+        </p:txBody>
+      </p:sp>
+      <p:sp>
+        <p:nvSpPr>
+          <p:cNvPr id="3" name="Content Placeholder 2">
+            <a:extLst>
+              <a:ext uri="{FF2B5EF4-FFF2-40B4-BE49-F238E27FC236}">
+                <a16:creationId xmlns:a16="http://schemas.microsoft.com/office/drawing/2014/main" id="{886BA5D6-6A89-2A34-C0CC-8C72CD6D8887}"/>
+              </a:ext>
+            </a:extLst>
+          </p:cNvPr>
+          <p:cNvSpPr>
+            <a:spLocks noGrp="1"/>
+          </p:cNvSpPr>
+          <p:nvPr>
+            <p:ph idx="1"/>
+          </p:nvPr>
+        </p:nvSpPr>
+        <p:spPr>
+          <a:xfrm>
+            <a:off x="581192" y="2340864"/>
+            <a:ext cx="5182915" cy="3634486"/>
+          </a:xfrm>
+        </p:spPr>
+        <p:txBody>
+          <a:bodyPr anchor="t"/>
+          <a:lstStyle/>
+          <a:p>
+            <a:r>
+              <a:rPr lang="en-AU" dirty="0"/>
+              <a:t>Another csv with just the Path ID and the count of that path was made</a:t>
+            </a:r>
+          </a:p>
+          <a:p>
+            <a:pPr marL="0" indent="0">
+              <a:buNone/>
+            </a:pPr>
+            <a:endParaRPr lang="en-AU" dirty="0"/>
+          </a:p>
+        </p:txBody>
+      </p:sp>
+      <p:pic>
+        <p:nvPicPr>
+          <p:cNvPr id="5" name="Picture 4">
+            <a:extLst>
+              <a:ext uri="{FF2B5EF4-FFF2-40B4-BE49-F238E27FC236}">
+                <a16:creationId xmlns:a16="http://schemas.microsoft.com/office/drawing/2014/main" id="{3A35F583-5014-EFD1-C611-C8A67B9E6079}"/>
+              </a:ext>
+            </a:extLst>
+          </p:cNvPr>
+          <p:cNvPicPr>
+            <a:picLocks noChangeAspect="1"/>
+          </p:cNvPicPr>
+          <p:nvPr/>
+        </p:nvPicPr>
+        <p:blipFill>
+          <a:blip r:embed="rId2"/>
+          <a:stretch>
+            <a:fillRect/>
+          </a:stretch>
+        </p:blipFill>
+        <p:spPr>
+          <a:xfrm>
+            <a:off x="5912055" y="2090843"/>
+            <a:ext cx="5789501" cy="4338320"/>
+          </a:xfrm>
+          <a:prstGeom prst="rect">
+            <a:avLst/>
+          </a:prstGeom>
+        </p:spPr>
+      </p:pic>
+    </p:spTree>
+    <p:extLst>
+      <p:ext uri="{BB962C8B-B14F-4D97-AF65-F5344CB8AC3E}">
+        <p14:creationId xmlns:p14="http://schemas.microsoft.com/office/powerpoint/2010/main" val="374168187"/>
+      </p:ext>
+    </p:extLst>
+  </p:cSld>
+  <p:clrMapOvr>
+    <a:masterClrMapping/>
+  </p:clrMapOvr>
+</p:sld>
+</file>
+
+<file path=ppt/slides/slide15.xml><?xml version="1.0" encoding="utf-8"?>
+<p:sld xmlns:a="http://schemas.openxmlformats.org/drawingml/2006/main" xmlns:r="http://schemas.openxmlformats.org/officeDocument/2006/relationships" xmlns:p="http://schemas.openxmlformats.org/presentationml/2006/main">
+  <p:cSld>
+    <p:spTree>
+      <p:nvGrpSpPr>
+        <p:cNvPr id="1" name=""/>
+        <p:cNvGrpSpPr/>
+        <p:nvPr/>
+      </p:nvGrpSpPr>
+      <p:grpSpPr>
+        <a:xfrm>
+          <a:off x="0" y="0"/>
+          <a:ext cx="0" cy="0"/>
+          <a:chOff x="0" y="0"/>
+          <a:chExt cx="0" cy="0"/>
+        </a:xfrm>
+      </p:grpSpPr>
+      <p:sp>
+        <p:nvSpPr>
+          <p:cNvPr id="2" name="Title 1">
+            <a:extLst>
+              <a:ext uri="{FF2B5EF4-FFF2-40B4-BE49-F238E27FC236}">
+                <a16:creationId xmlns:a16="http://schemas.microsoft.com/office/drawing/2014/main" id="{BFDB45CE-AD67-B4D5-17B9-1C28911DB3B2}"/>
+              </a:ext>
+            </a:extLst>
+          </p:cNvPr>
+          <p:cNvSpPr>
+            <a:spLocks noGrp="1"/>
+          </p:cNvSpPr>
+          <p:nvPr>
+            <p:ph type="title"/>
+          </p:nvPr>
+        </p:nvSpPr>
+        <p:spPr/>
+        <p:txBody>
+          <a:bodyPr/>
+          <a:lstStyle/>
+          <a:p>
+            <a:r>
+              <a:rPr lang="en-AU" dirty="0"/>
+              <a:t>Making the Map</a:t>
+            </a:r>
+          </a:p>
+        </p:txBody>
+      </p:sp>
+      <p:pic>
+        <p:nvPicPr>
+          <p:cNvPr id="5" name="Picture 4">
+            <a:extLst>
+              <a:ext uri="{FF2B5EF4-FFF2-40B4-BE49-F238E27FC236}">
+                <a16:creationId xmlns:a16="http://schemas.microsoft.com/office/drawing/2014/main" id="{A41B872E-54FB-D10B-BDEF-4860ED6F6A0E}"/>
+              </a:ext>
+            </a:extLst>
+          </p:cNvPr>
+          <p:cNvPicPr>
+            <a:picLocks noChangeAspect="1"/>
+          </p:cNvPicPr>
+          <p:nvPr/>
+        </p:nvPicPr>
+        <p:blipFill>
+          <a:blip r:embed="rId2"/>
+          <a:stretch>
+            <a:fillRect/>
+          </a:stretch>
+        </p:blipFill>
+        <p:spPr>
+          <a:xfrm>
+            <a:off x="581192" y="2712048"/>
+            <a:ext cx="3211670" cy="3796453"/>
+          </a:xfrm>
+          <a:prstGeom prst="rect">
+            <a:avLst/>
+          </a:prstGeom>
+        </p:spPr>
+      </p:pic>
+      <p:sp>
+        <p:nvSpPr>
+          <p:cNvPr id="6" name="TextBox 5">
+            <a:extLst>
+              <a:ext uri="{FF2B5EF4-FFF2-40B4-BE49-F238E27FC236}">
+                <a16:creationId xmlns:a16="http://schemas.microsoft.com/office/drawing/2014/main" id="{BEC89A73-8C2C-E3BC-2A35-32CF352AA6AF}"/>
+              </a:ext>
+            </a:extLst>
+          </p:cNvPr>
+          <p:cNvSpPr txBox="1"/>
+          <p:nvPr/>
+        </p:nvSpPr>
+        <p:spPr>
+          <a:xfrm>
+            <a:off x="581192" y="2065717"/>
+            <a:ext cx="3211670" cy="646331"/>
+          </a:xfrm>
+          <a:prstGeom prst="rect">
+            <a:avLst/>
+          </a:prstGeom>
+          <a:noFill/>
+        </p:spPr>
+        <p:txBody>
+          <a:bodyPr wrap="square" rtlCol="0">
+            <a:spAutoFit/>
+          </a:bodyPr>
+          <a:lstStyle/>
+          <a:p>
+            <a:r>
+              <a:rPr lang="en-AU" dirty="0"/>
+              <a:t>1. Parameter to choose which superpopulation to display</a:t>
+            </a:r>
+          </a:p>
+        </p:txBody>
+      </p:sp>
+      <p:pic>
+        <p:nvPicPr>
+          <p:cNvPr id="8" name="Picture 7">
+            <a:extLst>
+              <a:ext uri="{FF2B5EF4-FFF2-40B4-BE49-F238E27FC236}">
+                <a16:creationId xmlns:a16="http://schemas.microsoft.com/office/drawing/2014/main" id="{7AF5C0CA-38A9-D4A5-D514-7B7BE6FF07A2}"/>
+              </a:ext>
+            </a:extLst>
+          </p:cNvPr>
+          <p:cNvPicPr>
+            <a:picLocks noChangeAspect="1"/>
+          </p:cNvPicPr>
+          <p:nvPr/>
+        </p:nvPicPr>
+        <p:blipFill>
+          <a:blip r:embed="rId3"/>
+          <a:stretch>
+            <a:fillRect/>
+          </a:stretch>
+        </p:blipFill>
+        <p:spPr>
+          <a:xfrm>
+            <a:off x="7970886" y="2048614"/>
+            <a:ext cx="3451397" cy="1885942"/>
+          </a:xfrm>
+          <a:prstGeom prst="rect">
+            <a:avLst/>
+          </a:prstGeom>
+        </p:spPr>
+      </p:pic>
+      <p:sp>
+        <p:nvSpPr>
+          <p:cNvPr id="9" name="TextBox 8">
+            <a:extLst>
+              <a:ext uri="{FF2B5EF4-FFF2-40B4-BE49-F238E27FC236}">
+                <a16:creationId xmlns:a16="http://schemas.microsoft.com/office/drawing/2014/main" id="{126603E3-43C3-AF43-AF13-C7BE5B20F351}"/>
+              </a:ext>
+            </a:extLst>
+          </p:cNvPr>
+          <p:cNvSpPr txBox="1"/>
+          <p:nvPr/>
+        </p:nvSpPr>
+        <p:spPr>
+          <a:xfrm>
+            <a:off x="7970886" y="1183744"/>
+            <a:ext cx="3211670" cy="646331"/>
+          </a:xfrm>
+          <a:prstGeom prst="rect">
+            <a:avLst/>
+          </a:prstGeom>
+          <a:noFill/>
+        </p:spPr>
+        <p:txBody>
+          <a:bodyPr wrap="square" rtlCol="0">
+            <a:spAutoFit/>
+          </a:bodyPr>
+          <a:lstStyle/>
+          <a:p>
+            <a:r>
+              <a:rPr lang="en-AU" dirty="0"/>
+              <a:t>3. Calculated field to choose colour of line</a:t>
+            </a:r>
+          </a:p>
+        </p:txBody>
+      </p:sp>
+      <p:pic>
+        <p:nvPicPr>
+          <p:cNvPr id="11" name="Picture 10">
+            <a:extLst>
+              <a:ext uri="{FF2B5EF4-FFF2-40B4-BE49-F238E27FC236}">
+                <a16:creationId xmlns:a16="http://schemas.microsoft.com/office/drawing/2014/main" id="{C059D6F6-1A03-EF06-17B2-4BDD5C437CED}"/>
+              </a:ext>
+            </a:extLst>
+          </p:cNvPr>
+          <p:cNvPicPr>
+            <a:picLocks noChangeAspect="1"/>
+          </p:cNvPicPr>
+          <p:nvPr/>
+        </p:nvPicPr>
+        <p:blipFill rotWithShape="1">
+          <a:blip r:embed="rId4"/>
+          <a:srcRect r="1527" b="3250"/>
+          <a:stretch/>
+        </p:blipFill>
+        <p:spPr>
+          <a:xfrm>
+            <a:off x="4104864" y="2699763"/>
+            <a:ext cx="3662335" cy="1885943"/>
+          </a:xfrm>
+          <a:prstGeom prst="rect">
+            <a:avLst/>
+          </a:prstGeom>
+        </p:spPr>
+      </p:pic>
+      <p:sp>
+        <p:nvSpPr>
+          <p:cNvPr id="12" name="TextBox 11">
+            <a:extLst>
+              <a:ext uri="{FF2B5EF4-FFF2-40B4-BE49-F238E27FC236}">
+                <a16:creationId xmlns:a16="http://schemas.microsoft.com/office/drawing/2014/main" id="{B085E60E-AC96-629C-9A37-3CF15F3A91D8}"/>
+              </a:ext>
+            </a:extLst>
+          </p:cNvPr>
+          <p:cNvSpPr txBox="1"/>
+          <p:nvPr/>
+        </p:nvSpPr>
+        <p:spPr>
+          <a:xfrm>
+            <a:off x="4223356" y="2053431"/>
+            <a:ext cx="3211670" cy="646331"/>
+          </a:xfrm>
+          <a:prstGeom prst="rect">
+            <a:avLst/>
+          </a:prstGeom>
+          <a:noFill/>
+        </p:spPr>
+        <p:txBody>
+          <a:bodyPr wrap="square" rtlCol="0">
+            <a:spAutoFit/>
+          </a:bodyPr>
+          <a:lstStyle/>
+          <a:p>
+            <a:r>
+              <a:rPr lang="en-AU" dirty="0"/>
+              <a:t>2. Filter to only get paths which start with parameter</a:t>
+            </a:r>
+          </a:p>
+        </p:txBody>
+      </p:sp>
+      <p:pic>
+        <p:nvPicPr>
+          <p:cNvPr id="14" name="Picture 13">
+            <a:extLst>
+              <a:ext uri="{FF2B5EF4-FFF2-40B4-BE49-F238E27FC236}">
+                <a16:creationId xmlns:a16="http://schemas.microsoft.com/office/drawing/2014/main" id="{F97EEB8D-F393-CAA2-D26A-A985ACAD9F8E}"/>
+              </a:ext>
+            </a:extLst>
+          </p:cNvPr>
+          <p:cNvPicPr>
+            <a:picLocks noChangeAspect="1"/>
+          </p:cNvPicPr>
+          <p:nvPr/>
+        </p:nvPicPr>
+        <p:blipFill>
+          <a:blip r:embed="rId5"/>
+          <a:stretch>
+            <a:fillRect/>
+          </a:stretch>
+        </p:blipFill>
+        <p:spPr>
+          <a:xfrm>
+            <a:off x="8344578" y="4326505"/>
+            <a:ext cx="3041009" cy="2270049"/>
+          </a:xfrm>
+          <a:prstGeom prst="rect">
+            <a:avLst/>
+          </a:prstGeom>
+        </p:spPr>
+      </p:pic>
+      <p:sp>
+        <p:nvSpPr>
+          <p:cNvPr id="15" name="TextBox 14">
+            <a:extLst>
+              <a:ext uri="{FF2B5EF4-FFF2-40B4-BE49-F238E27FC236}">
+                <a16:creationId xmlns:a16="http://schemas.microsoft.com/office/drawing/2014/main" id="{B0014164-A719-51CF-5305-A001FEBBF0EE}"/>
+              </a:ext>
+            </a:extLst>
+          </p:cNvPr>
+          <p:cNvSpPr txBox="1"/>
+          <p:nvPr/>
+        </p:nvSpPr>
+        <p:spPr>
+          <a:xfrm>
+            <a:off x="3953629" y="5227634"/>
+            <a:ext cx="4366507" cy="1477328"/>
+          </a:xfrm>
+          <a:prstGeom prst="rect">
+            <a:avLst/>
+          </a:prstGeom>
+          <a:noFill/>
+        </p:spPr>
+        <p:txBody>
+          <a:bodyPr wrap="square" rtlCol="0">
+            <a:spAutoFit/>
+          </a:bodyPr>
+          <a:lstStyle/>
+          <a:p>
+            <a:pPr algn="r"/>
+            <a:r>
+              <a:rPr lang="en-AU" dirty="0"/>
+              <a:t>4. Longitude on Columns, Latitude on Rows</a:t>
+            </a:r>
+          </a:p>
+          <a:p>
+            <a:pPr algn="r"/>
+            <a:r>
+              <a:rPr lang="en-AU" dirty="0"/>
+              <a:t>Path ID on Detail, graph set to “Line”</a:t>
+            </a:r>
+          </a:p>
+          <a:p>
+            <a:pPr algn="r"/>
+            <a:r>
+              <a:rPr lang="en-AU" dirty="0"/>
+              <a:t>Guess Superpopulation on Colour, Count of Predictions on Size</a:t>
+            </a:r>
+          </a:p>
+          <a:p>
+            <a:pPr algn="r"/>
+            <a:endParaRPr lang="en-AU" dirty="0"/>
+          </a:p>
+        </p:txBody>
+      </p:sp>
+    </p:spTree>
+    <p:extLst>
+      <p:ext uri="{BB962C8B-B14F-4D97-AF65-F5344CB8AC3E}">
+        <p14:creationId xmlns:p14="http://schemas.microsoft.com/office/powerpoint/2010/main" val="340715468"/>
+      </p:ext>
+    </p:extLst>
+  </p:cSld>
+  <p:clrMapOvr>
+    <a:masterClrMapping/>
+  </p:clrMapOvr>
+</p:sld>
+</file>
+
+<file path=ppt/slides/slide16.xml><?xml version="1.0" encoding="utf-8"?>
+<p:sld xmlns:a="http://schemas.openxmlformats.org/drawingml/2006/main" xmlns:r="http://schemas.openxmlformats.org/officeDocument/2006/relationships" xmlns:p="http://schemas.openxmlformats.org/presentationml/2006/main">
+  <p:cSld>
+    <p:spTree>
+      <p:nvGrpSpPr>
+        <p:cNvPr id="1" name=""/>
+        <p:cNvGrpSpPr/>
+        <p:nvPr/>
+      </p:nvGrpSpPr>
+      <p:grpSpPr>
+        <a:xfrm>
+          <a:off x="0" y="0"/>
+          <a:ext cx="0" cy="0"/>
+          <a:chOff x="0" y="0"/>
+          <a:chExt cx="0" cy="0"/>
+        </a:xfrm>
+      </p:grpSpPr>
+      <p:sp>
+        <p:nvSpPr>
+          <p:cNvPr id="2" name="Title 1">
+            <a:extLst>
+              <a:ext uri="{FF2B5EF4-FFF2-40B4-BE49-F238E27FC236}">
+                <a16:creationId xmlns:a16="http://schemas.microsoft.com/office/drawing/2014/main" id="{BFDB45CE-AD67-B4D5-17B9-1C28911DB3B2}"/>
+              </a:ext>
+            </a:extLst>
+          </p:cNvPr>
+          <p:cNvSpPr>
+            <a:spLocks noGrp="1"/>
+          </p:cNvSpPr>
+          <p:nvPr>
+            <p:ph type="title"/>
+          </p:nvPr>
+        </p:nvSpPr>
+        <p:spPr/>
+        <p:txBody>
+          <a:bodyPr/>
+          <a:lstStyle/>
+          <a:p>
+            <a:r>
+              <a:rPr lang="en-AU" dirty="0"/>
+              <a:t>the Map: </a:t>
+            </a:r>
+          </a:p>
+        </p:txBody>
+      </p:sp>
+      <p:pic>
+        <p:nvPicPr>
+          <p:cNvPr id="4" name="Picture 3">
+            <a:extLst>
+              <a:ext uri="{FF2B5EF4-FFF2-40B4-BE49-F238E27FC236}">
+                <a16:creationId xmlns:a16="http://schemas.microsoft.com/office/drawing/2014/main" id="{3C14549D-75B5-2A11-1DA8-D69B7B3EA280}"/>
+              </a:ext>
+            </a:extLst>
+          </p:cNvPr>
+          <p:cNvPicPr>
+            <a:picLocks noChangeAspect="1"/>
+          </p:cNvPicPr>
+          <p:nvPr/>
+        </p:nvPicPr>
+        <p:blipFill>
+          <a:blip r:embed="rId2"/>
+          <a:stretch>
+            <a:fillRect/>
+          </a:stretch>
+        </p:blipFill>
+        <p:spPr>
+          <a:xfrm>
+            <a:off x="644685" y="1890876"/>
+            <a:ext cx="8694512" cy="4644535"/>
+          </a:xfrm>
+          <a:prstGeom prst="rect">
+            <a:avLst/>
+          </a:prstGeom>
+        </p:spPr>
+      </p:pic>
+      <p:sp>
+        <p:nvSpPr>
+          <p:cNvPr id="10" name="TextBox 9">
+            <a:extLst>
+              <a:ext uri="{FF2B5EF4-FFF2-40B4-BE49-F238E27FC236}">
+                <a16:creationId xmlns:a16="http://schemas.microsoft.com/office/drawing/2014/main" id="{BF969AF6-988C-B9BF-428F-67775ED48831}"/>
+              </a:ext>
+            </a:extLst>
+          </p:cNvPr>
+          <p:cNvSpPr txBox="1"/>
+          <p:nvPr/>
+        </p:nvSpPr>
+        <p:spPr>
+          <a:xfrm>
+            <a:off x="3448735" y="1296516"/>
+            <a:ext cx="6094902" cy="646331"/>
+          </a:xfrm>
+          <a:prstGeom prst="rect">
+            <a:avLst/>
+          </a:prstGeom>
+          <a:noFill/>
+        </p:spPr>
+        <p:txBody>
+          <a:bodyPr wrap="square">
+            <a:spAutoFit/>
+          </a:bodyPr>
+          <a:lstStyle/>
+          <a:p>
+            <a:r>
+              <a:rPr lang="en-AU" b="0" i="0" u="none" strike="noStrike" dirty="0">
+                <a:effectLst/>
+                <a:highlight>
+                  <a:srgbClr val="FFFFFF"/>
+                </a:highlight>
+                <a:latin typeface="Slack-Lato"/>
+                <a:hlinkClick r:id="rId3"/>
+              </a:rPr>
+              <a:t>https://public.tableau.com/app/profile/violet.bui/viz/1000genomesMachineLearningVisualisations/Estimations?publish=yes</a:t>
+            </a:r>
+            <a:endParaRPr lang="en-AU" dirty="0"/>
+          </a:p>
+        </p:txBody>
+      </p:sp>
+    </p:spTree>
+    <p:extLst>
+      <p:ext uri="{BB962C8B-B14F-4D97-AF65-F5344CB8AC3E}">
+        <p14:creationId xmlns:p14="http://schemas.microsoft.com/office/powerpoint/2010/main" val="1002352811"/>
+      </p:ext>
+    </p:extLst>
+  </p:cSld>
+  <p:clrMapOvr>
+    <a:masterClrMapping/>
+  </p:clrMapOvr>
+</p:sld>
+</file>
+
 <file path=ppt/slides/slide2.xml><?xml version="1.0" encoding="utf-8"?>
 <p:sld xmlns:a="http://schemas.openxmlformats.org/drawingml/2006/main" xmlns:r="http://schemas.openxmlformats.org/officeDocument/2006/relationships" xmlns:p="http://schemas.openxmlformats.org/presentationml/2006/main">
   <p:cSld>

--- a/1000genomes_Presentation.pptx
+++ b/1000genomes_Presentation.pptx
@@ -18,7 +18,7 @@
     <p:sldId id="264" r:id="rId9"/>
     <p:sldId id="259" r:id="rId10"/>
     <p:sldId id="261" r:id="rId11"/>
-    <p:sldId id="262" r:id="rId12"/>
+    <p:sldId id="277" r:id="rId12"/>
     <p:sldId id="272" r:id="rId13"/>
     <p:sldId id="265" r:id="rId14"/>
     <p:sldId id="260" r:id="rId15"/>
@@ -9728,57 +9728,40 @@
       </p:grpSpPr>
       <p:pic>
         <p:nvPicPr>
-          <p:cNvPr id="3074" name="Picture 2">
+          <p:cNvPr id="6" name="Picture 5">
             <a:extLst>
               <a:ext uri="{FF2B5EF4-FFF2-40B4-BE49-F238E27FC236}">
-                <a16:creationId xmlns:a16="http://schemas.microsoft.com/office/drawing/2014/main" id="{3B4BD5C2-F022-32EE-0D65-B02B35A5703F}"/>
+                <a16:creationId xmlns:a16="http://schemas.microsoft.com/office/drawing/2014/main" id="{F229765D-6469-FC39-EF87-608226A933B6}"/>
               </a:ext>
             </a:extLst>
           </p:cNvPr>
           <p:cNvPicPr>
-            <a:picLocks noChangeAspect="1" noChangeArrowheads="1"/>
+            <a:picLocks noChangeAspect="1"/>
           </p:cNvPicPr>
           <p:nvPr/>
         </p:nvPicPr>
         <p:blipFill>
-          <a:blip r:embed="rId2">
-            <a:extLst>
-              <a:ext uri="{28A0092B-C50C-407E-A947-70E740481C1C}">
-                <a14:useLocalDpi xmlns:a14="http://schemas.microsoft.com/office/drawing/2010/main" val="0"/>
-              </a:ext>
-            </a:extLst>
-          </a:blip>
-          <a:srcRect/>
+          <a:blip r:embed="rId2"/>
           <a:stretch>
             <a:fillRect/>
           </a:stretch>
         </p:blipFill>
-        <p:spPr bwMode="auto">
+        <p:spPr>
           <a:xfrm>
-            <a:off x="581192" y="1208862"/>
-            <a:ext cx="7400608" cy="5617752"/>
+            <a:off x="0" y="769545"/>
+            <a:ext cx="12192000" cy="6088455"/>
           </a:xfrm>
           <a:prstGeom prst="rect">
             <a:avLst/>
           </a:prstGeom>
-          <a:noFill/>
-          <a:extLst>
-            <a:ext uri="{909E8E84-426E-40DD-AFC4-6F175D3DCCD1}">
-              <a14:hiddenFill xmlns:a14="http://schemas.microsoft.com/office/drawing/2010/main">
-                <a:solidFill>
-                  <a:srgbClr val="FFFFFF"/>
-                </a:solidFill>
-              </a14:hiddenFill>
-            </a:ext>
-          </a:extLst>
         </p:spPr>
       </p:pic>
       <p:sp>
         <p:nvSpPr>
-          <p:cNvPr id="4" name="Oval 3">
+          <p:cNvPr id="7" name="Rectangle 6">
             <a:extLst>
               <a:ext uri="{FF2B5EF4-FFF2-40B4-BE49-F238E27FC236}">
-                <a16:creationId xmlns:a16="http://schemas.microsoft.com/office/drawing/2014/main" id="{7E5E5BFE-7DED-24B2-C5BA-E18DA99161BB}"/>
+                <a16:creationId xmlns:a16="http://schemas.microsoft.com/office/drawing/2014/main" id="{78231420-BBE7-F06C-1E09-F2DFFAA7342B}"/>
               </a:ext>
             </a:extLst>
           </p:cNvPr>
@@ -9787,16 +9770,18 @@
         </p:nvSpPr>
         <p:spPr>
           <a:xfrm>
-            <a:off x="5613988" y="1477926"/>
-            <a:ext cx="287080" cy="5241853"/>
+            <a:off x="63374" y="1258432"/>
+            <a:ext cx="1539089" cy="199176"/>
           </a:xfrm>
-          <a:prstGeom prst="ellipse">
+          <a:prstGeom prst="rect">
             <a:avLst/>
           </a:prstGeom>
-          <a:noFill/>
+          <a:solidFill>
+            <a:schemeClr val="bg1"/>
+          </a:solidFill>
           <a:ln>
             <a:solidFill>
-              <a:srgbClr val="A50021"/>
+              <a:schemeClr val="bg1"/>
             </a:solidFill>
           </a:ln>
         </p:spPr>
@@ -9827,132 +9812,423 @@
       </p:sp>
       <p:sp>
         <p:nvSpPr>
-          <p:cNvPr id="5" name="Content Placeholder 2">
+          <p:cNvPr id="8" name="Oval 7">
             <a:extLst>
               <a:ext uri="{FF2B5EF4-FFF2-40B4-BE49-F238E27FC236}">
-                <a16:creationId xmlns:a16="http://schemas.microsoft.com/office/drawing/2014/main" id="{4B1279BB-C9B4-464E-ED5E-7826701DD053}"/>
+                <a16:creationId xmlns:a16="http://schemas.microsoft.com/office/drawing/2014/main" id="{37239222-8B8C-9F25-6024-6C64DD456133}"/>
               </a:ext>
             </a:extLst>
           </p:cNvPr>
-          <p:cNvSpPr>
-            <a:spLocks noGrp="1"/>
-          </p:cNvSpPr>
-          <p:nvPr>
-            <p:ph idx="1"/>
-          </p:nvPr>
+          <p:cNvSpPr/>
+          <p:nvPr/>
         </p:nvSpPr>
         <p:spPr>
           <a:xfrm>
-            <a:off x="8130309" y="1435396"/>
-            <a:ext cx="3629299" cy="4454663"/>
+            <a:off x="7196748" y="1195057"/>
+            <a:ext cx="208984" cy="5662943"/>
           </a:xfrm>
+          <a:prstGeom prst="ellipse">
+            <a:avLst/>
+          </a:prstGeom>
+          <a:noFill/>
+          <a:ln>
+            <a:solidFill>
+              <a:schemeClr val="bg1">
+                <a:lumMod val="50000"/>
+              </a:schemeClr>
+            </a:solidFill>
+          </a:ln>
+        </p:spPr>
+        <p:style>
+          <a:lnRef idx="2">
+            <a:schemeClr val="accent1">
+              <a:shade val="15000"/>
+            </a:schemeClr>
+          </a:lnRef>
+          <a:fillRef idx="1">
+            <a:schemeClr val="accent1"/>
+          </a:fillRef>
+          <a:effectRef idx="0">
+            <a:schemeClr val="accent1"/>
+          </a:effectRef>
+          <a:fontRef idx="minor">
+            <a:schemeClr val="lt1"/>
+          </a:fontRef>
+        </p:style>
+        <p:txBody>
+          <a:bodyPr rtlCol="0" anchor="ctr"/>
+          <a:lstStyle/>
+          <a:p>
+            <a:pPr algn="ctr"/>
+            <a:endParaRPr lang="en-AU"/>
+          </a:p>
+        </p:txBody>
+      </p:sp>
+      <p:sp>
+        <p:nvSpPr>
+          <p:cNvPr id="9" name="Oval 8">
+            <a:extLst>
+              <a:ext uri="{FF2B5EF4-FFF2-40B4-BE49-F238E27FC236}">
+                <a16:creationId xmlns:a16="http://schemas.microsoft.com/office/drawing/2014/main" id="{A05B6F85-A9AA-A2CD-EAD9-7E5F0EB699ED}"/>
+              </a:ext>
+            </a:extLst>
+          </p:cNvPr>
+          <p:cNvSpPr/>
+          <p:nvPr/>
+        </p:nvSpPr>
+        <p:spPr>
+          <a:xfrm>
+            <a:off x="8879940" y="1195056"/>
+            <a:ext cx="208984" cy="5662943"/>
+          </a:xfrm>
+          <a:prstGeom prst="ellipse">
+            <a:avLst/>
+          </a:prstGeom>
+          <a:noFill/>
+          <a:ln>
+            <a:solidFill>
+              <a:schemeClr val="bg1">
+                <a:lumMod val="50000"/>
+              </a:schemeClr>
+            </a:solidFill>
+          </a:ln>
+        </p:spPr>
+        <p:style>
+          <a:lnRef idx="2">
+            <a:schemeClr val="accent1">
+              <a:shade val="15000"/>
+            </a:schemeClr>
+          </a:lnRef>
+          <a:fillRef idx="1">
+            <a:schemeClr val="accent1"/>
+          </a:fillRef>
+          <a:effectRef idx="0">
+            <a:schemeClr val="accent1"/>
+          </a:effectRef>
+          <a:fontRef idx="minor">
+            <a:schemeClr val="lt1"/>
+          </a:fontRef>
+        </p:style>
+        <p:txBody>
+          <a:bodyPr rtlCol="0" anchor="ctr"/>
+          <a:lstStyle/>
+          <a:p>
+            <a:pPr algn="ctr"/>
+            <a:endParaRPr lang="en-AU"/>
+          </a:p>
+        </p:txBody>
+      </p:sp>
+      <p:sp>
+        <p:nvSpPr>
+          <p:cNvPr id="10" name="Oval 9">
+            <a:extLst>
+              <a:ext uri="{FF2B5EF4-FFF2-40B4-BE49-F238E27FC236}">
+                <a16:creationId xmlns:a16="http://schemas.microsoft.com/office/drawing/2014/main" id="{BE60F0E4-DDC5-75FA-019A-8A4E9EE9CD88}"/>
+              </a:ext>
+            </a:extLst>
+          </p:cNvPr>
+          <p:cNvSpPr/>
+          <p:nvPr/>
+        </p:nvSpPr>
+        <p:spPr>
+          <a:xfrm>
+            <a:off x="5140859" y="1195055"/>
+            <a:ext cx="208984" cy="5662943"/>
+          </a:xfrm>
+          <a:prstGeom prst="ellipse">
+            <a:avLst/>
+          </a:prstGeom>
+          <a:noFill/>
+          <a:ln>
+            <a:solidFill>
+              <a:schemeClr val="bg1">
+                <a:lumMod val="50000"/>
+              </a:schemeClr>
+            </a:solidFill>
+          </a:ln>
+        </p:spPr>
+        <p:style>
+          <a:lnRef idx="2">
+            <a:schemeClr val="accent1">
+              <a:shade val="15000"/>
+            </a:schemeClr>
+          </a:lnRef>
+          <a:fillRef idx="1">
+            <a:schemeClr val="accent1"/>
+          </a:fillRef>
+          <a:effectRef idx="0">
+            <a:schemeClr val="accent1"/>
+          </a:effectRef>
+          <a:fontRef idx="minor">
+            <a:schemeClr val="lt1"/>
+          </a:fontRef>
+        </p:style>
+        <p:txBody>
+          <a:bodyPr rtlCol="0" anchor="ctr"/>
+          <a:lstStyle/>
+          <a:p>
+            <a:pPr algn="ctr"/>
+            <a:endParaRPr lang="en-AU"/>
+          </a:p>
+        </p:txBody>
+      </p:sp>
+      <p:sp>
+        <p:nvSpPr>
+          <p:cNvPr id="11" name="Oval 10">
+            <a:extLst>
+              <a:ext uri="{FF2B5EF4-FFF2-40B4-BE49-F238E27FC236}">
+                <a16:creationId xmlns:a16="http://schemas.microsoft.com/office/drawing/2014/main" id="{2BC3F651-CA78-176B-2FAD-149A6868E45D}"/>
+              </a:ext>
+            </a:extLst>
+          </p:cNvPr>
+          <p:cNvSpPr/>
+          <p:nvPr/>
+        </p:nvSpPr>
+        <p:spPr>
+          <a:xfrm>
+            <a:off x="7387626" y="1195057"/>
+            <a:ext cx="208984" cy="5662943"/>
+          </a:xfrm>
+          <a:prstGeom prst="ellipse">
+            <a:avLst/>
+          </a:prstGeom>
+          <a:noFill/>
+          <a:ln>
+            <a:solidFill>
+              <a:schemeClr val="bg1">
+                <a:lumMod val="50000"/>
+              </a:schemeClr>
+            </a:solidFill>
+          </a:ln>
+        </p:spPr>
+        <p:style>
+          <a:lnRef idx="2">
+            <a:schemeClr val="accent1">
+              <a:shade val="15000"/>
+            </a:schemeClr>
+          </a:lnRef>
+          <a:fillRef idx="1">
+            <a:schemeClr val="accent1"/>
+          </a:fillRef>
+          <a:effectRef idx="0">
+            <a:schemeClr val="accent1"/>
+          </a:effectRef>
+          <a:fontRef idx="minor">
+            <a:schemeClr val="lt1"/>
+          </a:fontRef>
+        </p:style>
+        <p:txBody>
+          <a:bodyPr rtlCol="0" anchor="ctr"/>
+          <a:lstStyle/>
+          <a:p>
+            <a:pPr algn="ctr"/>
+            <a:endParaRPr lang="en-AU"/>
+          </a:p>
+        </p:txBody>
+      </p:sp>
+      <p:sp>
+        <p:nvSpPr>
+          <p:cNvPr id="12" name="Oval 11">
+            <a:extLst>
+              <a:ext uri="{FF2B5EF4-FFF2-40B4-BE49-F238E27FC236}">
+                <a16:creationId xmlns:a16="http://schemas.microsoft.com/office/drawing/2014/main" id="{512A7F23-89F9-372C-0A22-E087504E9D01}"/>
+              </a:ext>
+            </a:extLst>
+          </p:cNvPr>
+          <p:cNvSpPr/>
+          <p:nvPr/>
+        </p:nvSpPr>
+        <p:spPr>
+          <a:xfrm>
+            <a:off x="2148685" y="1195057"/>
+            <a:ext cx="208984" cy="5662943"/>
+          </a:xfrm>
+          <a:prstGeom prst="ellipse">
+            <a:avLst/>
+          </a:prstGeom>
+          <a:noFill/>
+          <a:ln>
+            <a:solidFill>
+              <a:schemeClr val="bg1">
+                <a:lumMod val="50000"/>
+              </a:schemeClr>
+            </a:solidFill>
+          </a:ln>
+        </p:spPr>
+        <p:style>
+          <a:lnRef idx="2">
+            <a:schemeClr val="accent1">
+              <a:shade val="15000"/>
+            </a:schemeClr>
+          </a:lnRef>
+          <a:fillRef idx="1">
+            <a:schemeClr val="accent1"/>
+          </a:fillRef>
+          <a:effectRef idx="0">
+            <a:schemeClr val="accent1"/>
+          </a:effectRef>
+          <a:fontRef idx="minor">
+            <a:schemeClr val="lt1"/>
+          </a:fontRef>
+        </p:style>
+        <p:txBody>
+          <a:bodyPr rtlCol="0" anchor="ctr"/>
+          <a:lstStyle/>
+          <a:p>
+            <a:pPr algn="ctr"/>
+            <a:endParaRPr lang="en-AU"/>
+          </a:p>
+        </p:txBody>
+      </p:sp>
+      <p:sp>
+        <p:nvSpPr>
+          <p:cNvPr id="13" name="Oval 12">
+            <a:extLst>
+              <a:ext uri="{FF2B5EF4-FFF2-40B4-BE49-F238E27FC236}">
+                <a16:creationId xmlns:a16="http://schemas.microsoft.com/office/drawing/2014/main" id="{97AEB6CD-ACC3-4E7C-70F2-2886F93EB8BA}"/>
+              </a:ext>
+            </a:extLst>
+          </p:cNvPr>
+          <p:cNvSpPr/>
+          <p:nvPr/>
+        </p:nvSpPr>
+        <p:spPr>
+          <a:xfrm>
+            <a:off x="3450878" y="1204114"/>
+            <a:ext cx="208984" cy="5662943"/>
+          </a:xfrm>
+          <a:prstGeom prst="ellipse">
+            <a:avLst/>
+          </a:prstGeom>
+          <a:noFill/>
+          <a:ln>
+            <a:solidFill>
+              <a:schemeClr val="bg1">
+                <a:lumMod val="50000"/>
+              </a:schemeClr>
+            </a:solidFill>
+          </a:ln>
+        </p:spPr>
+        <p:style>
+          <a:lnRef idx="2">
+            <a:schemeClr val="accent1">
+              <a:shade val="15000"/>
+            </a:schemeClr>
+          </a:lnRef>
+          <a:fillRef idx="1">
+            <a:schemeClr val="accent1"/>
+          </a:fillRef>
+          <a:effectRef idx="0">
+            <a:schemeClr val="accent1"/>
+          </a:effectRef>
+          <a:fontRef idx="minor">
+            <a:schemeClr val="lt1"/>
+          </a:fontRef>
+        </p:style>
+        <p:txBody>
+          <a:bodyPr rtlCol="0" anchor="ctr"/>
+          <a:lstStyle/>
+          <a:p>
+            <a:pPr algn="ctr"/>
+            <a:endParaRPr lang="en-AU"/>
+          </a:p>
+        </p:txBody>
+      </p:sp>
+      <p:sp>
+        <p:nvSpPr>
+          <p:cNvPr id="14" name="Rectangle 13">
+            <a:extLst>
+              <a:ext uri="{FF2B5EF4-FFF2-40B4-BE49-F238E27FC236}">
+                <a16:creationId xmlns:a16="http://schemas.microsoft.com/office/drawing/2014/main" id="{9DE20C03-F8D6-D35C-CC8B-C79973DA7822}"/>
+              </a:ext>
+            </a:extLst>
+          </p:cNvPr>
+          <p:cNvSpPr/>
+          <p:nvPr/>
+        </p:nvSpPr>
+        <p:spPr>
+          <a:xfrm>
+            <a:off x="126749" y="896293"/>
+            <a:ext cx="1475714" cy="298762"/>
+          </a:xfrm>
+          <a:prstGeom prst="rect">
+            <a:avLst/>
+          </a:prstGeom>
+          <a:solidFill>
+            <a:schemeClr val="bg1"/>
+          </a:solidFill>
+          <a:ln>
+            <a:solidFill>
+              <a:schemeClr val="bg1"/>
+            </a:solidFill>
+          </a:ln>
+        </p:spPr>
+        <p:style>
+          <a:lnRef idx="2">
+            <a:schemeClr val="accent1">
+              <a:shade val="15000"/>
+            </a:schemeClr>
+          </a:lnRef>
+          <a:fillRef idx="1">
+            <a:schemeClr val="accent1"/>
+          </a:fillRef>
+          <a:effectRef idx="0">
+            <a:schemeClr val="accent1"/>
+          </a:effectRef>
+          <a:fontRef idx="minor">
+            <a:schemeClr val="lt1"/>
+          </a:fontRef>
+        </p:style>
+        <p:txBody>
+          <a:bodyPr rtlCol="0" anchor="ctr"/>
+          <a:lstStyle/>
+          <a:p>
+            <a:pPr algn="ctr"/>
+            <a:endParaRPr lang="en-AU"/>
+          </a:p>
+        </p:txBody>
+      </p:sp>
+      <p:sp>
+        <p:nvSpPr>
+          <p:cNvPr id="15" name="TextBox 14">
+            <a:extLst>
+              <a:ext uri="{FF2B5EF4-FFF2-40B4-BE49-F238E27FC236}">
+                <a16:creationId xmlns:a16="http://schemas.microsoft.com/office/drawing/2014/main" id="{CF467BED-A4AD-DF66-14E1-DA3599EAB138}"/>
+              </a:ext>
+            </a:extLst>
+          </p:cNvPr>
+          <p:cNvSpPr txBox="1"/>
+          <p:nvPr/>
+        </p:nvSpPr>
+        <p:spPr>
+          <a:xfrm>
+            <a:off x="9587620" y="5719123"/>
+            <a:ext cx="2299580" cy="369332"/>
+          </a:xfrm>
+          <a:prstGeom prst="rect">
+            <a:avLst/>
+          </a:prstGeom>
+          <a:solidFill>
+            <a:schemeClr val="bg1"/>
+          </a:solidFill>
+          <a:ln w="76200">
+            <a:solidFill>
+              <a:schemeClr val="bg1">
+                <a:lumMod val="50000"/>
+              </a:schemeClr>
+            </a:solidFill>
+          </a:ln>
         </p:spPr>
         <p:txBody>
-          <a:bodyPr anchor="t">
-            <a:normAutofit fontScale="77500" lnSpcReduction="20000"/>
+          <a:bodyPr wrap="square" rtlCol="0">
+            <a:spAutoFit/>
           </a:bodyPr>
           <a:lstStyle/>
           <a:p>
-            <a:pPr marL="0" indent="0">
-              <a:buNone/>
-            </a:pPr>
-            <a:r>
-              <a:rPr lang="en-AU" b="1" dirty="0"/>
-              <a:t>Mental illness risk:</a:t>
-            </a:r>
-          </a:p>
-          <a:p>
-            <a:r>
-              <a:rPr lang="en-AU" b="1" dirty="0"/>
-              <a:t>rs798443: </a:t>
-            </a:r>
+            <a:pPr algn="ctr"/>
             <a:r>
               <a:rPr lang="en-AU" dirty="0"/>
-              <a:t>COMT gene, risk of mental illness, esp. risk of schizophrenia</a:t>
-            </a:r>
-          </a:p>
-          <a:p>
-            <a:r>
-              <a:rPr lang="en-AU" b="1" dirty="0"/>
-              <a:t>rs9511149: </a:t>
-            </a:r>
-            <a:r>
-              <a:rPr lang="en-AU" dirty="0"/>
-              <a:t>stress response</a:t>
-            </a:r>
-          </a:p>
-          <a:p>
-            <a:endParaRPr lang="en-AU" dirty="0"/>
-          </a:p>
-          <a:p>
-            <a:pPr marL="0" indent="0">
-              <a:buNone/>
-            </a:pPr>
-            <a:r>
-              <a:rPr lang="en-AU" b="1" dirty="0"/>
-              <a:t>Diabetes &amp; CVD risk:</a:t>
-            </a:r>
-          </a:p>
-          <a:p>
-            <a:r>
-              <a:rPr lang="en-AU" b="1" dirty="0"/>
-              <a:t>rs4833103: </a:t>
-            </a:r>
-            <a:r>
-              <a:rPr lang="en-AU" dirty="0"/>
-              <a:t>insulin sensitivity</a:t>
-            </a:r>
-          </a:p>
-          <a:p>
-            <a:r>
-              <a:rPr lang="en-AU" b="1" dirty="0"/>
-              <a:t>rs7657799: </a:t>
-            </a:r>
-            <a:r>
-              <a:rPr lang="en-AU" dirty="0"/>
-              <a:t>reg of blood pressure</a:t>
-            </a:r>
-          </a:p>
-          <a:p>
-            <a:r>
-              <a:rPr lang="en-AU" b="1" dirty="0"/>
-              <a:t>rs2238151: </a:t>
-            </a:r>
-            <a:r>
-              <a:rPr lang="en-AU" dirty="0"/>
-              <a:t>reg of glucose</a:t>
-            </a:r>
-          </a:p>
-          <a:p>
-            <a:r>
-              <a:rPr lang="en-AU" b="1" dirty="0"/>
-              <a:t>rs4891825: </a:t>
-            </a:r>
-            <a:r>
-              <a:rPr lang="en-AU" dirty="0"/>
-              <a:t>CVD risk</a:t>
-            </a:r>
-          </a:p>
-          <a:p>
-            <a:endParaRPr lang="en-AU" b="1" dirty="0"/>
-          </a:p>
-          <a:p>
-            <a:pPr marL="0" indent="0">
-              <a:buNone/>
-            </a:pPr>
-            <a:r>
-              <a:rPr lang="en-AU" b="1" dirty="0"/>
-              <a:t>Physical features:</a:t>
-            </a:r>
-          </a:p>
-          <a:p>
-            <a:r>
-              <a:rPr lang="en-AU" b="1" dirty="0"/>
-              <a:t>rs12913832: </a:t>
-            </a:r>
-            <a:r>
-              <a:rPr lang="en-AU" dirty="0"/>
-              <a:t>eye colour, esp. determination of brown vs. blue</a:t>
+              <a:t>CVD &amp; Diabetes</a:t>
             </a:r>
           </a:p>
         </p:txBody>
@@ -9989,174 +10265,706 @@
       </p:grpSpPr>
       <p:pic>
         <p:nvPicPr>
-          <p:cNvPr id="4098" name="Picture 2">
+          <p:cNvPr id="6" name="Picture 5">
             <a:extLst>
               <a:ext uri="{FF2B5EF4-FFF2-40B4-BE49-F238E27FC236}">
-                <a16:creationId xmlns:a16="http://schemas.microsoft.com/office/drawing/2014/main" id="{0ACA15AD-14DD-FD15-05E3-FD01404504FE}"/>
+                <a16:creationId xmlns:a16="http://schemas.microsoft.com/office/drawing/2014/main" id="{F229765D-6469-FC39-EF87-608226A933B6}"/>
               </a:ext>
             </a:extLst>
           </p:cNvPr>
           <p:cNvPicPr>
-            <a:picLocks noChangeAspect="1" noChangeArrowheads="1"/>
+            <a:picLocks noChangeAspect="1"/>
           </p:cNvPicPr>
           <p:nvPr/>
         </p:nvPicPr>
         <p:blipFill>
-          <a:blip r:embed="rId2">
-            <a:extLst>
-              <a:ext uri="{28A0092B-C50C-407E-A947-70E740481C1C}">
-                <a14:useLocalDpi xmlns:a14="http://schemas.microsoft.com/office/drawing/2010/main" val="0"/>
-              </a:ext>
-            </a:extLst>
-          </a:blip>
-          <a:srcRect/>
+          <a:blip r:embed="rId2"/>
           <a:stretch>
             <a:fillRect/>
           </a:stretch>
         </p:blipFill>
-        <p:spPr bwMode="auto">
+        <p:spPr>
           <a:xfrm>
-            <a:off x="644533" y="1219655"/>
-            <a:ext cx="7273925" cy="5599315"/>
+            <a:off x="0" y="769545"/>
+            <a:ext cx="12192000" cy="6088455"/>
           </a:xfrm>
           <a:prstGeom prst="rect">
             <a:avLst/>
           </a:prstGeom>
-          <a:noFill/>
-          <a:extLst>
-            <a:ext uri="{909E8E84-426E-40DD-AFC4-6F175D3DCCD1}">
-              <a14:hiddenFill xmlns:a14="http://schemas.microsoft.com/office/drawing/2010/main">
-                <a:solidFill>
-                  <a:srgbClr val="FFFFFF"/>
-                </a:solidFill>
-              </a14:hiddenFill>
-            </a:ext>
-          </a:extLst>
         </p:spPr>
       </p:pic>
       <p:sp>
         <p:nvSpPr>
-          <p:cNvPr id="3" name="Content Placeholder 2">
+          <p:cNvPr id="7" name="Rectangle 6">
             <a:extLst>
               <a:ext uri="{FF2B5EF4-FFF2-40B4-BE49-F238E27FC236}">
-                <a16:creationId xmlns:a16="http://schemas.microsoft.com/office/drawing/2014/main" id="{CE568E61-A07A-DC89-2BFC-474C2391628F}"/>
+                <a16:creationId xmlns:a16="http://schemas.microsoft.com/office/drawing/2014/main" id="{78231420-BBE7-F06C-1E09-F2DFFAA7342B}"/>
               </a:ext>
             </a:extLst>
           </p:cNvPr>
-          <p:cNvSpPr>
-            <a:spLocks noGrp="1"/>
-          </p:cNvSpPr>
-          <p:nvPr>
-            <p:ph idx="1"/>
-          </p:nvPr>
+          <p:cNvSpPr/>
+          <p:nvPr/>
         </p:nvSpPr>
         <p:spPr>
           <a:xfrm>
-            <a:off x="8130309" y="1435396"/>
-            <a:ext cx="3629299" cy="4454663"/>
+            <a:off x="63374" y="1258432"/>
+            <a:ext cx="1539089" cy="199176"/>
           </a:xfrm>
+          <a:prstGeom prst="rect">
+            <a:avLst/>
+          </a:prstGeom>
+          <a:solidFill>
+            <a:schemeClr val="bg1"/>
+          </a:solidFill>
+          <a:ln>
+            <a:solidFill>
+              <a:schemeClr val="bg1"/>
+            </a:solidFill>
+          </a:ln>
+        </p:spPr>
+        <p:style>
+          <a:lnRef idx="2">
+            <a:schemeClr val="accent1">
+              <a:shade val="15000"/>
+            </a:schemeClr>
+          </a:lnRef>
+          <a:fillRef idx="1">
+            <a:schemeClr val="accent1"/>
+          </a:fillRef>
+          <a:effectRef idx="0">
+            <a:schemeClr val="accent1"/>
+          </a:effectRef>
+          <a:fontRef idx="minor">
+            <a:schemeClr val="lt1"/>
+          </a:fontRef>
+        </p:style>
+        <p:txBody>
+          <a:bodyPr rtlCol="0" anchor="ctr"/>
+          <a:lstStyle/>
+          <a:p>
+            <a:pPr algn="ctr"/>
+            <a:endParaRPr lang="en-AU"/>
+          </a:p>
+        </p:txBody>
+      </p:sp>
+      <p:sp>
+        <p:nvSpPr>
+          <p:cNvPr id="8" name="Oval 7">
+            <a:extLst>
+              <a:ext uri="{FF2B5EF4-FFF2-40B4-BE49-F238E27FC236}">
+                <a16:creationId xmlns:a16="http://schemas.microsoft.com/office/drawing/2014/main" id="{37239222-8B8C-9F25-6024-6C64DD456133}"/>
+              </a:ext>
+            </a:extLst>
+          </p:cNvPr>
+          <p:cNvSpPr/>
+          <p:nvPr/>
+        </p:nvSpPr>
+        <p:spPr>
+          <a:xfrm>
+            <a:off x="6264232" y="1195053"/>
+            <a:ext cx="208984" cy="5662943"/>
+          </a:xfrm>
+          <a:prstGeom prst="ellipse">
+            <a:avLst/>
+          </a:prstGeom>
+          <a:noFill/>
+          <a:ln>
+            <a:solidFill>
+              <a:schemeClr val="accent1"/>
+            </a:solidFill>
+          </a:ln>
+        </p:spPr>
+        <p:style>
+          <a:lnRef idx="2">
+            <a:schemeClr val="accent1">
+              <a:shade val="15000"/>
+            </a:schemeClr>
+          </a:lnRef>
+          <a:fillRef idx="1">
+            <a:schemeClr val="accent1"/>
+          </a:fillRef>
+          <a:effectRef idx="0">
+            <a:schemeClr val="accent1"/>
+          </a:effectRef>
+          <a:fontRef idx="minor">
+            <a:schemeClr val="lt1"/>
+          </a:fontRef>
+        </p:style>
+        <p:txBody>
+          <a:bodyPr rtlCol="0" anchor="ctr"/>
+          <a:lstStyle/>
+          <a:p>
+            <a:pPr algn="ctr"/>
+            <a:endParaRPr lang="en-AU"/>
+          </a:p>
+        </p:txBody>
+      </p:sp>
+      <p:sp>
+        <p:nvSpPr>
+          <p:cNvPr id="9" name="Oval 8">
+            <a:extLst>
+              <a:ext uri="{FF2B5EF4-FFF2-40B4-BE49-F238E27FC236}">
+                <a16:creationId xmlns:a16="http://schemas.microsoft.com/office/drawing/2014/main" id="{A05B6F85-A9AA-A2CD-EAD9-7E5F0EB699ED}"/>
+              </a:ext>
+            </a:extLst>
+          </p:cNvPr>
+          <p:cNvSpPr/>
+          <p:nvPr/>
+        </p:nvSpPr>
+        <p:spPr>
+          <a:xfrm>
+            <a:off x="10758534" y="1195052"/>
+            <a:ext cx="208984" cy="5662943"/>
+          </a:xfrm>
+          <a:prstGeom prst="ellipse">
+            <a:avLst/>
+          </a:prstGeom>
+          <a:noFill/>
+          <a:ln>
+            <a:solidFill>
+              <a:schemeClr val="accent1"/>
+            </a:solidFill>
+          </a:ln>
+        </p:spPr>
+        <p:style>
+          <a:lnRef idx="2">
+            <a:schemeClr val="accent1">
+              <a:shade val="15000"/>
+            </a:schemeClr>
+          </a:lnRef>
+          <a:fillRef idx="1">
+            <a:schemeClr val="accent1"/>
+          </a:fillRef>
+          <a:effectRef idx="0">
+            <a:schemeClr val="accent1"/>
+          </a:effectRef>
+          <a:fontRef idx="minor">
+            <a:schemeClr val="lt1"/>
+          </a:fontRef>
+        </p:style>
+        <p:txBody>
+          <a:bodyPr rtlCol="0" anchor="ctr"/>
+          <a:lstStyle/>
+          <a:p>
+            <a:pPr algn="ctr"/>
+            <a:endParaRPr lang="en-AU"/>
+          </a:p>
+        </p:txBody>
+      </p:sp>
+      <p:sp>
+        <p:nvSpPr>
+          <p:cNvPr id="10" name="Oval 9">
+            <a:extLst>
+              <a:ext uri="{FF2B5EF4-FFF2-40B4-BE49-F238E27FC236}">
+                <a16:creationId xmlns:a16="http://schemas.microsoft.com/office/drawing/2014/main" id="{BE60F0E4-DDC5-75FA-019A-8A4E9EE9CD88}"/>
+              </a:ext>
+            </a:extLst>
+          </p:cNvPr>
+          <p:cNvSpPr/>
+          <p:nvPr/>
+        </p:nvSpPr>
+        <p:spPr>
+          <a:xfrm>
+            <a:off x="4941692" y="1195055"/>
+            <a:ext cx="208984" cy="5662943"/>
+          </a:xfrm>
+          <a:prstGeom prst="ellipse">
+            <a:avLst/>
+          </a:prstGeom>
+          <a:noFill/>
+          <a:ln>
+            <a:solidFill>
+              <a:schemeClr val="bg1">
+                <a:lumMod val="50000"/>
+              </a:schemeClr>
+            </a:solidFill>
+          </a:ln>
+        </p:spPr>
+        <p:style>
+          <a:lnRef idx="2">
+            <a:schemeClr val="accent1">
+              <a:shade val="15000"/>
+            </a:schemeClr>
+          </a:lnRef>
+          <a:fillRef idx="1">
+            <a:schemeClr val="accent1"/>
+          </a:fillRef>
+          <a:effectRef idx="0">
+            <a:schemeClr val="accent1"/>
+          </a:effectRef>
+          <a:fontRef idx="minor">
+            <a:schemeClr val="lt1"/>
+          </a:fontRef>
+        </p:style>
+        <p:txBody>
+          <a:bodyPr rtlCol="0" anchor="ctr"/>
+          <a:lstStyle/>
+          <a:p>
+            <a:pPr algn="ctr"/>
+            <a:endParaRPr lang="en-AU"/>
+          </a:p>
+        </p:txBody>
+      </p:sp>
+      <p:sp>
+        <p:nvSpPr>
+          <p:cNvPr id="11" name="Oval 10">
+            <a:extLst>
+              <a:ext uri="{FF2B5EF4-FFF2-40B4-BE49-F238E27FC236}">
+                <a16:creationId xmlns:a16="http://schemas.microsoft.com/office/drawing/2014/main" id="{2BC3F651-CA78-176B-2FAD-149A6868E45D}"/>
+              </a:ext>
+            </a:extLst>
+          </p:cNvPr>
+          <p:cNvSpPr/>
+          <p:nvPr/>
+        </p:nvSpPr>
+        <p:spPr>
+          <a:xfrm>
+            <a:off x="7387626" y="1195057"/>
+            <a:ext cx="208984" cy="5662943"/>
+          </a:xfrm>
+          <a:prstGeom prst="ellipse">
+            <a:avLst/>
+          </a:prstGeom>
+          <a:noFill/>
+          <a:ln>
+            <a:solidFill>
+              <a:schemeClr val="accent1"/>
+            </a:solidFill>
+          </a:ln>
+        </p:spPr>
+        <p:style>
+          <a:lnRef idx="2">
+            <a:schemeClr val="accent1">
+              <a:shade val="15000"/>
+            </a:schemeClr>
+          </a:lnRef>
+          <a:fillRef idx="1">
+            <a:schemeClr val="accent1"/>
+          </a:fillRef>
+          <a:effectRef idx="0">
+            <a:schemeClr val="accent1"/>
+          </a:effectRef>
+          <a:fontRef idx="minor">
+            <a:schemeClr val="lt1"/>
+          </a:fontRef>
+        </p:style>
+        <p:txBody>
+          <a:bodyPr rtlCol="0" anchor="ctr"/>
+          <a:lstStyle/>
+          <a:p>
+            <a:pPr algn="ctr"/>
+            <a:endParaRPr lang="en-AU"/>
+          </a:p>
+        </p:txBody>
+      </p:sp>
+      <p:sp>
+        <p:nvSpPr>
+          <p:cNvPr id="12" name="Oval 11">
+            <a:extLst>
+              <a:ext uri="{FF2B5EF4-FFF2-40B4-BE49-F238E27FC236}">
+                <a16:creationId xmlns:a16="http://schemas.microsoft.com/office/drawing/2014/main" id="{512A7F23-89F9-372C-0A22-E087504E9D01}"/>
+              </a:ext>
+            </a:extLst>
+          </p:cNvPr>
+          <p:cNvSpPr/>
+          <p:nvPr/>
+        </p:nvSpPr>
+        <p:spPr>
+          <a:xfrm>
+            <a:off x="1204111" y="1195057"/>
+            <a:ext cx="208984" cy="5662943"/>
+          </a:xfrm>
+          <a:prstGeom prst="ellipse">
+            <a:avLst/>
+          </a:prstGeom>
+          <a:noFill/>
+          <a:ln>
+            <a:solidFill>
+              <a:schemeClr val="accent1"/>
+            </a:solidFill>
+          </a:ln>
+        </p:spPr>
+        <p:style>
+          <a:lnRef idx="2">
+            <a:schemeClr val="accent1">
+              <a:shade val="15000"/>
+            </a:schemeClr>
+          </a:lnRef>
+          <a:fillRef idx="1">
+            <a:schemeClr val="accent1"/>
+          </a:fillRef>
+          <a:effectRef idx="0">
+            <a:schemeClr val="accent1"/>
+          </a:effectRef>
+          <a:fontRef idx="minor">
+            <a:schemeClr val="lt1"/>
+          </a:fontRef>
+        </p:style>
+        <p:txBody>
+          <a:bodyPr rtlCol="0" anchor="ctr"/>
+          <a:lstStyle/>
+          <a:p>
+            <a:pPr algn="ctr"/>
+            <a:endParaRPr lang="en-AU"/>
+          </a:p>
+        </p:txBody>
+      </p:sp>
+      <p:sp>
+        <p:nvSpPr>
+          <p:cNvPr id="13" name="Oval 12">
+            <a:extLst>
+              <a:ext uri="{FF2B5EF4-FFF2-40B4-BE49-F238E27FC236}">
+                <a16:creationId xmlns:a16="http://schemas.microsoft.com/office/drawing/2014/main" id="{97AEB6CD-ACC3-4E7C-70F2-2886F93EB8BA}"/>
+              </a:ext>
+            </a:extLst>
+          </p:cNvPr>
+          <p:cNvSpPr/>
+          <p:nvPr/>
+        </p:nvSpPr>
+        <p:spPr>
+          <a:xfrm>
+            <a:off x="2516862" y="1195054"/>
+            <a:ext cx="208984" cy="5662943"/>
+          </a:xfrm>
+          <a:prstGeom prst="ellipse">
+            <a:avLst/>
+          </a:prstGeom>
+          <a:noFill/>
+          <a:ln>
+            <a:solidFill>
+              <a:schemeClr val="bg1">
+                <a:lumMod val="50000"/>
+              </a:schemeClr>
+            </a:solidFill>
+          </a:ln>
+        </p:spPr>
+        <p:style>
+          <a:lnRef idx="2">
+            <a:schemeClr val="accent1">
+              <a:shade val="15000"/>
+            </a:schemeClr>
+          </a:lnRef>
+          <a:fillRef idx="1">
+            <a:schemeClr val="accent1"/>
+          </a:fillRef>
+          <a:effectRef idx="0">
+            <a:schemeClr val="accent1"/>
+          </a:effectRef>
+          <a:fontRef idx="minor">
+            <a:schemeClr val="lt1"/>
+          </a:fontRef>
+        </p:style>
+        <p:txBody>
+          <a:bodyPr rtlCol="0" anchor="ctr"/>
+          <a:lstStyle/>
+          <a:p>
+            <a:pPr algn="ctr"/>
+            <a:endParaRPr lang="en-AU"/>
+          </a:p>
+        </p:txBody>
+      </p:sp>
+      <p:sp>
+        <p:nvSpPr>
+          <p:cNvPr id="14" name="Rectangle 13">
+            <a:extLst>
+              <a:ext uri="{FF2B5EF4-FFF2-40B4-BE49-F238E27FC236}">
+                <a16:creationId xmlns:a16="http://schemas.microsoft.com/office/drawing/2014/main" id="{9DE20C03-F8D6-D35C-CC8B-C79973DA7822}"/>
+              </a:ext>
+            </a:extLst>
+          </p:cNvPr>
+          <p:cNvSpPr/>
+          <p:nvPr/>
+        </p:nvSpPr>
+        <p:spPr>
+          <a:xfrm>
+            <a:off x="126749" y="896293"/>
+            <a:ext cx="1475714" cy="298762"/>
+          </a:xfrm>
+          <a:prstGeom prst="rect">
+            <a:avLst/>
+          </a:prstGeom>
+          <a:solidFill>
+            <a:schemeClr val="bg1"/>
+          </a:solidFill>
+          <a:ln>
+            <a:solidFill>
+              <a:schemeClr val="bg1"/>
+            </a:solidFill>
+          </a:ln>
+        </p:spPr>
+        <p:style>
+          <a:lnRef idx="2">
+            <a:schemeClr val="accent1">
+              <a:shade val="15000"/>
+            </a:schemeClr>
+          </a:lnRef>
+          <a:fillRef idx="1">
+            <a:schemeClr val="accent1"/>
+          </a:fillRef>
+          <a:effectRef idx="0">
+            <a:schemeClr val="accent1"/>
+          </a:effectRef>
+          <a:fontRef idx="minor">
+            <a:schemeClr val="lt1"/>
+          </a:fontRef>
+        </p:style>
+        <p:txBody>
+          <a:bodyPr rtlCol="0" anchor="ctr"/>
+          <a:lstStyle/>
+          <a:p>
+            <a:pPr algn="ctr"/>
+            <a:endParaRPr lang="en-AU"/>
+          </a:p>
+        </p:txBody>
+      </p:sp>
+      <p:sp>
+        <p:nvSpPr>
+          <p:cNvPr id="2" name="Oval 1">
+            <a:extLst>
+              <a:ext uri="{FF2B5EF4-FFF2-40B4-BE49-F238E27FC236}">
+                <a16:creationId xmlns:a16="http://schemas.microsoft.com/office/drawing/2014/main" id="{84D12259-D72C-7CBF-0421-060987109EAB}"/>
+              </a:ext>
+            </a:extLst>
+          </p:cNvPr>
+          <p:cNvSpPr/>
+          <p:nvPr/>
+        </p:nvSpPr>
+        <p:spPr>
+          <a:xfrm>
+            <a:off x="10195720" y="1211657"/>
+            <a:ext cx="208984" cy="5662943"/>
+          </a:xfrm>
+          <a:prstGeom prst="ellipse">
+            <a:avLst/>
+          </a:prstGeom>
+          <a:noFill/>
+          <a:ln>
+            <a:solidFill>
+              <a:schemeClr val="accent1"/>
+            </a:solidFill>
+          </a:ln>
+        </p:spPr>
+        <p:style>
+          <a:lnRef idx="2">
+            <a:schemeClr val="accent1">
+              <a:shade val="15000"/>
+            </a:schemeClr>
+          </a:lnRef>
+          <a:fillRef idx="1">
+            <a:schemeClr val="accent1"/>
+          </a:fillRef>
+          <a:effectRef idx="0">
+            <a:schemeClr val="accent1"/>
+          </a:effectRef>
+          <a:fontRef idx="minor">
+            <a:schemeClr val="lt1"/>
+          </a:fontRef>
+        </p:style>
+        <p:txBody>
+          <a:bodyPr rtlCol="0" anchor="ctr"/>
+          <a:lstStyle/>
+          <a:p>
+            <a:pPr algn="ctr"/>
+            <a:endParaRPr lang="en-AU"/>
+          </a:p>
+        </p:txBody>
+      </p:sp>
+      <p:sp>
+        <p:nvSpPr>
+          <p:cNvPr id="3" name="TextBox 2">
+            <a:extLst>
+              <a:ext uri="{FF2B5EF4-FFF2-40B4-BE49-F238E27FC236}">
+                <a16:creationId xmlns:a16="http://schemas.microsoft.com/office/drawing/2014/main" id="{D7CB8A2A-299C-8B00-1609-6D2B920E2D9F}"/>
+              </a:ext>
+            </a:extLst>
+          </p:cNvPr>
+          <p:cNvSpPr txBox="1"/>
+          <p:nvPr/>
+        </p:nvSpPr>
+        <p:spPr>
+          <a:xfrm>
+            <a:off x="10404704" y="5881501"/>
+            <a:ext cx="1324068" cy="369332"/>
+          </a:xfrm>
+          <a:prstGeom prst="rect">
+            <a:avLst/>
+          </a:prstGeom>
+          <a:solidFill>
+            <a:schemeClr val="bg1"/>
+          </a:solidFill>
+          <a:ln w="76200">
+            <a:solidFill>
+              <a:schemeClr val="accent1"/>
+            </a:solidFill>
+          </a:ln>
         </p:spPr>
         <p:txBody>
-          <a:bodyPr anchor="t">
-            <a:normAutofit/>
+          <a:bodyPr wrap="square" rtlCol="0">
+            <a:spAutoFit/>
           </a:bodyPr>
           <a:lstStyle/>
           <a:p>
-            <a:pPr marL="0" indent="0">
-              <a:buNone/>
-            </a:pPr>
-            <a:r>
-              <a:rPr lang="en-AU" sz="1500" b="1" dirty="0"/>
-              <a:t>Cancer risk:</a:t>
-            </a:r>
-          </a:p>
-          <a:p>
-            <a:r>
-              <a:rPr lang="en-AU" sz="1500" b="1" dirty="0"/>
-              <a:t>rs3813159: </a:t>
-            </a:r>
-            <a:r>
-              <a:rPr lang="en-AU" sz="1500" dirty="0"/>
-              <a:t>how the body responds to inflammatory signals</a:t>
-            </a:r>
-          </a:p>
-          <a:p>
-            <a:r>
-              <a:rPr lang="en-AU" sz="1500" b="1" dirty="0"/>
-              <a:t>rs917115: </a:t>
-            </a:r>
-            <a:r>
-              <a:rPr lang="en-AU" sz="1500" dirty="0"/>
-              <a:t>cell growth in relation to hormone signalling</a:t>
-            </a:r>
-          </a:p>
-          <a:p>
-            <a:r>
-              <a:rPr lang="en-AU" sz="1500" b="1" dirty="0"/>
-              <a:t>rs17642714: </a:t>
-            </a:r>
-            <a:r>
-              <a:rPr lang="en-AU" sz="1500" dirty="0"/>
-              <a:t>cell growth regulation</a:t>
-            </a:r>
-          </a:p>
-          <a:p>
-            <a:r>
-              <a:rPr lang="en-AU" sz="1500" b="1" dirty="0"/>
-              <a:t>rs7722456: </a:t>
-            </a:r>
-            <a:r>
-              <a:rPr lang="en-AU" sz="1500" dirty="0"/>
-              <a:t>cancer metastasis</a:t>
-            </a:r>
-          </a:p>
-          <a:p>
-            <a:pPr marL="0" indent="0">
-              <a:buNone/>
-            </a:pPr>
-            <a:endParaRPr lang="en-AU" dirty="0"/>
-          </a:p>
-          <a:p>
-            <a:pPr marL="0" indent="0">
-              <a:buNone/>
-            </a:pPr>
-            <a:r>
-              <a:rPr lang="en-AU" sz="1500" b="1" dirty="0"/>
-              <a:t>Obesity:</a:t>
-            </a:r>
-          </a:p>
-          <a:p>
-            <a:r>
-              <a:rPr lang="en-AU" sz="1500" b="1" dirty="0"/>
-              <a:t>rs10644</a:t>
-            </a:r>
-            <a:r>
-              <a:rPr lang="en-AU" sz="2000" b="1" dirty="0"/>
-              <a:t>: </a:t>
-            </a:r>
-            <a:r>
-              <a:rPr lang="en-AU" sz="1500" dirty="0"/>
-              <a:t>reg of energy &amp; fat storage</a:t>
-            </a:r>
-          </a:p>
-          <a:p>
-            <a:pPr marL="0" indent="0">
-              <a:buNone/>
-            </a:pPr>
-            <a:endParaRPr lang="en-AU" b="1" dirty="0"/>
-          </a:p>
-          <a:p>
-            <a:pPr marL="0" indent="0">
-              <a:buNone/>
-            </a:pPr>
-            <a:endParaRPr lang="en-AU" dirty="0"/>
+            <a:pPr algn="ctr"/>
+            <a:r>
+              <a:rPr lang="en-AU" dirty="0"/>
+              <a:t>Obesity</a:t>
+            </a:r>
+          </a:p>
+        </p:txBody>
+      </p:sp>
+      <p:sp>
+        <p:nvSpPr>
+          <p:cNvPr id="15" name="TextBox 14">
+            <a:extLst>
+              <a:ext uri="{FF2B5EF4-FFF2-40B4-BE49-F238E27FC236}">
+                <a16:creationId xmlns:a16="http://schemas.microsoft.com/office/drawing/2014/main" id="{CF467BED-A4AD-DF66-14E1-DA3599EAB138}"/>
+              </a:ext>
+            </a:extLst>
+          </p:cNvPr>
+          <p:cNvSpPr txBox="1"/>
+          <p:nvPr/>
+        </p:nvSpPr>
+        <p:spPr>
+          <a:xfrm>
+            <a:off x="10381309" y="5274339"/>
+            <a:ext cx="1324068" cy="369332"/>
+          </a:xfrm>
+          <a:prstGeom prst="rect">
+            <a:avLst/>
+          </a:prstGeom>
+          <a:solidFill>
+            <a:schemeClr val="bg1"/>
+          </a:solidFill>
+          <a:ln w="76200">
+            <a:solidFill>
+              <a:schemeClr val="bg1">
+                <a:lumMod val="50000"/>
+              </a:schemeClr>
+            </a:solidFill>
+          </a:ln>
+        </p:spPr>
+        <p:txBody>
+          <a:bodyPr wrap="square" rtlCol="0">
+            <a:spAutoFit/>
+          </a:bodyPr>
+          <a:lstStyle/>
+          <a:p>
+            <a:pPr algn="r"/>
+            <a:r>
+              <a:rPr lang="en-AU" dirty="0"/>
+              <a:t>Cancer Risk</a:t>
+            </a:r>
+          </a:p>
+        </p:txBody>
+      </p:sp>
+      <p:sp>
+        <p:nvSpPr>
+          <p:cNvPr id="4" name="Oval 3">
+            <a:extLst>
+              <a:ext uri="{FF2B5EF4-FFF2-40B4-BE49-F238E27FC236}">
+                <a16:creationId xmlns:a16="http://schemas.microsoft.com/office/drawing/2014/main" id="{09814E17-E5FF-A453-E1CC-E86C4F9CA78C}"/>
+              </a:ext>
+            </a:extLst>
+          </p:cNvPr>
+          <p:cNvSpPr/>
+          <p:nvPr/>
+        </p:nvSpPr>
+        <p:spPr>
+          <a:xfrm>
+            <a:off x="8689824" y="1211662"/>
+            <a:ext cx="208984" cy="5662943"/>
+          </a:xfrm>
+          <a:prstGeom prst="ellipse">
+            <a:avLst/>
+          </a:prstGeom>
+          <a:noFill/>
+          <a:ln>
+            <a:solidFill>
+              <a:schemeClr val="accent1"/>
+            </a:solidFill>
+          </a:ln>
+        </p:spPr>
+        <p:style>
+          <a:lnRef idx="2">
+            <a:schemeClr val="accent1">
+              <a:shade val="15000"/>
+            </a:schemeClr>
+          </a:lnRef>
+          <a:fillRef idx="1">
+            <a:schemeClr val="accent1"/>
+          </a:fillRef>
+          <a:effectRef idx="0">
+            <a:schemeClr val="accent1"/>
+          </a:effectRef>
+          <a:fontRef idx="minor">
+            <a:schemeClr val="lt1"/>
+          </a:fontRef>
+        </p:style>
+        <p:txBody>
+          <a:bodyPr rtlCol="0" anchor="ctr"/>
+          <a:lstStyle/>
+          <a:p>
+            <a:pPr algn="ctr"/>
+            <a:endParaRPr lang="en-AU"/>
+          </a:p>
+        </p:txBody>
+      </p:sp>
+      <p:sp>
+        <p:nvSpPr>
+          <p:cNvPr id="5" name="Oval 4">
+            <a:extLst>
+              <a:ext uri="{FF2B5EF4-FFF2-40B4-BE49-F238E27FC236}">
+                <a16:creationId xmlns:a16="http://schemas.microsoft.com/office/drawing/2014/main" id="{96D2A97D-A79C-BF50-8CE4-F0FCB2FF41B0}"/>
+              </a:ext>
+            </a:extLst>
+          </p:cNvPr>
+          <p:cNvSpPr/>
+          <p:nvPr/>
+        </p:nvSpPr>
+        <p:spPr>
+          <a:xfrm>
+            <a:off x="9430699" y="1201108"/>
+            <a:ext cx="208984" cy="5662943"/>
+          </a:xfrm>
+          <a:prstGeom prst="ellipse">
+            <a:avLst/>
+          </a:prstGeom>
+          <a:noFill/>
+          <a:ln>
+            <a:solidFill>
+              <a:schemeClr val="accent1"/>
+            </a:solidFill>
+          </a:ln>
+        </p:spPr>
+        <p:style>
+          <a:lnRef idx="2">
+            <a:schemeClr val="accent1">
+              <a:shade val="15000"/>
+            </a:schemeClr>
+          </a:lnRef>
+          <a:fillRef idx="1">
+            <a:schemeClr val="accent1"/>
+          </a:fillRef>
+          <a:effectRef idx="0">
+            <a:schemeClr val="accent1"/>
+          </a:effectRef>
+          <a:fontRef idx="minor">
+            <a:schemeClr val="lt1"/>
+          </a:fontRef>
+        </p:style>
+        <p:txBody>
+          <a:bodyPr rtlCol="0" anchor="ctr"/>
+          <a:lstStyle/>
+          <a:p>
+            <a:pPr algn="ctr"/>
+            <a:endParaRPr lang="en-AU"/>
           </a:p>
         </p:txBody>
       </p:sp>
     </p:spTree>
     <p:extLst>
       <p:ext uri="{BB962C8B-B14F-4D97-AF65-F5344CB8AC3E}">
-        <p14:creationId xmlns:p14="http://schemas.microsoft.com/office/powerpoint/2010/main" val="250012397"/>
+        <p14:creationId xmlns:p14="http://schemas.microsoft.com/office/powerpoint/2010/main" val="487835228"/>
       </p:ext>
     </p:extLst>
   </p:cSld>
